--- a/04-creating-custom-profiles.pptx
+++ b/04-creating-custom-profiles.pptx
@@ -6,10 +6,10 @@
     <p:sldMasterId id="2147483847" r:id="rId6"/>
   </p:sldMasterIdLst>
   <p:notesMasterIdLst>
-    <p:notesMasterId r:id="rId27"/>
+    <p:notesMasterId r:id="rId38"/>
   </p:notesMasterIdLst>
   <p:handoutMasterIdLst>
-    <p:handoutMasterId r:id="rId28"/>
+    <p:handoutMasterId r:id="rId39"/>
   </p:handoutMasterIdLst>
   <p:sldIdLst>
     <p:sldId id="256" r:id="rId7"/>
@@ -27,11 +27,22 @@
     <p:sldId id="298" r:id="rId19"/>
     <p:sldId id="299" r:id="rId20"/>
     <p:sldId id="300" r:id="rId21"/>
-    <p:sldId id="301" r:id="rId22"/>
-    <p:sldId id="290" r:id="rId23"/>
-    <p:sldId id="296" r:id="rId24"/>
-    <p:sldId id="276" r:id="rId25"/>
-    <p:sldId id="267" r:id="rId26"/>
+    <p:sldId id="303" r:id="rId22"/>
+    <p:sldId id="301" r:id="rId23"/>
+    <p:sldId id="304" r:id="rId24"/>
+    <p:sldId id="305" r:id="rId25"/>
+    <p:sldId id="306" r:id="rId26"/>
+    <p:sldId id="308" r:id="rId27"/>
+    <p:sldId id="309" r:id="rId28"/>
+    <p:sldId id="310" r:id="rId29"/>
+    <p:sldId id="311" r:id="rId30"/>
+    <p:sldId id="312" r:id="rId31"/>
+    <p:sldId id="313" r:id="rId32"/>
+    <p:sldId id="314" r:id="rId33"/>
+    <p:sldId id="296" r:id="rId34"/>
+    <p:sldId id="302" r:id="rId35"/>
+    <p:sldId id="276" r:id="rId36"/>
+    <p:sldId id="267" r:id="rId37"/>
   </p:sldIdLst>
   <p:sldSz cx="16256000" cy="9144000"/>
   <p:notesSz cx="6858000" cy="9144000"/>
@@ -293,7 +304,7 @@
               <a:pPr>
                 <a:defRPr/>
               </a:pPr>
-              <a:t>2015-12-11</a:t>
+              <a:t>2015-12-14</a:t>
             </a:fld>
             <a:endParaRPr lang="en-US" dirty="0"/>
           </a:p>
@@ -476,7 +487,7 @@
               <a:pPr>
                 <a:defRPr/>
               </a:pPr>
-              <a:t>2015-12-11</a:t>
+              <a:t>2015-12-14</a:t>
             </a:fld>
             <a:endParaRPr lang="en-US" dirty="0"/>
           </a:p>
@@ -2247,7 +2258,11 @@
             </a:pPr>
             <a:r>
               <a:rPr lang="en-US" dirty="0" smtClean="0"/>
-              <a:t>Now run `$ </a:t>
+              <a:t>Now run </a:t>
+            </a:r>
+            <a:r>
+              <a:rPr lang="en-US" dirty="0" smtClean="0"/>
+              <a:t>`</a:t>
             </a:r>
             <a:r>
               <a:rPr lang="en-US" dirty="0" err="1" smtClean="0"/>
@@ -2255,7 +2270,11 @@
             </a:r>
             <a:r>
               <a:rPr lang="en-US" dirty="0" smtClean="0"/>
-              <a:t> check ~/</a:t>
+              <a:t> </a:t>
+            </a:r>
+            <a:r>
+              <a:rPr lang="en-US" dirty="0" smtClean="0"/>
+              <a:t>check ~/</a:t>
             </a:r>
             <a:r>
               <a:rPr lang="en-US" dirty="0" err="1" smtClean="0"/>
@@ -2267,7 +2286,19 @@
             </a:r>
             <a:r>
               <a:rPr lang="en-US" baseline="0" dirty="0" smtClean="0"/>
-              <a:t> again. You should no longer see the errors you saw previously.</a:t>
+              <a:t> again. You should </a:t>
+            </a:r>
+            <a:r>
+              <a:rPr lang="en-US" baseline="0" dirty="0" smtClean="0"/>
+              <a:t>see the new </a:t>
+            </a:r>
+            <a:r>
+              <a:rPr lang="en-US" baseline="0" dirty="0" err="1" smtClean="0"/>
+              <a:t>tmp</a:t>
+            </a:r>
+            <a:r>
+              <a:rPr lang="en-US" baseline="0" dirty="0" smtClean="0"/>
+              <a:t>/rb files was verified.</a:t>
             </a:r>
             <a:endParaRPr lang="en-US" dirty="0" smtClean="0"/>
           </a:p>
@@ -2441,17 +2472,34 @@
               <a:defRPr/>
             </a:pPr>
             <a:r>
-              <a:rPr lang="en-US" b="0" dirty="0" smtClean="0"/>
-              <a:t>TBD</a:t>
-            </a:r>
-            <a:r>
-              <a:rPr lang="en-US" b="0" baseline="0" dirty="0" smtClean="0"/>
-              <a:t> ....12/11</a:t>
-            </a:r>
-            <a:endParaRPr lang="en-US" b="0" dirty="0" smtClean="0"/>
-          </a:p>
-          <a:p>
-            <a:endParaRPr lang="en-US" dirty="0"/>
+              <a:rPr lang="en-US" dirty="0" smtClean="0"/>
+              <a:t>Now run </a:t>
+            </a:r>
+            <a:r>
+              <a:rPr lang="en-US" dirty="0" smtClean="0"/>
+              <a:t>`</a:t>
+            </a:r>
+            <a:r>
+              <a:rPr lang="en-US" dirty="0" err="1" smtClean="0"/>
+              <a:t>inspec</a:t>
+            </a:r>
+            <a:r>
+              <a:rPr lang="en-US" dirty="0" smtClean="0"/>
+              <a:t> exec ~/</a:t>
+            </a:r>
+            <a:r>
+              <a:rPr lang="en-US" dirty="0" err="1" smtClean="0"/>
+              <a:t>compliance_profiles</a:t>
+            </a:r>
+            <a:r>
+              <a:rPr lang="en-US" dirty="0" smtClean="0"/>
+              <a:t>/profile_01'.</a:t>
+            </a:r>
+            <a:r>
+              <a:rPr lang="en-US" baseline="0" dirty="0" smtClean="0"/>
+              <a:t> The test should be successful, showing no failures.</a:t>
+            </a:r>
+            <a:endParaRPr lang="en-US" dirty="0" smtClean="0"/>
           </a:p>
         </p:txBody>
       </p:sp>
@@ -2531,7 +2579,7 @@
     </p:spTree>
     <p:extLst>
       <p:ext uri="{BB962C8B-B14F-4D97-AF65-F5344CB8AC3E}">
-        <p14:creationId xmlns:p14="http://schemas.microsoft.com/office/powerpoint/2010/main" val="3405956132"/>
+        <p14:creationId xmlns:p14="http://schemas.microsoft.com/office/powerpoint/2010/main" val="2435799830"/>
       </p:ext>
     </p:extLst>
   </p:cSld>
@@ -2585,6 +2633,10 @@
           <a:bodyPr/>
           <a:lstStyle/>
           <a:p>
+            <a:r>
+              <a:rPr lang="en-US" dirty="0" smtClean="0"/>
+              <a:t>In addition to the uploading procedure we'll do in the exercise, in the workplace you could also upload such custom profiles using an API.</a:t>
+            </a:r>
             <a:endParaRPr lang="en-US" dirty="0"/>
           </a:p>
         </p:txBody>
@@ -2665,7 +2717,7 @@
     </p:spTree>
     <p:extLst>
       <p:ext uri="{BB962C8B-B14F-4D97-AF65-F5344CB8AC3E}">
-        <p14:creationId xmlns:p14="http://schemas.microsoft.com/office/powerpoint/2010/main" val="1482561898"/>
+        <p14:creationId xmlns:p14="http://schemas.microsoft.com/office/powerpoint/2010/main" val="3405956132"/>
       </p:ext>
     </p:extLst>
   </p:cSld>
@@ -2716,19 +2768,8 @@
         </p:nvSpPr>
         <p:spPr/>
         <p:txBody>
-          <a:bodyPr>
-            <a:normAutofit fontScale="92500" lnSpcReduction="20000"/>
-          </a:bodyPr>
+          <a:bodyPr/>
           <a:lstStyle/>
-          <a:p>
-            <a:r>
-              <a:rPr lang="en-US" dirty="0" smtClean="0"/>
-              <a:t>https://github.com/chef/inspec/blob/7f555b902d6860ffe236ff23e4b52f20bac28adc/lib/inspec/profile.rb#L81-L129</a:t>
-            </a:r>
-          </a:p>
-          <a:p>
-            <a:endParaRPr lang="en-US" dirty="0" smtClean="0"/>
-          </a:p>
           <a:p>
             <a:pPr marL="0" marR="0" indent="0" algn="l" defTabSz="1217613" rtl="0" eaLnBrk="1" fontAlgn="base" latinLnBrk="0" hangingPunct="1">
               <a:lnSpc>
@@ -2749,18 +2790,148 @@
             </a:pPr>
             <a:r>
               <a:rPr lang="en-US" dirty="0" smtClean="0"/>
-              <a:t>So your</a:t>
+              <a:t>Your</a:t>
             </a:r>
             <a:r>
               <a:rPr lang="en-US" baseline="0" dirty="0" smtClean="0"/>
-              <a:t> cookbooks will have a </a:t>
-            </a:r>
-            <a:r>
-              <a:rPr lang="en-US" dirty="0" smtClean="0"/>
-              <a:t>metadata.rb.</a:t>
-            </a:r>
+              <a:t> node may not have the zip package installed so let's use Chef to do that now.</a:t>
+            </a:r>
+            <a:endParaRPr lang="en-US" dirty="0" smtClean="0"/>
+          </a:p>
+          <a:p>
             <a:endParaRPr lang="en-US" dirty="0"/>
           </a:p>
+        </p:txBody>
+      </p:sp>
+      <p:sp>
+        <p:nvSpPr>
+          <p:cNvPr id="4" name="Slide Number Placeholder 3"/>
+          <p:cNvSpPr>
+            <a:spLocks noGrp="1"/>
+          </p:cNvSpPr>
+          <p:nvPr>
+            <p:ph type="sldNum" sz="quarter" idx="10"/>
+          </p:nvPr>
+        </p:nvSpPr>
+        <p:spPr/>
+        <p:txBody>
+          <a:bodyPr/>
+          <a:lstStyle/>
+          <a:p>
+            <a:pPr>
+              <a:defRPr/>
+            </a:pPr>
+            <a:fld id="{DC3734AA-3150-D947-AC52-2F5DF48BFCD5}" type="slidenum">
+              <a:rPr lang="en-US" smtClean="0"/>
+              <a:pPr>
+                <a:defRPr/>
+              </a:pPr>
+              <a:t>18</a:t>
+            </a:fld>
+            <a:endParaRPr lang="en-US" dirty="0"/>
+          </a:p>
+        </p:txBody>
+      </p:sp>
+      <p:sp>
+        <p:nvSpPr>
+          <p:cNvPr id="5" name="Header Placeholder 4"/>
+          <p:cNvSpPr>
+            <a:spLocks noGrp="1"/>
+          </p:cNvSpPr>
+          <p:nvPr>
+            <p:ph type="hdr" sz="quarter" idx="11"/>
+          </p:nvPr>
+        </p:nvSpPr>
+        <p:spPr/>
+        <p:txBody>
+          <a:bodyPr/>
+          <a:lstStyle/>
+          <a:p>
+            <a:pPr>
+              <a:defRPr/>
+            </a:pPr>
+            <a:endParaRPr lang="en-US"/>
+          </a:p>
+        </p:txBody>
+      </p:sp>
+      <p:sp>
+        <p:nvSpPr>
+          <p:cNvPr id="6" name="Footer Placeholder 5"/>
+          <p:cNvSpPr>
+            <a:spLocks noGrp="1"/>
+          </p:cNvSpPr>
+          <p:nvPr>
+            <p:ph type="ftr" sz="quarter" idx="12"/>
+          </p:nvPr>
+        </p:nvSpPr>
+        <p:spPr/>
+        <p:txBody>
+          <a:bodyPr/>
+          <a:lstStyle/>
+          <a:p>
+            <a:pPr>
+              <a:defRPr/>
+            </a:pPr>
+            <a:endParaRPr lang="en-US"/>
+          </a:p>
+        </p:txBody>
+      </p:sp>
+    </p:spTree>
+    <p:extLst>
+      <p:ext uri="{BB962C8B-B14F-4D97-AF65-F5344CB8AC3E}">
+        <p14:creationId xmlns:p14="http://schemas.microsoft.com/office/powerpoint/2010/main" val="2999192702"/>
+      </p:ext>
+    </p:extLst>
+  </p:cSld>
+  <p:clrMapOvr>
+    <a:masterClrMapping/>
+  </p:clrMapOvr>
+</p:notes>
+</file>
+
+<file path=ppt/notesSlides/notesSlide17.xml><?xml version="1.0" encoding="utf-8"?>
+<p:notes xmlns:a="http://schemas.openxmlformats.org/drawingml/2006/main" xmlns:r="http://schemas.openxmlformats.org/officeDocument/2006/relationships" xmlns:p="http://schemas.openxmlformats.org/presentationml/2006/main">
+  <p:cSld>
+    <p:spTree>
+      <p:nvGrpSpPr>
+        <p:cNvPr id="1" name=""/>
+        <p:cNvGrpSpPr/>
+        <p:nvPr/>
+      </p:nvGrpSpPr>
+      <p:grpSpPr>
+        <a:xfrm>
+          <a:off x="0" y="0"/>
+          <a:ext cx="0" cy="0"/>
+          <a:chOff x="0" y="0"/>
+          <a:chExt cx="0" cy="0"/>
+        </a:xfrm>
+      </p:grpSpPr>
+      <p:sp>
+        <p:nvSpPr>
+          <p:cNvPr id="2" name="Slide Image Placeholder 1"/>
+          <p:cNvSpPr>
+            <a:spLocks noGrp="1" noRot="1" noChangeAspect="1"/>
+          </p:cNvSpPr>
+          <p:nvPr>
+            <p:ph type="sldImg"/>
+          </p:nvPr>
+        </p:nvSpPr>
+        <p:spPr/>
+      </p:sp>
+      <p:sp>
+        <p:nvSpPr>
+          <p:cNvPr id="3" name="Notes Placeholder 2"/>
+          <p:cNvSpPr>
+            <a:spLocks noGrp="1"/>
+          </p:cNvSpPr>
+          <p:nvPr>
+            <p:ph type="body" idx="1"/>
+          </p:nvPr>
+        </p:nvSpPr>
+        <p:spPr/>
+        <p:txBody>
+          <a:bodyPr/>
+          <a:lstStyle/>
           <a:p>
             <a:pPr marL="0" marR="0" indent="0" algn="l" defTabSz="1217613" rtl="0" eaLnBrk="1" fontAlgn="base" latinLnBrk="0" hangingPunct="1">
               <a:lnSpc>
@@ -2781,13 +2952,155 @@
             </a:pPr>
             <a:r>
               <a:rPr lang="en-US" dirty="0" smtClean="0"/>
-              <a:t>An</a:t>
-            </a:r>
-            <a:r>
-              <a:rPr lang="en-US" baseline="0" dirty="0" smtClean="0"/>
-              <a:t>d your </a:t>
-            </a:r>
-          </a:p>
+              <a:t>Move to </a:t>
+            </a:r>
+            <a:r>
+              <a:rPr lang="en-US" dirty="0" smtClean="0"/>
+              <a:t>~/</a:t>
+            </a:r>
+            <a:r>
+              <a:rPr lang="en-US" dirty="0" err="1" smtClean="0"/>
+              <a:t>compliance_profiles</a:t>
+            </a:r>
+            <a:r>
+              <a:rPr lang="en-US" dirty="0" smtClean="0"/>
+              <a:t> and then run `zip -r profile_01.zip profile_01`.</a:t>
+            </a:r>
+          </a:p>
+          <a:p>
+            <a:endParaRPr lang="en-US" dirty="0"/>
+          </a:p>
+        </p:txBody>
+      </p:sp>
+      <p:sp>
+        <p:nvSpPr>
+          <p:cNvPr id="4" name="Slide Number Placeholder 3"/>
+          <p:cNvSpPr>
+            <a:spLocks noGrp="1"/>
+          </p:cNvSpPr>
+          <p:nvPr>
+            <p:ph type="sldNum" sz="quarter" idx="10"/>
+          </p:nvPr>
+        </p:nvSpPr>
+        <p:spPr/>
+        <p:txBody>
+          <a:bodyPr/>
+          <a:lstStyle/>
+          <a:p>
+            <a:pPr>
+              <a:defRPr/>
+            </a:pPr>
+            <a:fld id="{DC3734AA-3150-D947-AC52-2F5DF48BFCD5}" type="slidenum">
+              <a:rPr lang="en-US" smtClean="0"/>
+              <a:pPr>
+                <a:defRPr/>
+              </a:pPr>
+              <a:t>19</a:t>
+            </a:fld>
+            <a:endParaRPr lang="en-US" dirty="0"/>
+          </a:p>
+        </p:txBody>
+      </p:sp>
+      <p:sp>
+        <p:nvSpPr>
+          <p:cNvPr id="5" name="Header Placeholder 4"/>
+          <p:cNvSpPr>
+            <a:spLocks noGrp="1"/>
+          </p:cNvSpPr>
+          <p:nvPr>
+            <p:ph type="hdr" sz="quarter" idx="11"/>
+          </p:nvPr>
+        </p:nvSpPr>
+        <p:spPr/>
+        <p:txBody>
+          <a:bodyPr/>
+          <a:lstStyle/>
+          <a:p>
+            <a:pPr>
+              <a:defRPr/>
+            </a:pPr>
+            <a:endParaRPr lang="en-US"/>
+          </a:p>
+        </p:txBody>
+      </p:sp>
+      <p:sp>
+        <p:nvSpPr>
+          <p:cNvPr id="6" name="Footer Placeholder 5"/>
+          <p:cNvSpPr>
+            <a:spLocks noGrp="1"/>
+          </p:cNvSpPr>
+          <p:nvPr>
+            <p:ph type="ftr" sz="quarter" idx="12"/>
+          </p:nvPr>
+        </p:nvSpPr>
+        <p:spPr/>
+        <p:txBody>
+          <a:bodyPr/>
+          <a:lstStyle/>
+          <a:p>
+            <a:pPr>
+              <a:defRPr/>
+            </a:pPr>
+            <a:endParaRPr lang="en-US"/>
+          </a:p>
+        </p:txBody>
+      </p:sp>
+    </p:spTree>
+    <p:extLst>
+      <p:ext uri="{BB962C8B-B14F-4D97-AF65-F5344CB8AC3E}">
+        <p14:creationId xmlns:p14="http://schemas.microsoft.com/office/powerpoint/2010/main" val="3697590953"/>
+      </p:ext>
+    </p:extLst>
+  </p:cSld>
+  <p:clrMapOvr>
+    <a:masterClrMapping/>
+  </p:clrMapOvr>
+</p:notes>
+</file>
+
+<file path=ppt/notesSlides/notesSlide18.xml><?xml version="1.0" encoding="utf-8"?>
+<p:notes xmlns:a="http://schemas.openxmlformats.org/drawingml/2006/main" xmlns:r="http://schemas.openxmlformats.org/officeDocument/2006/relationships" xmlns:p="http://schemas.openxmlformats.org/presentationml/2006/main">
+  <p:cSld>
+    <p:spTree>
+      <p:nvGrpSpPr>
+        <p:cNvPr id="1" name=""/>
+        <p:cNvGrpSpPr/>
+        <p:nvPr/>
+      </p:nvGrpSpPr>
+      <p:grpSpPr>
+        <a:xfrm>
+          <a:off x="0" y="0"/>
+          <a:ext cx="0" cy="0"/>
+          <a:chOff x="0" y="0"/>
+          <a:chExt cx="0" cy="0"/>
+        </a:xfrm>
+      </p:grpSpPr>
+      <p:sp>
+        <p:nvSpPr>
+          <p:cNvPr id="2" name="Slide Image Placeholder 1"/>
+          <p:cNvSpPr>
+            <a:spLocks noGrp="1" noRot="1" noChangeAspect="1"/>
+          </p:cNvSpPr>
+          <p:nvPr>
+            <p:ph type="sldImg"/>
+          </p:nvPr>
+        </p:nvSpPr>
+        <p:spPr/>
+      </p:sp>
+      <p:sp>
+        <p:nvSpPr>
+          <p:cNvPr id="3" name="Notes Placeholder 2"/>
+          <p:cNvSpPr>
+            <a:spLocks noGrp="1"/>
+          </p:cNvSpPr>
+          <p:nvPr>
+            <p:ph type="body" idx="1"/>
+          </p:nvPr>
+        </p:nvSpPr>
+        <p:spPr/>
+        <p:txBody>
+          <a:bodyPr/>
+          <a:lstStyle/>
           <a:p>
             <a:pPr marL="0" marR="0" indent="0" algn="l" defTabSz="1217613" rtl="0" eaLnBrk="1" fontAlgn="base" latinLnBrk="0" hangingPunct="1">
               <a:lnSpc>
@@ -2806,166 +3119,18 @@
               <a:tabLst/>
               <a:defRPr/>
             </a:pPr>
-            <a:endParaRPr lang="en-US" baseline="0" dirty="0" smtClean="0"/>
-          </a:p>
-          <a:p>
-            <a:r>
-              <a:rPr lang="en-US" sz="1200" b="1" i="0" kern="1200" dirty="0" smtClean="0">
-                <a:solidFill>
-                  <a:schemeClr val="tx1"/>
-                </a:solidFill>
-                <a:effectLst/>
-                <a:latin typeface="Arial" panose="020B0604020202020204" pitchFamily="34" charset="0"/>
-                <a:ea typeface="ＭＳ Ｐゴシック" charset="0"/>
-                <a:cs typeface="Arial" panose="020B0604020202020204" pitchFamily="34" charset="0"/>
-              </a:rPr>
-              <a:t>Adding profiles</a:t>
-            </a:r>
-          </a:p>
-          <a:p>
-            <a:r>
-              <a:rPr lang="en-US" sz="1200" b="0" i="0" kern="1200" dirty="0" smtClean="0">
-                <a:solidFill>
-                  <a:schemeClr val="tx1"/>
-                </a:solidFill>
-                <a:effectLst/>
-                <a:latin typeface="Arial" panose="020B0604020202020204" pitchFamily="34" charset="0"/>
-                <a:ea typeface="ＭＳ Ｐゴシック" charset="0"/>
-                <a:cs typeface="Arial" panose="020B0604020202020204" pitchFamily="34" charset="0"/>
-              </a:rPr>
-              <a:t>Compliance profiles must be packaged in to a .tar.gz or .zip file to be uploaded to the Compliance Server. </a:t>
-            </a:r>
-          </a:p>
-          <a:p>
-            <a:r>
-              <a:rPr lang="en-US" sz="1200" b="0" i="0" kern="1200" dirty="0" smtClean="0">
-                <a:solidFill>
-                  <a:schemeClr val="tx1"/>
-                </a:solidFill>
-                <a:effectLst/>
-                <a:latin typeface="Arial" panose="020B0604020202020204" pitchFamily="34" charset="0"/>
-                <a:ea typeface="ＭＳ Ｐゴシック" charset="0"/>
-                <a:cs typeface="Arial" panose="020B0604020202020204" pitchFamily="34" charset="0"/>
-              </a:rPr>
-              <a:t>The directory structure is as follows (note, this is subject to change.  TODO: link to official docs when </a:t>
-            </a:r>
-            <a:r>
-              <a:rPr lang="en-US" sz="1200" b="0" i="0" kern="1200" dirty="0" err="1" smtClean="0">
-                <a:solidFill>
-                  <a:schemeClr val="tx1"/>
-                </a:solidFill>
-                <a:effectLst/>
-                <a:latin typeface="Arial" panose="020B0604020202020204" pitchFamily="34" charset="0"/>
-                <a:ea typeface="ＭＳ Ｐゴシック" charset="0"/>
-                <a:cs typeface="Arial" panose="020B0604020202020204" pitchFamily="34" charset="0"/>
-              </a:rPr>
-              <a:t>avaialble</a:t>
-            </a:r>
-            <a:r>
-              <a:rPr lang="en-US" sz="1200" b="0" i="0" kern="1200" dirty="0" smtClean="0">
-                <a:solidFill>
-                  <a:schemeClr val="tx1"/>
-                </a:solidFill>
-                <a:effectLst/>
-                <a:latin typeface="Arial" panose="020B0604020202020204" pitchFamily="34" charset="0"/>
-                <a:ea typeface="ＭＳ Ｐゴシック" charset="0"/>
-                <a:cs typeface="Arial" panose="020B0604020202020204" pitchFamily="34" charset="0"/>
-              </a:rPr>
-              <a:t>):</a:t>
-            </a:r>
-          </a:p>
-          <a:p>
-            <a:r>
-              <a:rPr lang="en-US" sz="1200" b="0" i="0" kern="1200" dirty="0" smtClean="0">
-                <a:solidFill>
-                  <a:schemeClr val="tx1"/>
-                </a:solidFill>
-                <a:effectLst/>
-                <a:latin typeface="Arial" panose="020B0604020202020204" pitchFamily="34" charset="0"/>
-                <a:ea typeface="ＭＳ Ｐゴシック" charset="0"/>
-                <a:cs typeface="Arial" panose="020B0604020202020204" pitchFamily="34" charset="0"/>
-              </a:rPr>
-              <a:t>xyz.zip:</a:t>
-            </a:r>
-          </a:p>
-          <a:p>
-            <a:r>
-              <a:rPr lang="en-US" dirty="0" smtClean="0"/>
-              <a:t>.</a:t>
-            </a:r>
-            <a:br>
-              <a:rPr lang="en-US" dirty="0" smtClean="0"/>
-            </a:br>
-            <a:r>
-              <a:rPr lang="en-US" dirty="0" smtClean="0"/>
-              <a:t>├── README.md</a:t>
-            </a:r>
-            <a:br>
-              <a:rPr lang="en-US" dirty="0" smtClean="0"/>
-            </a:br>
-            <a:r>
-              <a:rPr lang="en-US" dirty="0" smtClean="0"/>
-              <a:t>├── metadata.rb</a:t>
-            </a:r>
-            <a:br>
-              <a:rPr lang="en-US" dirty="0" smtClean="0"/>
-            </a:br>
-            <a:r>
-              <a:rPr lang="en-US" dirty="0" smtClean="0"/>
-              <a:t>└── test</a:t>
-            </a:r>
-            <a:br>
-              <a:rPr lang="en-US" dirty="0" smtClean="0"/>
-            </a:br>
-            <a:r>
-              <a:rPr lang="en-US" dirty="0" smtClean="0"/>
-              <a:t>  ├── </a:t>
-            </a:r>
-            <a:r>
-              <a:rPr lang="en-US" dirty="0" err="1" smtClean="0"/>
-              <a:t>foo_spec.rb</a:t>
-            </a:r>
-            <a:r>
-              <a:rPr lang="en-US" dirty="0" smtClean="0"/>
-              <a:t/>
-            </a:r>
-            <a:br>
-              <a:rPr lang="en-US" dirty="0" smtClean="0"/>
-            </a:br>
-            <a:r>
-              <a:rPr lang="en-US" dirty="0" smtClean="0"/>
-              <a:t>  └── </a:t>
-            </a:r>
-            <a:r>
-              <a:rPr lang="en-US" dirty="0" err="1" smtClean="0"/>
-              <a:t>bar_spec.rb</a:t>
+            <a:r>
+              <a:rPr lang="en-US" dirty="0" smtClean="0"/>
+              <a:t>Type `ls</a:t>
+            </a:r>
+            <a:r>
+              <a:rPr lang="en-US" baseline="0" dirty="0" smtClean="0"/>
+              <a:t> -l` to verify the new zip file's creation.</a:t>
             </a:r>
             <a:endParaRPr lang="en-US" dirty="0" smtClean="0"/>
           </a:p>
           <a:p>
-            <a:endParaRPr lang="en-US" dirty="0" smtClean="0"/>
-          </a:p>
-          <a:p>
-            <a:r>
-              <a:rPr lang="en-US" dirty="0" smtClean="0"/>
-              <a:t>As you write controls, </a:t>
-            </a:r>
-            <a:r>
-              <a:rPr lang="en-US" dirty="0" err="1" smtClean="0"/>
-              <a:t>InSpec</a:t>
-            </a:r>
-            <a:r>
-              <a:rPr lang="en-US" dirty="0" smtClean="0"/>
-              <a:t> requires a `test` directory since it </a:t>
-            </a:r>
-            <a:r>
-              <a:rPr lang="en-US" dirty="0" err="1" smtClean="0"/>
-              <a:t>InSpec</a:t>
-            </a:r>
-            <a:r>
-              <a:rPr lang="en-US" dirty="0" smtClean="0"/>
-              <a:t> expect this structure.</a:t>
-            </a:r>
+            <a:endParaRPr lang="en-US" dirty="0"/>
           </a:p>
         </p:txBody>
       </p:sp>
@@ -2992,7 +3157,7 @@
               <a:pPr>
                 <a:defRPr/>
               </a:pPr>
-              <a:t>18</a:t>
+              <a:t>20</a:t>
             </a:fld>
             <a:endParaRPr lang="en-US" dirty="0"/>
           </a:p>
@@ -3045,7 +3210,288 @@
     </p:spTree>
     <p:extLst>
       <p:ext uri="{BB962C8B-B14F-4D97-AF65-F5344CB8AC3E}">
-        <p14:creationId xmlns:p14="http://schemas.microsoft.com/office/powerpoint/2010/main" val="4234763763"/>
+        <p14:creationId xmlns:p14="http://schemas.microsoft.com/office/powerpoint/2010/main" val="2951756277"/>
+      </p:ext>
+    </p:extLst>
+  </p:cSld>
+  <p:clrMapOvr>
+    <a:masterClrMapping/>
+  </p:clrMapOvr>
+</p:notes>
+</file>
+
+<file path=ppt/notesSlides/notesSlide19.xml><?xml version="1.0" encoding="utf-8"?>
+<p:notes xmlns:a="http://schemas.openxmlformats.org/drawingml/2006/main" xmlns:r="http://schemas.openxmlformats.org/officeDocument/2006/relationships" xmlns:p="http://schemas.openxmlformats.org/presentationml/2006/main">
+  <p:cSld>
+    <p:spTree>
+      <p:nvGrpSpPr>
+        <p:cNvPr id="1" name=""/>
+        <p:cNvGrpSpPr/>
+        <p:nvPr/>
+      </p:nvGrpSpPr>
+      <p:grpSpPr>
+        <a:xfrm>
+          <a:off x="0" y="0"/>
+          <a:ext cx="0" cy="0"/>
+          <a:chOff x="0" y="0"/>
+          <a:chExt cx="0" cy="0"/>
+        </a:xfrm>
+      </p:grpSpPr>
+      <p:sp>
+        <p:nvSpPr>
+          <p:cNvPr id="2" name="Slide Image Placeholder 1"/>
+          <p:cNvSpPr>
+            <a:spLocks noGrp="1" noRot="1" noChangeAspect="1"/>
+          </p:cNvSpPr>
+          <p:nvPr>
+            <p:ph type="sldImg"/>
+          </p:nvPr>
+        </p:nvSpPr>
+        <p:spPr/>
+      </p:sp>
+      <p:sp>
+        <p:nvSpPr>
+          <p:cNvPr id="3" name="Notes Placeholder 2"/>
+          <p:cNvSpPr>
+            <a:spLocks noGrp="1"/>
+          </p:cNvSpPr>
+          <p:nvPr>
+            <p:ph type="body" idx="1"/>
+          </p:nvPr>
+        </p:nvSpPr>
+        <p:spPr/>
+        <p:txBody>
+          <a:bodyPr/>
+          <a:lstStyle/>
+          <a:p>
+            <a:pPr marL="0" marR="0" indent="0" algn="l" defTabSz="1217613" rtl="0" eaLnBrk="1" fontAlgn="base" latinLnBrk="0" hangingPunct="1">
+              <a:lnSpc>
+                <a:spcPct val="90000"/>
+              </a:lnSpc>
+              <a:spcBef>
+                <a:spcPct val="30000"/>
+              </a:spcBef>
+              <a:spcAft>
+                <a:spcPts val="450"/>
+              </a:spcAft>
+              <a:buClrTx/>
+              <a:buSzTx/>
+              <a:buFontTx/>
+              <a:buNone/>
+              <a:tabLst/>
+              <a:defRPr/>
+            </a:pPr>
+            <a:r>
+              <a:rPr lang="en-US" b="1" dirty="0" smtClean="0"/>
+              <a:t>Important</a:t>
+            </a:r>
+            <a:r>
+              <a:rPr lang="en-US" dirty="0" smtClean="0"/>
+              <a:t>: Be sure to run this command from your laptop. You can first move to whatever directory on</a:t>
+            </a:r>
+            <a:r>
+              <a:rPr lang="en-US" baseline="0" dirty="0" smtClean="0"/>
+              <a:t> your laptop that you like.</a:t>
+            </a:r>
+          </a:p>
+          <a:p>
+            <a:pPr marL="0" marR="0" indent="0" algn="l" defTabSz="1217613" rtl="0" eaLnBrk="1" fontAlgn="base" latinLnBrk="0" hangingPunct="1">
+              <a:lnSpc>
+                <a:spcPct val="90000"/>
+              </a:lnSpc>
+              <a:spcBef>
+                <a:spcPct val="30000"/>
+              </a:spcBef>
+              <a:spcAft>
+                <a:spcPts val="450"/>
+              </a:spcAft>
+              <a:buClrTx/>
+              <a:buSzTx/>
+              <a:buFontTx/>
+              <a:buNone/>
+              <a:tabLst/>
+              <a:defRPr/>
+            </a:pPr>
+            <a:endParaRPr lang="en-US" baseline="0" dirty="0" smtClean="0"/>
+          </a:p>
+          <a:p>
+            <a:pPr marL="0" marR="0" indent="0" algn="l" defTabSz="1217613" rtl="0" eaLnBrk="1" fontAlgn="base" latinLnBrk="0" hangingPunct="1">
+              <a:lnSpc>
+                <a:spcPct val="90000"/>
+              </a:lnSpc>
+              <a:spcBef>
+                <a:spcPct val="30000"/>
+              </a:spcBef>
+              <a:spcAft>
+                <a:spcPts val="450"/>
+              </a:spcAft>
+              <a:buClrTx/>
+              <a:buSzTx/>
+              <a:buFontTx/>
+              <a:buNone/>
+              <a:tabLst/>
+              <a:defRPr/>
+            </a:pPr>
+            <a:r>
+              <a:rPr lang="en-US" baseline="0" dirty="0" smtClean="0"/>
+              <a:t>In this Windows example, the user created and moved to the C:\tmp location and then ran the above command. The </a:t>
+            </a:r>
+            <a:r>
+              <a:rPr lang="en-US" dirty="0" smtClean="0"/>
+              <a:t>IP address after the `chef@`</a:t>
+            </a:r>
+            <a:r>
+              <a:rPr lang="en-US" baseline="0" dirty="0" smtClean="0"/>
+              <a:t> is the IP address of the target node where the profile_01.zip was created.</a:t>
+            </a:r>
+          </a:p>
+          <a:p>
+            <a:pPr marL="0" marR="0" indent="0" algn="l" defTabSz="1217613" rtl="0" eaLnBrk="1" fontAlgn="base" latinLnBrk="0" hangingPunct="1">
+              <a:lnSpc>
+                <a:spcPct val="90000"/>
+              </a:lnSpc>
+              <a:spcBef>
+                <a:spcPct val="30000"/>
+              </a:spcBef>
+              <a:spcAft>
+                <a:spcPts val="450"/>
+              </a:spcAft>
+              <a:buClrTx/>
+              <a:buSzTx/>
+              <a:buFontTx/>
+              <a:buNone/>
+              <a:tabLst/>
+              <a:defRPr/>
+            </a:pPr>
+            <a:endParaRPr lang="en-US" baseline="0" dirty="0" smtClean="0"/>
+          </a:p>
+          <a:p>
+            <a:pPr marL="0" marR="0" indent="0" algn="l" defTabSz="1217613" rtl="0" eaLnBrk="1" fontAlgn="base" latinLnBrk="0" hangingPunct="1">
+              <a:lnSpc>
+                <a:spcPct val="90000"/>
+              </a:lnSpc>
+              <a:spcBef>
+                <a:spcPct val="30000"/>
+              </a:spcBef>
+              <a:spcAft>
+                <a:spcPts val="450"/>
+              </a:spcAft>
+              <a:buClrTx/>
+              <a:buSzTx/>
+              <a:buFontTx/>
+              <a:buNone/>
+              <a:tabLst/>
+              <a:defRPr/>
+            </a:pPr>
+            <a:r>
+              <a:rPr lang="en-US" baseline="0" dirty="0" smtClean="0"/>
+              <a:t>Instructor Note: Not sure if it was my laptop settings, but I could not see the zip file when I </a:t>
+            </a:r>
+            <a:r>
+              <a:rPr lang="en-US" baseline="0" dirty="0" err="1" smtClean="0"/>
+              <a:t>scp'd</a:t>
+            </a:r>
+            <a:r>
+              <a:rPr lang="en-US" baseline="0" dirty="0" smtClean="0"/>
+              <a:t> it directly to my C: drive. I had to create the </a:t>
+            </a:r>
+            <a:r>
+              <a:rPr lang="en-US" dirty="0" smtClean="0"/>
+              <a:t>C:\tmp</a:t>
+            </a:r>
+            <a:r>
+              <a:rPr lang="en-US" baseline="0" dirty="0" smtClean="0"/>
+              <a:t> </a:t>
+            </a:r>
+            <a:r>
+              <a:rPr lang="en-US" baseline="0" dirty="0" err="1" smtClean="0"/>
+              <a:t>dir</a:t>
+            </a:r>
+            <a:r>
+              <a:rPr lang="en-US" baseline="0" dirty="0" smtClean="0"/>
+              <a:t> first then download to there.</a:t>
+            </a:r>
+            <a:endParaRPr lang="en-US" dirty="0"/>
+          </a:p>
+        </p:txBody>
+      </p:sp>
+      <p:sp>
+        <p:nvSpPr>
+          <p:cNvPr id="4" name="Slide Number Placeholder 3"/>
+          <p:cNvSpPr>
+            <a:spLocks noGrp="1"/>
+          </p:cNvSpPr>
+          <p:nvPr>
+            <p:ph type="sldNum" sz="quarter" idx="10"/>
+          </p:nvPr>
+        </p:nvSpPr>
+        <p:spPr/>
+        <p:txBody>
+          <a:bodyPr/>
+          <a:lstStyle/>
+          <a:p>
+            <a:pPr>
+              <a:defRPr/>
+            </a:pPr>
+            <a:fld id="{DC3734AA-3150-D947-AC52-2F5DF48BFCD5}" type="slidenum">
+              <a:rPr lang="en-US" smtClean="0"/>
+              <a:pPr>
+                <a:defRPr/>
+              </a:pPr>
+              <a:t>21</a:t>
+            </a:fld>
+            <a:endParaRPr lang="en-US" dirty="0"/>
+          </a:p>
+        </p:txBody>
+      </p:sp>
+      <p:sp>
+        <p:nvSpPr>
+          <p:cNvPr id="5" name="Header Placeholder 4"/>
+          <p:cNvSpPr>
+            <a:spLocks noGrp="1"/>
+          </p:cNvSpPr>
+          <p:nvPr>
+            <p:ph type="hdr" sz="quarter" idx="11"/>
+          </p:nvPr>
+        </p:nvSpPr>
+        <p:spPr/>
+        <p:txBody>
+          <a:bodyPr/>
+          <a:lstStyle/>
+          <a:p>
+            <a:pPr>
+              <a:defRPr/>
+            </a:pPr>
+            <a:endParaRPr lang="en-US"/>
+          </a:p>
+        </p:txBody>
+      </p:sp>
+      <p:sp>
+        <p:nvSpPr>
+          <p:cNvPr id="6" name="Footer Placeholder 5"/>
+          <p:cNvSpPr>
+            <a:spLocks noGrp="1"/>
+          </p:cNvSpPr>
+          <p:nvPr>
+            <p:ph type="ftr" sz="quarter" idx="12"/>
+          </p:nvPr>
+        </p:nvSpPr>
+        <p:spPr/>
+        <p:txBody>
+          <a:bodyPr/>
+          <a:lstStyle/>
+          <a:p>
+            <a:pPr>
+              <a:defRPr/>
+            </a:pPr>
+            <a:endParaRPr lang="en-US"/>
+          </a:p>
+        </p:txBody>
+      </p:sp>
+    </p:spTree>
+    <p:extLst>
+      <p:ext uri="{BB962C8B-B14F-4D97-AF65-F5344CB8AC3E}">
+        <p14:creationId xmlns:p14="http://schemas.microsoft.com/office/powerpoint/2010/main" val="2696541333"/>
       </p:ext>
     </p:extLst>
   </p:cSld>
@@ -3096,7 +3542,9 @@
         </p:nvSpPr>
         <p:spPr/>
         <p:txBody>
-          <a:bodyPr/>
+          <a:bodyPr>
+            <a:normAutofit fontScale="92500" lnSpcReduction="20000"/>
+          </a:bodyPr>
           <a:lstStyle/>
           <a:p>
             <a:pPr marL="0" marR="0" indent="0" algn="l" defTabSz="1217613" rtl="0" eaLnBrk="1" fontAlgn="base" latinLnBrk="0" hangingPunct="1">
@@ -3117,6 +3565,65 @@
               <a:defRPr/>
             </a:pPr>
             <a:r>
+              <a:rPr lang="en-US" b="0" dirty="0" smtClean="0"/>
+              <a:t>The custom profile you will create will scan nodes to ensure they have a '/</a:t>
+            </a:r>
+            <a:r>
+              <a:rPr lang="en-US" b="0" dirty="0" err="1" smtClean="0"/>
+              <a:t>tmp</a:t>
+            </a:r>
+            <a:r>
+              <a:rPr lang="en-US" b="0" dirty="0" smtClean="0"/>
+              <a:t>' directory and </a:t>
+            </a:r>
+            <a:r>
+              <a:rPr lang="en-US" b="0" baseline="0" dirty="0" smtClean="0"/>
+              <a:t>that directory should be </a:t>
+            </a:r>
+            <a:r>
+              <a:rPr lang="en-US" dirty="0" smtClean="0"/>
+              <a:t>owned by the root user.</a:t>
+            </a:r>
+          </a:p>
+          <a:p>
+            <a:pPr marL="0" marR="0" indent="0" algn="l" defTabSz="1217613" rtl="0" eaLnBrk="1" fontAlgn="base" latinLnBrk="0" hangingPunct="1">
+              <a:lnSpc>
+                <a:spcPct val="90000"/>
+              </a:lnSpc>
+              <a:spcBef>
+                <a:spcPct val="30000"/>
+              </a:spcBef>
+              <a:spcAft>
+                <a:spcPts val="450"/>
+              </a:spcAft>
+              <a:buClrTx/>
+              <a:buSzTx/>
+              <a:buFontTx/>
+              <a:buNone/>
+              <a:tabLst/>
+              <a:defRPr/>
+            </a:pPr>
+            <a:endParaRPr lang="en-US" dirty="0" smtClean="0"/>
+          </a:p>
+          <a:p>
+            <a:pPr marL="0" marR="0" indent="0" algn="l" defTabSz="1217613" rtl="0" eaLnBrk="1" fontAlgn="base" latinLnBrk="0" hangingPunct="1">
+              <a:lnSpc>
+                <a:spcPct val="90000"/>
+              </a:lnSpc>
+              <a:spcBef>
+                <a:spcPct val="30000"/>
+              </a:spcBef>
+              <a:spcAft>
+                <a:spcPts val="450"/>
+              </a:spcAft>
+              <a:buClrTx/>
+              <a:buSzTx/>
+              <a:buFontTx/>
+              <a:buNone/>
+              <a:tabLst/>
+              <a:defRPr/>
+            </a:pPr>
+            <a:r>
               <a:rPr lang="en-US" b="1" dirty="0" smtClean="0"/>
               <a:t>Note</a:t>
             </a:r>
@@ -3126,7 +3633,11 @@
             </a:r>
             <a:r>
               <a:rPr lang="en-US" baseline="0" dirty="0" smtClean="0"/>
-              <a:t> workstation and upload them to the Compliance Server. In this class we'll use our target nodes as a workstation to create the profile on since they already have Chef installed on them.</a:t>
+              <a:t> workstation and upload them to the Compliance Server. In this class we'll use our target nodes as a workstation to create the profile on since they already have Chef installed on them</a:t>
+            </a:r>
+            <a:r>
+              <a:rPr lang="en-US" baseline="0" dirty="0" smtClean="0"/>
+              <a:t>. Then we'll ultimately upload the customer profile to your Compliance Server.</a:t>
             </a:r>
             <a:endParaRPr lang="en-US" dirty="0" smtClean="0"/>
           </a:p>
@@ -3212,6 +3723,1770 @@
     <p:extLst>
       <p:ext uri="{BB962C8B-B14F-4D97-AF65-F5344CB8AC3E}">
         <p14:creationId xmlns:p14="http://schemas.microsoft.com/office/powerpoint/2010/main" val="3964402445"/>
+      </p:ext>
+    </p:extLst>
+  </p:cSld>
+  <p:clrMapOvr>
+    <a:masterClrMapping/>
+  </p:clrMapOvr>
+</p:notes>
+</file>
+
+<file path=ppt/notesSlides/notesSlide20.xml><?xml version="1.0" encoding="utf-8"?>
+<p:notes xmlns:a="http://schemas.openxmlformats.org/drawingml/2006/main" xmlns:r="http://schemas.openxmlformats.org/officeDocument/2006/relationships" xmlns:p="http://schemas.openxmlformats.org/presentationml/2006/main">
+  <p:cSld>
+    <p:spTree>
+      <p:nvGrpSpPr>
+        <p:cNvPr id="1" name=""/>
+        <p:cNvGrpSpPr/>
+        <p:nvPr/>
+      </p:nvGrpSpPr>
+      <p:grpSpPr>
+        <a:xfrm>
+          <a:off x="0" y="0"/>
+          <a:ext cx="0" cy="0"/>
+          <a:chOff x="0" y="0"/>
+          <a:chExt cx="0" cy="0"/>
+        </a:xfrm>
+      </p:grpSpPr>
+      <p:sp>
+        <p:nvSpPr>
+          <p:cNvPr id="2" name="Slide Image Placeholder 1"/>
+          <p:cNvSpPr>
+            <a:spLocks noGrp="1" noRot="1" noChangeAspect="1"/>
+          </p:cNvSpPr>
+          <p:nvPr>
+            <p:ph type="sldImg"/>
+          </p:nvPr>
+        </p:nvSpPr>
+        <p:spPr/>
+      </p:sp>
+      <p:sp>
+        <p:nvSpPr>
+          <p:cNvPr id="3" name="Notes Placeholder 2"/>
+          <p:cNvSpPr>
+            <a:spLocks noGrp="1"/>
+          </p:cNvSpPr>
+          <p:nvPr>
+            <p:ph type="body" idx="1"/>
+          </p:nvPr>
+        </p:nvSpPr>
+        <p:spPr/>
+        <p:txBody>
+          <a:bodyPr>
+            <a:normAutofit/>
+          </a:bodyPr>
+          <a:lstStyle/>
+          <a:p>
+            <a:endParaRPr lang="en-US" dirty="0" smtClean="0"/>
+          </a:p>
+          <a:p>
+            <a:endParaRPr lang="en-US" dirty="0" smtClean="0"/>
+          </a:p>
+          <a:p>
+            <a:endParaRPr lang="en-US" dirty="0" smtClean="0"/>
+          </a:p>
+        </p:txBody>
+      </p:sp>
+      <p:sp>
+        <p:nvSpPr>
+          <p:cNvPr id="4" name="Slide Number Placeholder 3"/>
+          <p:cNvSpPr>
+            <a:spLocks noGrp="1"/>
+          </p:cNvSpPr>
+          <p:nvPr>
+            <p:ph type="sldNum" sz="quarter" idx="10"/>
+          </p:nvPr>
+        </p:nvSpPr>
+        <p:spPr/>
+        <p:txBody>
+          <a:bodyPr/>
+          <a:lstStyle/>
+          <a:p>
+            <a:pPr>
+              <a:defRPr/>
+            </a:pPr>
+            <a:fld id="{DC3734AA-3150-D947-AC52-2F5DF48BFCD5}" type="slidenum">
+              <a:rPr lang="en-US" smtClean="0"/>
+              <a:pPr>
+                <a:defRPr/>
+              </a:pPr>
+              <a:t>22</a:t>
+            </a:fld>
+            <a:endParaRPr lang="en-US" dirty="0"/>
+          </a:p>
+        </p:txBody>
+      </p:sp>
+      <p:sp>
+        <p:nvSpPr>
+          <p:cNvPr id="5" name="Header Placeholder 4"/>
+          <p:cNvSpPr>
+            <a:spLocks noGrp="1"/>
+          </p:cNvSpPr>
+          <p:nvPr>
+            <p:ph type="hdr" sz="quarter" idx="11"/>
+          </p:nvPr>
+        </p:nvSpPr>
+        <p:spPr/>
+        <p:txBody>
+          <a:bodyPr/>
+          <a:lstStyle/>
+          <a:p>
+            <a:pPr>
+              <a:defRPr/>
+            </a:pPr>
+            <a:endParaRPr lang="en-US"/>
+          </a:p>
+        </p:txBody>
+      </p:sp>
+      <p:sp>
+        <p:nvSpPr>
+          <p:cNvPr id="6" name="Footer Placeholder 5"/>
+          <p:cNvSpPr>
+            <a:spLocks noGrp="1"/>
+          </p:cNvSpPr>
+          <p:nvPr>
+            <p:ph type="ftr" sz="quarter" idx="12"/>
+          </p:nvPr>
+        </p:nvSpPr>
+        <p:spPr/>
+        <p:txBody>
+          <a:bodyPr/>
+          <a:lstStyle/>
+          <a:p>
+            <a:pPr>
+              <a:defRPr/>
+            </a:pPr>
+            <a:endParaRPr lang="en-US"/>
+          </a:p>
+        </p:txBody>
+      </p:sp>
+    </p:spTree>
+    <p:extLst>
+      <p:ext uri="{BB962C8B-B14F-4D97-AF65-F5344CB8AC3E}">
+        <p14:creationId xmlns:p14="http://schemas.microsoft.com/office/powerpoint/2010/main" val="1005433403"/>
+      </p:ext>
+    </p:extLst>
+  </p:cSld>
+  <p:clrMapOvr>
+    <a:masterClrMapping/>
+  </p:clrMapOvr>
+</p:notes>
+</file>
+
+<file path=ppt/notesSlides/notesSlide21.xml><?xml version="1.0" encoding="utf-8"?>
+<p:notes xmlns:a="http://schemas.openxmlformats.org/drawingml/2006/main" xmlns:r="http://schemas.openxmlformats.org/officeDocument/2006/relationships" xmlns:p="http://schemas.openxmlformats.org/presentationml/2006/main">
+  <p:cSld>
+    <p:spTree>
+      <p:nvGrpSpPr>
+        <p:cNvPr id="1" name=""/>
+        <p:cNvGrpSpPr/>
+        <p:nvPr/>
+      </p:nvGrpSpPr>
+      <p:grpSpPr>
+        <a:xfrm>
+          <a:off x="0" y="0"/>
+          <a:ext cx="0" cy="0"/>
+          <a:chOff x="0" y="0"/>
+          <a:chExt cx="0" cy="0"/>
+        </a:xfrm>
+      </p:grpSpPr>
+      <p:sp>
+        <p:nvSpPr>
+          <p:cNvPr id="2" name="Slide Image Placeholder 1"/>
+          <p:cNvSpPr>
+            <a:spLocks noGrp="1" noRot="1" noChangeAspect="1"/>
+          </p:cNvSpPr>
+          <p:nvPr>
+            <p:ph type="sldImg"/>
+          </p:nvPr>
+        </p:nvSpPr>
+        <p:spPr/>
+      </p:sp>
+      <p:sp>
+        <p:nvSpPr>
+          <p:cNvPr id="3" name="Notes Placeholder 2"/>
+          <p:cNvSpPr>
+            <a:spLocks noGrp="1"/>
+          </p:cNvSpPr>
+          <p:nvPr>
+            <p:ph type="body" idx="1"/>
+          </p:nvPr>
+        </p:nvSpPr>
+        <p:spPr/>
+        <p:txBody>
+          <a:bodyPr>
+            <a:normAutofit/>
+          </a:bodyPr>
+          <a:lstStyle/>
+          <a:p>
+            <a:endParaRPr lang="en-US" dirty="0" smtClean="0"/>
+          </a:p>
+          <a:p>
+            <a:endParaRPr lang="en-US" dirty="0" smtClean="0"/>
+          </a:p>
+          <a:p>
+            <a:endParaRPr lang="en-US" dirty="0" smtClean="0"/>
+          </a:p>
+        </p:txBody>
+      </p:sp>
+      <p:sp>
+        <p:nvSpPr>
+          <p:cNvPr id="4" name="Slide Number Placeholder 3"/>
+          <p:cNvSpPr>
+            <a:spLocks noGrp="1"/>
+          </p:cNvSpPr>
+          <p:nvPr>
+            <p:ph type="sldNum" sz="quarter" idx="10"/>
+          </p:nvPr>
+        </p:nvSpPr>
+        <p:spPr/>
+        <p:txBody>
+          <a:bodyPr/>
+          <a:lstStyle/>
+          <a:p>
+            <a:pPr>
+              <a:defRPr/>
+            </a:pPr>
+            <a:fld id="{DC3734AA-3150-D947-AC52-2F5DF48BFCD5}" type="slidenum">
+              <a:rPr lang="en-US" smtClean="0"/>
+              <a:pPr>
+                <a:defRPr/>
+              </a:pPr>
+              <a:t>23</a:t>
+            </a:fld>
+            <a:endParaRPr lang="en-US" dirty="0"/>
+          </a:p>
+        </p:txBody>
+      </p:sp>
+      <p:sp>
+        <p:nvSpPr>
+          <p:cNvPr id="5" name="Header Placeholder 4"/>
+          <p:cNvSpPr>
+            <a:spLocks noGrp="1"/>
+          </p:cNvSpPr>
+          <p:nvPr>
+            <p:ph type="hdr" sz="quarter" idx="11"/>
+          </p:nvPr>
+        </p:nvSpPr>
+        <p:spPr/>
+        <p:txBody>
+          <a:bodyPr/>
+          <a:lstStyle/>
+          <a:p>
+            <a:pPr>
+              <a:defRPr/>
+            </a:pPr>
+            <a:endParaRPr lang="en-US"/>
+          </a:p>
+        </p:txBody>
+      </p:sp>
+      <p:sp>
+        <p:nvSpPr>
+          <p:cNvPr id="6" name="Footer Placeholder 5"/>
+          <p:cNvSpPr>
+            <a:spLocks noGrp="1"/>
+          </p:cNvSpPr>
+          <p:nvPr>
+            <p:ph type="ftr" sz="quarter" idx="12"/>
+          </p:nvPr>
+        </p:nvSpPr>
+        <p:spPr/>
+        <p:txBody>
+          <a:bodyPr/>
+          <a:lstStyle/>
+          <a:p>
+            <a:pPr>
+              <a:defRPr/>
+            </a:pPr>
+            <a:endParaRPr lang="en-US"/>
+          </a:p>
+        </p:txBody>
+      </p:sp>
+    </p:spTree>
+    <p:extLst>
+      <p:ext uri="{BB962C8B-B14F-4D97-AF65-F5344CB8AC3E}">
+        <p14:creationId xmlns:p14="http://schemas.microsoft.com/office/powerpoint/2010/main" val="4139835003"/>
+      </p:ext>
+    </p:extLst>
+  </p:cSld>
+  <p:clrMapOvr>
+    <a:masterClrMapping/>
+  </p:clrMapOvr>
+</p:notes>
+</file>
+
+<file path=ppt/notesSlides/notesSlide22.xml><?xml version="1.0" encoding="utf-8"?>
+<p:notes xmlns:a="http://schemas.openxmlformats.org/drawingml/2006/main" xmlns:r="http://schemas.openxmlformats.org/officeDocument/2006/relationships" xmlns:p="http://schemas.openxmlformats.org/presentationml/2006/main">
+  <p:cSld>
+    <p:spTree>
+      <p:nvGrpSpPr>
+        <p:cNvPr id="1" name=""/>
+        <p:cNvGrpSpPr/>
+        <p:nvPr/>
+      </p:nvGrpSpPr>
+      <p:grpSpPr>
+        <a:xfrm>
+          <a:off x="0" y="0"/>
+          <a:ext cx="0" cy="0"/>
+          <a:chOff x="0" y="0"/>
+          <a:chExt cx="0" cy="0"/>
+        </a:xfrm>
+      </p:grpSpPr>
+      <p:sp>
+        <p:nvSpPr>
+          <p:cNvPr id="2" name="Slide Image Placeholder 1"/>
+          <p:cNvSpPr>
+            <a:spLocks noGrp="1" noRot="1" noChangeAspect="1"/>
+          </p:cNvSpPr>
+          <p:nvPr>
+            <p:ph type="sldImg"/>
+          </p:nvPr>
+        </p:nvSpPr>
+        <p:spPr/>
+      </p:sp>
+      <p:sp>
+        <p:nvSpPr>
+          <p:cNvPr id="3" name="Notes Placeholder 2"/>
+          <p:cNvSpPr>
+            <a:spLocks noGrp="1"/>
+          </p:cNvSpPr>
+          <p:nvPr>
+            <p:ph type="body" idx="1"/>
+          </p:nvPr>
+        </p:nvSpPr>
+        <p:spPr/>
+        <p:txBody>
+          <a:bodyPr>
+            <a:normAutofit/>
+          </a:bodyPr>
+          <a:lstStyle/>
+          <a:p>
+            <a:endParaRPr lang="en-US" dirty="0" smtClean="0"/>
+          </a:p>
+          <a:p>
+            <a:endParaRPr lang="en-US" dirty="0" smtClean="0"/>
+          </a:p>
+          <a:p>
+            <a:endParaRPr lang="en-US" dirty="0" smtClean="0"/>
+          </a:p>
+        </p:txBody>
+      </p:sp>
+      <p:sp>
+        <p:nvSpPr>
+          <p:cNvPr id="4" name="Slide Number Placeholder 3"/>
+          <p:cNvSpPr>
+            <a:spLocks noGrp="1"/>
+          </p:cNvSpPr>
+          <p:nvPr>
+            <p:ph type="sldNum" sz="quarter" idx="10"/>
+          </p:nvPr>
+        </p:nvSpPr>
+        <p:spPr/>
+        <p:txBody>
+          <a:bodyPr/>
+          <a:lstStyle/>
+          <a:p>
+            <a:pPr>
+              <a:defRPr/>
+            </a:pPr>
+            <a:fld id="{DC3734AA-3150-D947-AC52-2F5DF48BFCD5}" type="slidenum">
+              <a:rPr lang="en-US" smtClean="0"/>
+              <a:pPr>
+                <a:defRPr/>
+              </a:pPr>
+              <a:t>24</a:t>
+            </a:fld>
+            <a:endParaRPr lang="en-US" dirty="0"/>
+          </a:p>
+        </p:txBody>
+      </p:sp>
+      <p:sp>
+        <p:nvSpPr>
+          <p:cNvPr id="5" name="Header Placeholder 4"/>
+          <p:cNvSpPr>
+            <a:spLocks noGrp="1"/>
+          </p:cNvSpPr>
+          <p:nvPr>
+            <p:ph type="hdr" sz="quarter" idx="11"/>
+          </p:nvPr>
+        </p:nvSpPr>
+        <p:spPr/>
+        <p:txBody>
+          <a:bodyPr/>
+          <a:lstStyle/>
+          <a:p>
+            <a:pPr>
+              <a:defRPr/>
+            </a:pPr>
+            <a:endParaRPr lang="en-US"/>
+          </a:p>
+        </p:txBody>
+      </p:sp>
+      <p:sp>
+        <p:nvSpPr>
+          <p:cNvPr id="6" name="Footer Placeholder 5"/>
+          <p:cNvSpPr>
+            <a:spLocks noGrp="1"/>
+          </p:cNvSpPr>
+          <p:nvPr>
+            <p:ph type="ftr" sz="quarter" idx="12"/>
+          </p:nvPr>
+        </p:nvSpPr>
+        <p:spPr/>
+        <p:txBody>
+          <a:bodyPr/>
+          <a:lstStyle/>
+          <a:p>
+            <a:pPr>
+              <a:defRPr/>
+            </a:pPr>
+            <a:endParaRPr lang="en-US"/>
+          </a:p>
+        </p:txBody>
+      </p:sp>
+    </p:spTree>
+    <p:extLst>
+      <p:ext uri="{BB962C8B-B14F-4D97-AF65-F5344CB8AC3E}">
+        <p14:creationId xmlns:p14="http://schemas.microsoft.com/office/powerpoint/2010/main" val="267878491"/>
+      </p:ext>
+    </p:extLst>
+  </p:cSld>
+  <p:clrMapOvr>
+    <a:masterClrMapping/>
+  </p:clrMapOvr>
+</p:notes>
+</file>
+
+<file path=ppt/notesSlides/notesSlide23.xml><?xml version="1.0" encoding="utf-8"?>
+<p:notes xmlns:a="http://schemas.openxmlformats.org/drawingml/2006/main" xmlns:r="http://schemas.openxmlformats.org/officeDocument/2006/relationships" xmlns:p="http://schemas.openxmlformats.org/presentationml/2006/main">
+  <p:cSld>
+    <p:spTree>
+      <p:nvGrpSpPr>
+        <p:cNvPr id="1" name=""/>
+        <p:cNvGrpSpPr/>
+        <p:nvPr/>
+      </p:nvGrpSpPr>
+      <p:grpSpPr>
+        <a:xfrm>
+          <a:off x="0" y="0"/>
+          <a:ext cx="0" cy="0"/>
+          <a:chOff x="0" y="0"/>
+          <a:chExt cx="0" cy="0"/>
+        </a:xfrm>
+      </p:grpSpPr>
+      <p:sp>
+        <p:nvSpPr>
+          <p:cNvPr id="2" name="Slide Image Placeholder 1"/>
+          <p:cNvSpPr>
+            <a:spLocks noGrp="1" noRot="1" noChangeAspect="1"/>
+          </p:cNvSpPr>
+          <p:nvPr>
+            <p:ph type="sldImg"/>
+          </p:nvPr>
+        </p:nvSpPr>
+        <p:spPr/>
+      </p:sp>
+      <p:sp>
+        <p:nvSpPr>
+          <p:cNvPr id="3" name="Notes Placeholder 2"/>
+          <p:cNvSpPr>
+            <a:spLocks noGrp="1"/>
+          </p:cNvSpPr>
+          <p:nvPr>
+            <p:ph type="body" idx="1"/>
+          </p:nvPr>
+        </p:nvSpPr>
+        <p:spPr/>
+        <p:txBody>
+          <a:bodyPr>
+            <a:normAutofit/>
+          </a:bodyPr>
+          <a:lstStyle/>
+          <a:p>
+            <a:r>
+              <a:rPr lang="en-US" dirty="0" smtClean="0"/>
+              <a:t>Since you are logged</a:t>
+            </a:r>
+            <a:r>
+              <a:rPr lang="en-US" baseline="0" dirty="0" smtClean="0"/>
+              <a:t> into the Chef Compliance UI as 'admin', your profile is called 'admin/profile' on the 'Scan nodes' page.</a:t>
+            </a:r>
+          </a:p>
+          <a:p>
+            <a:endParaRPr lang="en-US" baseline="0" dirty="0" smtClean="0"/>
+          </a:p>
+          <a:p>
+            <a:pPr marL="0" marR="0" indent="0" algn="l" defTabSz="1217613" rtl="0" eaLnBrk="1" fontAlgn="base" latinLnBrk="0" hangingPunct="1">
+              <a:lnSpc>
+                <a:spcPct val="90000"/>
+              </a:lnSpc>
+              <a:spcBef>
+                <a:spcPct val="30000"/>
+              </a:spcBef>
+              <a:spcAft>
+                <a:spcPts val="450"/>
+              </a:spcAft>
+              <a:buClrTx/>
+              <a:buSzTx/>
+              <a:buFontTx/>
+              <a:buNone/>
+              <a:tabLst/>
+              <a:defRPr/>
+            </a:pPr>
+            <a:r>
+              <a:rPr lang="en-US" baseline="0" dirty="0" smtClean="0"/>
+              <a:t>Instructor Note: Regarding this note above--`</a:t>
+            </a:r>
+            <a:r>
+              <a:rPr lang="en-US" b="1" dirty="0" smtClean="0"/>
+              <a:t>Note</a:t>
+            </a:r>
+            <a:r>
+              <a:rPr lang="en-US" dirty="0" smtClean="0"/>
+              <a:t>: The profile name in this view is based on the name space in your metadata.rb.`--</a:t>
+            </a:r>
+            <a:r>
+              <a:rPr lang="en-US" baseline="0" dirty="0" smtClean="0"/>
+              <a:t>the compliance team may have improved that Compliance profile name field on the Scan nodes page by now to include whatever is the </a:t>
+            </a:r>
+            <a:r>
+              <a:rPr lang="en-US" dirty="0" smtClean="0">
+                <a:effectLst/>
+              </a:rPr>
+              <a:t>`</a:t>
+            </a:r>
+            <a:r>
+              <a:rPr lang="en-US" dirty="0" smtClean="0"/>
+              <a:t>title</a:t>
+            </a:r>
+            <a:r>
+              <a:rPr lang="en-US" dirty="0" smtClean="0">
+                <a:effectLst/>
+              </a:rPr>
+              <a:t>` </a:t>
+            </a:r>
+            <a:r>
+              <a:rPr lang="en-US" sz="1200" b="0" i="0" kern="1200" dirty="0" smtClean="0">
+                <a:solidFill>
+                  <a:schemeClr val="tx1"/>
+                </a:solidFill>
+                <a:effectLst/>
+                <a:latin typeface="Arial" panose="020B0604020202020204" pitchFamily="34" charset="0"/>
+                <a:ea typeface="ＭＳ Ｐゴシック" charset="0"/>
+                <a:cs typeface="Arial" panose="020B0604020202020204" pitchFamily="34" charset="0"/>
+              </a:rPr>
+              <a:t>value from the metadata.rb. Therefore it would match the name as displayed in the Compliance profiles</a:t>
+            </a:r>
+            <a:r>
+              <a:rPr lang="en-US" sz="1200" b="0" i="0" kern="1200" baseline="0" dirty="0" smtClean="0">
+                <a:solidFill>
+                  <a:schemeClr val="tx1"/>
+                </a:solidFill>
+                <a:effectLst/>
+                <a:latin typeface="Arial" panose="020B0604020202020204" pitchFamily="34" charset="0"/>
+                <a:ea typeface="ＭＳ Ｐゴシック" charset="0"/>
+                <a:cs typeface="Arial" panose="020B0604020202020204" pitchFamily="34" charset="0"/>
+              </a:rPr>
+              <a:t> </a:t>
+            </a:r>
+            <a:r>
+              <a:rPr lang="en-US" sz="1200" b="0" i="0" kern="1200" dirty="0" smtClean="0">
+                <a:solidFill>
+                  <a:schemeClr val="tx1"/>
+                </a:solidFill>
+                <a:effectLst/>
+                <a:latin typeface="Arial" panose="020B0604020202020204" pitchFamily="34" charset="0"/>
+                <a:ea typeface="ＭＳ Ｐゴシック" charset="0"/>
+                <a:cs typeface="Arial" panose="020B0604020202020204" pitchFamily="34" charset="0"/>
+              </a:rPr>
+              <a:t>page.</a:t>
+            </a:r>
+            <a:endParaRPr lang="en-US" dirty="0" smtClean="0"/>
+          </a:p>
+          <a:p>
+            <a:endParaRPr lang="en-US" dirty="0" smtClean="0"/>
+          </a:p>
+          <a:p>
+            <a:endParaRPr lang="en-US" dirty="0" smtClean="0"/>
+          </a:p>
+        </p:txBody>
+      </p:sp>
+      <p:sp>
+        <p:nvSpPr>
+          <p:cNvPr id="4" name="Slide Number Placeholder 3"/>
+          <p:cNvSpPr>
+            <a:spLocks noGrp="1"/>
+          </p:cNvSpPr>
+          <p:nvPr>
+            <p:ph type="sldNum" sz="quarter" idx="10"/>
+          </p:nvPr>
+        </p:nvSpPr>
+        <p:spPr/>
+        <p:txBody>
+          <a:bodyPr/>
+          <a:lstStyle/>
+          <a:p>
+            <a:pPr>
+              <a:defRPr/>
+            </a:pPr>
+            <a:fld id="{DC3734AA-3150-D947-AC52-2F5DF48BFCD5}" type="slidenum">
+              <a:rPr lang="en-US" smtClean="0"/>
+              <a:pPr>
+                <a:defRPr/>
+              </a:pPr>
+              <a:t>25</a:t>
+            </a:fld>
+            <a:endParaRPr lang="en-US" dirty="0"/>
+          </a:p>
+        </p:txBody>
+      </p:sp>
+      <p:sp>
+        <p:nvSpPr>
+          <p:cNvPr id="5" name="Header Placeholder 4"/>
+          <p:cNvSpPr>
+            <a:spLocks noGrp="1"/>
+          </p:cNvSpPr>
+          <p:nvPr>
+            <p:ph type="hdr" sz="quarter" idx="11"/>
+          </p:nvPr>
+        </p:nvSpPr>
+        <p:spPr/>
+        <p:txBody>
+          <a:bodyPr/>
+          <a:lstStyle/>
+          <a:p>
+            <a:pPr>
+              <a:defRPr/>
+            </a:pPr>
+            <a:endParaRPr lang="en-US"/>
+          </a:p>
+        </p:txBody>
+      </p:sp>
+      <p:sp>
+        <p:nvSpPr>
+          <p:cNvPr id="6" name="Footer Placeholder 5"/>
+          <p:cNvSpPr>
+            <a:spLocks noGrp="1"/>
+          </p:cNvSpPr>
+          <p:nvPr>
+            <p:ph type="ftr" sz="quarter" idx="12"/>
+          </p:nvPr>
+        </p:nvSpPr>
+        <p:spPr/>
+        <p:txBody>
+          <a:bodyPr/>
+          <a:lstStyle/>
+          <a:p>
+            <a:pPr>
+              <a:defRPr/>
+            </a:pPr>
+            <a:endParaRPr lang="en-US"/>
+          </a:p>
+        </p:txBody>
+      </p:sp>
+    </p:spTree>
+    <p:extLst>
+      <p:ext uri="{BB962C8B-B14F-4D97-AF65-F5344CB8AC3E}">
+        <p14:creationId xmlns:p14="http://schemas.microsoft.com/office/powerpoint/2010/main" val="1516652740"/>
+      </p:ext>
+    </p:extLst>
+  </p:cSld>
+  <p:clrMapOvr>
+    <a:masterClrMapping/>
+  </p:clrMapOvr>
+</p:notes>
+</file>
+
+<file path=ppt/notesSlides/notesSlide24.xml><?xml version="1.0" encoding="utf-8"?>
+<p:notes xmlns:a="http://schemas.openxmlformats.org/drawingml/2006/main" xmlns:r="http://schemas.openxmlformats.org/officeDocument/2006/relationships" xmlns:p="http://schemas.openxmlformats.org/presentationml/2006/main">
+  <p:cSld>
+    <p:spTree>
+      <p:nvGrpSpPr>
+        <p:cNvPr id="1" name=""/>
+        <p:cNvGrpSpPr/>
+        <p:nvPr/>
+      </p:nvGrpSpPr>
+      <p:grpSpPr>
+        <a:xfrm>
+          <a:off x="0" y="0"/>
+          <a:ext cx="0" cy="0"/>
+          <a:chOff x="0" y="0"/>
+          <a:chExt cx="0" cy="0"/>
+        </a:xfrm>
+      </p:grpSpPr>
+      <p:sp>
+        <p:nvSpPr>
+          <p:cNvPr id="2" name="Slide Image Placeholder 1"/>
+          <p:cNvSpPr>
+            <a:spLocks noGrp="1" noRot="1" noChangeAspect="1"/>
+          </p:cNvSpPr>
+          <p:nvPr>
+            <p:ph type="sldImg"/>
+          </p:nvPr>
+        </p:nvSpPr>
+        <p:spPr/>
+      </p:sp>
+      <p:sp>
+        <p:nvSpPr>
+          <p:cNvPr id="3" name="Notes Placeholder 2"/>
+          <p:cNvSpPr>
+            <a:spLocks noGrp="1"/>
+          </p:cNvSpPr>
+          <p:nvPr>
+            <p:ph type="body" idx="1"/>
+          </p:nvPr>
+        </p:nvSpPr>
+        <p:spPr/>
+        <p:txBody>
+          <a:bodyPr>
+            <a:normAutofit/>
+          </a:bodyPr>
+          <a:lstStyle/>
+          <a:p>
+            <a:endParaRPr lang="en-US" dirty="0" smtClean="0"/>
+          </a:p>
+          <a:p>
+            <a:endParaRPr lang="en-US" dirty="0" smtClean="0"/>
+          </a:p>
+          <a:p>
+            <a:endParaRPr lang="en-US" dirty="0" smtClean="0"/>
+          </a:p>
+        </p:txBody>
+      </p:sp>
+      <p:sp>
+        <p:nvSpPr>
+          <p:cNvPr id="4" name="Slide Number Placeholder 3"/>
+          <p:cNvSpPr>
+            <a:spLocks noGrp="1"/>
+          </p:cNvSpPr>
+          <p:nvPr>
+            <p:ph type="sldNum" sz="quarter" idx="10"/>
+          </p:nvPr>
+        </p:nvSpPr>
+        <p:spPr/>
+        <p:txBody>
+          <a:bodyPr/>
+          <a:lstStyle/>
+          <a:p>
+            <a:pPr>
+              <a:defRPr/>
+            </a:pPr>
+            <a:fld id="{DC3734AA-3150-D947-AC52-2F5DF48BFCD5}" type="slidenum">
+              <a:rPr lang="en-US" smtClean="0"/>
+              <a:pPr>
+                <a:defRPr/>
+              </a:pPr>
+              <a:t>26</a:t>
+            </a:fld>
+            <a:endParaRPr lang="en-US" dirty="0"/>
+          </a:p>
+        </p:txBody>
+      </p:sp>
+      <p:sp>
+        <p:nvSpPr>
+          <p:cNvPr id="5" name="Header Placeholder 4"/>
+          <p:cNvSpPr>
+            <a:spLocks noGrp="1"/>
+          </p:cNvSpPr>
+          <p:nvPr>
+            <p:ph type="hdr" sz="quarter" idx="11"/>
+          </p:nvPr>
+        </p:nvSpPr>
+        <p:spPr/>
+        <p:txBody>
+          <a:bodyPr/>
+          <a:lstStyle/>
+          <a:p>
+            <a:pPr>
+              <a:defRPr/>
+            </a:pPr>
+            <a:endParaRPr lang="en-US"/>
+          </a:p>
+        </p:txBody>
+      </p:sp>
+      <p:sp>
+        <p:nvSpPr>
+          <p:cNvPr id="6" name="Footer Placeholder 5"/>
+          <p:cNvSpPr>
+            <a:spLocks noGrp="1"/>
+          </p:cNvSpPr>
+          <p:nvPr>
+            <p:ph type="ftr" sz="quarter" idx="12"/>
+          </p:nvPr>
+        </p:nvSpPr>
+        <p:spPr/>
+        <p:txBody>
+          <a:bodyPr/>
+          <a:lstStyle/>
+          <a:p>
+            <a:pPr>
+              <a:defRPr/>
+            </a:pPr>
+            <a:endParaRPr lang="en-US"/>
+          </a:p>
+        </p:txBody>
+      </p:sp>
+    </p:spTree>
+    <p:extLst>
+      <p:ext uri="{BB962C8B-B14F-4D97-AF65-F5344CB8AC3E}">
+        <p14:creationId xmlns:p14="http://schemas.microsoft.com/office/powerpoint/2010/main" val="656456047"/>
+      </p:ext>
+    </p:extLst>
+  </p:cSld>
+  <p:clrMapOvr>
+    <a:masterClrMapping/>
+  </p:clrMapOvr>
+</p:notes>
+</file>
+
+<file path=ppt/notesSlides/notesSlide25.xml><?xml version="1.0" encoding="utf-8"?>
+<p:notes xmlns:a="http://schemas.openxmlformats.org/drawingml/2006/main" xmlns:r="http://schemas.openxmlformats.org/officeDocument/2006/relationships" xmlns:p="http://schemas.openxmlformats.org/presentationml/2006/main">
+  <p:cSld>
+    <p:spTree>
+      <p:nvGrpSpPr>
+        <p:cNvPr id="1" name=""/>
+        <p:cNvGrpSpPr/>
+        <p:nvPr/>
+      </p:nvGrpSpPr>
+      <p:grpSpPr>
+        <a:xfrm>
+          <a:off x="0" y="0"/>
+          <a:ext cx="0" cy="0"/>
+          <a:chOff x="0" y="0"/>
+          <a:chExt cx="0" cy="0"/>
+        </a:xfrm>
+      </p:grpSpPr>
+      <p:sp>
+        <p:nvSpPr>
+          <p:cNvPr id="2" name="Slide Image Placeholder 1"/>
+          <p:cNvSpPr>
+            <a:spLocks noGrp="1" noRot="1" noChangeAspect="1"/>
+          </p:cNvSpPr>
+          <p:nvPr>
+            <p:ph type="sldImg"/>
+          </p:nvPr>
+        </p:nvSpPr>
+        <p:spPr/>
+      </p:sp>
+      <p:sp>
+        <p:nvSpPr>
+          <p:cNvPr id="3" name="Notes Placeholder 2"/>
+          <p:cNvSpPr>
+            <a:spLocks noGrp="1"/>
+          </p:cNvSpPr>
+          <p:nvPr>
+            <p:ph type="body" idx="1"/>
+          </p:nvPr>
+        </p:nvSpPr>
+        <p:spPr/>
+        <p:txBody>
+          <a:bodyPr>
+            <a:normAutofit/>
+          </a:bodyPr>
+          <a:lstStyle/>
+          <a:p>
+            <a:endParaRPr lang="en-US" dirty="0" smtClean="0"/>
+          </a:p>
+          <a:p>
+            <a:endParaRPr lang="en-US" dirty="0" smtClean="0"/>
+          </a:p>
+          <a:p>
+            <a:endParaRPr lang="en-US" dirty="0" smtClean="0"/>
+          </a:p>
+        </p:txBody>
+      </p:sp>
+      <p:sp>
+        <p:nvSpPr>
+          <p:cNvPr id="4" name="Slide Number Placeholder 3"/>
+          <p:cNvSpPr>
+            <a:spLocks noGrp="1"/>
+          </p:cNvSpPr>
+          <p:nvPr>
+            <p:ph type="sldNum" sz="quarter" idx="10"/>
+          </p:nvPr>
+        </p:nvSpPr>
+        <p:spPr/>
+        <p:txBody>
+          <a:bodyPr/>
+          <a:lstStyle/>
+          <a:p>
+            <a:pPr>
+              <a:defRPr/>
+            </a:pPr>
+            <a:fld id="{DC3734AA-3150-D947-AC52-2F5DF48BFCD5}" type="slidenum">
+              <a:rPr lang="en-US" smtClean="0"/>
+              <a:pPr>
+                <a:defRPr/>
+              </a:pPr>
+              <a:t>27</a:t>
+            </a:fld>
+            <a:endParaRPr lang="en-US" dirty="0"/>
+          </a:p>
+        </p:txBody>
+      </p:sp>
+      <p:sp>
+        <p:nvSpPr>
+          <p:cNvPr id="5" name="Header Placeholder 4"/>
+          <p:cNvSpPr>
+            <a:spLocks noGrp="1"/>
+          </p:cNvSpPr>
+          <p:nvPr>
+            <p:ph type="hdr" sz="quarter" idx="11"/>
+          </p:nvPr>
+        </p:nvSpPr>
+        <p:spPr/>
+        <p:txBody>
+          <a:bodyPr/>
+          <a:lstStyle/>
+          <a:p>
+            <a:pPr>
+              <a:defRPr/>
+            </a:pPr>
+            <a:endParaRPr lang="en-US"/>
+          </a:p>
+        </p:txBody>
+      </p:sp>
+      <p:sp>
+        <p:nvSpPr>
+          <p:cNvPr id="6" name="Footer Placeholder 5"/>
+          <p:cNvSpPr>
+            <a:spLocks noGrp="1"/>
+          </p:cNvSpPr>
+          <p:nvPr>
+            <p:ph type="ftr" sz="quarter" idx="12"/>
+          </p:nvPr>
+        </p:nvSpPr>
+        <p:spPr/>
+        <p:txBody>
+          <a:bodyPr/>
+          <a:lstStyle/>
+          <a:p>
+            <a:pPr>
+              <a:defRPr/>
+            </a:pPr>
+            <a:endParaRPr lang="en-US"/>
+          </a:p>
+        </p:txBody>
+      </p:sp>
+    </p:spTree>
+    <p:extLst>
+      <p:ext uri="{BB962C8B-B14F-4D97-AF65-F5344CB8AC3E}">
+        <p14:creationId xmlns:p14="http://schemas.microsoft.com/office/powerpoint/2010/main" val="501456077"/>
+      </p:ext>
+    </p:extLst>
+  </p:cSld>
+  <p:clrMapOvr>
+    <a:masterClrMapping/>
+  </p:clrMapOvr>
+</p:notes>
+</file>
+
+<file path=ppt/notesSlides/notesSlide26.xml><?xml version="1.0" encoding="utf-8"?>
+<p:notes xmlns:a="http://schemas.openxmlformats.org/drawingml/2006/main" xmlns:r="http://schemas.openxmlformats.org/officeDocument/2006/relationships" xmlns:p="http://schemas.openxmlformats.org/presentationml/2006/main">
+  <p:cSld>
+    <p:spTree>
+      <p:nvGrpSpPr>
+        <p:cNvPr id="1" name=""/>
+        <p:cNvGrpSpPr/>
+        <p:nvPr/>
+      </p:nvGrpSpPr>
+      <p:grpSpPr>
+        <a:xfrm>
+          <a:off x="0" y="0"/>
+          <a:ext cx="0" cy="0"/>
+          <a:chOff x="0" y="0"/>
+          <a:chExt cx="0" cy="0"/>
+        </a:xfrm>
+      </p:grpSpPr>
+      <p:sp>
+        <p:nvSpPr>
+          <p:cNvPr id="2" name="Slide Image Placeholder 1"/>
+          <p:cNvSpPr>
+            <a:spLocks noGrp="1" noRot="1" noChangeAspect="1"/>
+          </p:cNvSpPr>
+          <p:nvPr>
+            <p:ph type="sldImg"/>
+          </p:nvPr>
+        </p:nvSpPr>
+        <p:spPr/>
+      </p:sp>
+      <p:sp>
+        <p:nvSpPr>
+          <p:cNvPr id="3" name="Notes Placeholder 2"/>
+          <p:cNvSpPr>
+            <a:spLocks noGrp="1"/>
+          </p:cNvSpPr>
+          <p:nvPr>
+            <p:ph type="body" idx="1"/>
+          </p:nvPr>
+        </p:nvSpPr>
+        <p:spPr/>
+        <p:txBody>
+          <a:bodyPr>
+            <a:normAutofit fontScale="92500" lnSpcReduction="20000"/>
+          </a:bodyPr>
+          <a:lstStyle/>
+          <a:p>
+            <a:r>
+              <a:rPr lang="en-US" dirty="0" smtClean="0"/>
+              <a:t>https://github.com/chef/inspec/blob/7f555b902d6860ffe236ff23e4b52f20bac28adc/lib/inspec/profile.rb#L81-L129</a:t>
+            </a:r>
+          </a:p>
+          <a:p>
+            <a:endParaRPr lang="en-US" dirty="0" smtClean="0"/>
+          </a:p>
+          <a:p>
+            <a:pPr marL="0" marR="0" indent="0" algn="l" defTabSz="1217613" rtl="0" eaLnBrk="1" fontAlgn="base" latinLnBrk="0" hangingPunct="1">
+              <a:lnSpc>
+                <a:spcPct val="90000"/>
+              </a:lnSpc>
+              <a:spcBef>
+                <a:spcPct val="30000"/>
+              </a:spcBef>
+              <a:spcAft>
+                <a:spcPts val="450"/>
+              </a:spcAft>
+              <a:buClrTx/>
+              <a:buSzTx/>
+              <a:buFontTx/>
+              <a:buNone/>
+              <a:tabLst/>
+              <a:defRPr/>
+            </a:pPr>
+            <a:r>
+              <a:rPr lang="en-US" dirty="0" smtClean="0"/>
+              <a:t>So your</a:t>
+            </a:r>
+            <a:r>
+              <a:rPr lang="en-US" baseline="0" dirty="0" smtClean="0"/>
+              <a:t> cookbooks will have a </a:t>
+            </a:r>
+            <a:r>
+              <a:rPr lang="en-US" dirty="0" smtClean="0"/>
+              <a:t>metadata.rb.</a:t>
+            </a:r>
+            <a:endParaRPr lang="en-US" dirty="0"/>
+          </a:p>
+          <a:p>
+            <a:pPr marL="0" marR="0" indent="0" algn="l" defTabSz="1217613" rtl="0" eaLnBrk="1" fontAlgn="base" latinLnBrk="0" hangingPunct="1">
+              <a:lnSpc>
+                <a:spcPct val="90000"/>
+              </a:lnSpc>
+              <a:spcBef>
+                <a:spcPct val="30000"/>
+              </a:spcBef>
+              <a:spcAft>
+                <a:spcPts val="450"/>
+              </a:spcAft>
+              <a:buClrTx/>
+              <a:buSzTx/>
+              <a:buFontTx/>
+              <a:buNone/>
+              <a:tabLst/>
+              <a:defRPr/>
+            </a:pPr>
+            <a:r>
+              <a:rPr lang="en-US" dirty="0" smtClean="0"/>
+              <a:t>An</a:t>
+            </a:r>
+            <a:r>
+              <a:rPr lang="en-US" baseline="0" dirty="0" smtClean="0"/>
+              <a:t>d your </a:t>
+            </a:r>
+          </a:p>
+          <a:p>
+            <a:pPr marL="0" marR="0" indent="0" algn="l" defTabSz="1217613" rtl="0" eaLnBrk="1" fontAlgn="base" latinLnBrk="0" hangingPunct="1">
+              <a:lnSpc>
+                <a:spcPct val="90000"/>
+              </a:lnSpc>
+              <a:spcBef>
+                <a:spcPct val="30000"/>
+              </a:spcBef>
+              <a:spcAft>
+                <a:spcPts val="450"/>
+              </a:spcAft>
+              <a:buClrTx/>
+              <a:buSzTx/>
+              <a:buFontTx/>
+              <a:buNone/>
+              <a:tabLst/>
+              <a:defRPr/>
+            </a:pPr>
+            <a:endParaRPr lang="en-US" baseline="0" dirty="0" smtClean="0"/>
+          </a:p>
+          <a:p>
+            <a:r>
+              <a:rPr lang="en-US" sz="1200" b="1" i="0" kern="1200" dirty="0" smtClean="0">
+                <a:solidFill>
+                  <a:schemeClr val="tx1"/>
+                </a:solidFill>
+                <a:effectLst/>
+                <a:latin typeface="Arial" panose="020B0604020202020204" pitchFamily="34" charset="0"/>
+                <a:ea typeface="ＭＳ Ｐゴシック" charset="0"/>
+                <a:cs typeface="Arial" panose="020B0604020202020204" pitchFamily="34" charset="0"/>
+              </a:rPr>
+              <a:t>Adding profiles</a:t>
+            </a:r>
+          </a:p>
+          <a:p>
+            <a:r>
+              <a:rPr lang="en-US" sz="1200" b="0" i="0" kern="1200" dirty="0" smtClean="0">
+                <a:solidFill>
+                  <a:schemeClr val="tx1"/>
+                </a:solidFill>
+                <a:effectLst/>
+                <a:latin typeface="Arial" panose="020B0604020202020204" pitchFamily="34" charset="0"/>
+                <a:ea typeface="ＭＳ Ｐゴシック" charset="0"/>
+                <a:cs typeface="Arial" panose="020B0604020202020204" pitchFamily="34" charset="0"/>
+              </a:rPr>
+              <a:t>Compliance profiles must be packaged in to a .tar.gz or .zip file to be uploaded to the Compliance Server. </a:t>
+            </a:r>
+          </a:p>
+          <a:p>
+            <a:r>
+              <a:rPr lang="en-US" sz="1200" b="0" i="0" kern="1200" dirty="0" smtClean="0">
+                <a:solidFill>
+                  <a:schemeClr val="tx1"/>
+                </a:solidFill>
+                <a:effectLst/>
+                <a:latin typeface="Arial" panose="020B0604020202020204" pitchFamily="34" charset="0"/>
+                <a:ea typeface="ＭＳ Ｐゴシック" charset="0"/>
+                <a:cs typeface="Arial" panose="020B0604020202020204" pitchFamily="34" charset="0"/>
+              </a:rPr>
+              <a:t>The directory structure is as follows (note, this is subject to change.  TODO: link to official docs when </a:t>
+            </a:r>
+            <a:r>
+              <a:rPr lang="en-US" sz="1200" b="0" i="0" kern="1200" dirty="0" err="1" smtClean="0">
+                <a:solidFill>
+                  <a:schemeClr val="tx1"/>
+                </a:solidFill>
+                <a:effectLst/>
+                <a:latin typeface="Arial" panose="020B0604020202020204" pitchFamily="34" charset="0"/>
+                <a:ea typeface="ＭＳ Ｐゴシック" charset="0"/>
+                <a:cs typeface="Arial" panose="020B0604020202020204" pitchFamily="34" charset="0"/>
+              </a:rPr>
+              <a:t>avaialble</a:t>
+            </a:r>
+            <a:r>
+              <a:rPr lang="en-US" sz="1200" b="0" i="0" kern="1200" dirty="0" smtClean="0">
+                <a:solidFill>
+                  <a:schemeClr val="tx1"/>
+                </a:solidFill>
+                <a:effectLst/>
+                <a:latin typeface="Arial" panose="020B0604020202020204" pitchFamily="34" charset="0"/>
+                <a:ea typeface="ＭＳ Ｐゴシック" charset="0"/>
+                <a:cs typeface="Arial" panose="020B0604020202020204" pitchFamily="34" charset="0"/>
+              </a:rPr>
+              <a:t>):</a:t>
+            </a:r>
+          </a:p>
+          <a:p>
+            <a:r>
+              <a:rPr lang="en-US" sz="1200" b="0" i="0" kern="1200" dirty="0" smtClean="0">
+                <a:solidFill>
+                  <a:schemeClr val="tx1"/>
+                </a:solidFill>
+                <a:effectLst/>
+                <a:latin typeface="Arial" panose="020B0604020202020204" pitchFamily="34" charset="0"/>
+                <a:ea typeface="ＭＳ Ｐゴシック" charset="0"/>
+                <a:cs typeface="Arial" panose="020B0604020202020204" pitchFamily="34" charset="0"/>
+              </a:rPr>
+              <a:t>xyz.zip:</a:t>
+            </a:r>
+          </a:p>
+          <a:p>
+            <a:r>
+              <a:rPr lang="en-US" dirty="0" smtClean="0"/>
+              <a:t>.</a:t>
+            </a:r>
+            <a:br>
+              <a:rPr lang="en-US" dirty="0" smtClean="0"/>
+            </a:br>
+            <a:r>
+              <a:rPr lang="en-US" dirty="0" smtClean="0"/>
+              <a:t>├── README.md</a:t>
+            </a:r>
+            <a:br>
+              <a:rPr lang="en-US" dirty="0" smtClean="0"/>
+            </a:br>
+            <a:r>
+              <a:rPr lang="en-US" dirty="0" smtClean="0"/>
+              <a:t>├── metadata.rb</a:t>
+            </a:r>
+            <a:br>
+              <a:rPr lang="en-US" dirty="0" smtClean="0"/>
+            </a:br>
+            <a:r>
+              <a:rPr lang="en-US" dirty="0" smtClean="0"/>
+              <a:t>└── test</a:t>
+            </a:r>
+            <a:br>
+              <a:rPr lang="en-US" dirty="0" smtClean="0"/>
+            </a:br>
+            <a:r>
+              <a:rPr lang="en-US" dirty="0" smtClean="0"/>
+              <a:t>  ├── </a:t>
+            </a:r>
+            <a:r>
+              <a:rPr lang="en-US" dirty="0" err="1" smtClean="0"/>
+              <a:t>foo_spec.rb</a:t>
+            </a:r>
+            <a:r>
+              <a:rPr lang="en-US" dirty="0" smtClean="0"/>
+              <a:t/>
+            </a:r>
+            <a:br>
+              <a:rPr lang="en-US" dirty="0" smtClean="0"/>
+            </a:br>
+            <a:r>
+              <a:rPr lang="en-US" dirty="0" smtClean="0"/>
+              <a:t>  └── </a:t>
+            </a:r>
+            <a:r>
+              <a:rPr lang="en-US" dirty="0" err="1" smtClean="0"/>
+              <a:t>bar_spec.rb</a:t>
+            </a:r>
+            <a:endParaRPr lang="en-US" dirty="0" smtClean="0"/>
+          </a:p>
+          <a:p>
+            <a:endParaRPr lang="en-US" dirty="0" smtClean="0"/>
+          </a:p>
+          <a:p>
+            <a:r>
+              <a:rPr lang="en-US" dirty="0" smtClean="0"/>
+              <a:t>As you write controls, </a:t>
+            </a:r>
+            <a:r>
+              <a:rPr lang="en-US" dirty="0" err="1" smtClean="0"/>
+              <a:t>InSpec</a:t>
+            </a:r>
+            <a:r>
+              <a:rPr lang="en-US" dirty="0" smtClean="0"/>
+              <a:t> requires a `test` directory since it </a:t>
+            </a:r>
+            <a:r>
+              <a:rPr lang="en-US" dirty="0" err="1" smtClean="0"/>
+              <a:t>InSpec</a:t>
+            </a:r>
+            <a:r>
+              <a:rPr lang="en-US" dirty="0" smtClean="0"/>
+              <a:t> expect this structure.</a:t>
+            </a:r>
+          </a:p>
+        </p:txBody>
+      </p:sp>
+      <p:sp>
+        <p:nvSpPr>
+          <p:cNvPr id="4" name="Slide Number Placeholder 3"/>
+          <p:cNvSpPr>
+            <a:spLocks noGrp="1"/>
+          </p:cNvSpPr>
+          <p:nvPr>
+            <p:ph type="sldNum" sz="quarter" idx="10"/>
+          </p:nvPr>
+        </p:nvSpPr>
+        <p:spPr/>
+        <p:txBody>
+          <a:bodyPr/>
+          <a:lstStyle/>
+          <a:p>
+            <a:pPr>
+              <a:defRPr/>
+            </a:pPr>
+            <a:fld id="{DC3734AA-3150-D947-AC52-2F5DF48BFCD5}" type="slidenum">
+              <a:rPr lang="en-US" smtClean="0"/>
+              <a:pPr>
+                <a:defRPr/>
+              </a:pPr>
+              <a:t>28</a:t>
+            </a:fld>
+            <a:endParaRPr lang="en-US" dirty="0"/>
+          </a:p>
+        </p:txBody>
+      </p:sp>
+      <p:sp>
+        <p:nvSpPr>
+          <p:cNvPr id="5" name="Header Placeholder 4"/>
+          <p:cNvSpPr>
+            <a:spLocks noGrp="1"/>
+          </p:cNvSpPr>
+          <p:nvPr>
+            <p:ph type="hdr" sz="quarter" idx="11"/>
+          </p:nvPr>
+        </p:nvSpPr>
+        <p:spPr/>
+        <p:txBody>
+          <a:bodyPr/>
+          <a:lstStyle/>
+          <a:p>
+            <a:pPr>
+              <a:defRPr/>
+            </a:pPr>
+            <a:endParaRPr lang="en-US"/>
+          </a:p>
+        </p:txBody>
+      </p:sp>
+      <p:sp>
+        <p:nvSpPr>
+          <p:cNvPr id="6" name="Footer Placeholder 5"/>
+          <p:cNvSpPr>
+            <a:spLocks noGrp="1"/>
+          </p:cNvSpPr>
+          <p:nvPr>
+            <p:ph type="ftr" sz="quarter" idx="12"/>
+          </p:nvPr>
+        </p:nvSpPr>
+        <p:spPr/>
+        <p:txBody>
+          <a:bodyPr/>
+          <a:lstStyle/>
+          <a:p>
+            <a:pPr>
+              <a:defRPr/>
+            </a:pPr>
+            <a:endParaRPr lang="en-US"/>
+          </a:p>
+        </p:txBody>
+      </p:sp>
+    </p:spTree>
+    <p:extLst>
+      <p:ext uri="{BB962C8B-B14F-4D97-AF65-F5344CB8AC3E}">
+        <p14:creationId xmlns:p14="http://schemas.microsoft.com/office/powerpoint/2010/main" val="4234763763"/>
+      </p:ext>
+    </p:extLst>
+  </p:cSld>
+  <p:clrMapOvr>
+    <a:masterClrMapping/>
+  </p:clrMapOvr>
+</p:notes>
+</file>
+
+<file path=ppt/notesSlides/notesSlide27.xml><?xml version="1.0" encoding="utf-8"?>
+<p:notes xmlns:a="http://schemas.openxmlformats.org/drawingml/2006/main" xmlns:r="http://schemas.openxmlformats.org/officeDocument/2006/relationships" xmlns:p="http://schemas.openxmlformats.org/presentationml/2006/main">
+  <p:cSld>
+    <p:spTree>
+      <p:nvGrpSpPr>
+        <p:cNvPr id="1" name=""/>
+        <p:cNvGrpSpPr/>
+        <p:nvPr/>
+      </p:nvGrpSpPr>
+      <p:grpSpPr>
+        <a:xfrm>
+          <a:off x="0" y="0"/>
+          <a:ext cx="0" cy="0"/>
+          <a:chOff x="0" y="0"/>
+          <a:chExt cx="0" cy="0"/>
+        </a:xfrm>
+      </p:grpSpPr>
+      <p:sp>
+        <p:nvSpPr>
+          <p:cNvPr id="2" name="Slide Image Placeholder 1"/>
+          <p:cNvSpPr>
+            <a:spLocks noGrp="1" noRot="1" noChangeAspect="1"/>
+          </p:cNvSpPr>
+          <p:nvPr>
+            <p:ph type="sldImg"/>
+          </p:nvPr>
+        </p:nvSpPr>
+        <p:spPr/>
+      </p:sp>
+      <p:sp>
+        <p:nvSpPr>
+          <p:cNvPr id="3" name="Notes Placeholder 2"/>
+          <p:cNvSpPr>
+            <a:spLocks noGrp="1"/>
+          </p:cNvSpPr>
+          <p:nvPr>
+            <p:ph type="body" idx="1"/>
+          </p:nvPr>
+        </p:nvSpPr>
+        <p:spPr/>
+        <p:txBody>
+          <a:bodyPr>
+            <a:normAutofit fontScale="70000" lnSpcReduction="20000"/>
+          </a:bodyPr>
+          <a:lstStyle/>
+          <a:p>
+            <a:pPr marL="0" marR="0" indent="0" algn="l" defTabSz="1217613" rtl="0" eaLnBrk="1" fontAlgn="base" latinLnBrk="0" hangingPunct="1">
+              <a:lnSpc>
+                <a:spcPct val="90000"/>
+              </a:lnSpc>
+              <a:spcBef>
+                <a:spcPct val="30000"/>
+              </a:spcBef>
+              <a:spcAft>
+                <a:spcPts val="450"/>
+              </a:spcAft>
+              <a:buClrTx/>
+              <a:buSzTx/>
+              <a:buFontTx/>
+              <a:buNone/>
+              <a:tabLst/>
+              <a:defRPr/>
+            </a:pPr>
+            <a:r>
+              <a:rPr lang="en-US" dirty="0" smtClean="0"/>
+              <a:t>The answer is, as you write controls, </a:t>
+            </a:r>
+            <a:r>
+              <a:rPr lang="en-US" dirty="0" err="1" smtClean="0"/>
+              <a:t>InSpec</a:t>
+            </a:r>
+            <a:r>
+              <a:rPr lang="en-US" dirty="0" smtClean="0"/>
+              <a:t> expects a `test` directory at the same</a:t>
+            </a:r>
+            <a:r>
+              <a:rPr lang="en-US" baseline="0" dirty="0" smtClean="0"/>
+              <a:t> </a:t>
+            </a:r>
+            <a:r>
+              <a:rPr lang="en-US" dirty="0" smtClean="0"/>
+              <a:t>level as the metadata.rb.</a:t>
+            </a:r>
+          </a:p>
+          <a:p>
+            <a:r>
+              <a:rPr lang="en-US" dirty="0" smtClean="0"/>
+              <a:t/>
+            </a:r>
+            <a:br>
+              <a:rPr lang="en-US" dirty="0" smtClean="0"/>
+            </a:br>
+            <a:r>
+              <a:rPr lang="en-US" dirty="0" smtClean="0"/>
+              <a:t>├── README.md</a:t>
+            </a:r>
+            <a:br>
+              <a:rPr lang="en-US" dirty="0" smtClean="0"/>
+            </a:br>
+            <a:r>
+              <a:rPr lang="en-US" dirty="0" smtClean="0"/>
+              <a:t>├── metadata.rb</a:t>
+            </a:r>
+            <a:br>
+              <a:rPr lang="en-US" dirty="0" smtClean="0"/>
+            </a:br>
+            <a:r>
+              <a:rPr lang="en-US" dirty="0" smtClean="0"/>
+              <a:t>└── test</a:t>
+            </a:r>
+            <a:br>
+              <a:rPr lang="en-US" dirty="0" smtClean="0"/>
+            </a:br>
+            <a:r>
+              <a:rPr lang="en-US" dirty="0" smtClean="0"/>
+              <a:t>  ├── </a:t>
+            </a:r>
+            <a:r>
+              <a:rPr lang="en-US" dirty="0" err="1" smtClean="0"/>
+              <a:t>foo_spec.rb</a:t>
+            </a:r>
+            <a:r>
+              <a:rPr lang="en-US" dirty="0" smtClean="0"/>
+              <a:t/>
+            </a:r>
+            <a:br>
+              <a:rPr lang="en-US" dirty="0" smtClean="0"/>
+            </a:br>
+            <a:r>
+              <a:rPr lang="en-US" dirty="0" smtClean="0"/>
+              <a:t>  └── </a:t>
+            </a:r>
+            <a:r>
+              <a:rPr lang="en-US" dirty="0" err="1" smtClean="0"/>
+              <a:t>bar_spec.rb</a:t>
+            </a:r>
+            <a:endParaRPr lang="en-US" dirty="0" smtClean="0"/>
+          </a:p>
+          <a:p>
+            <a:endParaRPr lang="en-US" dirty="0" smtClean="0"/>
+          </a:p>
+          <a:p>
+            <a:endParaRPr lang="en-US" dirty="0" smtClean="0"/>
+          </a:p>
+          <a:p>
+            <a:endParaRPr lang="en-US" dirty="0" smtClean="0"/>
+          </a:p>
+          <a:p>
+            <a:endParaRPr lang="en-US" dirty="0" smtClean="0"/>
+          </a:p>
+          <a:p>
+            <a:r>
+              <a:rPr lang="en-US" dirty="0" smtClean="0"/>
+              <a:t>https</a:t>
+            </a:r>
+            <a:r>
+              <a:rPr lang="en-US" dirty="0" smtClean="0"/>
+              <a:t>://</a:t>
+            </a:r>
+            <a:r>
+              <a:rPr lang="en-US" dirty="0" smtClean="0"/>
+              <a:t>github.com/chef/inspec/blob/7f555b902d6860ffe236ff23e4b52f20bac28adc/lib/inspec/profile.rb#L81-L129</a:t>
+            </a:r>
+          </a:p>
+          <a:p>
+            <a:endParaRPr lang="en-US" dirty="0" smtClean="0"/>
+          </a:p>
+          <a:p>
+            <a:pPr marL="0" marR="0" indent="0" algn="l" defTabSz="1217613" rtl="0" eaLnBrk="1" fontAlgn="base" latinLnBrk="0" hangingPunct="1">
+              <a:lnSpc>
+                <a:spcPct val="90000"/>
+              </a:lnSpc>
+              <a:spcBef>
+                <a:spcPct val="30000"/>
+              </a:spcBef>
+              <a:spcAft>
+                <a:spcPts val="450"/>
+              </a:spcAft>
+              <a:buClrTx/>
+              <a:buSzTx/>
+              <a:buFontTx/>
+              <a:buNone/>
+              <a:tabLst/>
+              <a:defRPr/>
+            </a:pPr>
+            <a:endParaRPr lang="en-US" baseline="0" dirty="0" smtClean="0"/>
+          </a:p>
+          <a:p>
+            <a:r>
+              <a:rPr lang="en-US" sz="1200" b="1" i="0" kern="1200" dirty="0" smtClean="0">
+                <a:solidFill>
+                  <a:schemeClr val="tx1"/>
+                </a:solidFill>
+                <a:effectLst/>
+                <a:latin typeface="Arial" panose="020B0604020202020204" pitchFamily="34" charset="0"/>
+                <a:ea typeface="ＭＳ Ｐゴシック" charset="0"/>
+                <a:cs typeface="Arial" panose="020B0604020202020204" pitchFamily="34" charset="0"/>
+              </a:rPr>
+              <a:t>Adding profiles</a:t>
+            </a:r>
+          </a:p>
+          <a:p>
+            <a:r>
+              <a:rPr lang="en-US" sz="1200" b="0" i="0" kern="1200" dirty="0" smtClean="0">
+                <a:solidFill>
+                  <a:schemeClr val="tx1"/>
+                </a:solidFill>
+                <a:effectLst/>
+                <a:latin typeface="Arial" panose="020B0604020202020204" pitchFamily="34" charset="0"/>
+                <a:ea typeface="ＭＳ Ｐゴシック" charset="0"/>
+                <a:cs typeface="Arial" panose="020B0604020202020204" pitchFamily="34" charset="0"/>
+              </a:rPr>
+              <a:t>Compliance profiles must be packaged in to a .tar.gz or .zip file to be uploaded to the Compliance Server. </a:t>
+            </a:r>
+          </a:p>
+          <a:p>
+            <a:r>
+              <a:rPr lang="en-US" sz="1200" b="0" i="0" kern="1200" dirty="0" smtClean="0">
+                <a:solidFill>
+                  <a:schemeClr val="tx1"/>
+                </a:solidFill>
+                <a:effectLst/>
+                <a:latin typeface="Arial" panose="020B0604020202020204" pitchFamily="34" charset="0"/>
+                <a:ea typeface="ＭＳ Ｐゴシック" charset="0"/>
+                <a:cs typeface="Arial" panose="020B0604020202020204" pitchFamily="34" charset="0"/>
+              </a:rPr>
+              <a:t>The directory structure is as follows (note, this is subject to change.  TODO: link to official docs when </a:t>
+            </a:r>
+            <a:r>
+              <a:rPr lang="en-US" sz="1200" b="0" i="0" kern="1200" dirty="0" err="1" smtClean="0">
+                <a:solidFill>
+                  <a:schemeClr val="tx1"/>
+                </a:solidFill>
+                <a:effectLst/>
+                <a:latin typeface="Arial" panose="020B0604020202020204" pitchFamily="34" charset="0"/>
+                <a:ea typeface="ＭＳ Ｐゴシック" charset="0"/>
+                <a:cs typeface="Arial" panose="020B0604020202020204" pitchFamily="34" charset="0"/>
+              </a:rPr>
+              <a:t>availalble</a:t>
+            </a:r>
+            <a:r>
+              <a:rPr lang="en-US" sz="1200" b="0" i="0" kern="1200" dirty="0" smtClean="0">
+                <a:solidFill>
+                  <a:schemeClr val="tx1"/>
+                </a:solidFill>
+                <a:effectLst/>
+                <a:latin typeface="Arial" panose="020B0604020202020204" pitchFamily="34" charset="0"/>
+                <a:ea typeface="ＭＳ Ｐゴシック" charset="0"/>
+                <a:cs typeface="Arial" panose="020B0604020202020204" pitchFamily="34" charset="0"/>
+              </a:rPr>
+              <a:t>):</a:t>
+            </a:r>
+          </a:p>
+          <a:p>
+            <a:r>
+              <a:rPr lang="en-US" sz="1200" b="0" i="0" kern="1200" dirty="0" smtClean="0">
+                <a:solidFill>
+                  <a:schemeClr val="tx1"/>
+                </a:solidFill>
+                <a:effectLst/>
+                <a:latin typeface="Arial" panose="020B0604020202020204" pitchFamily="34" charset="0"/>
+                <a:ea typeface="ＭＳ Ｐゴシック" charset="0"/>
+                <a:cs typeface="Arial" panose="020B0604020202020204" pitchFamily="34" charset="0"/>
+              </a:rPr>
+              <a:t>xyz.zip:</a:t>
+            </a:r>
+          </a:p>
+          <a:p>
+            <a:r>
+              <a:rPr lang="en-US" dirty="0" smtClean="0"/>
+              <a:t>.</a:t>
+            </a:r>
+            <a:br>
+              <a:rPr lang="en-US" dirty="0" smtClean="0"/>
+            </a:br>
+            <a:r>
+              <a:rPr lang="en-US" dirty="0" smtClean="0"/>
+              <a:t>├── README.md</a:t>
+            </a:r>
+            <a:br>
+              <a:rPr lang="en-US" dirty="0" smtClean="0"/>
+            </a:br>
+            <a:r>
+              <a:rPr lang="en-US" dirty="0" smtClean="0"/>
+              <a:t>├── metadata.rb</a:t>
+            </a:r>
+            <a:br>
+              <a:rPr lang="en-US" dirty="0" smtClean="0"/>
+            </a:br>
+            <a:r>
+              <a:rPr lang="en-US" dirty="0" smtClean="0"/>
+              <a:t>└── test</a:t>
+            </a:r>
+            <a:br>
+              <a:rPr lang="en-US" dirty="0" smtClean="0"/>
+            </a:br>
+            <a:r>
+              <a:rPr lang="en-US" dirty="0" smtClean="0"/>
+              <a:t>  ├── </a:t>
+            </a:r>
+            <a:r>
+              <a:rPr lang="en-US" dirty="0" err="1" smtClean="0"/>
+              <a:t>foo_spec.rb</a:t>
+            </a:r>
+            <a:r>
+              <a:rPr lang="en-US" dirty="0" smtClean="0"/>
+              <a:t/>
+            </a:r>
+            <a:br>
+              <a:rPr lang="en-US" dirty="0" smtClean="0"/>
+            </a:br>
+            <a:r>
+              <a:rPr lang="en-US" dirty="0" smtClean="0"/>
+              <a:t>  └── </a:t>
+            </a:r>
+            <a:r>
+              <a:rPr lang="en-US" dirty="0" err="1" smtClean="0"/>
+              <a:t>bar_spec.rb</a:t>
+            </a:r>
+            <a:endParaRPr lang="en-US" dirty="0" smtClean="0"/>
+          </a:p>
+          <a:p>
+            <a:endParaRPr lang="en-US" dirty="0" smtClean="0"/>
+          </a:p>
+          <a:p>
+            <a:r>
+              <a:rPr lang="en-US" dirty="0" smtClean="0"/>
+              <a:t>As you write controls, </a:t>
+            </a:r>
+            <a:r>
+              <a:rPr lang="en-US" dirty="0" err="1" smtClean="0"/>
+              <a:t>InSpec</a:t>
+            </a:r>
+            <a:r>
+              <a:rPr lang="en-US" dirty="0" smtClean="0"/>
+              <a:t> requires a `test` directory since it </a:t>
+            </a:r>
+            <a:r>
+              <a:rPr lang="en-US" dirty="0" err="1" smtClean="0"/>
+              <a:t>InSpec</a:t>
+            </a:r>
+            <a:r>
+              <a:rPr lang="en-US" dirty="0" smtClean="0"/>
+              <a:t> expect this structure.</a:t>
+            </a:r>
+          </a:p>
+        </p:txBody>
+      </p:sp>
+      <p:sp>
+        <p:nvSpPr>
+          <p:cNvPr id="4" name="Slide Number Placeholder 3"/>
+          <p:cNvSpPr>
+            <a:spLocks noGrp="1"/>
+          </p:cNvSpPr>
+          <p:nvPr>
+            <p:ph type="sldNum" sz="quarter" idx="10"/>
+          </p:nvPr>
+        </p:nvSpPr>
+        <p:spPr/>
+        <p:txBody>
+          <a:bodyPr/>
+          <a:lstStyle/>
+          <a:p>
+            <a:pPr>
+              <a:defRPr/>
+            </a:pPr>
+            <a:fld id="{DC3734AA-3150-D947-AC52-2F5DF48BFCD5}" type="slidenum">
+              <a:rPr lang="en-US" smtClean="0"/>
+              <a:pPr>
+                <a:defRPr/>
+              </a:pPr>
+              <a:t>29</a:t>
+            </a:fld>
+            <a:endParaRPr lang="en-US" dirty="0"/>
+          </a:p>
+        </p:txBody>
+      </p:sp>
+      <p:sp>
+        <p:nvSpPr>
+          <p:cNvPr id="5" name="Header Placeholder 4"/>
+          <p:cNvSpPr>
+            <a:spLocks noGrp="1"/>
+          </p:cNvSpPr>
+          <p:nvPr>
+            <p:ph type="hdr" sz="quarter" idx="11"/>
+          </p:nvPr>
+        </p:nvSpPr>
+        <p:spPr/>
+        <p:txBody>
+          <a:bodyPr/>
+          <a:lstStyle/>
+          <a:p>
+            <a:pPr>
+              <a:defRPr/>
+            </a:pPr>
+            <a:endParaRPr lang="en-US"/>
+          </a:p>
+        </p:txBody>
+      </p:sp>
+      <p:sp>
+        <p:nvSpPr>
+          <p:cNvPr id="6" name="Footer Placeholder 5"/>
+          <p:cNvSpPr>
+            <a:spLocks noGrp="1"/>
+          </p:cNvSpPr>
+          <p:nvPr>
+            <p:ph type="ftr" sz="quarter" idx="12"/>
+          </p:nvPr>
+        </p:nvSpPr>
+        <p:spPr/>
+        <p:txBody>
+          <a:bodyPr/>
+          <a:lstStyle/>
+          <a:p>
+            <a:pPr>
+              <a:defRPr/>
+            </a:pPr>
+            <a:endParaRPr lang="en-US"/>
+          </a:p>
+        </p:txBody>
+      </p:sp>
+    </p:spTree>
+    <p:extLst>
+      <p:ext uri="{BB962C8B-B14F-4D97-AF65-F5344CB8AC3E}">
+        <p14:creationId xmlns:p14="http://schemas.microsoft.com/office/powerpoint/2010/main" val="214120394"/>
       </p:ext>
     </p:extLst>
   </p:cSld>
@@ -4483,33 +6758,41 @@
             </a:pPr>
             <a:r>
               <a:rPr lang="en-US" dirty="0" smtClean="0"/>
-              <a:t>You can use your own name if you like in place of `</a:t>
-            </a:r>
-            <a:r>
-              <a:rPr lang="en-US" dirty="0" err="1" smtClean="0"/>
-              <a:t>myname</a:t>
-            </a:r>
-            <a:r>
-              <a:rPr lang="en-US" dirty="0" smtClean="0"/>
-              <a:t>', '</a:t>
-            </a:r>
-            <a:r>
-              <a:rPr lang="en-US" dirty="0" err="1" smtClean="0"/>
-              <a:t>MyName</a:t>
-            </a:r>
-            <a:r>
-              <a:rPr lang="en-US" dirty="0" smtClean="0"/>
-              <a:t>',</a:t>
+              <a:t>Ensure</a:t>
             </a:r>
             <a:r>
               <a:rPr lang="en-US" baseline="0" dirty="0" smtClean="0"/>
-              <a:t> or </a:t>
-            </a:r>
-            <a:r>
-              <a:rPr lang="en-US" dirty="0" smtClean="0"/>
-              <a:t>'My Name'.</a:t>
-            </a:r>
-            <a:endParaRPr lang="en-US" dirty="0"/>
+              <a:t> that you define the '</a:t>
+            </a:r>
+            <a:r>
+              <a:rPr lang="en-US" dirty="0" smtClean="0"/>
+              <a:t>name' line exactly as shown in the example above so you can later see how it is used</a:t>
+            </a:r>
+            <a:r>
+              <a:rPr lang="en-US" baseline="0" dirty="0" smtClean="0"/>
+              <a:t> by the Compliance Server.</a:t>
+            </a:r>
+            <a:endParaRPr lang="en-US" dirty="0" smtClean="0"/>
+          </a:p>
+          <a:p>
+            <a:pPr marL="0" marR="0" indent="0" algn="l" defTabSz="1217613" rtl="0" eaLnBrk="1" fontAlgn="base" latinLnBrk="0" hangingPunct="1">
+              <a:lnSpc>
+                <a:spcPct val="90000"/>
+              </a:lnSpc>
+              <a:spcBef>
+                <a:spcPct val="30000"/>
+              </a:spcBef>
+              <a:spcAft>
+                <a:spcPts val="450"/>
+              </a:spcAft>
+              <a:buClrTx/>
+              <a:buSzTx/>
+              <a:buFontTx/>
+              <a:buNone/>
+              <a:tabLst/>
+              <a:defRPr/>
+            </a:pPr>
+            <a:endParaRPr lang="en-US" dirty="0" smtClean="0"/>
           </a:p>
         </p:txBody>
       </p:sp>
@@ -4858,18 +7141,9 @@
         <p:spPr/>
         <p:txBody>
           <a:bodyPr>
-            <a:normAutofit fontScale="92500" lnSpcReduction="20000"/>
+            <a:normAutofit fontScale="85000" lnSpcReduction="20000"/>
           </a:bodyPr>
           <a:lstStyle/>
-          <a:p>
-            <a:r>
-              <a:rPr lang="en-US" dirty="0" smtClean="0"/>
-              <a:t>https://github.com/chef/inspec/blob/7f555b902d6860ffe236ff23e4b52f20bac28adc/lib/inspec/profile.rb#L81-L129</a:t>
-            </a:r>
-          </a:p>
-          <a:p>
-            <a:endParaRPr lang="en-US" dirty="0" smtClean="0"/>
-          </a:p>
           <a:p>
             <a:pPr marL="0" marR="0" indent="0" algn="l" defTabSz="1217613" rtl="0" eaLnBrk="1" fontAlgn="base" latinLnBrk="0" hangingPunct="1">
               <a:lnSpc>
@@ -4890,149 +7164,29 @@
             </a:pPr>
             <a:r>
               <a:rPr lang="en-US" dirty="0" smtClean="0"/>
-              <a:t>So your</a:t>
+              <a:t>The answer is, as you write controls, </a:t>
+            </a:r>
+            <a:r>
+              <a:rPr lang="en-US" dirty="0" err="1" smtClean="0"/>
+              <a:t>InSpec</a:t>
+            </a:r>
+            <a:r>
+              <a:rPr lang="en-US" dirty="0" smtClean="0"/>
+              <a:t> expects a `test` directory at the same</a:t>
             </a:r>
             <a:r>
               <a:rPr lang="en-US" baseline="0" dirty="0" smtClean="0"/>
-              <a:t> cookbooks will have a </a:t>
-            </a:r>
-            <a:r>
-              <a:rPr lang="en-US" dirty="0" smtClean="0"/>
-              <a:t>metadata.rb.</a:t>
-            </a:r>
-            <a:endParaRPr lang="en-US" dirty="0"/>
-          </a:p>
-          <a:p>
-            <a:pPr marL="0" marR="0" indent="0" algn="l" defTabSz="1217613" rtl="0" eaLnBrk="1" fontAlgn="base" latinLnBrk="0" hangingPunct="1">
-              <a:lnSpc>
-                <a:spcPct val="90000"/>
-              </a:lnSpc>
-              <a:spcBef>
-                <a:spcPct val="30000"/>
-              </a:spcBef>
-              <a:spcAft>
-                <a:spcPts val="450"/>
-              </a:spcAft>
-              <a:buClrTx/>
-              <a:buSzTx/>
-              <a:buFontTx/>
-              <a:buNone/>
-              <a:tabLst/>
-              <a:defRPr/>
-            </a:pPr>
-            <a:r>
-              <a:rPr lang="en-US" dirty="0" smtClean="0"/>
-              <a:t>An</a:t>
-            </a:r>
-            <a:r>
-              <a:rPr lang="en-US" baseline="0" dirty="0" smtClean="0"/>
-              <a:t>d your </a:t>
-            </a:r>
-          </a:p>
-          <a:p>
-            <a:pPr marL="0" marR="0" indent="0" algn="l" defTabSz="1217613" rtl="0" eaLnBrk="1" fontAlgn="base" latinLnBrk="0" hangingPunct="1">
-              <a:lnSpc>
-                <a:spcPct val="90000"/>
-              </a:lnSpc>
-              <a:spcBef>
-                <a:spcPct val="30000"/>
-              </a:spcBef>
-              <a:spcAft>
-                <a:spcPts val="450"/>
-              </a:spcAft>
-              <a:buClrTx/>
-              <a:buSzTx/>
-              <a:buFontTx/>
-              <a:buNone/>
-              <a:tabLst/>
-              <a:defRPr/>
-            </a:pPr>
-            <a:endParaRPr lang="en-US" baseline="0" dirty="0" smtClean="0"/>
-          </a:p>
-          <a:p>
-            <a:r>
-              <a:rPr lang="en-US" sz="1200" b="1" i="0" kern="1200" dirty="0" smtClean="0">
-                <a:solidFill>
-                  <a:schemeClr val="tx1"/>
-                </a:solidFill>
-                <a:effectLst/>
-                <a:latin typeface="Arial" panose="020B0604020202020204" pitchFamily="34" charset="0"/>
-                <a:ea typeface="ＭＳ Ｐゴシック" charset="0"/>
-                <a:cs typeface="Arial" panose="020B0604020202020204" pitchFamily="34" charset="0"/>
-              </a:rPr>
-              <a:t>Adding profiles</a:t>
-            </a:r>
-          </a:p>
-          <a:p>
-            <a:r>
-              <a:rPr lang="en-US" sz="1200" b="0" i="0" kern="1200" dirty="0" smtClean="0">
-                <a:solidFill>
-                  <a:schemeClr val="tx1"/>
-                </a:solidFill>
-                <a:effectLst/>
-                <a:latin typeface="Arial" panose="020B0604020202020204" pitchFamily="34" charset="0"/>
-                <a:ea typeface="ＭＳ Ｐゴシック" charset="0"/>
-                <a:cs typeface="Arial" panose="020B0604020202020204" pitchFamily="34" charset="0"/>
-              </a:rPr>
-              <a:t>Compliance profiles must be packaged in to a .tar.gz or .zip file to be uploaded to the Compliance Server. </a:t>
-            </a:r>
-          </a:p>
-          <a:p>
-            <a:r>
-              <a:rPr lang="en-US" sz="1200" b="0" i="0" kern="1200" dirty="0" smtClean="0">
-                <a:solidFill>
-                  <a:schemeClr val="tx1"/>
-                </a:solidFill>
-                <a:effectLst/>
-                <a:latin typeface="Arial" panose="020B0604020202020204" pitchFamily="34" charset="0"/>
-                <a:ea typeface="ＭＳ Ｐゴシック" charset="0"/>
-                <a:cs typeface="Arial" panose="020B0604020202020204" pitchFamily="34" charset="0"/>
-              </a:rPr>
-              <a:t>The directory structure is as follows (note, this is subject to change.  TODO: link to official docs when </a:t>
-            </a:r>
-            <a:r>
-              <a:rPr lang="en-US" sz="1200" b="0" i="0" kern="1200" dirty="0" err="1" smtClean="0">
-                <a:solidFill>
-                  <a:schemeClr val="tx1"/>
-                </a:solidFill>
-                <a:effectLst/>
-                <a:latin typeface="Arial" panose="020B0604020202020204" pitchFamily="34" charset="0"/>
-                <a:ea typeface="ＭＳ Ｐゴシック" charset="0"/>
-                <a:cs typeface="Arial" panose="020B0604020202020204" pitchFamily="34" charset="0"/>
-              </a:rPr>
-              <a:t>avaialble</a:t>
-            </a:r>
-            <a:r>
-              <a:rPr lang="en-US" sz="1200" b="0" i="0" kern="1200" dirty="0" smtClean="0">
-                <a:solidFill>
-                  <a:schemeClr val="tx1"/>
-                </a:solidFill>
-                <a:effectLst/>
-                <a:latin typeface="Arial" panose="020B0604020202020204" pitchFamily="34" charset="0"/>
-                <a:ea typeface="ＭＳ Ｐゴシック" charset="0"/>
-                <a:cs typeface="Arial" panose="020B0604020202020204" pitchFamily="34" charset="0"/>
-              </a:rPr>
-              <a:t>):</a:t>
-            </a:r>
-          </a:p>
-          <a:p>
-            <a:r>
-              <a:rPr lang="en-US" sz="1200" b="0" i="0" kern="1200" dirty="0" smtClean="0">
-                <a:solidFill>
-                  <a:schemeClr val="tx1"/>
-                </a:solidFill>
-                <a:effectLst/>
-                <a:latin typeface="Arial" panose="020B0604020202020204" pitchFamily="34" charset="0"/>
-                <a:ea typeface="ＭＳ Ｐゴシック" charset="0"/>
-                <a:cs typeface="Arial" panose="020B0604020202020204" pitchFamily="34" charset="0"/>
-              </a:rPr>
-              <a:t>xyz.zip:</a:t>
-            </a:r>
-          </a:p>
-          <a:p>
-            <a:r>
-              <a:rPr lang="en-US" dirty="0" smtClean="0"/>
-              <a:t>.</a:t>
+              <a:t> </a:t>
+            </a:r>
+            <a:r>
+              <a:rPr lang="en-US" dirty="0" smtClean="0"/>
+              <a:t>level as the metadata.rb.</a:t>
+            </a:r>
+          </a:p>
+          <a:p>
+            <a:r>
+              <a:rPr lang="en-US" dirty="0" smtClean="0"/>
+              <a:t/>
             </a:r>
             <a:br>
               <a:rPr lang="en-US" dirty="0" smtClean="0"/>
@@ -5087,26 +7241,10 @@
             <a:endParaRPr lang="en-US" dirty="0" smtClean="0"/>
           </a:p>
           <a:p>
-            <a:r>
-              <a:rPr lang="en-US" dirty="0" smtClean="0"/>
-              <a:t>As you write controls, </a:t>
-            </a:r>
-            <a:r>
-              <a:rPr lang="en-US" dirty="0" err="1" smtClean="0"/>
-              <a:t>InSpec</a:t>
-            </a:r>
-            <a:r>
-              <a:rPr lang="en-US" dirty="0" smtClean="0"/>
-              <a:t> requires a `test` directory since it </a:t>
-            </a:r>
-            <a:r>
-              <a:rPr lang="en-US" dirty="0" err="1" smtClean="0"/>
-              <a:t>InSpec</a:t>
-            </a:r>
-            <a:r>
-              <a:rPr lang="en-US" dirty="0" smtClean="0"/>
-              <a:t> expect this structure.</a:t>
-            </a:r>
+            <a:endParaRPr lang="en-US" dirty="0" smtClean="0"/>
+          </a:p>
+          <a:p>
+            <a:endParaRPr lang="en-US" dirty="0" smtClean="0"/>
           </a:p>
         </p:txBody>
       </p:sp>
@@ -5761,14 +7899,14 @@
           </a:ln>
           <a:extLst>
             <a:ext uri="{909E8E84-426E-40dd-AFC4-6F175D3DCCD1}">
-              <a14:hiddenFill xmlns="" xmlns:a14="http://schemas.microsoft.com/office/drawing/2010/main">
+              <a14:hiddenFill xmlns:a14="http://schemas.microsoft.com/office/drawing/2010/main" xmlns="">
                 <a:solidFill>
                   <a:srgbClr val="FFFFFF"/>
                 </a:solidFill>
               </a14:hiddenFill>
             </a:ext>
             <a:ext uri="{91240B29-F687-4f45-9708-019B960494DF}">
-              <a14:hiddenLine xmlns="" xmlns:a14="http://schemas.microsoft.com/office/drawing/2010/main" w="9525">
+              <a14:hiddenLine xmlns:a14="http://schemas.microsoft.com/office/drawing/2010/main" xmlns="" w="9525">
                 <a:solidFill>
                   <a:srgbClr val="000000"/>
                 </a:solidFill>
@@ -5916,14 +8054,14 @@
           </a:ln>
           <a:extLst>
             <a:ext uri="{909E8E84-426E-40dd-AFC4-6F175D3DCCD1}">
-              <a14:hiddenFill xmlns="" xmlns:a14="http://schemas.microsoft.com/office/drawing/2010/main">
+              <a14:hiddenFill xmlns:a14="http://schemas.microsoft.com/office/drawing/2010/main" xmlns="">
                 <a:solidFill>
                   <a:srgbClr val="FFFFFF"/>
                 </a:solidFill>
               </a14:hiddenFill>
             </a:ext>
             <a:ext uri="{91240B29-F687-4f45-9708-019B960494DF}">
-              <a14:hiddenLine xmlns="" xmlns:a14="http://schemas.microsoft.com/office/drawing/2010/main" w="9525">
+              <a14:hiddenLine xmlns:a14="http://schemas.microsoft.com/office/drawing/2010/main" xmlns="" w="9525">
                 <a:solidFill>
                   <a:srgbClr val="000000"/>
                 </a:solidFill>
@@ -6414,14 +8552,14 @@
           </a:ln>
           <a:extLst>
             <a:ext uri="{909E8E84-426E-40dd-AFC4-6F175D3DCCD1}">
-              <a14:hiddenFill xmlns="" xmlns:a14="http://schemas.microsoft.com/office/drawing/2010/main">
+              <a14:hiddenFill xmlns:a14="http://schemas.microsoft.com/office/drawing/2010/main" xmlns="">
                 <a:solidFill>
                   <a:srgbClr val="FFFFFF"/>
                 </a:solidFill>
               </a14:hiddenFill>
             </a:ext>
             <a:ext uri="{91240B29-F687-4f45-9708-019B960494DF}">
-              <a14:hiddenLine xmlns="" xmlns:a14="http://schemas.microsoft.com/office/drawing/2010/main" w="9525">
+              <a14:hiddenLine xmlns:a14="http://schemas.microsoft.com/office/drawing/2010/main" xmlns="" w="9525">
                 <a:solidFill>
                   <a:srgbClr val="000000"/>
                 </a:solidFill>
@@ -6947,14 +9085,14 @@
           </a:ln>
           <a:extLst>
             <a:ext uri="{909E8E84-426E-40dd-AFC4-6F175D3DCCD1}">
-              <a14:hiddenFill xmlns="" xmlns:a14="http://schemas.microsoft.com/office/drawing/2010/main">
+              <a14:hiddenFill xmlns:a14="http://schemas.microsoft.com/office/drawing/2010/main" xmlns="">
                 <a:solidFill>
                   <a:srgbClr val="FFFFFF"/>
                 </a:solidFill>
               </a14:hiddenFill>
             </a:ext>
             <a:ext uri="{91240B29-F687-4f45-9708-019B960494DF}">
-              <a14:hiddenLine xmlns="" xmlns:a14="http://schemas.microsoft.com/office/drawing/2010/main" w="9525">
+              <a14:hiddenLine xmlns:a14="http://schemas.microsoft.com/office/drawing/2010/main" xmlns="" w="9525">
                 <a:solidFill>
                   <a:srgbClr val="000000"/>
                 </a:solidFill>
@@ -8578,14 +10716,14 @@
           </a:ln>
           <a:extLst>
             <a:ext uri="{909E8E84-426E-40dd-AFC4-6F175D3DCCD1}">
-              <a14:hiddenFill xmlns="" xmlns:a14="http://schemas.microsoft.com/office/drawing/2010/main">
+              <a14:hiddenFill xmlns:a14="http://schemas.microsoft.com/office/drawing/2010/main" xmlns="">
                 <a:solidFill>
                   <a:srgbClr val="FFFFFF"/>
                 </a:solidFill>
               </a14:hiddenFill>
             </a:ext>
             <a:ext uri="{91240B29-F687-4f45-9708-019B960494DF}">
-              <a14:hiddenLine xmlns="" xmlns:a14="http://schemas.microsoft.com/office/drawing/2010/main" w="9525">
+              <a14:hiddenLine xmlns:a14="http://schemas.microsoft.com/office/drawing/2010/main" xmlns="" w="9525">
                 <a:solidFill>
                   <a:srgbClr val="000000"/>
                 </a:solidFill>
@@ -9939,14 +12077,14 @@
           </a:ln>
           <a:extLst>
             <a:ext uri="{909E8E84-426E-40dd-AFC4-6F175D3DCCD1}">
-              <a14:hiddenFill xmlns="" xmlns:a14="http://schemas.microsoft.com/office/drawing/2010/main">
+              <a14:hiddenFill xmlns:a14="http://schemas.microsoft.com/office/drawing/2010/main" xmlns="">
                 <a:solidFill>
                   <a:srgbClr val="FFFFFF"/>
                 </a:solidFill>
               </a14:hiddenFill>
             </a:ext>
             <a:ext uri="{91240B29-F687-4f45-9708-019B960494DF}">
-              <a14:hiddenLine xmlns="" xmlns:a14="http://schemas.microsoft.com/office/drawing/2010/main" w="9525">
+              <a14:hiddenLine xmlns:a14="http://schemas.microsoft.com/office/drawing/2010/main" xmlns="" w="9525">
                 <a:solidFill>
                   <a:srgbClr val="000000"/>
                 </a:solidFill>
@@ -10452,14 +12590,14 @@
           </a:ln>
           <a:extLst>
             <a:ext uri="{909E8E84-426E-40dd-AFC4-6F175D3DCCD1}">
-              <a14:hiddenFill xmlns="" xmlns:a14="http://schemas.microsoft.com/office/drawing/2010/main">
+              <a14:hiddenFill xmlns:a14="http://schemas.microsoft.com/office/drawing/2010/main" xmlns="">
                 <a:solidFill>
                   <a:srgbClr val="FFFFFF"/>
                 </a:solidFill>
               </a14:hiddenFill>
             </a:ext>
             <a:ext uri="{91240B29-F687-4f45-9708-019B960494DF}">
-              <a14:hiddenLine xmlns="" xmlns:a14="http://schemas.microsoft.com/office/drawing/2010/main" w="9525">
+              <a14:hiddenLine xmlns:a14="http://schemas.microsoft.com/office/drawing/2010/main" xmlns="" w="9525">
                 <a:solidFill>
                   <a:srgbClr val="000000"/>
                 </a:solidFill>
@@ -11026,14 +13164,14 @@
           </a:ln>
           <a:extLst>
             <a:ext uri="{909E8E84-426E-40dd-AFC4-6F175D3DCCD1}">
-              <a14:hiddenFill xmlns="" xmlns:a14="http://schemas.microsoft.com/office/drawing/2010/main">
+              <a14:hiddenFill xmlns:a14="http://schemas.microsoft.com/office/drawing/2010/main" xmlns="">
                 <a:solidFill>
                   <a:srgbClr val="FFFFFF"/>
                 </a:solidFill>
               </a14:hiddenFill>
             </a:ext>
             <a:ext uri="{91240B29-F687-4f45-9708-019B960494DF}">
-              <a14:hiddenLine xmlns="" xmlns:a14="http://schemas.microsoft.com/office/drawing/2010/main" w="9525">
+              <a14:hiddenLine xmlns:a14="http://schemas.microsoft.com/office/drawing/2010/main" xmlns="" w="9525">
                 <a:solidFill>
                   <a:srgbClr val="000000"/>
                 </a:solidFill>
@@ -11973,14 +14111,14 @@
           </a:ln>
           <a:extLst>
             <a:ext uri="{909E8E84-426E-40dd-AFC4-6F175D3DCCD1}">
-              <a14:hiddenFill xmlns="" xmlns:a14="http://schemas.microsoft.com/office/drawing/2010/main">
+              <a14:hiddenFill xmlns:a14="http://schemas.microsoft.com/office/drawing/2010/main" xmlns="">
                 <a:solidFill>
                   <a:srgbClr val="FFFFFF"/>
                 </a:solidFill>
               </a14:hiddenFill>
             </a:ext>
             <a:ext uri="{91240B29-F687-4f45-9708-019B960494DF}">
-              <a14:hiddenLine xmlns="" xmlns:a14="http://schemas.microsoft.com/office/drawing/2010/main" w="9525">
+              <a14:hiddenLine xmlns:a14="http://schemas.microsoft.com/office/drawing/2010/main" xmlns="" w="9525">
                 <a:solidFill>
                   <a:srgbClr val="000000"/>
                 </a:solidFill>
@@ -12733,14 +14871,14 @@
           </a:ln>
           <a:extLst>
             <a:ext uri="{909E8E84-426E-40dd-AFC4-6F175D3DCCD1}">
-              <a14:hiddenFill xmlns="" xmlns:a14="http://schemas.microsoft.com/office/drawing/2010/main">
+              <a14:hiddenFill xmlns:a14="http://schemas.microsoft.com/office/drawing/2010/main" xmlns="">
                 <a:solidFill>
                   <a:srgbClr val="FFFFFF"/>
                 </a:solidFill>
               </a14:hiddenFill>
             </a:ext>
             <a:ext uri="{91240B29-F687-4f45-9708-019B960494DF}">
-              <a14:hiddenLine xmlns="" xmlns:a14="http://schemas.microsoft.com/office/drawing/2010/main" w="9525">
+              <a14:hiddenLine xmlns:a14="http://schemas.microsoft.com/office/drawing/2010/main" xmlns="" w="9525">
                 <a:solidFill>
                   <a:srgbClr val="000000"/>
                 </a:solidFill>
@@ -14250,6 +16388,13 @@
   <p:transition spd="med">
     <p:fade/>
   </p:transition>
+  <p:timing>
+    <p:tnLst>
+      <p:par>
+        <p:cTn id="1" dur="indefinite" restart="never" nodeType="tmRoot"/>
+      </p:par>
+    </p:tnLst>
+  </p:timing>
 </p:sld>
 </file>
 
@@ -14724,7 +16869,15 @@
           <a:p>
             <a:r>
               <a:rPr lang="en-US" dirty="0" smtClean="0"/>
-              <a:t>GE: Write the Control</a:t>
+              <a:t>GE: Write the </a:t>
+            </a:r>
+            <a:r>
+              <a:rPr lang="en-US" dirty="0" smtClean="0"/>
+              <a:t>Control Called </a:t>
+            </a:r>
+            <a:r>
+              <a:rPr lang="en-US" dirty="0" err="1" smtClean="0"/>
+              <a:t>tmp.rb</a:t>
             </a:r>
             <a:endParaRPr lang="en-US" dirty="0"/>
           </a:p>
@@ -15014,113 +17167,112 @@
       </p:grpSpPr>
       <p:sp>
         <p:nvSpPr>
-          <p:cNvPr id="2" name="Title 1"/>
-          <p:cNvSpPr>
-            <a:spLocks noGrp="1"/>
-          </p:cNvSpPr>
-          <p:nvPr>
-            <p:ph type="ctrTitle"/>
-          </p:nvPr>
-        </p:nvSpPr>
-        <p:spPr>
-          <a:xfrm>
-            <a:off x="1325881" y="2452145"/>
-            <a:ext cx="12664758" cy="968599"/>
-          </a:xfrm>
-        </p:spPr>
+          <p:cNvPr id="2" name="Content Placeholder 1"/>
+          <p:cNvSpPr>
+            <a:spLocks noGrp="1"/>
+          </p:cNvSpPr>
+          <p:nvPr>
+            <p:ph sz="quarter" idx="10"/>
+          </p:nvPr>
+        </p:nvSpPr>
+        <p:spPr/>
+        <p:txBody>
+          <a:bodyPr/>
+          <a:lstStyle/>
+          <a:p>
+            <a:r>
+              <a:rPr lang="en-US" dirty="0"/>
+              <a:t>..</a:t>
+            </a:r>
+          </a:p>
+          <a:p>
+            <a:endParaRPr lang="en-US" dirty="0"/>
+          </a:p>
+          <a:p>
+            <a:r>
+              <a:rPr lang="en-US" dirty="0"/>
+              <a:t>Finished in 0.03994 seconds (files took 0.4762 seconds to load)</a:t>
+            </a:r>
+          </a:p>
+          <a:p>
+            <a:r>
+              <a:rPr lang="en-US" dirty="0"/>
+              <a:t>2 examples, 0 failures</a:t>
+            </a:r>
+          </a:p>
+          <a:p>
+            <a:endParaRPr lang="en-US" b="1" dirty="0"/>
+          </a:p>
+        </p:txBody>
+      </p:sp>
+      <p:sp>
+        <p:nvSpPr>
+          <p:cNvPr id="3" name="Text Placeholder 2"/>
+          <p:cNvSpPr>
+            <a:spLocks noGrp="1"/>
+          </p:cNvSpPr>
+          <p:nvPr>
+            <p:ph type="body" sz="quarter" idx="11"/>
+          </p:nvPr>
+        </p:nvSpPr>
+        <p:spPr/>
+        <p:txBody>
+          <a:bodyPr/>
+          <a:lstStyle/>
+          <a:p>
+            <a:r>
+              <a:rPr lang="en-US" dirty="0"/>
+              <a:t>$ </a:t>
+            </a:r>
+            <a:r>
+              <a:rPr lang="en-US" dirty="0" err="1" smtClean="0"/>
+              <a:t>inspec</a:t>
+            </a:r>
+            <a:r>
+              <a:rPr lang="en-US" dirty="0" smtClean="0"/>
+              <a:t> </a:t>
+            </a:r>
+            <a:r>
+              <a:rPr lang="en-US" dirty="0" smtClean="0"/>
+              <a:t>exec ~/</a:t>
+            </a:r>
+            <a:r>
+              <a:rPr lang="en-US" dirty="0" err="1" smtClean="0"/>
+              <a:t>compliance_profiles</a:t>
+            </a:r>
+            <a:r>
+              <a:rPr lang="en-US" dirty="0" smtClean="0"/>
+              <a:t>/profile_01</a:t>
+            </a:r>
+            <a:endParaRPr lang="en-US" dirty="0"/>
+          </a:p>
+        </p:txBody>
+      </p:sp>
+      <p:sp>
+        <p:nvSpPr>
+          <p:cNvPr id="5" name="Title 4"/>
+          <p:cNvSpPr>
+            <a:spLocks noGrp="1"/>
+          </p:cNvSpPr>
+          <p:nvPr>
+            <p:ph type="title"/>
+          </p:nvPr>
+        </p:nvSpPr>
+        <p:spPr/>
         <p:txBody>
           <a:bodyPr>
-            <a:normAutofit fontScale="90000"/>
+            <a:normAutofit/>
           </a:bodyPr>
           <a:lstStyle/>
           <a:p>
             <a:r>
               <a:rPr lang="en-US" dirty="0" smtClean="0"/>
-              <a:t>GE: Uploading the Custom Profile to the Compliance Server </a:t>
-            </a:r>
-            <a:endParaRPr lang="en-US" dirty="0"/>
-          </a:p>
-        </p:txBody>
-      </p:sp>
-      <p:sp>
-        <p:nvSpPr>
-          <p:cNvPr id="3" name="Content Placeholder 2"/>
-          <p:cNvSpPr>
-            <a:spLocks noGrp="1"/>
-          </p:cNvSpPr>
-          <p:nvPr>
-            <p:ph sz="quarter" idx="11"/>
-          </p:nvPr>
-        </p:nvSpPr>
-        <p:spPr>
-          <a:xfrm>
-            <a:off x="1671638" y="3420745"/>
-            <a:ext cx="12319000" cy="1528233"/>
-          </a:xfrm>
-        </p:spPr>
-        <p:txBody>
-          <a:bodyPr/>
-          <a:lstStyle/>
-          <a:p>
-            <a:r>
-              <a:rPr lang="en-US" dirty="0" smtClean="0"/>
-              <a:t>Uploading it so it can be used in scans..</a:t>
-            </a:r>
-            <a:endParaRPr lang="en-US" dirty="0"/>
-          </a:p>
-        </p:txBody>
-      </p:sp>
-      <p:sp>
-        <p:nvSpPr>
-          <p:cNvPr id="4" name="Text Placeholder 3"/>
-          <p:cNvSpPr>
-            <a:spLocks noGrp="1"/>
-          </p:cNvSpPr>
-          <p:nvPr>
-            <p:ph type="body" sz="quarter" idx="10"/>
-          </p:nvPr>
-        </p:nvSpPr>
-        <p:spPr/>
-        <p:txBody>
-          <a:bodyPr/>
-          <a:lstStyle/>
-          <a:p>
-            <a:pPr marL="342900" indent="-342900">
-              <a:buFont typeface="Wingdings" panose="05000000000000000000" pitchFamily="2" charset="2"/>
-              <a:buChar char="q"/>
-            </a:pPr>
-            <a:r>
-              <a:rPr lang="en-US" dirty="0" smtClean="0"/>
-              <a:t>Use </a:t>
-            </a:r>
-            <a:r>
-              <a:rPr lang="en-US" dirty="0" err="1" smtClean="0"/>
-              <a:t>InSpec</a:t>
-            </a:r>
-            <a:r>
-              <a:rPr lang="en-US" dirty="0" smtClean="0"/>
-              <a:t> to create a custom profile.</a:t>
-            </a:r>
-          </a:p>
-          <a:p>
-            <a:pPr marL="342900" indent="-342900">
-              <a:buFont typeface="Wingdings" panose="05000000000000000000" pitchFamily="2" charset="2"/>
-              <a:buChar char="q"/>
-            </a:pPr>
-            <a:endParaRPr lang="en-US" dirty="0" smtClean="0"/>
-          </a:p>
-          <a:p>
-            <a:pPr marL="342900" indent="-342900">
-              <a:buFont typeface="Wingdings" panose="05000000000000000000" pitchFamily="2" charset="2"/>
-              <a:buChar char="q"/>
-            </a:pPr>
-            <a:endParaRPr lang="en-US" dirty="0" smtClean="0"/>
-          </a:p>
-          <a:p>
-            <a:pPr marL="342900" indent="-342900">
-              <a:buFont typeface="Wingdings" panose="05000000000000000000" pitchFamily="2" charset="2"/>
-              <a:buChar char="q"/>
-            </a:pPr>
+              <a:t>GE: </a:t>
+            </a:r>
+            <a:r>
+              <a:rPr lang="en-US" dirty="0" smtClean="0"/>
+              <a:t>Test the Profile Locally</a:t>
+            </a:r>
             <a:endParaRPr lang="en-US" dirty="0"/>
           </a:p>
         </p:txBody>
@@ -15128,7 +17280,7 @@
     </p:spTree>
     <p:extLst>
       <p:ext uri="{BB962C8B-B14F-4D97-AF65-F5344CB8AC3E}">
-        <p14:creationId xmlns:p14="http://schemas.microsoft.com/office/powerpoint/2010/main" val="203882454"/>
+        <p14:creationId xmlns:p14="http://schemas.microsoft.com/office/powerpoint/2010/main" val="2968084093"/>
       </p:ext>
     </p:extLst>
   </p:cSld>
@@ -15138,6 +17290,13 @@
   <p:transition spd="med">
     <p:fade/>
   </p:transition>
+  <p:timing>
+    <p:tnLst>
+      <p:par>
+        <p:cTn id="1" dur="indefinite" restart="never" nodeType="tmRoot"/>
+      </p:par>
+    </p:tnLst>
+  </p:timing>
 </p:sld>
 </file>
 
@@ -15168,7 +17327,12 @@
             <p:ph type="ctrTitle"/>
           </p:nvPr>
         </p:nvSpPr>
-        <p:spPr/>
+        <p:spPr>
+          <a:xfrm>
+            <a:off x="1325881" y="2452145"/>
+            <a:ext cx="12664758" cy="968599"/>
+          </a:xfrm>
+        </p:spPr>
         <p:txBody>
           <a:bodyPr>
             <a:normAutofit fontScale="90000"/>
@@ -15177,7 +17341,7 @@
           <a:p>
             <a:r>
               <a:rPr lang="en-US" dirty="0" smtClean="0"/>
-              <a:t>Compliance Upgrades</a:t>
+              <a:t>GE: Uploading the Custom Profile to the Compliance Server </a:t>
             </a:r>
             <a:endParaRPr lang="en-US" dirty="0"/>
           </a:p>
@@ -15185,18 +17349,18 @@
       </p:sp>
       <p:sp>
         <p:nvSpPr>
-          <p:cNvPr id="3" name="Subtitle 2"/>
-          <p:cNvSpPr>
-            <a:spLocks noGrp="1"/>
-          </p:cNvSpPr>
-          <p:nvPr>
-            <p:ph type="subTitle" idx="1"/>
+          <p:cNvPr id="3" name="Content Placeholder 2"/>
+          <p:cNvSpPr>
+            <a:spLocks noGrp="1"/>
+          </p:cNvSpPr>
+          <p:nvPr>
+            <p:ph sz="quarter" idx="11"/>
           </p:nvPr>
         </p:nvSpPr>
         <p:spPr>
           <a:xfrm>
-            <a:off x="836579" y="3271838"/>
-            <a:ext cx="14241293" cy="3346421"/>
+            <a:off x="1671638" y="3420745"/>
+            <a:ext cx="12319000" cy="1528233"/>
           </a:xfrm>
         </p:spPr>
         <p:txBody>
@@ -15205,106 +17369,66 @@
           <a:p>
             <a:r>
               <a:rPr lang="en-US" dirty="0" smtClean="0"/>
-              <a:t>If at some point you want to install a newer version of Chef Compliance, you can simply install the new version over the old version as follows:</a:t>
-            </a:r>
-          </a:p>
-          <a:p>
+              <a:t>Uploading it so it can be used in scans..</a:t>
+            </a:r>
             <a:endParaRPr lang="en-US" dirty="0"/>
           </a:p>
-          <a:p>
-            <a:pPr marL="514350" indent="-514350">
-              <a:spcAft>
-                <a:spcPts val="600"/>
-              </a:spcAft>
-              <a:buFont typeface="+mj-lt"/>
-              <a:buAutoNum type="arabicPeriod"/>
-            </a:pPr>
-            <a:r>
-              <a:rPr lang="en-US" dirty="0"/>
-              <a:t>sudo rpm -</a:t>
-            </a:r>
-            <a:r>
-              <a:rPr lang="en-US" dirty="0" err="1"/>
-              <a:t>Uvh</a:t>
-            </a:r>
-            <a:r>
-              <a:rPr lang="en-US" dirty="0"/>
-              <a:t> https://</a:t>
-            </a:r>
-            <a:r>
-              <a:rPr lang="en-US" dirty="0" smtClean="0"/>
-              <a:t>packagecloud.io/chef/stable/packages/&lt;</a:t>
-            </a:r>
-            <a:r>
-              <a:rPr lang="en-US" i="1" dirty="0" smtClean="0"/>
-              <a:t>rest of filename</a:t>
-            </a:r>
-            <a:r>
-              <a:rPr lang="en-US" dirty="0" smtClean="0"/>
-              <a:t>&gt;</a:t>
-            </a:r>
-          </a:p>
-          <a:p>
-            <a:pPr marL="514350" indent="-514350">
-              <a:spcAft>
-                <a:spcPts val="600"/>
-              </a:spcAft>
-              <a:buFont typeface="+mj-lt"/>
-              <a:buAutoNum type="arabicPeriod"/>
-            </a:pPr>
-            <a:r>
-              <a:rPr lang="en-US" dirty="0"/>
-              <a:t>sudo chef-compliance-</a:t>
-            </a:r>
-            <a:r>
-              <a:rPr lang="en-US" dirty="0" err="1"/>
-              <a:t>ctl</a:t>
-            </a:r>
-            <a:r>
-              <a:rPr lang="en-US" dirty="0"/>
-              <a:t> reconfigure</a:t>
-            </a:r>
-          </a:p>
-          <a:p>
-            <a:pPr marL="514350" indent="-514350">
-              <a:spcAft>
-                <a:spcPts val="600"/>
-              </a:spcAft>
-              <a:buFont typeface="+mj-lt"/>
-              <a:buAutoNum type="arabicPeriod"/>
-            </a:pPr>
-            <a:r>
-              <a:rPr lang="en-US" dirty="0"/>
-              <a:t>sudo chef-compliance-</a:t>
-            </a:r>
-            <a:r>
-              <a:rPr lang="en-US" dirty="0" err="1"/>
-              <a:t>ctl</a:t>
-            </a:r>
-            <a:r>
-              <a:rPr lang="en-US" dirty="0"/>
-              <a:t> </a:t>
-            </a:r>
-            <a:r>
-              <a:rPr lang="en-US" dirty="0" smtClean="0"/>
-              <a:t>restart</a:t>
-            </a:r>
-          </a:p>
-          <a:p>
-            <a:pPr marL="514350" indent="-514350">
-              <a:spcAft>
-                <a:spcPts val="600"/>
-              </a:spcAft>
-              <a:buFont typeface="+mj-lt"/>
-              <a:buAutoNum type="arabicPeriod"/>
-            </a:pPr>
-            <a:r>
-              <a:rPr lang="en-US" dirty="0" smtClean="0"/>
-              <a:t>Relaunch the Compliance Web UI</a:t>
-            </a:r>
-            <a:endParaRPr lang="en-US" dirty="0"/>
-          </a:p>
-          <a:p>
+        </p:txBody>
+      </p:sp>
+      <p:sp>
+        <p:nvSpPr>
+          <p:cNvPr id="4" name="Text Placeholder 3"/>
+          <p:cNvSpPr>
+            <a:spLocks noGrp="1"/>
+          </p:cNvSpPr>
+          <p:nvPr>
+            <p:ph type="body" sz="quarter" idx="10"/>
+          </p:nvPr>
+        </p:nvSpPr>
+        <p:spPr/>
+        <p:txBody>
+          <a:bodyPr/>
+          <a:lstStyle/>
+          <a:p>
+            <a:pPr marL="342900" indent="-342900">
+              <a:buFont typeface="Wingdings" panose="05000000000000000000" pitchFamily="2" charset="2"/>
+              <a:buChar char="q"/>
+            </a:pPr>
+            <a:r>
+              <a:rPr lang="en-US" dirty="0" smtClean="0"/>
+              <a:t>Zip up the new profile.</a:t>
+            </a:r>
+          </a:p>
+          <a:p>
+            <a:pPr marL="342900" indent="-342900">
+              <a:buFont typeface="Wingdings" panose="05000000000000000000" pitchFamily="2" charset="2"/>
+              <a:buChar char="q"/>
+            </a:pPr>
+            <a:r>
+              <a:rPr lang="en-US" dirty="0" smtClean="0"/>
+              <a:t>Upload it to your laptop and then to the Compliance Server.</a:t>
+            </a:r>
+            <a:endParaRPr lang="en-US" dirty="0" smtClean="0"/>
+          </a:p>
+          <a:p>
+            <a:pPr marL="342900" indent="-342900">
+              <a:buFont typeface="Wingdings" panose="05000000000000000000" pitchFamily="2" charset="2"/>
+              <a:buChar char="q"/>
+            </a:pPr>
+            <a:endParaRPr lang="en-US" dirty="0" smtClean="0"/>
+          </a:p>
+          <a:p>
+            <a:pPr marL="342900" indent="-342900">
+              <a:buFont typeface="Wingdings" panose="05000000000000000000" pitchFamily="2" charset="2"/>
+              <a:buChar char="q"/>
+            </a:pPr>
+            <a:endParaRPr lang="en-US" dirty="0" smtClean="0"/>
+          </a:p>
+          <a:p>
+            <a:pPr marL="342900" indent="-342900">
+              <a:buFont typeface="Wingdings" panose="05000000000000000000" pitchFamily="2" charset="2"/>
+              <a:buChar char="q"/>
+            </a:pPr>
             <a:endParaRPr lang="en-US" dirty="0"/>
           </a:p>
         </p:txBody>
@@ -15312,7 +17436,7 @@
     </p:spTree>
     <p:extLst>
       <p:ext uri="{BB962C8B-B14F-4D97-AF65-F5344CB8AC3E}">
-        <p14:creationId xmlns:p14="http://schemas.microsoft.com/office/powerpoint/2010/main" val="1274233762"/>
+        <p14:creationId xmlns:p14="http://schemas.microsoft.com/office/powerpoint/2010/main" val="203882454"/>
       </p:ext>
     </p:extLst>
   </p:cSld>
@@ -15344,157 +17468,105 @@
       </p:grpSpPr>
       <p:sp>
         <p:nvSpPr>
-          <p:cNvPr id="2" name="Title 1"/>
-          <p:cNvSpPr>
-            <a:spLocks noGrp="1"/>
-          </p:cNvSpPr>
-          <p:nvPr>
-            <p:ph type="title"/>
-          </p:nvPr>
-        </p:nvSpPr>
-        <p:spPr/>
+          <p:cNvPr id="2" name="Content Placeholder 1"/>
+          <p:cNvSpPr>
+            <a:spLocks noGrp="1"/>
+          </p:cNvSpPr>
+          <p:nvPr>
+            <p:ph sz="quarter" idx="10"/>
+          </p:nvPr>
+        </p:nvSpPr>
+        <p:spPr>
+          <a:xfrm>
+            <a:off x="1121104" y="2628900"/>
+            <a:ext cx="14423693" cy="5189219"/>
+          </a:xfrm>
+        </p:spPr>
         <p:txBody>
           <a:bodyPr/>
           <a:lstStyle/>
           <a:p>
             <a:r>
-              <a:rPr lang="en-US" dirty="0" smtClean="0"/>
-              <a:t>GE: Save this</a:t>
-            </a:r>
+              <a:rPr lang="en-US" dirty="0"/>
+              <a:t>Recipe: (chef-apply cookbook)::(chef-apply recipe)</a:t>
+            </a:r>
+          </a:p>
+          <a:p>
+            <a:r>
+              <a:rPr lang="en-US" dirty="0"/>
+              <a:t>  * yum_package[zip] action install</a:t>
+            </a:r>
+          </a:p>
+          <a:p>
+            <a:r>
+              <a:rPr lang="en-US" dirty="0"/>
+              <a:t>    - install version 3.0-1.el6_7.1 of package zip</a:t>
+            </a:r>
+          </a:p>
+          <a:p>
             <a:endParaRPr lang="en-US" dirty="0"/>
           </a:p>
         </p:txBody>
       </p:sp>
       <p:sp>
         <p:nvSpPr>
-          <p:cNvPr id="6" name="Text Placeholder 2"/>
-          <p:cNvSpPr>
-            <a:spLocks noGrp="1"/>
-          </p:cNvSpPr>
-          <p:nvPr>
-            <p:ph type="body" sz="quarter" idx="12"/>
+          <p:cNvPr id="3" name="Text Placeholder 2"/>
+          <p:cNvSpPr>
+            <a:spLocks noGrp="1"/>
+          </p:cNvSpPr>
+          <p:nvPr>
+            <p:ph type="body" sz="quarter" idx="11"/>
           </p:nvPr>
         </p:nvSpPr>
         <p:spPr>
           <a:xfrm>
-            <a:off x="609599" y="1559018"/>
-            <a:ext cx="14042065" cy="5961922"/>
+            <a:off x="1121104" y="1337149"/>
+            <a:ext cx="14422528" cy="1017431"/>
           </a:xfrm>
         </p:spPr>
         <p:txBody>
           <a:bodyPr/>
           <a:lstStyle/>
           <a:p>
-            <a:pPr marL="457200" indent="-457200">
-              <a:buFont typeface="Arial" panose="020B0604020202020204" pitchFamily="34" charset="0"/>
-              <a:buChar char="•"/>
-            </a:pPr>
-            <a:r>
-              <a:rPr lang="en-US" dirty="0">
-                <a:hlinkClick r:id="rId3"/>
-              </a:rPr>
-              <a:t>https://</a:t>
-            </a:r>
-            <a:r>
-              <a:rPr lang="en-US" dirty="0" smtClean="0">
-                <a:hlinkClick r:id="rId3"/>
-              </a:rPr>
-              <a:t>github.com/chef/inspec/blob/7f555b902d6860ffe236ff23e4b52f20bac28adc/lib/inspec/profile.rb#L81-L129</a:t>
-            </a:r>
-            <a:endParaRPr lang="en-US" dirty="0" smtClean="0"/>
-          </a:p>
-          <a:p>
-            <a:pPr marL="457200" indent="-457200">
-              <a:buFont typeface="Arial" panose="020B0604020202020204" pitchFamily="34" charset="0"/>
-              <a:buChar char="•"/>
-            </a:pPr>
+            <a:r>
+              <a:rPr lang="en-US" dirty="0" smtClean="0"/>
+              <a:t>$</a:t>
+            </a:r>
+            <a:r>
+              <a:rPr lang="en-US" dirty="0"/>
+              <a:t> </a:t>
+            </a:r>
+            <a:r>
+              <a:rPr lang="en-US" dirty="0" smtClean="0"/>
+              <a:t>sudo </a:t>
+            </a:r>
+            <a:r>
+              <a:rPr lang="en-US" dirty="0"/>
+              <a:t>chef-apply -e "package 'zip'"</a:t>
+            </a:r>
             <a:endParaRPr lang="en-US" dirty="0"/>
           </a:p>
-          <a:p>
-            <a:pPr marL="457200" indent="-457200">
-              <a:buFont typeface="Arial" panose="020B0604020202020204" pitchFamily="34" charset="0"/>
-              <a:buChar char="•"/>
-            </a:pPr>
-            <a:endParaRPr lang="en-US" dirty="0" smtClean="0"/>
-          </a:p>
-          <a:p>
-            <a:pPr marL="457200" indent="-457200">
-              <a:buFont typeface="Arial" panose="020B0604020202020204" pitchFamily="34" charset="0"/>
-              <a:buChar char="•"/>
-            </a:pPr>
-            <a:r>
-              <a:rPr lang="en-US" dirty="0" smtClean="0"/>
-              <a:t>and Check uses the </a:t>
-            </a:r>
-            <a:r>
-              <a:rPr lang="en-US" dirty="0"/>
-              <a:t>above from here:</a:t>
-            </a:r>
-            <a:br>
-              <a:rPr lang="en-US" dirty="0"/>
-            </a:br>
-            <a:r>
-              <a:rPr lang="en-US" dirty="0">
-                <a:hlinkClick r:id="rId4"/>
-              </a:rPr>
-              <a:t>https://</a:t>
-            </a:r>
-            <a:r>
-              <a:rPr lang="en-US" dirty="0" smtClean="0">
-                <a:hlinkClick r:id="rId4"/>
-              </a:rPr>
-              <a:t>github.com/chef/inspec/blob/b1ec95e343aac75ee1a21e3d1a09a32a5a8c1dd2/bin/inspec#L70-L78</a:t>
-            </a:r>
-            <a:endParaRPr lang="en-US" dirty="0" smtClean="0"/>
-          </a:p>
-          <a:p>
-            <a:pPr marL="457200" indent="-457200">
-              <a:buFont typeface="Arial" panose="020B0604020202020204" pitchFamily="34" charset="0"/>
-              <a:buChar char="•"/>
-            </a:pPr>
-            <a:endParaRPr lang="en-US" dirty="0"/>
-          </a:p>
-          <a:p>
-            <a:pPr marL="457200" indent="-457200">
-              <a:buFont typeface="Arial" panose="020B0604020202020204" pitchFamily="34" charset="0"/>
-              <a:buChar char="•"/>
-            </a:pPr>
-            <a:r>
-              <a:rPr lang="en-US" dirty="0">
-                <a:hlinkClick r:id="rId5"/>
-              </a:rPr>
-              <a:t>https://</a:t>
-            </a:r>
-            <a:r>
-              <a:rPr lang="en-US" dirty="0" smtClean="0">
-                <a:hlinkClick r:id="rId5"/>
-              </a:rPr>
-              <a:t>chefio.atlassian.net/wiki/pages/viewpage.action?spaceKey=SE&amp;title=Week+1#Week1-Addingprofiles</a:t>
-            </a:r>
-            <a:endParaRPr lang="en-US" dirty="0" smtClean="0"/>
-          </a:p>
-          <a:p>
-            <a:pPr marL="457200" indent="-457200">
-              <a:buFont typeface="Arial" panose="020B0604020202020204" pitchFamily="34" charset="0"/>
-              <a:buChar char="•"/>
-            </a:pPr>
-            <a:endParaRPr lang="en-US" dirty="0" smtClean="0"/>
-          </a:p>
-          <a:p>
-            <a:pPr marL="457200" indent="-457200">
-              <a:buFont typeface="Arial" panose="020B0604020202020204" pitchFamily="34" charset="0"/>
-              <a:buChar char="•"/>
-            </a:pPr>
-            <a:endParaRPr lang="en-US" dirty="0"/>
-          </a:p>
-          <a:p>
-            <a:endParaRPr lang="en-US" dirty="0" smtClean="0"/>
-          </a:p>
-          <a:p>
-            <a:pPr marL="457200" indent="-457200">
-              <a:buFont typeface="Arial" panose="020B0604020202020204" pitchFamily="34" charset="0"/>
-              <a:buChar char="•"/>
-            </a:pPr>
+        </p:txBody>
+      </p:sp>
+      <p:sp>
+        <p:nvSpPr>
+          <p:cNvPr id="4" name="Title 3"/>
+          <p:cNvSpPr>
+            <a:spLocks noGrp="1"/>
+          </p:cNvSpPr>
+          <p:nvPr>
+            <p:ph type="title"/>
+          </p:nvPr>
+        </p:nvSpPr>
+        <p:spPr/>
+        <p:txBody>
+          <a:bodyPr/>
+          <a:lstStyle/>
+          <a:p>
+            <a:r>
+              <a:rPr lang="en-US" dirty="0" smtClean="0"/>
+              <a:t>GE: Install the zip Package</a:t>
+            </a:r>
             <a:endParaRPr lang="en-US" dirty="0"/>
           </a:p>
         </p:txBody>
@@ -15502,7 +17574,7 @@
     </p:spTree>
     <p:extLst>
       <p:ext uri="{BB962C8B-B14F-4D97-AF65-F5344CB8AC3E}">
-        <p14:creationId xmlns:p14="http://schemas.microsoft.com/office/powerpoint/2010/main" val="420890300"/>
+        <p14:creationId xmlns:p14="http://schemas.microsoft.com/office/powerpoint/2010/main" val="2980448355"/>
       </p:ext>
     </p:extLst>
   </p:cSld>
@@ -15512,35 +17584,12 @@
   <p:transition spd="med">
     <p:fade/>
   </p:transition>
-  <p:timing>
-    <p:tnLst>
-      <p:par>
-        <p:cTn id="1" dur="indefinite" restart="never" nodeType="tmRoot"/>
-      </p:par>
-    </p:tnLst>
-  </p:timing>
 </p:sld>
 </file>
 
 <file path=ppt/slides/slide19.xml><?xml version="1.0" encoding="utf-8"?>
 <p:sld xmlns:a="http://schemas.openxmlformats.org/drawingml/2006/main" xmlns:r="http://schemas.openxmlformats.org/officeDocument/2006/relationships" xmlns:p="http://schemas.openxmlformats.org/presentationml/2006/main">
   <p:cSld>
-    <p:bg>
-      <p:bgPr>
-        <a:gradFill rotWithShape="0">
-          <a:gsLst>
-            <a:gs pos="0">
-              <a:srgbClr val="F0F0F0"/>
-            </a:gs>
-            <a:gs pos="100000">
-              <a:schemeClr val="bg2"/>
-            </a:gs>
-          </a:gsLst>
-          <a:lin ang="5400000" scaled="1"/>
-        </a:gradFill>
-        <a:effectLst/>
-      </p:bgPr>
-    </p:bg>
     <p:spTree>
       <p:nvGrpSpPr>
         <p:cNvPr id="1" name=""/>
@@ -15557,24 +17606,54 @@
       </p:grpSpPr>
       <p:sp>
         <p:nvSpPr>
-          <p:cNvPr id="2" name="Title 1"/>
-          <p:cNvSpPr>
-            <a:spLocks noGrp="1"/>
-          </p:cNvSpPr>
-          <p:nvPr>
-            <p:ph type="title"/>
-          </p:nvPr>
-        </p:nvSpPr>
-        <p:spPr/>
+          <p:cNvPr id="2" name="Content Placeholder 1"/>
+          <p:cNvSpPr>
+            <a:spLocks noGrp="1"/>
+          </p:cNvSpPr>
+          <p:nvPr>
+            <p:ph sz="quarter" idx="10"/>
+          </p:nvPr>
+        </p:nvSpPr>
+        <p:spPr>
+          <a:xfrm>
+            <a:off x="1121104" y="3566159"/>
+            <a:ext cx="14423693" cy="4330283"/>
+          </a:xfrm>
+        </p:spPr>
         <p:txBody>
           <a:bodyPr/>
           <a:lstStyle/>
           <a:p>
             <a:r>
-              <a:rPr lang="en-US" dirty="0" smtClean="0"/>
-              <a:t>Review Questions</a:t>
-            </a:r>
-            <a:endParaRPr lang="en-US" dirty="0"/>
+              <a:rPr lang="en-US" dirty="0"/>
+              <a:t> adding: profile_01/ (stored 0%)</a:t>
+            </a:r>
+          </a:p>
+          <a:p>
+            <a:r>
+              <a:rPr lang="en-US" dirty="0"/>
+              <a:t>  adding: profile_01/metadata.rb (deflated 17%)</a:t>
+            </a:r>
+          </a:p>
+          <a:p>
+            <a:r>
+              <a:rPr lang="en-US" dirty="0"/>
+              <a:t>  adding: profile_01/test/ (stored 0%)</a:t>
+            </a:r>
+          </a:p>
+          <a:p>
+            <a:r>
+              <a:rPr lang="en-US" dirty="0"/>
+              <a:t>  adding: profile_01/test/</a:t>
+            </a:r>
+            <a:r>
+              <a:rPr lang="en-US" dirty="0" err="1"/>
+              <a:t>tmp.rb</a:t>
+            </a:r>
+            <a:r>
+              <a:rPr lang="en-US" dirty="0"/>
+              <a:t> (deflated 54%)</a:t>
+            </a:r>
           </a:p>
         </p:txBody>
       </p:sp>
@@ -15585,102 +17664,59 @@
             <a:spLocks noGrp="1"/>
           </p:cNvSpPr>
           <p:nvPr>
-            <p:ph type="body" sz="quarter" idx="12"/>
-          </p:nvPr>
-        </p:nvSpPr>
-        <p:spPr/>
+            <p:ph type="body" sz="quarter" idx="11"/>
+          </p:nvPr>
+        </p:nvSpPr>
+        <p:spPr>
+          <a:xfrm>
+            <a:off x="1121104" y="1337149"/>
+            <a:ext cx="14422528" cy="1406051"/>
+          </a:xfrm>
+        </p:spPr>
         <p:txBody>
           <a:bodyPr/>
           <a:lstStyle/>
           <a:p>
-            <a:pPr marL="514350" indent="-514350">
-              <a:buFont typeface="+mj-lt"/>
-              <a:buAutoNum type="arabicPeriod"/>
-            </a:pPr>
-            <a:r>
-              <a:rPr lang="en-US" dirty="0" smtClean="0"/>
-              <a:t>What is ...?</a:t>
-            </a:r>
-            <a:br>
-              <a:rPr lang="en-US" dirty="0" smtClean="0"/>
-            </a:br>
-            <a:r>
-              <a:rPr lang="en-US" dirty="0" smtClean="0"/>
-              <a:t>______________________________</a:t>
-            </a:r>
-          </a:p>
-          <a:p>
-            <a:pPr marL="514350" indent="-514350">
-              <a:buFont typeface="+mj-lt"/>
-              <a:buAutoNum type="arabicPeriod"/>
-            </a:pPr>
-            <a:r>
-              <a:rPr lang="en-US" dirty="0" smtClean="0"/>
-              <a:t>Which is the correct answer?  </a:t>
-            </a:r>
-          </a:p>
-          <a:p>
-            <a:pPr marL="822325" lvl="1" indent="-514350">
-              <a:buFont typeface="+mj-lt"/>
-              <a:buAutoNum type="alphaLcPeriod"/>
-            </a:pPr>
-            <a:r>
-              <a:rPr lang="en-US" dirty="0" smtClean="0"/>
-              <a:t>answer</a:t>
-            </a:r>
-          </a:p>
-          <a:p>
-            <a:pPr marL="822325" lvl="1" indent="-514350">
-              <a:buFont typeface="+mj-lt"/>
-              <a:buAutoNum type="alphaLcPeriod"/>
-            </a:pPr>
-            <a:r>
-              <a:rPr lang="en-US" dirty="0" smtClean="0"/>
-              <a:t>answer</a:t>
-            </a:r>
-          </a:p>
-          <a:p>
-            <a:pPr marL="822325" lvl="1" indent="-514350">
-              <a:buFont typeface="+mj-lt"/>
-              <a:buAutoNum type="alphaLcPeriod"/>
-            </a:pPr>
-            <a:r>
-              <a:rPr lang="en-US" dirty="0" smtClean="0"/>
-              <a:t>answer</a:t>
-            </a:r>
-          </a:p>
-          <a:p>
-            <a:pPr marL="822325" lvl="1" indent="-514350">
-              <a:buFont typeface="+mj-lt"/>
-              <a:buAutoNum type="alphaLcPeriod"/>
-            </a:pPr>
-            <a:r>
-              <a:rPr lang="en-US" dirty="0" smtClean="0"/>
-              <a:t>answer</a:t>
-            </a:r>
-            <a:br>
-              <a:rPr lang="en-US" dirty="0" smtClean="0"/>
-            </a:br>
+            <a:r>
+              <a:rPr lang="en-US" dirty="0" smtClean="0"/>
+              <a:t>$</a:t>
+            </a:r>
+            <a:r>
+              <a:rPr lang="en-US" dirty="0"/>
+              <a:t> cd ~/</a:t>
+            </a:r>
+            <a:r>
+              <a:rPr lang="en-US" dirty="0" err="1" smtClean="0"/>
+              <a:t>compliance_profiles</a:t>
+            </a:r>
             <a:endParaRPr lang="en-US" dirty="0" smtClean="0"/>
           </a:p>
           <a:p>
-            <a:pPr marL="514350" indent="-514350">
-              <a:buFont typeface="+mj-lt"/>
-              <a:buAutoNum type="arabicPeriod"/>
-            </a:pPr>
-            <a:r>
-              <a:rPr lang="en-US" dirty="0" smtClean="0"/>
-              <a:t>Capable of carrying on a conversation</a:t>
-            </a:r>
-          </a:p>
-          <a:p>
-            <a:pPr marL="514350" indent="-514350">
-              <a:buFont typeface="+mj-lt"/>
-              <a:buAutoNum type="arabicPeriod"/>
-            </a:pPr>
-            <a:r>
-              <a:rPr lang="en-US" dirty="0" smtClean="0"/>
-              <a:t>Explain</a:t>
+            <a:r>
+              <a:rPr lang="en-US" dirty="0"/>
+              <a:t>$ zip -r profile_01.zip profile_01</a:t>
+            </a:r>
+          </a:p>
+        </p:txBody>
+      </p:sp>
+      <p:sp>
+        <p:nvSpPr>
+          <p:cNvPr id="4" name="Title 3"/>
+          <p:cNvSpPr>
+            <a:spLocks noGrp="1"/>
+          </p:cNvSpPr>
+          <p:nvPr>
+            <p:ph type="title"/>
+          </p:nvPr>
+        </p:nvSpPr>
+        <p:spPr/>
+        <p:txBody>
+          <a:bodyPr/>
+          <a:lstStyle/>
+          <a:p>
+            <a:r>
+              <a:rPr lang="en-US" dirty="0" smtClean="0"/>
+              <a:t>GE: Zip up your New Profile</a:t>
             </a:r>
             <a:endParaRPr lang="en-US" dirty="0"/>
           </a:p>
@@ -15689,7 +17725,7 @@
     </p:spTree>
     <p:extLst>
       <p:ext uri="{BB962C8B-B14F-4D97-AF65-F5344CB8AC3E}">
-        <p14:creationId xmlns:p14="http://schemas.microsoft.com/office/powerpoint/2010/main" val="321457963"/>
+        <p14:creationId xmlns:p14="http://schemas.microsoft.com/office/powerpoint/2010/main" val="1505718794"/>
       </p:ext>
     </p:extLst>
   </p:cSld>
@@ -15796,11 +17832,7 @@
             </a:r>
             <a:r>
               <a:rPr lang="en-US" dirty="0" smtClean="0"/>
-              <a:t>ompliance </a:t>
-            </a:r>
-            <a:r>
-              <a:rPr lang="en-US" dirty="0" smtClean="0"/>
-              <a:t>profile using </a:t>
+              <a:t>ompliance profile using </a:t>
             </a:r>
             <a:r>
               <a:rPr lang="en-US" dirty="0" err="1" smtClean="0"/>
@@ -15827,11 +17859,7 @@
             </a:r>
             <a:r>
               <a:rPr lang="en-US" dirty="0" smtClean="0"/>
-              <a:t>ompliance </a:t>
-            </a:r>
-            <a:r>
-              <a:rPr lang="en-US" dirty="0" smtClean="0"/>
-              <a:t>profile to </a:t>
+              <a:t>ompliance profile to </a:t>
             </a:r>
             <a:r>
               <a:rPr lang="en-US" dirty="0"/>
@@ -15839,11 +17867,7 @@
             </a:r>
             <a:r>
               <a:rPr lang="en-US" dirty="0" smtClean="0"/>
-              <a:t>server</a:t>
-            </a:r>
-            <a:r>
-              <a:rPr lang="en-US" dirty="0" smtClean="0"/>
-              <a:t>.</a:t>
+              <a:t>server.</a:t>
             </a:r>
           </a:p>
           <a:p>
@@ -15883,6 +17907,2146 @@
 </file>
 
 <file path=ppt/slides/slide20.xml><?xml version="1.0" encoding="utf-8"?>
+<p:sld xmlns:a="http://schemas.openxmlformats.org/drawingml/2006/main" xmlns:r="http://schemas.openxmlformats.org/officeDocument/2006/relationships" xmlns:p="http://schemas.openxmlformats.org/presentationml/2006/main">
+  <p:cSld>
+    <p:spTree>
+      <p:nvGrpSpPr>
+        <p:cNvPr id="1" name=""/>
+        <p:cNvGrpSpPr/>
+        <p:nvPr/>
+      </p:nvGrpSpPr>
+      <p:grpSpPr>
+        <a:xfrm>
+          <a:off x="0" y="0"/>
+          <a:ext cx="0" cy="0"/>
+          <a:chOff x="0" y="0"/>
+          <a:chExt cx="0" cy="0"/>
+        </a:xfrm>
+      </p:grpSpPr>
+      <p:sp>
+        <p:nvSpPr>
+          <p:cNvPr id="2" name="Content Placeholder 1"/>
+          <p:cNvSpPr>
+            <a:spLocks noGrp="1"/>
+          </p:cNvSpPr>
+          <p:nvPr>
+            <p:ph sz="quarter" idx="10"/>
+          </p:nvPr>
+        </p:nvSpPr>
+        <p:spPr>
+          <a:xfrm>
+            <a:off x="1121104" y="2398235"/>
+            <a:ext cx="14423693" cy="5498208"/>
+          </a:xfrm>
+        </p:spPr>
+        <p:txBody>
+          <a:bodyPr/>
+          <a:lstStyle/>
+          <a:p>
+            <a:r>
+              <a:rPr lang="en-US" dirty="0"/>
+              <a:t> total 8</a:t>
+            </a:r>
+          </a:p>
+          <a:p>
+            <a:r>
+              <a:rPr lang="en-US" dirty="0" err="1"/>
+              <a:t>drwxrwxr</a:t>
+            </a:r>
+            <a:r>
+              <a:rPr lang="en-US" dirty="0"/>
+              <a:t>-x 3 chef </a:t>
+            </a:r>
+            <a:r>
+              <a:rPr lang="en-US" dirty="0" err="1"/>
+              <a:t>chef</a:t>
+            </a:r>
+            <a:r>
+              <a:rPr lang="en-US" dirty="0"/>
+              <a:t> 4096 Dec 14 16:45 profile_01</a:t>
+            </a:r>
+          </a:p>
+          <a:p>
+            <a:r>
+              <a:rPr lang="en-US" dirty="0"/>
+              <a:t>-</a:t>
+            </a:r>
+            <a:r>
+              <a:rPr lang="en-US" dirty="0" err="1"/>
+              <a:t>rw</a:t>
+            </a:r>
+            <a:r>
+              <a:rPr lang="en-US" dirty="0"/>
+              <a:t>-</a:t>
+            </a:r>
+            <a:r>
+              <a:rPr lang="en-US" dirty="0" err="1"/>
+              <a:t>rw</a:t>
+            </a:r>
+            <a:r>
+              <a:rPr lang="en-US" dirty="0"/>
+              <a:t>-r-- 1 chef </a:t>
+            </a:r>
+            <a:r>
+              <a:rPr lang="en-US" dirty="0" err="1"/>
+              <a:t>chef</a:t>
+            </a:r>
+            <a:r>
+              <a:rPr lang="en-US" dirty="0"/>
+              <a:t>  937 Dec 14 16:50 profile_01.zip</a:t>
+            </a:r>
+          </a:p>
+        </p:txBody>
+      </p:sp>
+      <p:sp>
+        <p:nvSpPr>
+          <p:cNvPr id="3" name="Text Placeholder 2"/>
+          <p:cNvSpPr>
+            <a:spLocks noGrp="1"/>
+          </p:cNvSpPr>
+          <p:nvPr>
+            <p:ph type="body" sz="quarter" idx="11"/>
+          </p:nvPr>
+        </p:nvSpPr>
+        <p:spPr>
+          <a:xfrm>
+            <a:off x="1121104" y="1337149"/>
+            <a:ext cx="14422528" cy="857411"/>
+          </a:xfrm>
+        </p:spPr>
+        <p:txBody>
+          <a:bodyPr/>
+          <a:lstStyle/>
+          <a:p>
+            <a:r>
+              <a:rPr lang="en-US" dirty="0" smtClean="0"/>
+              <a:t>$</a:t>
+            </a:r>
+            <a:r>
+              <a:rPr lang="en-US" dirty="0"/>
+              <a:t> </a:t>
+            </a:r>
+            <a:r>
+              <a:rPr lang="en-US" dirty="0" smtClean="0"/>
+              <a:t>ls -l</a:t>
+            </a:r>
+            <a:endParaRPr lang="en-US" dirty="0"/>
+          </a:p>
+        </p:txBody>
+      </p:sp>
+      <p:sp>
+        <p:nvSpPr>
+          <p:cNvPr id="4" name="Title 3"/>
+          <p:cNvSpPr>
+            <a:spLocks noGrp="1"/>
+          </p:cNvSpPr>
+          <p:nvPr>
+            <p:ph type="title"/>
+          </p:nvPr>
+        </p:nvSpPr>
+        <p:spPr/>
+        <p:txBody>
+          <a:bodyPr/>
+          <a:lstStyle/>
+          <a:p>
+            <a:r>
+              <a:rPr lang="en-US" dirty="0" smtClean="0"/>
+              <a:t>GE: Verify the zip File's Creation</a:t>
+            </a:r>
+            <a:endParaRPr lang="en-US" dirty="0"/>
+          </a:p>
+        </p:txBody>
+      </p:sp>
+    </p:spTree>
+    <p:extLst>
+      <p:ext uri="{BB962C8B-B14F-4D97-AF65-F5344CB8AC3E}">
+        <p14:creationId xmlns:p14="http://schemas.microsoft.com/office/powerpoint/2010/main" val="1223709535"/>
+      </p:ext>
+    </p:extLst>
+  </p:cSld>
+  <p:clrMapOvr>
+    <a:masterClrMapping/>
+  </p:clrMapOvr>
+  <p:transition spd="med">
+    <p:fade/>
+  </p:transition>
+</p:sld>
+</file>
+
+<file path=ppt/slides/slide21.xml><?xml version="1.0" encoding="utf-8"?>
+<p:sld xmlns:a="http://schemas.openxmlformats.org/drawingml/2006/main" xmlns:r="http://schemas.openxmlformats.org/officeDocument/2006/relationships" xmlns:p="http://schemas.openxmlformats.org/presentationml/2006/main">
+  <p:cSld>
+    <p:spTree>
+      <p:nvGrpSpPr>
+        <p:cNvPr id="1" name=""/>
+        <p:cNvGrpSpPr/>
+        <p:nvPr/>
+      </p:nvGrpSpPr>
+      <p:grpSpPr>
+        <a:xfrm>
+          <a:off x="0" y="0"/>
+          <a:ext cx="0" cy="0"/>
+          <a:chOff x="0" y="0"/>
+          <a:chExt cx="0" cy="0"/>
+        </a:xfrm>
+      </p:grpSpPr>
+      <p:sp>
+        <p:nvSpPr>
+          <p:cNvPr id="2" name="Content Placeholder 1"/>
+          <p:cNvSpPr>
+            <a:spLocks noGrp="1"/>
+          </p:cNvSpPr>
+          <p:nvPr>
+            <p:ph sz="quarter" idx="10"/>
+          </p:nvPr>
+        </p:nvSpPr>
+        <p:spPr>
+          <a:xfrm>
+            <a:off x="1121104" y="2489675"/>
+            <a:ext cx="14423693" cy="5498208"/>
+          </a:xfrm>
+        </p:spPr>
+        <p:txBody>
+          <a:bodyPr/>
+          <a:lstStyle/>
+          <a:p>
+            <a:r>
+              <a:rPr lang="en-US" dirty="0"/>
+              <a:t>The authenticity of host '52.90.148.31 (52.90.148.31)' can't be established.</a:t>
+            </a:r>
+          </a:p>
+          <a:p>
+            <a:r>
+              <a:rPr lang="en-US" dirty="0"/>
+              <a:t>RSA key fingerprint is a5:c3:31:5a:ce:4d:a8:17:46:ac:47:17:60:fc:26:17.</a:t>
+            </a:r>
+          </a:p>
+          <a:p>
+            <a:r>
+              <a:rPr lang="en-US" dirty="0"/>
+              <a:t>Are you sure you want to continue connecting (yes/no)? yes</a:t>
+            </a:r>
+          </a:p>
+          <a:p>
+            <a:r>
+              <a:rPr lang="en-US" dirty="0"/>
+              <a:t>Warning: Permanently added '52.90.148.31' (RSA) to the list of known hosts.</a:t>
+            </a:r>
+          </a:p>
+          <a:p>
+            <a:r>
+              <a:rPr lang="en-US" dirty="0"/>
+              <a:t>chef@52.90.148.31's password:</a:t>
+            </a:r>
+          </a:p>
+          <a:p>
+            <a:r>
+              <a:rPr lang="en-US" dirty="0"/>
+              <a:t>profile_01.zip                                100%  937     0.9KB/s   00:00</a:t>
+            </a:r>
+          </a:p>
+        </p:txBody>
+      </p:sp>
+      <p:sp>
+        <p:nvSpPr>
+          <p:cNvPr id="3" name="Text Placeholder 2"/>
+          <p:cNvSpPr>
+            <a:spLocks noGrp="1"/>
+          </p:cNvSpPr>
+          <p:nvPr>
+            <p:ph type="body" sz="quarter" idx="11"/>
+          </p:nvPr>
+        </p:nvSpPr>
+        <p:spPr>
+          <a:xfrm>
+            <a:off x="1121104" y="1337149"/>
+            <a:ext cx="14422528" cy="857411"/>
+          </a:xfrm>
+        </p:spPr>
+        <p:txBody>
+          <a:bodyPr/>
+          <a:lstStyle/>
+          <a:p>
+            <a:r>
+              <a:rPr lang="en-US" dirty="0"/>
+              <a:t>C:\tmp&gt;scp chef@52.90.148.31:~/</a:t>
+            </a:r>
+            <a:r>
+              <a:rPr lang="en-US" dirty="0" err="1"/>
+              <a:t>compliance_profiles</a:t>
+            </a:r>
+            <a:r>
+              <a:rPr lang="en-US" dirty="0"/>
+              <a:t>/profile_01.zip .</a:t>
+            </a:r>
+          </a:p>
+        </p:txBody>
+      </p:sp>
+      <p:sp>
+        <p:nvSpPr>
+          <p:cNvPr id="4" name="Title 3"/>
+          <p:cNvSpPr>
+            <a:spLocks noGrp="1"/>
+          </p:cNvSpPr>
+          <p:nvPr>
+            <p:ph type="title"/>
+          </p:nvPr>
+        </p:nvSpPr>
+        <p:spPr/>
+        <p:txBody>
+          <a:bodyPr>
+            <a:normAutofit fontScale="90000"/>
+          </a:bodyPr>
+          <a:lstStyle/>
+          <a:p>
+            <a:r>
+              <a:rPr lang="en-US" dirty="0" smtClean="0"/>
+              <a:t>GE: From your Laptop Run the </a:t>
+            </a:r>
+            <a:r>
+              <a:rPr lang="en-US" dirty="0" err="1" smtClean="0"/>
+              <a:t>scp</a:t>
+            </a:r>
+            <a:r>
+              <a:rPr lang="en-US" dirty="0" smtClean="0"/>
+              <a:t> Command</a:t>
+            </a:r>
+            <a:endParaRPr lang="en-US" dirty="0"/>
+          </a:p>
+        </p:txBody>
+      </p:sp>
+    </p:spTree>
+    <p:extLst>
+      <p:ext uri="{BB962C8B-B14F-4D97-AF65-F5344CB8AC3E}">
+        <p14:creationId xmlns:p14="http://schemas.microsoft.com/office/powerpoint/2010/main" val="900056278"/>
+      </p:ext>
+    </p:extLst>
+  </p:cSld>
+  <p:clrMapOvr>
+    <a:masterClrMapping/>
+  </p:clrMapOvr>
+  <p:transition spd="med">
+    <p:fade/>
+  </p:transition>
+  <p:timing>
+    <p:tnLst>
+      <p:par>
+        <p:cTn id="1" dur="indefinite" restart="never" nodeType="tmRoot"/>
+      </p:par>
+    </p:tnLst>
+  </p:timing>
+</p:sld>
+</file>
+
+<file path=ppt/slides/slide22.xml><?xml version="1.0" encoding="utf-8"?>
+<p:sld xmlns:a="http://schemas.openxmlformats.org/drawingml/2006/main" xmlns:r="http://schemas.openxmlformats.org/officeDocument/2006/relationships" xmlns:p="http://schemas.openxmlformats.org/presentationml/2006/main">
+  <p:cSld>
+    <p:spTree>
+      <p:nvGrpSpPr>
+        <p:cNvPr id="1" name=""/>
+        <p:cNvGrpSpPr/>
+        <p:nvPr/>
+      </p:nvGrpSpPr>
+      <p:grpSpPr>
+        <a:xfrm>
+          <a:off x="0" y="0"/>
+          <a:ext cx="0" cy="0"/>
+          <a:chOff x="0" y="0"/>
+          <a:chExt cx="0" cy="0"/>
+        </a:xfrm>
+      </p:grpSpPr>
+      <p:sp>
+        <p:nvSpPr>
+          <p:cNvPr id="2" name="Title 1"/>
+          <p:cNvSpPr>
+            <a:spLocks noGrp="1"/>
+          </p:cNvSpPr>
+          <p:nvPr>
+            <p:ph type="title"/>
+          </p:nvPr>
+        </p:nvSpPr>
+        <p:spPr/>
+        <p:txBody>
+          <a:bodyPr>
+            <a:normAutofit/>
+          </a:bodyPr>
+          <a:lstStyle/>
+          <a:p>
+            <a:r>
+              <a:rPr lang="en-US" dirty="0" smtClean="0"/>
+              <a:t>GE: </a:t>
+            </a:r>
+            <a:r>
+              <a:rPr lang="en-US" dirty="0"/>
+              <a:t>Upload the </a:t>
+            </a:r>
+            <a:r>
+              <a:rPr lang="en-US" dirty="0" smtClean="0"/>
+              <a:t>Profile </a:t>
+            </a:r>
+            <a:r>
+              <a:rPr lang="en-US" dirty="0"/>
+              <a:t>to Chef Compliance</a:t>
+            </a:r>
+            <a:endParaRPr lang="en-US" dirty="0"/>
+          </a:p>
+        </p:txBody>
+      </p:sp>
+      <p:sp>
+        <p:nvSpPr>
+          <p:cNvPr id="6" name="Text Placeholder 2"/>
+          <p:cNvSpPr>
+            <a:spLocks noGrp="1"/>
+          </p:cNvSpPr>
+          <p:nvPr>
+            <p:ph type="body" sz="quarter" idx="12"/>
+          </p:nvPr>
+        </p:nvSpPr>
+        <p:spPr/>
+        <p:txBody>
+          <a:bodyPr/>
+          <a:lstStyle/>
+          <a:p>
+            <a:r>
+              <a:rPr lang="en-US" dirty="0" smtClean="0"/>
+              <a:t>From your Compliance Server Dashboard:</a:t>
+            </a:r>
+            <a:br>
+              <a:rPr lang="en-US" dirty="0" smtClean="0"/>
+            </a:br>
+            <a:r>
+              <a:rPr lang="en-US" dirty="0" smtClean="0"/>
+              <a:t>Click the </a:t>
+            </a:r>
+            <a:r>
+              <a:rPr lang="en-US" b="1" dirty="0" smtClean="0"/>
+              <a:t>Compliance</a:t>
+            </a:r>
+            <a:r>
+              <a:rPr lang="en-US" dirty="0" smtClean="0"/>
+              <a:t> button and then click the </a:t>
+            </a:r>
+            <a:r>
+              <a:rPr lang="en-US" b="1" dirty="0" smtClean="0"/>
+              <a:t>Add Profile </a:t>
+            </a:r>
+            <a:r>
+              <a:rPr lang="en-US" dirty="0" smtClean="0"/>
+              <a:t>button.</a:t>
+            </a:r>
+            <a:endParaRPr lang="en-US" dirty="0" smtClean="0"/>
+          </a:p>
+          <a:p>
+            <a:pPr marL="457200" indent="-457200">
+              <a:buFont typeface="Arial" panose="020B0604020202020204" pitchFamily="34" charset="0"/>
+              <a:buChar char="•"/>
+            </a:pPr>
+            <a:endParaRPr lang="en-US" dirty="0"/>
+          </a:p>
+          <a:p>
+            <a:endParaRPr lang="en-US" dirty="0" smtClean="0"/>
+          </a:p>
+          <a:p>
+            <a:pPr marL="457200" indent="-457200">
+              <a:buFont typeface="Arial" panose="020B0604020202020204" pitchFamily="34" charset="0"/>
+              <a:buChar char="•"/>
+            </a:pPr>
+            <a:endParaRPr lang="en-US" dirty="0"/>
+          </a:p>
+        </p:txBody>
+      </p:sp>
+      <p:pic>
+        <p:nvPicPr>
+          <p:cNvPr id="3" name="Picture 2"/>
+          <p:cNvPicPr>
+            <a:picLocks noChangeAspect="1"/>
+          </p:cNvPicPr>
+          <p:nvPr/>
+        </p:nvPicPr>
+        <p:blipFill>
+          <a:blip r:embed="rId3"/>
+          <a:stretch>
+            <a:fillRect/>
+          </a:stretch>
+        </p:blipFill>
+        <p:spPr>
+          <a:xfrm>
+            <a:off x="1169053" y="3543300"/>
+            <a:ext cx="13917895" cy="4206240"/>
+          </a:xfrm>
+          <a:prstGeom prst="rect">
+            <a:avLst/>
+          </a:prstGeom>
+          <a:ln>
+            <a:solidFill>
+              <a:schemeClr val="accent1"/>
+            </a:solidFill>
+          </a:ln>
+        </p:spPr>
+      </p:pic>
+      <p:cxnSp>
+        <p:nvCxnSpPr>
+          <p:cNvPr id="5" name="Straight Arrow Connector 4"/>
+          <p:cNvCxnSpPr/>
+          <p:nvPr/>
+        </p:nvCxnSpPr>
+        <p:spPr>
+          <a:xfrm>
+            <a:off x="3177540" y="2994660"/>
+            <a:ext cx="22860" cy="3749040"/>
+          </a:xfrm>
+          <a:prstGeom prst="straightConnector1">
+            <a:avLst/>
+          </a:prstGeom>
+          <a:ln w="38100">
+            <a:solidFill>
+              <a:schemeClr val="accent1"/>
+            </a:solidFill>
+            <a:tailEnd type="triangle"/>
+          </a:ln>
+        </p:spPr>
+        <p:style>
+          <a:lnRef idx="3">
+            <a:schemeClr val="accent1"/>
+          </a:lnRef>
+          <a:fillRef idx="0">
+            <a:schemeClr val="accent1"/>
+          </a:fillRef>
+          <a:effectRef idx="2">
+            <a:schemeClr val="accent1"/>
+          </a:effectRef>
+          <a:fontRef idx="minor">
+            <a:schemeClr val="tx1"/>
+          </a:fontRef>
+        </p:style>
+      </p:cxnSp>
+      <p:cxnSp>
+        <p:nvCxnSpPr>
+          <p:cNvPr id="8" name="Straight Arrow Connector 7"/>
+          <p:cNvCxnSpPr/>
+          <p:nvPr/>
+        </p:nvCxnSpPr>
+        <p:spPr>
+          <a:xfrm>
+            <a:off x="10988040" y="2820577"/>
+            <a:ext cx="2682240" cy="1042763"/>
+          </a:xfrm>
+          <a:prstGeom prst="straightConnector1">
+            <a:avLst/>
+          </a:prstGeom>
+          <a:ln w="38100">
+            <a:solidFill>
+              <a:schemeClr val="accent1"/>
+            </a:solidFill>
+            <a:tailEnd type="triangle"/>
+          </a:ln>
+        </p:spPr>
+        <p:style>
+          <a:lnRef idx="3">
+            <a:schemeClr val="accent1"/>
+          </a:lnRef>
+          <a:fillRef idx="0">
+            <a:schemeClr val="accent1"/>
+          </a:fillRef>
+          <a:effectRef idx="2">
+            <a:schemeClr val="accent1"/>
+          </a:effectRef>
+          <a:fontRef idx="minor">
+            <a:schemeClr val="tx1"/>
+          </a:fontRef>
+        </p:style>
+      </p:cxnSp>
+    </p:spTree>
+    <p:extLst>
+      <p:ext uri="{BB962C8B-B14F-4D97-AF65-F5344CB8AC3E}">
+        <p14:creationId xmlns:p14="http://schemas.microsoft.com/office/powerpoint/2010/main" val="1453726015"/>
+      </p:ext>
+    </p:extLst>
+  </p:cSld>
+  <p:clrMapOvr>
+    <a:masterClrMapping/>
+  </p:clrMapOvr>
+  <p:transition spd="med">
+    <p:fade/>
+  </p:transition>
+  <p:timing>
+    <p:tnLst>
+      <p:par>
+        <p:cTn id="1" dur="indefinite" restart="never" nodeType="tmRoot"/>
+      </p:par>
+    </p:tnLst>
+  </p:timing>
+</p:sld>
+</file>
+
+<file path=ppt/slides/slide23.xml><?xml version="1.0" encoding="utf-8"?>
+<p:sld xmlns:a="http://schemas.openxmlformats.org/drawingml/2006/main" xmlns:r="http://schemas.openxmlformats.org/officeDocument/2006/relationships" xmlns:p="http://schemas.openxmlformats.org/presentationml/2006/main">
+  <p:cSld>
+    <p:spTree>
+      <p:nvGrpSpPr>
+        <p:cNvPr id="1" name=""/>
+        <p:cNvGrpSpPr/>
+        <p:nvPr/>
+      </p:nvGrpSpPr>
+      <p:grpSpPr>
+        <a:xfrm>
+          <a:off x="0" y="0"/>
+          <a:ext cx="0" cy="0"/>
+          <a:chOff x="0" y="0"/>
+          <a:chExt cx="0" cy="0"/>
+        </a:xfrm>
+      </p:grpSpPr>
+      <p:sp>
+        <p:nvSpPr>
+          <p:cNvPr id="2" name="Title 1"/>
+          <p:cNvSpPr>
+            <a:spLocks noGrp="1"/>
+          </p:cNvSpPr>
+          <p:nvPr>
+            <p:ph type="title"/>
+          </p:nvPr>
+        </p:nvSpPr>
+        <p:spPr/>
+        <p:txBody>
+          <a:bodyPr>
+            <a:normAutofit/>
+          </a:bodyPr>
+          <a:lstStyle/>
+          <a:p>
+            <a:r>
+              <a:rPr lang="en-US" dirty="0" smtClean="0"/>
+              <a:t>GE: </a:t>
+            </a:r>
+            <a:r>
+              <a:rPr lang="en-US" dirty="0"/>
+              <a:t>Upload the </a:t>
+            </a:r>
+            <a:r>
+              <a:rPr lang="en-US" dirty="0" smtClean="0"/>
+              <a:t>Profile </a:t>
+            </a:r>
+            <a:r>
+              <a:rPr lang="en-US" dirty="0"/>
+              <a:t>to Chef Compliance</a:t>
+            </a:r>
+            <a:endParaRPr lang="en-US" dirty="0"/>
+          </a:p>
+        </p:txBody>
+      </p:sp>
+      <p:sp>
+        <p:nvSpPr>
+          <p:cNvPr id="6" name="Text Placeholder 2"/>
+          <p:cNvSpPr>
+            <a:spLocks noGrp="1"/>
+          </p:cNvSpPr>
+          <p:nvPr>
+            <p:ph type="body" sz="quarter" idx="12"/>
+          </p:nvPr>
+        </p:nvSpPr>
+        <p:spPr/>
+        <p:txBody>
+          <a:bodyPr/>
+          <a:lstStyle/>
+          <a:p>
+            <a:r>
+              <a:rPr lang="en-US" dirty="0" smtClean="0"/>
+              <a:t>Select the zip file from your laptop.</a:t>
+            </a:r>
+            <a:endParaRPr lang="en-US" dirty="0" smtClean="0"/>
+          </a:p>
+          <a:p>
+            <a:pPr marL="457200" indent="-457200">
+              <a:buFont typeface="Arial" panose="020B0604020202020204" pitchFamily="34" charset="0"/>
+              <a:buChar char="•"/>
+            </a:pPr>
+            <a:endParaRPr lang="en-US" dirty="0"/>
+          </a:p>
+          <a:p>
+            <a:endParaRPr lang="en-US" dirty="0" smtClean="0"/>
+          </a:p>
+          <a:p>
+            <a:pPr marL="457200" indent="-457200">
+              <a:buFont typeface="Arial" panose="020B0604020202020204" pitchFamily="34" charset="0"/>
+              <a:buChar char="•"/>
+            </a:pPr>
+            <a:endParaRPr lang="en-US" dirty="0"/>
+          </a:p>
+        </p:txBody>
+      </p:sp>
+      <p:pic>
+        <p:nvPicPr>
+          <p:cNvPr id="4" name="Picture 3"/>
+          <p:cNvPicPr>
+            <a:picLocks noChangeAspect="1"/>
+          </p:cNvPicPr>
+          <p:nvPr/>
+        </p:nvPicPr>
+        <p:blipFill>
+          <a:blip r:embed="rId3"/>
+          <a:stretch>
+            <a:fillRect/>
+          </a:stretch>
+        </p:blipFill>
+        <p:spPr>
+          <a:xfrm>
+            <a:off x="3229769" y="3411929"/>
+            <a:ext cx="9796463" cy="3918585"/>
+          </a:xfrm>
+          <a:prstGeom prst="rect">
+            <a:avLst/>
+          </a:prstGeom>
+          <a:ln>
+            <a:solidFill>
+              <a:schemeClr val="accent1"/>
+            </a:solidFill>
+          </a:ln>
+        </p:spPr>
+      </p:pic>
+    </p:spTree>
+    <p:extLst>
+      <p:ext uri="{BB962C8B-B14F-4D97-AF65-F5344CB8AC3E}">
+        <p14:creationId xmlns:p14="http://schemas.microsoft.com/office/powerpoint/2010/main" val="3133900180"/>
+      </p:ext>
+    </p:extLst>
+  </p:cSld>
+  <p:clrMapOvr>
+    <a:masterClrMapping/>
+  </p:clrMapOvr>
+  <p:transition spd="med">
+    <p:fade/>
+  </p:transition>
+  <p:timing>
+    <p:tnLst>
+      <p:par>
+        <p:cTn id="1" dur="indefinite" restart="never" nodeType="tmRoot"/>
+      </p:par>
+    </p:tnLst>
+  </p:timing>
+</p:sld>
+</file>
+
+<file path=ppt/slides/slide24.xml><?xml version="1.0" encoding="utf-8"?>
+<p:sld xmlns:a="http://schemas.openxmlformats.org/drawingml/2006/main" xmlns:r="http://schemas.openxmlformats.org/officeDocument/2006/relationships" xmlns:p="http://schemas.openxmlformats.org/presentationml/2006/main">
+  <p:cSld>
+    <p:spTree>
+      <p:nvGrpSpPr>
+        <p:cNvPr id="1" name=""/>
+        <p:cNvGrpSpPr/>
+        <p:nvPr/>
+      </p:nvGrpSpPr>
+      <p:grpSpPr>
+        <a:xfrm>
+          <a:off x="0" y="0"/>
+          <a:ext cx="0" cy="0"/>
+          <a:chOff x="0" y="0"/>
+          <a:chExt cx="0" cy="0"/>
+        </a:xfrm>
+      </p:grpSpPr>
+      <p:sp>
+        <p:nvSpPr>
+          <p:cNvPr id="2" name="Title 1"/>
+          <p:cNvSpPr>
+            <a:spLocks noGrp="1"/>
+          </p:cNvSpPr>
+          <p:nvPr>
+            <p:ph type="title"/>
+          </p:nvPr>
+        </p:nvSpPr>
+        <p:spPr/>
+        <p:txBody>
+          <a:bodyPr>
+            <a:normAutofit/>
+          </a:bodyPr>
+          <a:lstStyle/>
+          <a:p>
+            <a:r>
+              <a:rPr lang="en-US" dirty="0" smtClean="0"/>
+              <a:t>GE: </a:t>
+            </a:r>
+            <a:r>
+              <a:rPr lang="en-US" dirty="0"/>
+              <a:t>Upload the </a:t>
+            </a:r>
+            <a:r>
+              <a:rPr lang="en-US" dirty="0" smtClean="0"/>
+              <a:t>Profile </a:t>
+            </a:r>
+            <a:r>
+              <a:rPr lang="en-US" dirty="0"/>
+              <a:t>to Chef Compliance</a:t>
+            </a:r>
+            <a:endParaRPr lang="en-US" dirty="0"/>
+          </a:p>
+        </p:txBody>
+      </p:sp>
+      <p:sp>
+        <p:nvSpPr>
+          <p:cNvPr id="6" name="Text Placeholder 2"/>
+          <p:cNvSpPr>
+            <a:spLocks noGrp="1"/>
+          </p:cNvSpPr>
+          <p:nvPr>
+            <p:ph type="body" sz="quarter" idx="12"/>
+          </p:nvPr>
+        </p:nvSpPr>
+        <p:spPr/>
+        <p:txBody>
+          <a:bodyPr/>
+          <a:lstStyle/>
+          <a:p>
+            <a:r>
+              <a:rPr lang="en-US" dirty="0"/>
+              <a:t>From </a:t>
+            </a:r>
+            <a:r>
+              <a:rPr lang="en-US" dirty="0" smtClean="0"/>
+              <a:t>the Dashboard</a:t>
+            </a:r>
+            <a:r>
+              <a:rPr lang="en-US" dirty="0"/>
+              <a:t>, </a:t>
+            </a:r>
+            <a:r>
+              <a:rPr lang="en-US" b="1" dirty="0"/>
+              <a:t>select your </a:t>
+            </a:r>
+            <a:r>
+              <a:rPr lang="en-US" b="1" dirty="0" smtClean="0"/>
+              <a:t>node</a:t>
+            </a:r>
+            <a:r>
+              <a:rPr lang="en-US" dirty="0" smtClean="0"/>
+              <a:t> and then click </a:t>
+            </a:r>
+            <a:r>
+              <a:rPr lang="en-US" dirty="0"/>
+              <a:t>the </a:t>
+            </a:r>
+            <a:r>
+              <a:rPr lang="en-US" b="1" dirty="0" smtClean="0"/>
+              <a:t>Scan</a:t>
+            </a:r>
+            <a:r>
+              <a:rPr lang="en-US" dirty="0" smtClean="0"/>
+              <a:t> </a:t>
+            </a:r>
+            <a:r>
+              <a:rPr lang="en-US" dirty="0"/>
+              <a:t>button.</a:t>
+            </a:r>
+            <a:endParaRPr lang="en-US" dirty="0" smtClean="0"/>
+          </a:p>
+          <a:p>
+            <a:pPr marL="457200" indent="-457200">
+              <a:buFont typeface="Arial" panose="020B0604020202020204" pitchFamily="34" charset="0"/>
+              <a:buChar char="•"/>
+            </a:pPr>
+            <a:endParaRPr lang="en-US" dirty="0"/>
+          </a:p>
+          <a:p>
+            <a:endParaRPr lang="en-US" dirty="0" smtClean="0"/>
+          </a:p>
+          <a:p>
+            <a:pPr marL="457200" indent="-457200">
+              <a:buFont typeface="Arial" panose="020B0604020202020204" pitchFamily="34" charset="0"/>
+              <a:buChar char="•"/>
+            </a:pPr>
+            <a:endParaRPr lang="en-US" dirty="0"/>
+          </a:p>
+        </p:txBody>
+      </p:sp>
+      <p:pic>
+        <p:nvPicPr>
+          <p:cNvPr id="3" name="Picture 2"/>
+          <p:cNvPicPr>
+            <a:picLocks noChangeAspect="1"/>
+          </p:cNvPicPr>
+          <p:nvPr/>
+        </p:nvPicPr>
+        <p:blipFill>
+          <a:blip r:embed="rId3"/>
+          <a:stretch>
+            <a:fillRect/>
+          </a:stretch>
+        </p:blipFill>
+        <p:spPr>
+          <a:xfrm>
+            <a:off x="2638777" y="3360420"/>
+            <a:ext cx="10978446" cy="4564454"/>
+          </a:xfrm>
+          <a:prstGeom prst="rect">
+            <a:avLst/>
+          </a:prstGeom>
+          <a:ln>
+            <a:solidFill>
+              <a:schemeClr val="accent1"/>
+            </a:solidFill>
+          </a:ln>
+        </p:spPr>
+      </p:pic>
+    </p:spTree>
+    <p:extLst>
+      <p:ext uri="{BB962C8B-B14F-4D97-AF65-F5344CB8AC3E}">
+        <p14:creationId xmlns:p14="http://schemas.microsoft.com/office/powerpoint/2010/main" val="1691129605"/>
+      </p:ext>
+    </p:extLst>
+  </p:cSld>
+  <p:clrMapOvr>
+    <a:masterClrMapping/>
+  </p:clrMapOvr>
+  <p:transition spd="med">
+    <p:fade/>
+  </p:transition>
+  <p:timing>
+    <p:tnLst>
+      <p:par>
+        <p:cTn id="1" dur="indefinite" restart="never" nodeType="tmRoot"/>
+      </p:par>
+    </p:tnLst>
+  </p:timing>
+</p:sld>
+</file>
+
+<file path=ppt/slides/slide25.xml><?xml version="1.0" encoding="utf-8"?>
+<p:sld xmlns:a="http://schemas.openxmlformats.org/drawingml/2006/main" xmlns:r="http://schemas.openxmlformats.org/officeDocument/2006/relationships" xmlns:p="http://schemas.openxmlformats.org/presentationml/2006/main">
+  <p:cSld>
+    <p:spTree>
+      <p:nvGrpSpPr>
+        <p:cNvPr id="1" name=""/>
+        <p:cNvGrpSpPr/>
+        <p:nvPr/>
+      </p:nvGrpSpPr>
+      <p:grpSpPr>
+        <a:xfrm>
+          <a:off x="0" y="0"/>
+          <a:ext cx="0" cy="0"/>
+          <a:chOff x="0" y="0"/>
+          <a:chExt cx="0" cy="0"/>
+        </a:xfrm>
+      </p:grpSpPr>
+      <p:sp>
+        <p:nvSpPr>
+          <p:cNvPr id="2" name="Title 1"/>
+          <p:cNvSpPr>
+            <a:spLocks noGrp="1"/>
+          </p:cNvSpPr>
+          <p:nvPr>
+            <p:ph type="title"/>
+          </p:nvPr>
+        </p:nvSpPr>
+        <p:spPr/>
+        <p:txBody>
+          <a:bodyPr>
+            <a:normAutofit/>
+          </a:bodyPr>
+          <a:lstStyle/>
+          <a:p>
+            <a:r>
+              <a:rPr lang="en-US" dirty="0" smtClean="0"/>
+              <a:t>GE: </a:t>
+            </a:r>
+            <a:r>
+              <a:rPr lang="en-US" dirty="0" smtClean="0"/>
+              <a:t>Scan Using the New Profile</a:t>
+            </a:r>
+            <a:endParaRPr lang="en-US" dirty="0"/>
+          </a:p>
+        </p:txBody>
+      </p:sp>
+      <p:sp>
+        <p:nvSpPr>
+          <p:cNvPr id="6" name="Text Placeholder 2"/>
+          <p:cNvSpPr>
+            <a:spLocks noGrp="1"/>
+          </p:cNvSpPr>
+          <p:nvPr>
+            <p:ph type="body" sz="quarter" idx="12"/>
+          </p:nvPr>
+        </p:nvSpPr>
+        <p:spPr>
+          <a:xfrm>
+            <a:off x="650040" y="1856198"/>
+            <a:ext cx="5842200" cy="5345953"/>
+          </a:xfrm>
+        </p:spPr>
+        <p:txBody>
+          <a:bodyPr/>
+          <a:lstStyle/>
+          <a:p>
+            <a:r>
+              <a:rPr lang="en-US" dirty="0" smtClean="0"/>
+              <a:t>From the resulting page, select only the new profile (admin/profile) and then click </a:t>
+            </a:r>
+            <a:r>
+              <a:rPr lang="en-US" b="1" dirty="0" smtClean="0"/>
+              <a:t>Scan now</a:t>
+            </a:r>
+            <a:r>
+              <a:rPr lang="en-US" dirty="0" smtClean="0"/>
+              <a:t>.</a:t>
+            </a:r>
+          </a:p>
+          <a:p>
+            <a:endParaRPr lang="en-US" dirty="0"/>
+          </a:p>
+          <a:p>
+            <a:r>
+              <a:rPr lang="en-US" b="1" dirty="0" smtClean="0"/>
+              <a:t>Note</a:t>
+            </a:r>
+            <a:r>
+              <a:rPr lang="en-US" dirty="0" smtClean="0"/>
+              <a:t>: The profile name in this view is based on the name space in your metadata.rb.</a:t>
+            </a:r>
+          </a:p>
+          <a:p>
+            <a:endParaRPr lang="en-US" dirty="0"/>
+          </a:p>
+          <a:p>
+            <a:r>
+              <a:rPr lang="en-US" dirty="0" smtClean="0"/>
+              <a:t>For example:</a:t>
+            </a:r>
+            <a:br>
+              <a:rPr lang="en-US" dirty="0" smtClean="0"/>
+            </a:br>
+            <a:r>
+              <a:rPr lang="en-US" b="1" dirty="0" smtClean="0"/>
+              <a:t>'</a:t>
+            </a:r>
+            <a:r>
+              <a:rPr lang="en-US" b="1" dirty="0" err="1" smtClean="0"/>
+              <a:t>myname</a:t>
+            </a:r>
+            <a:r>
+              <a:rPr lang="en-US" b="1" dirty="0" smtClean="0"/>
+              <a:t>/profile'</a:t>
+            </a:r>
+            <a:endParaRPr lang="en-US" dirty="0"/>
+          </a:p>
+        </p:txBody>
+      </p:sp>
+      <p:grpSp>
+        <p:nvGrpSpPr>
+          <p:cNvPr id="8" name="Group 7"/>
+          <p:cNvGrpSpPr/>
+          <p:nvPr/>
+        </p:nvGrpSpPr>
+        <p:grpSpPr>
+          <a:xfrm>
+            <a:off x="7406005" y="1091601"/>
+            <a:ext cx="8439150" cy="7058025"/>
+            <a:chOff x="7406005" y="1091601"/>
+            <a:chExt cx="8439150" cy="7058025"/>
+          </a:xfrm>
+        </p:grpSpPr>
+        <p:pic>
+          <p:nvPicPr>
+            <p:cNvPr id="5" name="Picture 4"/>
+            <p:cNvPicPr>
+              <a:picLocks noChangeAspect="1"/>
+            </p:cNvPicPr>
+            <p:nvPr/>
+          </p:nvPicPr>
+          <p:blipFill>
+            <a:blip r:embed="rId3"/>
+            <a:stretch>
+              <a:fillRect/>
+            </a:stretch>
+          </p:blipFill>
+          <p:spPr>
+            <a:xfrm>
+              <a:off x="7406005" y="1091601"/>
+              <a:ext cx="8439150" cy="7058025"/>
+            </a:xfrm>
+            <a:prstGeom prst="rect">
+              <a:avLst/>
+            </a:prstGeom>
+            <a:ln>
+              <a:solidFill>
+                <a:schemeClr val="accent1"/>
+              </a:solidFill>
+            </a:ln>
+          </p:spPr>
+        </p:pic>
+        <p:sp>
+          <p:nvSpPr>
+            <p:cNvPr id="7" name="Oval 6"/>
+            <p:cNvSpPr/>
+            <p:nvPr/>
+          </p:nvSpPr>
+          <p:spPr bwMode="auto">
+            <a:xfrm>
+              <a:off x="11635740" y="3131820"/>
+              <a:ext cx="2446020" cy="708660"/>
+            </a:xfrm>
+            <a:prstGeom prst="ellipse">
+              <a:avLst/>
+            </a:prstGeom>
+            <a:noFill/>
+            <a:ln>
+              <a:solidFill>
+                <a:schemeClr val="accent1"/>
+              </a:solidFill>
+              <a:headEnd type="none" w="med" len="med"/>
+              <a:tailEnd type="none" w="med" len="med"/>
+            </a:ln>
+            <a:effectLst/>
+          </p:spPr>
+          <p:style>
+            <a:lnRef idx="1">
+              <a:schemeClr val="accent4"/>
+            </a:lnRef>
+            <a:fillRef idx="3">
+              <a:schemeClr val="accent4"/>
+            </a:fillRef>
+            <a:effectRef idx="2">
+              <a:schemeClr val="accent4"/>
+            </a:effectRef>
+            <a:fontRef idx="minor">
+              <a:schemeClr val="lt1"/>
+            </a:fontRef>
+          </p:style>
+          <p:txBody>
+            <a:bodyPr vert="horz" wrap="square" lIns="91436" tIns="45718" rIns="91436" bIns="45718" numCol="1" rtlCol="0" anchor="ctr" anchorCtr="0" compatLnSpc="1">
+              <a:prstTxWarp prst="textNoShape">
+                <a:avLst/>
+              </a:prstTxWarp>
+            </a:bodyPr>
+            <a:lstStyle/>
+            <a:p>
+              <a:pPr algn="ctr" defTabSz="914099"/>
+              <a:endParaRPr lang="en-US" sz="2400" dirty="0" err="1" smtClean="0">
+                <a:gradFill>
+                  <a:gsLst>
+                    <a:gs pos="0">
+                      <a:srgbClr val="FFFFFF"/>
+                    </a:gs>
+                    <a:gs pos="100000">
+                      <a:srgbClr val="FFFFFF"/>
+                    </a:gs>
+                  </a:gsLst>
+                  <a:lin ang="5400000" scaled="0"/>
+                </a:gradFill>
+              </a:endParaRPr>
+            </a:p>
+          </p:txBody>
+        </p:sp>
+      </p:grpSp>
+    </p:spTree>
+    <p:extLst>
+      <p:ext uri="{BB962C8B-B14F-4D97-AF65-F5344CB8AC3E}">
+        <p14:creationId xmlns:p14="http://schemas.microsoft.com/office/powerpoint/2010/main" val="937065136"/>
+      </p:ext>
+    </p:extLst>
+  </p:cSld>
+  <p:clrMapOvr>
+    <a:masterClrMapping/>
+  </p:clrMapOvr>
+  <p:transition spd="med">
+    <p:fade/>
+  </p:transition>
+  <p:timing>
+    <p:tnLst>
+      <p:par>
+        <p:cTn id="1" dur="indefinite" restart="never" nodeType="tmRoot"/>
+      </p:par>
+    </p:tnLst>
+  </p:timing>
+</p:sld>
+</file>
+
+<file path=ppt/slides/slide26.xml><?xml version="1.0" encoding="utf-8"?>
+<p:sld xmlns:a="http://schemas.openxmlformats.org/drawingml/2006/main" xmlns:r="http://schemas.openxmlformats.org/officeDocument/2006/relationships" xmlns:p="http://schemas.openxmlformats.org/presentationml/2006/main">
+  <p:cSld>
+    <p:spTree>
+      <p:nvGrpSpPr>
+        <p:cNvPr id="1" name=""/>
+        <p:cNvGrpSpPr/>
+        <p:nvPr/>
+      </p:nvGrpSpPr>
+      <p:grpSpPr>
+        <a:xfrm>
+          <a:off x="0" y="0"/>
+          <a:ext cx="0" cy="0"/>
+          <a:chOff x="0" y="0"/>
+          <a:chExt cx="0" cy="0"/>
+        </a:xfrm>
+      </p:grpSpPr>
+      <p:sp>
+        <p:nvSpPr>
+          <p:cNvPr id="2" name="Title 1"/>
+          <p:cNvSpPr>
+            <a:spLocks noGrp="1"/>
+          </p:cNvSpPr>
+          <p:nvPr>
+            <p:ph type="title"/>
+          </p:nvPr>
+        </p:nvSpPr>
+        <p:spPr/>
+        <p:txBody>
+          <a:bodyPr>
+            <a:normAutofit/>
+          </a:bodyPr>
+          <a:lstStyle/>
+          <a:p>
+            <a:r>
+              <a:rPr lang="en-US" dirty="0" smtClean="0"/>
+              <a:t>GE: </a:t>
+            </a:r>
+            <a:r>
+              <a:rPr lang="en-US" dirty="0" smtClean="0"/>
+              <a:t>Results of the Custom Profile Scan</a:t>
+            </a:r>
+            <a:endParaRPr lang="en-US" dirty="0"/>
+          </a:p>
+        </p:txBody>
+      </p:sp>
+      <p:sp>
+        <p:nvSpPr>
+          <p:cNvPr id="6" name="Text Placeholder 2"/>
+          <p:cNvSpPr>
+            <a:spLocks noGrp="1"/>
+          </p:cNvSpPr>
+          <p:nvPr>
+            <p:ph type="body" sz="quarter" idx="12"/>
+          </p:nvPr>
+        </p:nvSpPr>
+        <p:spPr>
+          <a:xfrm>
+            <a:off x="297180" y="1856198"/>
+            <a:ext cx="2720340" cy="5345953"/>
+          </a:xfrm>
+        </p:spPr>
+        <p:txBody>
+          <a:bodyPr/>
+          <a:lstStyle/>
+          <a:p>
+            <a:r>
+              <a:rPr lang="en-US" dirty="0" smtClean="0"/>
+              <a:t>The results of your scan should look like this example.</a:t>
+            </a:r>
+          </a:p>
+          <a:p>
+            <a:endParaRPr lang="en-US" dirty="0"/>
+          </a:p>
+          <a:p>
+            <a:r>
+              <a:rPr lang="en-US" dirty="0" smtClean="0"/>
+              <a:t>The scan should show compliance as well.</a:t>
+            </a:r>
+            <a:endParaRPr lang="en-US" dirty="0" smtClean="0"/>
+          </a:p>
+          <a:p>
+            <a:pPr marL="457200" indent="-457200">
+              <a:buFont typeface="Arial" panose="020B0604020202020204" pitchFamily="34" charset="0"/>
+              <a:buChar char="•"/>
+            </a:pPr>
+            <a:endParaRPr lang="en-US" dirty="0"/>
+          </a:p>
+          <a:p>
+            <a:endParaRPr lang="en-US" dirty="0" smtClean="0"/>
+          </a:p>
+          <a:p>
+            <a:pPr marL="457200" indent="-457200">
+              <a:buFont typeface="Arial" panose="020B0604020202020204" pitchFamily="34" charset="0"/>
+              <a:buChar char="•"/>
+            </a:pPr>
+            <a:endParaRPr lang="en-US" dirty="0"/>
+          </a:p>
+        </p:txBody>
+      </p:sp>
+      <p:pic>
+        <p:nvPicPr>
+          <p:cNvPr id="5" name="Picture 4"/>
+          <p:cNvPicPr>
+            <a:picLocks noChangeAspect="1"/>
+          </p:cNvPicPr>
+          <p:nvPr/>
+        </p:nvPicPr>
+        <p:blipFill>
+          <a:blip r:embed="rId3"/>
+          <a:stretch>
+            <a:fillRect/>
+          </a:stretch>
+        </p:blipFill>
+        <p:spPr>
+          <a:xfrm>
+            <a:off x="3231432" y="1187346"/>
+            <a:ext cx="12739453" cy="6683656"/>
+          </a:xfrm>
+          <a:prstGeom prst="rect">
+            <a:avLst/>
+          </a:prstGeom>
+          <a:ln>
+            <a:solidFill>
+              <a:schemeClr val="accent1"/>
+            </a:solidFill>
+          </a:ln>
+        </p:spPr>
+      </p:pic>
+    </p:spTree>
+    <p:extLst>
+      <p:ext uri="{BB962C8B-B14F-4D97-AF65-F5344CB8AC3E}">
+        <p14:creationId xmlns:p14="http://schemas.microsoft.com/office/powerpoint/2010/main" val="2871015961"/>
+      </p:ext>
+    </p:extLst>
+  </p:cSld>
+  <p:clrMapOvr>
+    <a:masterClrMapping/>
+  </p:clrMapOvr>
+  <p:transition spd="med">
+    <p:fade/>
+  </p:transition>
+  <p:timing>
+    <p:tnLst>
+      <p:par>
+        <p:cTn id="1" dur="indefinite" restart="never" nodeType="tmRoot"/>
+      </p:par>
+    </p:tnLst>
+  </p:timing>
+</p:sld>
+</file>
+
+<file path=ppt/slides/slide27.xml><?xml version="1.0" encoding="utf-8"?>
+<p:sld xmlns:a="http://schemas.openxmlformats.org/drawingml/2006/main" xmlns:r="http://schemas.openxmlformats.org/officeDocument/2006/relationships" xmlns:p="http://schemas.openxmlformats.org/presentationml/2006/main">
+  <p:cSld>
+    <p:spTree>
+      <p:nvGrpSpPr>
+        <p:cNvPr id="1" name=""/>
+        <p:cNvGrpSpPr/>
+        <p:nvPr/>
+      </p:nvGrpSpPr>
+      <p:grpSpPr>
+        <a:xfrm>
+          <a:off x="0" y="0"/>
+          <a:ext cx="0" cy="0"/>
+          <a:chOff x="0" y="0"/>
+          <a:chExt cx="0" cy="0"/>
+        </a:xfrm>
+      </p:grpSpPr>
+      <p:sp>
+        <p:nvSpPr>
+          <p:cNvPr id="2" name="Title 1"/>
+          <p:cNvSpPr>
+            <a:spLocks noGrp="1"/>
+          </p:cNvSpPr>
+          <p:nvPr>
+            <p:ph type="title"/>
+          </p:nvPr>
+        </p:nvSpPr>
+        <p:spPr/>
+        <p:txBody>
+          <a:bodyPr>
+            <a:normAutofit/>
+          </a:bodyPr>
+          <a:lstStyle/>
+          <a:p>
+            <a:r>
+              <a:rPr lang="en-US" dirty="0" smtClean="0"/>
+              <a:t>GE: </a:t>
+            </a:r>
+            <a:r>
+              <a:rPr lang="en-US" dirty="0" smtClean="0"/>
+              <a:t>Results of the Custom Profile Scan</a:t>
+            </a:r>
+            <a:endParaRPr lang="en-US" dirty="0"/>
+          </a:p>
+        </p:txBody>
+      </p:sp>
+      <p:sp>
+        <p:nvSpPr>
+          <p:cNvPr id="6" name="Text Placeholder 2"/>
+          <p:cNvSpPr>
+            <a:spLocks noGrp="1"/>
+          </p:cNvSpPr>
+          <p:nvPr>
+            <p:ph type="body" sz="quarter" idx="12"/>
+          </p:nvPr>
+        </p:nvSpPr>
+        <p:spPr>
+          <a:xfrm>
+            <a:off x="297180" y="1856198"/>
+            <a:ext cx="15544800" cy="5345953"/>
+          </a:xfrm>
+        </p:spPr>
+        <p:txBody>
+          <a:bodyPr/>
+          <a:lstStyle/>
+          <a:p>
+            <a:r>
+              <a:rPr lang="en-US" dirty="0" smtClean="0"/>
+              <a:t>You should also be able to see your custom profile from your Compliance page.</a:t>
+            </a:r>
+            <a:endParaRPr lang="en-US" dirty="0" smtClean="0"/>
+          </a:p>
+          <a:p>
+            <a:pPr marL="457200" indent="-457200">
+              <a:buFont typeface="Arial" panose="020B0604020202020204" pitchFamily="34" charset="0"/>
+              <a:buChar char="•"/>
+            </a:pPr>
+            <a:endParaRPr lang="en-US" dirty="0"/>
+          </a:p>
+          <a:p>
+            <a:endParaRPr lang="en-US" dirty="0" smtClean="0"/>
+          </a:p>
+          <a:p>
+            <a:pPr marL="457200" indent="-457200">
+              <a:buFont typeface="Arial" panose="020B0604020202020204" pitchFamily="34" charset="0"/>
+              <a:buChar char="•"/>
+            </a:pPr>
+            <a:endParaRPr lang="en-US" dirty="0"/>
+          </a:p>
+        </p:txBody>
+      </p:sp>
+      <p:pic>
+        <p:nvPicPr>
+          <p:cNvPr id="3" name="Picture 2"/>
+          <p:cNvPicPr>
+            <a:picLocks noChangeAspect="1"/>
+          </p:cNvPicPr>
+          <p:nvPr/>
+        </p:nvPicPr>
+        <p:blipFill>
+          <a:blip r:embed="rId3"/>
+          <a:stretch>
+            <a:fillRect/>
+          </a:stretch>
+        </p:blipFill>
+        <p:spPr>
+          <a:xfrm>
+            <a:off x="1165860" y="2921317"/>
+            <a:ext cx="13968404" cy="4840536"/>
+          </a:xfrm>
+          <a:prstGeom prst="rect">
+            <a:avLst/>
+          </a:prstGeom>
+          <a:ln>
+            <a:solidFill>
+              <a:schemeClr val="accent1"/>
+            </a:solidFill>
+          </a:ln>
+        </p:spPr>
+      </p:pic>
+    </p:spTree>
+    <p:extLst>
+      <p:ext uri="{BB962C8B-B14F-4D97-AF65-F5344CB8AC3E}">
+        <p14:creationId xmlns:p14="http://schemas.microsoft.com/office/powerpoint/2010/main" val="56921416"/>
+      </p:ext>
+    </p:extLst>
+  </p:cSld>
+  <p:clrMapOvr>
+    <a:masterClrMapping/>
+  </p:clrMapOvr>
+  <p:transition spd="med">
+    <p:fade/>
+  </p:transition>
+  <p:timing>
+    <p:tnLst>
+      <p:par>
+        <p:cTn id="1" dur="indefinite" restart="never" nodeType="tmRoot"/>
+      </p:par>
+    </p:tnLst>
+  </p:timing>
+</p:sld>
+</file>
+
+<file path=ppt/slides/slide28.xml><?xml version="1.0" encoding="utf-8"?>
+<p:sld xmlns:a="http://schemas.openxmlformats.org/drawingml/2006/main" xmlns:r="http://schemas.openxmlformats.org/officeDocument/2006/relationships" xmlns:p="http://schemas.openxmlformats.org/presentationml/2006/main">
+  <p:cSld>
+    <p:spTree>
+      <p:nvGrpSpPr>
+        <p:cNvPr id="1" name=""/>
+        <p:cNvGrpSpPr/>
+        <p:nvPr/>
+      </p:nvGrpSpPr>
+      <p:grpSpPr>
+        <a:xfrm>
+          <a:off x="0" y="0"/>
+          <a:ext cx="0" cy="0"/>
+          <a:chOff x="0" y="0"/>
+          <a:chExt cx="0" cy="0"/>
+        </a:xfrm>
+      </p:grpSpPr>
+      <p:sp>
+        <p:nvSpPr>
+          <p:cNvPr id="2" name="Title 1"/>
+          <p:cNvSpPr>
+            <a:spLocks noGrp="1"/>
+          </p:cNvSpPr>
+          <p:nvPr>
+            <p:ph type="title"/>
+          </p:nvPr>
+        </p:nvSpPr>
+        <p:spPr/>
+        <p:txBody>
+          <a:bodyPr/>
+          <a:lstStyle/>
+          <a:p>
+            <a:r>
+              <a:rPr lang="en-US" dirty="0" smtClean="0"/>
+              <a:t>GE: Save this</a:t>
+            </a:r>
+            <a:endParaRPr lang="en-US" dirty="0"/>
+          </a:p>
+        </p:txBody>
+      </p:sp>
+      <p:sp>
+        <p:nvSpPr>
+          <p:cNvPr id="6" name="Text Placeholder 2"/>
+          <p:cNvSpPr>
+            <a:spLocks noGrp="1"/>
+          </p:cNvSpPr>
+          <p:nvPr>
+            <p:ph type="body" sz="quarter" idx="12"/>
+          </p:nvPr>
+        </p:nvSpPr>
+        <p:spPr>
+          <a:xfrm>
+            <a:off x="609599" y="1559018"/>
+            <a:ext cx="14042065" cy="5961922"/>
+          </a:xfrm>
+        </p:spPr>
+        <p:txBody>
+          <a:bodyPr/>
+          <a:lstStyle/>
+          <a:p>
+            <a:pPr marL="457200" indent="-457200">
+              <a:buFont typeface="Arial" panose="020B0604020202020204" pitchFamily="34" charset="0"/>
+              <a:buChar char="•"/>
+            </a:pPr>
+            <a:r>
+              <a:rPr lang="en-US" dirty="0">
+                <a:hlinkClick r:id="rId3"/>
+              </a:rPr>
+              <a:t>https://</a:t>
+            </a:r>
+            <a:r>
+              <a:rPr lang="en-US" dirty="0" smtClean="0">
+                <a:hlinkClick r:id="rId3"/>
+              </a:rPr>
+              <a:t>github.com/chef/inspec/blob/7f555b902d6860ffe236ff23e4b52f20bac28adc/lib/inspec/profile.rb#L81-L129</a:t>
+            </a:r>
+            <a:endParaRPr lang="en-US" dirty="0" smtClean="0"/>
+          </a:p>
+          <a:p>
+            <a:pPr marL="457200" indent="-457200">
+              <a:buFont typeface="Arial" panose="020B0604020202020204" pitchFamily="34" charset="0"/>
+              <a:buChar char="•"/>
+            </a:pPr>
+            <a:endParaRPr lang="en-US" dirty="0"/>
+          </a:p>
+          <a:p>
+            <a:pPr marL="457200" indent="-457200">
+              <a:buFont typeface="Arial" panose="020B0604020202020204" pitchFamily="34" charset="0"/>
+              <a:buChar char="•"/>
+            </a:pPr>
+            <a:endParaRPr lang="en-US" dirty="0" smtClean="0"/>
+          </a:p>
+          <a:p>
+            <a:pPr marL="457200" indent="-457200">
+              <a:buFont typeface="Arial" panose="020B0604020202020204" pitchFamily="34" charset="0"/>
+              <a:buChar char="•"/>
+            </a:pPr>
+            <a:r>
+              <a:rPr lang="en-US" dirty="0" smtClean="0"/>
+              <a:t>and Check uses the </a:t>
+            </a:r>
+            <a:r>
+              <a:rPr lang="en-US" dirty="0"/>
+              <a:t>above from here:</a:t>
+            </a:r>
+            <a:br>
+              <a:rPr lang="en-US" dirty="0"/>
+            </a:br>
+            <a:r>
+              <a:rPr lang="en-US" dirty="0">
+                <a:hlinkClick r:id="rId4"/>
+              </a:rPr>
+              <a:t>https://</a:t>
+            </a:r>
+            <a:r>
+              <a:rPr lang="en-US" dirty="0" smtClean="0">
+                <a:hlinkClick r:id="rId4"/>
+              </a:rPr>
+              <a:t>github.com/chef/inspec/blob/b1ec95e343aac75ee1a21e3d1a09a32a5a8c1dd2/bin/inspec#L70-L78</a:t>
+            </a:r>
+            <a:endParaRPr lang="en-US" dirty="0" smtClean="0"/>
+          </a:p>
+          <a:p>
+            <a:pPr marL="457200" indent="-457200">
+              <a:buFont typeface="Arial" panose="020B0604020202020204" pitchFamily="34" charset="0"/>
+              <a:buChar char="•"/>
+            </a:pPr>
+            <a:endParaRPr lang="en-US" dirty="0"/>
+          </a:p>
+          <a:p>
+            <a:pPr marL="457200" indent="-457200">
+              <a:buFont typeface="Arial" panose="020B0604020202020204" pitchFamily="34" charset="0"/>
+              <a:buChar char="•"/>
+            </a:pPr>
+            <a:r>
+              <a:rPr lang="en-US" dirty="0">
+                <a:hlinkClick r:id="rId5"/>
+              </a:rPr>
+              <a:t>https://</a:t>
+            </a:r>
+            <a:r>
+              <a:rPr lang="en-US" dirty="0" smtClean="0">
+                <a:hlinkClick r:id="rId5"/>
+              </a:rPr>
+              <a:t>chefio.atlassian.net/wiki/pages/viewpage.action?spaceKey=SE&amp;title=Week+1#Week1-Addingprofiles</a:t>
+            </a:r>
+            <a:endParaRPr lang="en-US" dirty="0" smtClean="0"/>
+          </a:p>
+          <a:p>
+            <a:pPr marL="457200" indent="-457200">
+              <a:buFont typeface="Arial" panose="020B0604020202020204" pitchFamily="34" charset="0"/>
+              <a:buChar char="•"/>
+            </a:pPr>
+            <a:endParaRPr lang="en-US" dirty="0" smtClean="0"/>
+          </a:p>
+          <a:p>
+            <a:pPr marL="457200" indent="-457200">
+              <a:buFont typeface="Arial" panose="020B0604020202020204" pitchFamily="34" charset="0"/>
+              <a:buChar char="•"/>
+            </a:pPr>
+            <a:endParaRPr lang="en-US" dirty="0"/>
+          </a:p>
+          <a:p>
+            <a:endParaRPr lang="en-US" dirty="0" smtClean="0"/>
+          </a:p>
+          <a:p>
+            <a:pPr marL="457200" indent="-457200">
+              <a:buFont typeface="Arial" panose="020B0604020202020204" pitchFamily="34" charset="0"/>
+              <a:buChar char="•"/>
+            </a:pPr>
+            <a:endParaRPr lang="en-US" dirty="0"/>
+          </a:p>
+        </p:txBody>
+      </p:sp>
+    </p:spTree>
+    <p:extLst>
+      <p:ext uri="{BB962C8B-B14F-4D97-AF65-F5344CB8AC3E}">
+        <p14:creationId xmlns:p14="http://schemas.microsoft.com/office/powerpoint/2010/main" val="420890300"/>
+      </p:ext>
+    </p:extLst>
+  </p:cSld>
+  <p:clrMapOvr>
+    <a:masterClrMapping/>
+  </p:clrMapOvr>
+  <p:transition spd="med">
+    <p:fade/>
+  </p:transition>
+  <p:timing>
+    <p:tnLst>
+      <p:par>
+        <p:cTn id="1" dur="indefinite" restart="never" nodeType="tmRoot"/>
+      </p:par>
+    </p:tnLst>
+  </p:timing>
+</p:sld>
+</file>
+
+<file path=ppt/slides/slide29.xml><?xml version="1.0" encoding="utf-8"?>
+<p:sld xmlns:a="http://schemas.openxmlformats.org/drawingml/2006/main" xmlns:r="http://schemas.openxmlformats.org/officeDocument/2006/relationships" xmlns:p="http://schemas.openxmlformats.org/presentationml/2006/main">
+  <p:cSld>
+    <p:spTree>
+      <p:nvGrpSpPr>
+        <p:cNvPr id="1" name=""/>
+        <p:cNvGrpSpPr/>
+        <p:nvPr/>
+      </p:nvGrpSpPr>
+      <p:grpSpPr>
+        <a:xfrm>
+          <a:off x="0" y="0"/>
+          <a:ext cx="0" cy="0"/>
+          <a:chOff x="0" y="0"/>
+          <a:chExt cx="0" cy="0"/>
+        </a:xfrm>
+      </p:grpSpPr>
+      <p:sp>
+        <p:nvSpPr>
+          <p:cNvPr id="2" name="Title 1"/>
+          <p:cNvSpPr>
+            <a:spLocks noGrp="1"/>
+          </p:cNvSpPr>
+          <p:nvPr>
+            <p:ph type="title"/>
+          </p:nvPr>
+        </p:nvSpPr>
+        <p:spPr/>
+        <p:txBody>
+          <a:bodyPr>
+            <a:normAutofit/>
+          </a:bodyPr>
+          <a:lstStyle/>
+          <a:p>
+            <a:r>
+              <a:rPr lang="en-US" dirty="0" smtClean="0"/>
+              <a:t>TBD delete later.</a:t>
+            </a:r>
+            <a:endParaRPr lang="en-US" dirty="0"/>
+          </a:p>
+        </p:txBody>
+      </p:sp>
+      <p:sp>
+        <p:nvSpPr>
+          <p:cNvPr id="6" name="Text Placeholder 2"/>
+          <p:cNvSpPr>
+            <a:spLocks noGrp="1"/>
+          </p:cNvSpPr>
+          <p:nvPr>
+            <p:ph type="body" sz="quarter" idx="12"/>
+          </p:nvPr>
+        </p:nvSpPr>
+        <p:spPr>
+          <a:xfrm>
+            <a:off x="609599" y="1559018"/>
+            <a:ext cx="14042065" cy="5961922"/>
+          </a:xfrm>
+        </p:spPr>
+        <p:txBody>
+          <a:bodyPr/>
+          <a:lstStyle/>
+          <a:p>
+            <a:r>
+              <a:rPr lang="en-US" dirty="0"/>
+              <a:t>As you write controls, </a:t>
+            </a:r>
+            <a:r>
+              <a:rPr lang="en-US" dirty="0" err="1"/>
+              <a:t>InSpec</a:t>
+            </a:r>
+            <a:r>
+              <a:rPr lang="en-US" dirty="0"/>
+              <a:t> </a:t>
+            </a:r>
+            <a:r>
+              <a:rPr lang="en-US" dirty="0" smtClean="0"/>
+              <a:t>expects a specific directory structure. In our case, we need a `test` directory to be in our profile as follows:</a:t>
+            </a:r>
+            <a:endParaRPr lang="en-US" dirty="0"/>
+          </a:p>
+          <a:p>
+            <a:r>
+              <a:rPr lang="en-US" dirty="0" smtClean="0"/>
+              <a:t>├── </a:t>
+            </a:r>
+            <a:r>
+              <a:rPr lang="en-US" dirty="0"/>
+              <a:t>README.md</a:t>
+            </a:r>
+            <a:br>
+              <a:rPr lang="en-US" dirty="0"/>
+            </a:br>
+            <a:r>
+              <a:rPr lang="en-US" dirty="0"/>
+              <a:t>├── metadata.rb</a:t>
+            </a:r>
+            <a:br>
+              <a:rPr lang="en-US" dirty="0"/>
+            </a:br>
+            <a:r>
+              <a:rPr lang="en-US" dirty="0"/>
+              <a:t>└── test</a:t>
+            </a:r>
+            <a:br>
+              <a:rPr lang="en-US" dirty="0"/>
+            </a:br>
+            <a:r>
+              <a:rPr lang="en-US" dirty="0"/>
+              <a:t>  ├── </a:t>
+            </a:r>
+            <a:r>
+              <a:rPr lang="en-US" dirty="0" err="1"/>
+              <a:t>foo_spec.rb</a:t>
+            </a:r>
+            <a:r>
+              <a:rPr lang="en-US" dirty="0"/>
+              <a:t/>
+            </a:r>
+            <a:br>
+              <a:rPr lang="en-US" dirty="0"/>
+            </a:br>
+            <a:r>
+              <a:rPr lang="en-US" dirty="0"/>
+              <a:t>  └── </a:t>
+            </a:r>
+            <a:r>
+              <a:rPr lang="en-US" dirty="0" err="1"/>
+              <a:t>bar_spec.rb</a:t>
+            </a:r>
+            <a:endParaRPr lang="en-US" dirty="0"/>
+          </a:p>
+          <a:p>
+            <a:endParaRPr lang="en-US" dirty="0" smtClean="0">
+              <a:hlinkClick r:id="rId3"/>
+            </a:endParaRPr>
+          </a:p>
+          <a:p>
+            <a:r>
+              <a:rPr lang="en-US" dirty="0" smtClean="0">
+                <a:hlinkClick r:id="rId3"/>
+              </a:rPr>
+              <a:t>https</a:t>
+            </a:r>
+            <a:r>
+              <a:rPr lang="en-US" dirty="0">
+                <a:hlinkClick r:id="rId3"/>
+              </a:rPr>
+              <a:t>://</a:t>
+            </a:r>
+            <a:r>
+              <a:rPr lang="en-US" dirty="0" smtClean="0">
+                <a:hlinkClick r:id="rId3"/>
+              </a:rPr>
+              <a:t>chefio.atlassian.net/wiki/pages/viewpage.action?spaceKey=SE&amp;title=Week+1#Week1-Addingprofiles</a:t>
+            </a:r>
+            <a:endParaRPr lang="en-US" dirty="0" smtClean="0"/>
+          </a:p>
+          <a:p>
+            <a:pPr marL="457200" indent="-457200">
+              <a:buFont typeface="Arial" panose="020B0604020202020204" pitchFamily="34" charset="0"/>
+              <a:buChar char="•"/>
+            </a:pPr>
+            <a:endParaRPr lang="en-US" dirty="0" smtClean="0"/>
+          </a:p>
+          <a:p>
+            <a:pPr marL="457200" indent="-457200">
+              <a:buFont typeface="Arial" panose="020B0604020202020204" pitchFamily="34" charset="0"/>
+              <a:buChar char="•"/>
+            </a:pPr>
+            <a:endParaRPr lang="en-US" dirty="0"/>
+          </a:p>
+          <a:p>
+            <a:endParaRPr lang="en-US" dirty="0" smtClean="0"/>
+          </a:p>
+          <a:p>
+            <a:pPr marL="457200" indent="-457200">
+              <a:buFont typeface="Arial" panose="020B0604020202020204" pitchFamily="34" charset="0"/>
+              <a:buChar char="•"/>
+            </a:pPr>
+            <a:endParaRPr lang="en-US" dirty="0"/>
+          </a:p>
+        </p:txBody>
+      </p:sp>
+    </p:spTree>
+    <p:extLst>
+      <p:ext uri="{BB962C8B-B14F-4D97-AF65-F5344CB8AC3E}">
+        <p14:creationId xmlns:p14="http://schemas.microsoft.com/office/powerpoint/2010/main" val="576921078"/>
+      </p:ext>
+    </p:extLst>
+  </p:cSld>
+  <p:clrMapOvr>
+    <a:masterClrMapping/>
+  </p:clrMapOvr>
+  <p:transition spd="med">
+    <p:fade/>
+  </p:transition>
+  <p:timing>
+    <p:tnLst>
+      <p:par>
+        <p:cTn id="1" dur="indefinite" restart="never" nodeType="tmRoot"/>
+      </p:par>
+    </p:tnLst>
+  </p:timing>
+</p:sld>
+</file>
+
+<file path=ppt/slides/slide3.xml><?xml version="1.0" encoding="utf-8"?>
+<p:sld xmlns:a="http://schemas.openxmlformats.org/drawingml/2006/main" xmlns:r="http://schemas.openxmlformats.org/officeDocument/2006/relationships" xmlns:p="http://schemas.openxmlformats.org/presentationml/2006/main">
+  <p:cSld>
+    <p:spTree>
+      <p:nvGrpSpPr>
+        <p:cNvPr id="1" name=""/>
+        <p:cNvGrpSpPr/>
+        <p:nvPr/>
+      </p:nvGrpSpPr>
+      <p:grpSpPr>
+        <a:xfrm>
+          <a:off x="0" y="0"/>
+          <a:ext cx="0" cy="0"/>
+          <a:chOff x="0" y="0"/>
+          <a:chExt cx="0" cy="0"/>
+        </a:xfrm>
+      </p:grpSpPr>
+      <p:sp>
+        <p:nvSpPr>
+          <p:cNvPr id="2" name="Title 1"/>
+          <p:cNvSpPr>
+            <a:spLocks noGrp="1"/>
+          </p:cNvSpPr>
+          <p:nvPr>
+            <p:ph type="ctrTitle"/>
+          </p:nvPr>
+        </p:nvSpPr>
+        <p:spPr/>
+        <p:txBody>
+          <a:bodyPr>
+            <a:normAutofit fontScale="90000"/>
+          </a:bodyPr>
+          <a:lstStyle/>
+          <a:p>
+            <a:r>
+              <a:rPr lang="en-US" dirty="0" smtClean="0"/>
+              <a:t>Creating a Custom Profile</a:t>
+            </a:r>
+            <a:endParaRPr lang="en-US" dirty="0"/>
+          </a:p>
+        </p:txBody>
+      </p:sp>
+      <p:sp>
+        <p:nvSpPr>
+          <p:cNvPr id="3" name="Subtitle 2"/>
+          <p:cNvSpPr>
+            <a:spLocks noGrp="1"/>
+          </p:cNvSpPr>
+          <p:nvPr>
+            <p:ph type="subTitle" idx="1"/>
+          </p:nvPr>
+        </p:nvSpPr>
+        <p:spPr>
+          <a:xfrm>
+            <a:off x="1671638" y="3271838"/>
+            <a:ext cx="12319000" cy="4317682"/>
+          </a:xfrm>
+        </p:spPr>
+        <p:txBody>
+          <a:bodyPr/>
+          <a:lstStyle/>
+          <a:p>
+            <a:r>
+              <a:rPr lang="en-US" dirty="0" smtClean="0"/>
+              <a:t>In this section we will create a custom compliance profile.</a:t>
+            </a:r>
+          </a:p>
+          <a:p>
+            <a:endParaRPr lang="en-US" dirty="0"/>
+          </a:p>
+          <a:p>
+            <a:r>
+              <a:rPr lang="en-US" dirty="0" smtClean="0"/>
+              <a:t>Custom profiles are created using </a:t>
+            </a:r>
+            <a:r>
+              <a:rPr lang="en-US" dirty="0" err="1" smtClean="0"/>
+              <a:t>InSpec</a:t>
+            </a:r>
+            <a:r>
+              <a:rPr lang="en-US" dirty="0" smtClean="0"/>
+              <a:t>, just like the existing profiles were created.</a:t>
+            </a:r>
+          </a:p>
+          <a:p>
+            <a:endParaRPr lang="en-US" dirty="0"/>
+          </a:p>
+          <a:p>
+            <a:r>
+              <a:rPr lang="en-US" dirty="0" smtClean="0"/>
+              <a:t>After you have created a custom profile, you'll learn how to upload it to a Compliance Server and then use it to check for compliance issues.</a:t>
+            </a:r>
+            <a:endParaRPr lang="en-US" dirty="0"/>
+          </a:p>
+        </p:txBody>
+      </p:sp>
+    </p:spTree>
+    <p:extLst>
+      <p:ext uri="{BB962C8B-B14F-4D97-AF65-F5344CB8AC3E}">
+        <p14:creationId xmlns:p14="http://schemas.microsoft.com/office/powerpoint/2010/main" val="2095059740"/>
+      </p:ext>
+    </p:extLst>
+  </p:cSld>
+  <p:clrMapOvr>
+    <a:masterClrMapping/>
+  </p:clrMapOvr>
+  <p:transition spd="med">
+    <p:fade/>
+  </p:transition>
+</p:sld>
+</file>
+
+<file path=ppt/slides/slide30.xml><?xml version="1.0" encoding="utf-8"?>
+<p:sld xmlns:a="http://schemas.openxmlformats.org/drawingml/2006/main" xmlns:r="http://schemas.openxmlformats.org/officeDocument/2006/relationships" xmlns:p="http://schemas.openxmlformats.org/presentationml/2006/main">
+  <p:cSld>
+    <p:bg>
+      <p:bgPr>
+        <a:gradFill rotWithShape="0">
+          <a:gsLst>
+            <a:gs pos="0">
+              <a:srgbClr val="F0F0F0"/>
+            </a:gs>
+            <a:gs pos="100000">
+              <a:schemeClr val="bg2"/>
+            </a:gs>
+          </a:gsLst>
+          <a:lin ang="5400000" scaled="1"/>
+        </a:gradFill>
+        <a:effectLst/>
+      </p:bgPr>
+    </p:bg>
+    <p:spTree>
+      <p:nvGrpSpPr>
+        <p:cNvPr id="1" name=""/>
+        <p:cNvGrpSpPr/>
+        <p:nvPr/>
+      </p:nvGrpSpPr>
+      <p:grpSpPr>
+        <a:xfrm>
+          <a:off x="0" y="0"/>
+          <a:ext cx="0" cy="0"/>
+          <a:chOff x="0" y="0"/>
+          <a:chExt cx="0" cy="0"/>
+        </a:xfrm>
+      </p:grpSpPr>
+      <p:sp>
+        <p:nvSpPr>
+          <p:cNvPr id="2" name="Title 1"/>
+          <p:cNvSpPr>
+            <a:spLocks noGrp="1"/>
+          </p:cNvSpPr>
+          <p:nvPr>
+            <p:ph type="title"/>
+          </p:nvPr>
+        </p:nvSpPr>
+        <p:spPr/>
+        <p:txBody>
+          <a:bodyPr/>
+          <a:lstStyle/>
+          <a:p>
+            <a:r>
+              <a:rPr lang="en-US" dirty="0" smtClean="0"/>
+              <a:t>Review Questions</a:t>
+            </a:r>
+            <a:endParaRPr lang="en-US" dirty="0"/>
+          </a:p>
+        </p:txBody>
+      </p:sp>
+      <p:sp>
+        <p:nvSpPr>
+          <p:cNvPr id="3" name="Text Placeholder 2"/>
+          <p:cNvSpPr>
+            <a:spLocks noGrp="1"/>
+          </p:cNvSpPr>
+          <p:nvPr>
+            <p:ph type="body" sz="quarter" idx="12"/>
+          </p:nvPr>
+        </p:nvSpPr>
+        <p:spPr/>
+        <p:txBody>
+          <a:bodyPr/>
+          <a:lstStyle/>
+          <a:p>
+            <a:pPr marL="514350" indent="-514350">
+              <a:buFont typeface="+mj-lt"/>
+              <a:buAutoNum type="arabicPeriod"/>
+            </a:pPr>
+            <a:r>
+              <a:rPr lang="en-US" dirty="0" smtClean="0"/>
+              <a:t>What is ...?</a:t>
+            </a:r>
+            <a:br>
+              <a:rPr lang="en-US" dirty="0" smtClean="0"/>
+            </a:br>
+            <a:r>
+              <a:rPr lang="en-US" dirty="0" smtClean="0"/>
+              <a:t>______________________________</a:t>
+            </a:r>
+          </a:p>
+          <a:p>
+            <a:pPr marL="514350" indent="-514350">
+              <a:buFont typeface="+mj-lt"/>
+              <a:buAutoNum type="arabicPeriod"/>
+            </a:pPr>
+            <a:r>
+              <a:rPr lang="en-US" dirty="0" smtClean="0"/>
+              <a:t>Which is the correct answer?  </a:t>
+            </a:r>
+          </a:p>
+          <a:p>
+            <a:pPr marL="822325" lvl="1" indent="-514350">
+              <a:buFont typeface="+mj-lt"/>
+              <a:buAutoNum type="alphaLcPeriod"/>
+            </a:pPr>
+            <a:r>
+              <a:rPr lang="en-US" dirty="0" smtClean="0"/>
+              <a:t>answer</a:t>
+            </a:r>
+          </a:p>
+          <a:p>
+            <a:pPr marL="822325" lvl="1" indent="-514350">
+              <a:buFont typeface="+mj-lt"/>
+              <a:buAutoNum type="alphaLcPeriod"/>
+            </a:pPr>
+            <a:r>
+              <a:rPr lang="en-US" dirty="0" smtClean="0"/>
+              <a:t>answer</a:t>
+            </a:r>
+          </a:p>
+          <a:p>
+            <a:pPr marL="822325" lvl="1" indent="-514350">
+              <a:buFont typeface="+mj-lt"/>
+              <a:buAutoNum type="alphaLcPeriod"/>
+            </a:pPr>
+            <a:r>
+              <a:rPr lang="en-US" dirty="0" smtClean="0"/>
+              <a:t>answer</a:t>
+            </a:r>
+          </a:p>
+          <a:p>
+            <a:pPr marL="822325" lvl="1" indent="-514350">
+              <a:buFont typeface="+mj-lt"/>
+              <a:buAutoNum type="alphaLcPeriod"/>
+            </a:pPr>
+            <a:r>
+              <a:rPr lang="en-US" dirty="0" smtClean="0"/>
+              <a:t>answer</a:t>
+            </a:r>
+            <a:br>
+              <a:rPr lang="en-US" dirty="0" smtClean="0"/>
+            </a:br>
+            <a:endParaRPr lang="en-US" dirty="0" smtClean="0"/>
+          </a:p>
+          <a:p>
+            <a:pPr marL="514350" indent="-514350">
+              <a:buFont typeface="+mj-lt"/>
+              <a:buAutoNum type="arabicPeriod"/>
+            </a:pPr>
+            <a:r>
+              <a:rPr lang="en-US" dirty="0" smtClean="0"/>
+              <a:t>Capable of carrying on a conversation</a:t>
+            </a:r>
+          </a:p>
+          <a:p>
+            <a:pPr marL="514350" indent="-514350">
+              <a:buFont typeface="+mj-lt"/>
+              <a:buAutoNum type="arabicPeriod"/>
+            </a:pPr>
+            <a:r>
+              <a:rPr lang="en-US" dirty="0" smtClean="0"/>
+              <a:t>Explain</a:t>
+            </a:r>
+            <a:endParaRPr lang="en-US" dirty="0"/>
+          </a:p>
+        </p:txBody>
+      </p:sp>
+    </p:spTree>
+    <p:extLst>
+      <p:ext uri="{BB962C8B-B14F-4D97-AF65-F5344CB8AC3E}">
+        <p14:creationId xmlns:p14="http://schemas.microsoft.com/office/powerpoint/2010/main" val="321457963"/>
+      </p:ext>
+    </p:extLst>
+  </p:cSld>
+  <p:clrMapOvr>
+    <a:masterClrMapping/>
+  </p:clrMapOvr>
+  <p:transition spd="med">
+    <p:fade/>
+  </p:transition>
+</p:sld>
+</file>
+
+<file path=ppt/slides/slide31.xml><?xml version="1.0" encoding="utf-8"?>
 <p:sld xmlns:a="http://schemas.openxmlformats.org/drawingml/2006/main" xmlns:r="http://schemas.openxmlformats.org/officeDocument/2006/relationships" xmlns:p="http://schemas.openxmlformats.org/presentationml/2006/main">
   <p:cSld>
     <p:spTree>
@@ -16076,118 +20240,6 @@
 </p:sld>
 </file>
 
-<file path=ppt/slides/slide3.xml><?xml version="1.0" encoding="utf-8"?>
-<p:sld xmlns:a="http://schemas.openxmlformats.org/drawingml/2006/main" xmlns:r="http://schemas.openxmlformats.org/officeDocument/2006/relationships" xmlns:p="http://schemas.openxmlformats.org/presentationml/2006/main">
-  <p:cSld>
-    <p:spTree>
-      <p:nvGrpSpPr>
-        <p:cNvPr id="1" name=""/>
-        <p:cNvGrpSpPr/>
-        <p:nvPr/>
-      </p:nvGrpSpPr>
-      <p:grpSpPr>
-        <a:xfrm>
-          <a:off x="0" y="0"/>
-          <a:ext cx="0" cy="0"/>
-          <a:chOff x="0" y="0"/>
-          <a:chExt cx="0" cy="0"/>
-        </a:xfrm>
-      </p:grpSpPr>
-      <p:sp>
-        <p:nvSpPr>
-          <p:cNvPr id="2" name="Title 1"/>
-          <p:cNvSpPr>
-            <a:spLocks noGrp="1"/>
-          </p:cNvSpPr>
-          <p:nvPr>
-            <p:ph type="ctrTitle"/>
-          </p:nvPr>
-        </p:nvSpPr>
-        <p:spPr/>
-        <p:txBody>
-          <a:bodyPr>
-            <a:normAutofit fontScale="90000"/>
-          </a:bodyPr>
-          <a:lstStyle/>
-          <a:p>
-            <a:r>
-              <a:rPr lang="en-US" dirty="0" smtClean="0"/>
-              <a:t>Creating a Custom Profile</a:t>
-            </a:r>
-            <a:endParaRPr lang="en-US" dirty="0"/>
-          </a:p>
-        </p:txBody>
-      </p:sp>
-      <p:sp>
-        <p:nvSpPr>
-          <p:cNvPr id="3" name="Subtitle 2"/>
-          <p:cNvSpPr>
-            <a:spLocks noGrp="1"/>
-          </p:cNvSpPr>
-          <p:nvPr>
-            <p:ph type="subTitle" idx="1"/>
-          </p:nvPr>
-        </p:nvSpPr>
-        <p:spPr>
-          <a:xfrm>
-            <a:off x="1671638" y="3271838"/>
-            <a:ext cx="12319000" cy="4317682"/>
-          </a:xfrm>
-        </p:spPr>
-        <p:txBody>
-          <a:bodyPr/>
-          <a:lstStyle/>
-          <a:p>
-            <a:r>
-              <a:rPr lang="en-US" dirty="0" smtClean="0"/>
-              <a:t>In this section we will create a custom compliance profile.</a:t>
-            </a:r>
-          </a:p>
-          <a:p>
-            <a:endParaRPr lang="en-US" dirty="0"/>
-          </a:p>
-          <a:p>
-            <a:r>
-              <a:rPr lang="en-US" dirty="0" smtClean="0"/>
-              <a:t>Custom profiles are created using </a:t>
-            </a:r>
-            <a:r>
-              <a:rPr lang="en-US" dirty="0" err="1" smtClean="0"/>
-              <a:t>InSpec</a:t>
-            </a:r>
-            <a:r>
-              <a:rPr lang="en-US" dirty="0" smtClean="0"/>
-              <a:t>, just like the existing profiles were created.</a:t>
-            </a:r>
-          </a:p>
-          <a:p>
-            <a:endParaRPr lang="en-US" dirty="0"/>
-          </a:p>
-          <a:p>
-            <a:r>
-              <a:rPr lang="en-US" dirty="0" smtClean="0"/>
-              <a:t>After you have created a custom profile, you'll learn how to upload it to a Compliance Server and then use it to check for compliance issues.</a:t>
-            </a:r>
-            <a:endParaRPr lang="en-US" dirty="0"/>
-          </a:p>
-        </p:txBody>
-      </p:sp>
-    </p:spTree>
-    <p:extLst>
-      <p:ext uri="{BB962C8B-B14F-4D97-AF65-F5344CB8AC3E}">
-        <p14:creationId xmlns:p14="http://schemas.microsoft.com/office/powerpoint/2010/main" val="2095059740"/>
-      </p:ext>
-    </p:extLst>
-  </p:cSld>
-  <p:clrMapOvr>
-    <a:masterClrMapping/>
-  </p:clrMapOvr>
-  <p:transition spd="med">
-    <p:fade/>
-  </p:transition>
-</p:sld>
-</file>
-
 <file path=ppt/slides/slide4.xml><?xml version="1.0" encoding="utf-8"?>
 <p:sld xmlns:a="http://schemas.openxmlformats.org/drawingml/2006/main" xmlns:r="http://schemas.openxmlformats.org/officeDocument/2006/relationships" xmlns:p="http://schemas.openxmlformats.org/presentationml/2006/main">
   <p:cSld>
@@ -16326,6 +20378,13 @@
   <p:transition spd="med">
     <p:fade/>
   </p:transition>
+  <p:timing>
+    <p:tnLst>
+      <p:par>
+        <p:cTn id="1" dur="indefinite" restart="never" nodeType="tmRoot"/>
+      </p:par>
+    </p:tnLst>
+  </p:timing>
 </p:sld>
 </file>
 
@@ -16358,7 +20417,7 @@
         </p:nvSpPr>
         <p:spPr>
           <a:xfrm>
-            <a:off x="1121104" y="3870251"/>
+            <a:off x="1121104" y="3413050"/>
             <a:ext cx="14423693" cy="4086978"/>
           </a:xfrm>
         </p:spPr>
@@ -16483,6 +20542,13 @@
   <p:transition spd="med">
     <p:fade/>
   </p:transition>
+  <p:timing>
+    <p:tnLst>
+      <p:par>
+        <p:cTn id="1" dur="indefinite" restart="never" nodeType="tmRoot"/>
+      </p:par>
+    </p:tnLst>
+  </p:timing>
 </p:sld>
 </file>
 
@@ -16716,6 +20782,13 @@
   <p:transition spd="med">
     <p:fade/>
   </p:transition>
+  <p:timing>
+    <p:tnLst>
+      <p:par>
+        <p:cTn id="1" dur="indefinite" restart="never" nodeType="tmRoot"/>
+      </p:par>
+    </p:tnLst>
+  </p:timing>
 </p:sld>
 </file>
 
@@ -18641,18 +22714,6 @@
 </file>
 
 <file path=customXml/item1.xml><?xml version="1.0" encoding="utf-8"?>
-<p:properties xmlns:p="http://schemas.microsoft.com/office/2006/metadata/properties" xmlns:xsi="http://www.w3.org/2001/XMLSchema-instance" xmlns:pc="http://schemas.microsoft.com/office/infopath/2007/PartnerControls">
-  <documentManagement>
-    <_dlc_DocId xmlns="7bb5d761-a2ea-4873-95f7-7a6658fb3ef0">M4CWTKMW727E-592-73</_dlc_DocId>
-    <_dlc_DocIdUrl xmlns="7bb5d761-a2ea-4873-95f7-7a6658fb3ef0">
-      <Url>https://kms.vci.local/marketing/team/_layouts/DocIdRedir.aspx?ID=M4CWTKMW727E-592-73</Url>
-      <Description>M4CWTKMW727E-592-73</Description>
-    </_dlc_DocIdUrl>
-  </documentManagement>
-</p:properties>
-</file>
-
-<file path=customXml/item2.xml><?xml version="1.0" encoding="utf-8"?>
 <ct:contentTypeSchema xmlns:ct="http://schemas.microsoft.com/office/2006/metadata/contentType" xmlns:ma="http://schemas.microsoft.com/office/2006/metadata/properties/metaAttributes" ct:_="" ma:_="" ma:contentTypeName="Document" ma:contentTypeID="0x0101000812F700BE7F874999720E88173FE491" ma:contentTypeVersion="0" ma:contentTypeDescription="Create a new document." ma:contentTypeScope="" ma:versionID="3f79f408e2ca720b7aba6e0e32464d0c">
   <xsd:schema xmlns:xsd="http://www.w3.org/2001/XMLSchema" xmlns:xs="http://www.w3.org/2001/XMLSchema" xmlns:p="http://schemas.microsoft.com/office/2006/metadata/properties" xmlns:ns2="7bb5d761-a2ea-4873-95f7-7a6658fb3ef0" targetNamespace="http://schemas.microsoft.com/office/2006/metadata/properties" ma:root="true" ma:fieldsID="1e062cd38ba31e406bfc4340fbc7f87a" ns2:_="">
     <xsd:import namespace="7bb5d761-a2ea-4873-95f7-7a6658fb3ef0"/>
@@ -18797,7 +22858,28 @@
 </ct:contentTypeSchema>
 </file>
 
+<file path=customXml/item2.xml><?xml version="1.0" encoding="utf-8"?>
+<p:properties xmlns:p="http://schemas.microsoft.com/office/2006/metadata/properties" xmlns:xsi="http://www.w3.org/2001/XMLSchema-instance" xmlns:pc="http://schemas.microsoft.com/office/infopath/2007/PartnerControls">
+  <documentManagement>
+    <_dlc_DocId xmlns="7bb5d761-a2ea-4873-95f7-7a6658fb3ef0">M4CWTKMW727E-592-73</_dlc_DocId>
+    <_dlc_DocIdUrl xmlns="7bb5d761-a2ea-4873-95f7-7a6658fb3ef0">
+      <Url>https://kms.vci.local/marketing/team/_layouts/DocIdRedir.aspx?ID=M4CWTKMW727E-592-73</Url>
+      <Description>M4CWTKMW727E-592-73</Description>
+    </_dlc_DocIdUrl>
+  </documentManagement>
+</p:properties>
+</file>
+
 <file path=customXml/item3.xml><?xml version="1.0" encoding="utf-8"?>
+<?mso-contentType ?>
+<FormTemplates xmlns="http://schemas.microsoft.com/sharepoint/v3/contenttype/forms">
+  <Display>DocumentLibraryForm</Display>
+  <Edit>DocumentLibraryForm</Edit>
+  <New>DocumentLibraryForm</New>
+</FormTemplates>
+</file>
+
+<file path=customXml/item4.xml><?xml version="1.0" encoding="utf-8"?>
 <?mso-contentType ?>
 <spe:Receivers xmlns:spe="http://schemas.microsoft.com/sharepoint/events">
   <Receiver>
@@ -18843,32 +22925,7 @@
 </spe:Receivers>
 </file>
 
-<file path=customXml/item4.xml><?xml version="1.0" encoding="utf-8"?>
-<?mso-contentType ?>
-<FormTemplates xmlns="http://schemas.microsoft.com/sharepoint/v3/contenttype/forms">
-  <Display>DocumentLibraryForm</Display>
-  <Edit>DocumentLibraryForm</Edit>
-  <New>DocumentLibraryForm</New>
-</FormTemplates>
-</file>
-
 <file path=customXml/itemProps1.xml><?xml version="1.0" encoding="utf-8"?>
-<ds:datastoreItem xmlns:ds="http://schemas.openxmlformats.org/officeDocument/2006/customXml" ds:itemID="{6921749B-AEB7-461B-845F-603CABD25259}">
-  <ds:schemaRefs>
-    <ds:schemaRef ds:uri="http://schemas.microsoft.com/office/2006/documentManagement/types"/>
-    <ds:schemaRef ds:uri="http://schemas.microsoft.com/office/infopath/2007/PartnerControls"/>
-    <ds:schemaRef ds:uri="http://purl.org/dc/elements/1.1/"/>
-    <ds:schemaRef ds:uri="http://schemas.microsoft.com/office/2006/metadata/properties"/>
-    <ds:schemaRef ds:uri="7bb5d761-a2ea-4873-95f7-7a6658fb3ef0"/>
-    <ds:schemaRef ds:uri="http://purl.org/dc/terms/"/>
-    <ds:schemaRef ds:uri="http://schemas.openxmlformats.org/package/2006/metadata/core-properties"/>
-    <ds:schemaRef ds:uri="http://www.w3.org/XML/1998/namespace"/>
-    <ds:schemaRef ds:uri="http://purl.org/dc/dcmitype/"/>
-  </ds:schemaRefs>
-</ds:datastoreItem>
-</file>
-
-<file path=customXml/itemProps2.xml><?xml version="1.0" encoding="utf-8"?>
 <ds:datastoreItem xmlns:ds="http://schemas.openxmlformats.org/officeDocument/2006/customXml" ds:itemID="{164479E5-0B02-49AC-B79E-EC1D6164DDD3}">
   <ds:schemaRefs>
     <ds:schemaRef ds:uri="http://schemas.microsoft.com/office/2006/metadata/contentType"/>
@@ -18886,18 +22943,34 @@
 </ds:datastoreItem>
 </file>
 
+<file path=customXml/itemProps2.xml><?xml version="1.0" encoding="utf-8"?>
+<ds:datastoreItem xmlns:ds="http://schemas.openxmlformats.org/officeDocument/2006/customXml" ds:itemID="{6921749B-AEB7-461B-845F-603CABD25259}">
+  <ds:schemaRefs>
+    <ds:schemaRef ds:uri="http://schemas.microsoft.com/office/2006/documentManagement/types"/>
+    <ds:schemaRef ds:uri="http://schemas.microsoft.com/office/infopath/2007/PartnerControls"/>
+    <ds:schemaRef ds:uri="http://purl.org/dc/elements/1.1/"/>
+    <ds:schemaRef ds:uri="http://schemas.microsoft.com/office/2006/metadata/properties"/>
+    <ds:schemaRef ds:uri="7bb5d761-a2ea-4873-95f7-7a6658fb3ef0"/>
+    <ds:schemaRef ds:uri="http://purl.org/dc/terms/"/>
+    <ds:schemaRef ds:uri="http://schemas.openxmlformats.org/package/2006/metadata/core-properties"/>
+    <ds:schemaRef ds:uri="http://www.w3.org/XML/1998/namespace"/>
+    <ds:schemaRef ds:uri="http://purl.org/dc/dcmitype/"/>
+  </ds:schemaRefs>
+</ds:datastoreItem>
+</file>
+
 <file path=customXml/itemProps3.xml><?xml version="1.0" encoding="utf-8"?>
+<ds:datastoreItem xmlns:ds="http://schemas.openxmlformats.org/officeDocument/2006/customXml" ds:itemID="{5CDEB364-43EC-4510-9881-539C2A3FCE9E}">
+  <ds:schemaRefs>
+    <ds:schemaRef ds:uri="http://schemas.microsoft.com/sharepoint/v3/contenttype/forms"/>
+  </ds:schemaRefs>
+</ds:datastoreItem>
+</file>
+
+<file path=customXml/itemProps4.xml><?xml version="1.0" encoding="utf-8"?>
 <ds:datastoreItem xmlns:ds="http://schemas.openxmlformats.org/officeDocument/2006/customXml" ds:itemID="{B13EBC30-FE27-4C6A-B723-23FC2188F7DC}">
   <ds:schemaRefs>
     <ds:schemaRef ds:uri="http://schemas.microsoft.com/sharepoint/events"/>
   </ds:schemaRefs>
 </ds:datastoreItem>
-</file>
-
-<file path=customXml/itemProps4.xml><?xml version="1.0" encoding="utf-8"?>
-<ds:datastoreItem xmlns:ds="http://schemas.openxmlformats.org/officeDocument/2006/customXml" ds:itemID="{5CDEB364-43EC-4510-9881-539C2A3FCE9E}">
-  <ds:schemaRefs>
-    <ds:schemaRef ds:uri="http://schemas.microsoft.com/sharepoint/v3/contenttype/forms"/>
-  </ds:schemaRefs>
-</ds:datastoreItem>
 </file>
--- a/04-creating-custom-profiles.pptx
+++ b/04-creating-custom-profiles.pptx
@@ -6,10 +6,10 @@
     <p:sldMasterId id="2147483847" r:id="rId6"/>
   </p:sldMasterIdLst>
   <p:notesMasterIdLst>
-    <p:notesMasterId r:id="rId40"/>
+    <p:notesMasterId r:id="rId39"/>
   </p:notesMasterIdLst>
   <p:handoutMasterIdLst>
-    <p:handoutMasterId r:id="rId41"/>
+    <p:handoutMasterId r:id="rId40"/>
   </p:handoutMasterIdLst>
   <p:sldIdLst>
     <p:sldId id="256" r:id="rId7"/>
@@ -40,11 +40,10 @@
     <p:sldId id="312" r:id="rId32"/>
     <p:sldId id="313" r:id="rId33"/>
     <p:sldId id="314" r:id="rId34"/>
-    <p:sldId id="316" r:id="rId35"/>
-    <p:sldId id="296" r:id="rId36"/>
-    <p:sldId id="302" r:id="rId37"/>
-    <p:sldId id="276" r:id="rId38"/>
-    <p:sldId id="267" r:id="rId39"/>
+    <p:sldId id="296" r:id="rId35"/>
+    <p:sldId id="302" r:id="rId36"/>
+    <p:sldId id="276" r:id="rId37"/>
+    <p:sldId id="267" r:id="rId38"/>
   </p:sldIdLst>
   <p:sldSz cx="16256000" cy="9144000"/>
   <p:notesSz cx="6858000" cy="9144000"/>
@@ -306,7 +305,7 @@
               <a:pPr>
                 <a:defRPr/>
               </a:pPr>
-              <a:t>2015-12-15</a:t>
+              <a:t>2015-12-18</a:t>
             </a:fld>
             <a:endParaRPr lang="en-US" dirty="0"/>
           </a:p>
@@ -489,7 +488,7 @@
               <a:pPr>
                 <a:defRPr/>
               </a:pPr>
-              <a:t>2015-12-15</a:t>
+              <a:t>2015-12-18</a:t>
             </a:fld>
             <a:endParaRPr lang="en-US" dirty="0"/>
           </a:p>
@@ -1761,15 +1760,7 @@
             </a:r>
             <a:r>
               <a:rPr lang="en-US" baseline="0" dirty="0" smtClean="0"/>
-              <a:t> file with the control shown here. We've pasted </a:t>
-            </a:r>
-            <a:r>
-              <a:rPr lang="en-US" baseline="0" dirty="0" smtClean="0"/>
-              <a:t>the code below </a:t>
-            </a:r>
-            <a:r>
-              <a:rPr lang="en-US" baseline="0" dirty="0" smtClean="0"/>
-              <a:t>so you can see it better.</a:t>
+              <a:t> file with the control shown here. We've pasted the code below so you can see it better.</a:t>
             </a:r>
             <a:endParaRPr lang="en-US" dirty="0" smtClean="0"/>
           </a:p>
@@ -2927,11 +2918,7 @@
             </a:pPr>
             <a:r>
               <a:rPr lang="en-US" dirty="0" smtClean="0"/>
-              <a:t>run </a:t>
-            </a:r>
-            <a:r>
-              <a:rPr lang="en-US" dirty="0" smtClean="0"/>
-              <a:t>`</a:t>
+              <a:t>run `</a:t>
             </a:r>
             <a:r>
               <a:rPr lang="en-US" dirty="0" err="1" smtClean="0"/>
@@ -4601,7 +4588,7 @@
             </a:r>
             <a:r>
               <a:rPr lang="en-US" baseline="0" dirty="0" smtClean="0"/>
-              <a:t>the compliance team may have improved that Compliance profile name field on the Scan nodes page by now to include whatever is the </a:t>
+              <a:t>the compliance team may have improved that Compliance profile name field on the "Scan nodes" page by now to include whatever is the </a:t>
             </a:r>
             <a:r>
               <a:rPr lang="en-US" dirty="0" smtClean="0">
@@ -5077,17 +5064,255 @@
         <p:spPr/>
         <p:txBody>
           <a:bodyPr>
-            <a:normAutofit/>
+            <a:normAutofit fontScale="92500" lnSpcReduction="20000"/>
           </a:bodyPr>
           <a:lstStyle/>
           <a:p>
+            <a:r>
+              <a:rPr lang="en-US" dirty="0" smtClean="0"/>
+              <a:t>https://github.com/chef/inspec/blob/7f555b902d6860ffe236ff23e4b52f20bac28adc/lib/inspec/profile.rb#L81-L129</a:t>
+            </a:r>
+          </a:p>
+          <a:p>
             <a:endParaRPr lang="en-US" dirty="0" smtClean="0"/>
           </a:p>
           <a:p>
+            <a:pPr marL="0" marR="0" indent="0" algn="l" defTabSz="1217613" rtl="0" eaLnBrk="1" fontAlgn="base" latinLnBrk="0" hangingPunct="1">
+              <a:lnSpc>
+                <a:spcPct val="90000"/>
+              </a:lnSpc>
+              <a:spcBef>
+                <a:spcPct val="30000"/>
+              </a:spcBef>
+              <a:spcAft>
+                <a:spcPts val="450"/>
+              </a:spcAft>
+              <a:buClrTx/>
+              <a:buSzTx/>
+              <a:buFontTx/>
+              <a:buNone/>
+              <a:tabLst/>
+              <a:defRPr/>
+            </a:pPr>
+            <a:r>
+              <a:rPr lang="en-US" dirty="0" smtClean="0"/>
+              <a:t>So your</a:t>
+            </a:r>
+            <a:r>
+              <a:rPr lang="en-US" baseline="0" dirty="0" smtClean="0"/>
+              <a:t> cookbooks will have a </a:t>
+            </a:r>
+            <a:r>
+              <a:rPr lang="en-US" dirty="0" smtClean="0"/>
+              <a:t>metadata.rb.</a:t>
+            </a:r>
+            <a:endParaRPr lang="en-US" dirty="0"/>
+          </a:p>
+          <a:p>
+            <a:pPr marL="0" marR="0" indent="0" algn="l" defTabSz="1217613" rtl="0" eaLnBrk="1" fontAlgn="base" latinLnBrk="0" hangingPunct="1">
+              <a:lnSpc>
+                <a:spcPct val="90000"/>
+              </a:lnSpc>
+              <a:spcBef>
+                <a:spcPct val="30000"/>
+              </a:spcBef>
+              <a:spcAft>
+                <a:spcPts val="450"/>
+              </a:spcAft>
+              <a:buClrTx/>
+              <a:buSzTx/>
+              <a:buFontTx/>
+              <a:buNone/>
+              <a:tabLst/>
+              <a:defRPr/>
+            </a:pPr>
+            <a:r>
+              <a:rPr lang="en-US" dirty="0" smtClean="0"/>
+              <a:t>An</a:t>
+            </a:r>
+            <a:r>
+              <a:rPr lang="en-US" baseline="0" dirty="0" smtClean="0"/>
+              <a:t>d your </a:t>
+            </a:r>
+          </a:p>
+          <a:p>
+            <a:pPr marL="0" marR="0" indent="0" algn="l" defTabSz="1217613" rtl="0" eaLnBrk="1" fontAlgn="base" latinLnBrk="0" hangingPunct="1">
+              <a:lnSpc>
+                <a:spcPct val="90000"/>
+              </a:lnSpc>
+              <a:spcBef>
+                <a:spcPct val="30000"/>
+              </a:spcBef>
+              <a:spcAft>
+                <a:spcPts val="450"/>
+              </a:spcAft>
+              <a:buClrTx/>
+              <a:buSzTx/>
+              <a:buFontTx/>
+              <a:buNone/>
+              <a:tabLst/>
+              <a:defRPr/>
+            </a:pPr>
+            <a:endParaRPr lang="en-US" baseline="0" dirty="0" smtClean="0"/>
+          </a:p>
+          <a:p>
+            <a:r>
+              <a:rPr lang="en-US" sz="1200" b="1" i="0" kern="1200" dirty="0" smtClean="0">
+                <a:solidFill>
+                  <a:schemeClr val="tx1"/>
+                </a:solidFill>
+                <a:effectLst/>
+                <a:latin typeface="Arial" panose="020B0604020202020204" pitchFamily="34" charset="0"/>
+                <a:ea typeface="ＭＳ Ｐゴシック" charset="0"/>
+                <a:cs typeface="Arial" panose="020B0604020202020204" pitchFamily="34" charset="0"/>
+              </a:rPr>
+              <a:t>Adding profiles</a:t>
+            </a:r>
+          </a:p>
+          <a:p>
+            <a:r>
+              <a:rPr lang="en-US" sz="1200" b="0" i="0" kern="1200" dirty="0" smtClean="0">
+                <a:solidFill>
+                  <a:schemeClr val="tx1"/>
+                </a:solidFill>
+                <a:effectLst/>
+                <a:latin typeface="Arial" panose="020B0604020202020204" pitchFamily="34" charset="0"/>
+                <a:ea typeface="ＭＳ Ｐゴシック" charset="0"/>
+                <a:cs typeface="Arial" panose="020B0604020202020204" pitchFamily="34" charset="0"/>
+              </a:rPr>
+              <a:t>Compliance profiles must be packaged in to a .tar.gz or .zip file to be uploaded to the Compliance Server. </a:t>
+            </a:r>
+          </a:p>
+          <a:p>
+            <a:r>
+              <a:rPr lang="en-US" sz="1200" b="0" i="0" kern="1200" dirty="0" smtClean="0">
+                <a:solidFill>
+                  <a:schemeClr val="tx1"/>
+                </a:solidFill>
+                <a:effectLst/>
+                <a:latin typeface="Arial" panose="020B0604020202020204" pitchFamily="34" charset="0"/>
+                <a:ea typeface="ＭＳ Ｐゴシック" charset="0"/>
+                <a:cs typeface="Arial" panose="020B0604020202020204" pitchFamily="34" charset="0"/>
+              </a:rPr>
+              <a:t>The directory structure is as follows (note, this is subject to change.  TODO: link to official docs when </a:t>
+            </a:r>
+            <a:r>
+              <a:rPr lang="en-US" sz="1200" b="0" i="0" kern="1200" dirty="0" err="1" smtClean="0">
+                <a:solidFill>
+                  <a:schemeClr val="tx1"/>
+                </a:solidFill>
+                <a:effectLst/>
+                <a:latin typeface="Arial" panose="020B0604020202020204" pitchFamily="34" charset="0"/>
+                <a:ea typeface="ＭＳ Ｐゴシック" charset="0"/>
+                <a:cs typeface="Arial" panose="020B0604020202020204" pitchFamily="34" charset="0"/>
+              </a:rPr>
+              <a:t>avaialble</a:t>
+            </a:r>
+            <a:r>
+              <a:rPr lang="en-US" sz="1200" b="0" i="0" kern="1200" dirty="0" smtClean="0">
+                <a:solidFill>
+                  <a:schemeClr val="tx1"/>
+                </a:solidFill>
+                <a:effectLst/>
+                <a:latin typeface="Arial" panose="020B0604020202020204" pitchFamily="34" charset="0"/>
+                <a:ea typeface="ＭＳ Ｐゴシック" charset="0"/>
+                <a:cs typeface="Arial" panose="020B0604020202020204" pitchFamily="34" charset="0"/>
+              </a:rPr>
+              <a:t>):</a:t>
+            </a:r>
+          </a:p>
+          <a:p>
+            <a:r>
+              <a:rPr lang="en-US" sz="1200" b="0" i="0" kern="1200" dirty="0" smtClean="0">
+                <a:solidFill>
+                  <a:schemeClr val="tx1"/>
+                </a:solidFill>
+                <a:effectLst/>
+                <a:latin typeface="Arial" panose="020B0604020202020204" pitchFamily="34" charset="0"/>
+                <a:ea typeface="ＭＳ Ｐゴシック" charset="0"/>
+                <a:cs typeface="Arial" panose="020B0604020202020204" pitchFamily="34" charset="0"/>
+              </a:rPr>
+              <a:t>xyz.zip:</a:t>
+            </a:r>
+          </a:p>
+          <a:p>
+            <a:r>
+              <a:rPr lang="en-US" dirty="0" smtClean="0"/>
+              <a:t>.</a:t>
+            </a:r>
+            <a:br>
+              <a:rPr lang="en-US" dirty="0" smtClean="0"/>
+            </a:br>
+            <a:r>
+              <a:rPr lang="en-US" dirty="0" smtClean="0"/>
+              <a:t>├── README.md</a:t>
+            </a:r>
+            <a:br>
+              <a:rPr lang="en-US" dirty="0" smtClean="0"/>
+            </a:br>
+            <a:r>
+              <a:rPr lang="en-US" dirty="0" smtClean="0"/>
+              <a:t>├── metadata.rb</a:t>
+            </a:r>
+            <a:br>
+              <a:rPr lang="en-US" dirty="0" smtClean="0"/>
+            </a:br>
+            <a:r>
+              <a:rPr lang="en-US" dirty="0" smtClean="0"/>
+              <a:t>└── test</a:t>
+            </a:r>
+            <a:br>
+              <a:rPr lang="en-US" dirty="0" smtClean="0"/>
+            </a:br>
+            <a:r>
+              <a:rPr lang="en-US" dirty="0" smtClean="0"/>
+              <a:t>  ├── </a:t>
+            </a:r>
+            <a:r>
+              <a:rPr lang="en-US" dirty="0" err="1" smtClean="0"/>
+              <a:t>foo_spec.rb</a:t>
+            </a:r>
+            <a:r>
+              <a:rPr lang="en-US" dirty="0" smtClean="0"/>
+              <a:t/>
+            </a:r>
+            <a:br>
+              <a:rPr lang="en-US" dirty="0" smtClean="0"/>
+            </a:br>
+            <a:r>
+              <a:rPr lang="en-US" dirty="0" smtClean="0"/>
+              <a:t>  └── </a:t>
+            </a:r>
+            <a:r>
+              <a:rPr lang="en-US" dirty="0" err="1" smtClean="0"/>
+              <a:t>bar_spec.rb</a:t>
+            </a:r>
             <a:endParaRPr lang="en-US" dirty="0" smtClean="0"/>
           </a:p>
           <a:p>
             <a:endParaRPr lang="en-US" dirty="0" smtClean="0"/>
+          </a:p>
+          <a:p>
+            <a:r>
+              <a:rPr lang="en-US" dirty="0" smtClean="0"/>
+              <a:t>As you write controls, </a:t>
+            </a:r>
+            <a:r>
+              <a:rPr lang="en-US" dirty="0" err="1" smtClean="0"/>
+              <a:t>InSpec</a:t>
+            </a:r>
+            <a:r>
+              <a:rPr lang="en-US" dirty="0" smtClean="0"/>
+              <a:t> requires a `test` directory since it </a:t>
+            </a:r>
+            <a:r>
+              <a:rPr lang="en-US" dirty="0" err="1" smtClean="0"/>
+              <a:t>InSpec</a:t>
+            </a:r>
+            <a:r>
+              <a:rPr lang="en-US" dirty="0" smtClean="0"/>
+              <a:t> expect this structure.</a:t>
+            </a:r>
           </a:p>
         </p:txBody>
       </p:sp>
@@ -5167,7 +5392,7 @@
     </p:spTree>
     <p:extLst>
       <p:ext uri="{BB962C8B-B14F-4D97-AF65-F5344CB8AC3E}">
-        <p14:creationId xmlns:p14="http://schemas.microsoft.com/office/powerpoint/2010/main" val="2884658786"/>
+        <p14:creationId xmlns:p14="http://schemas.microsoft.com/office/powerpoint/2010/main" val="4234763763"/>
       </p:ext>
     </p:extLst>
   </p:cSld>
@@ -5219,18 +5444,9 @@
         <p:spPr/>
         <p:txBody>
           <a:bodyPr>
-            <a:normAutofit fontScale="92500" lnSpcReduction="20000"/>
+            <a:normAutofit fontScale="70000" lnSpcReduction="20000"/>
           </a:bodyPr>
           <a:lstStyle/>
-          <a:p>
-            <a:r>
-              <a:rPr lang="en-US" dirty="0" smtClean="0"/>
-              <a:t>https://github.com/chef/inspec/blob/7f555b902d6860ffe236ff23e4b52f20bac28adc/lib/inspec/profile.rb#L81-L129</a:t>
-            </a:r>
-          </a:p>
-          <a:p>
-            <a:endParaRPr lang="en-US" dirty="0" smtClean="0"/>
-          </a:p>
           <a:p>
             <a:pPr marL="0" marR="0" indent="0" algn="l" defTabSz="1217613" rtl="0" eaLnBrk="1" fontAlgn="base" latinLnBrk="0" hangingPunct="1">
               <a:lnSpc>
@@ -5251,17 +5467,99 @@
             </a:pPr>
             <a:r>
               <a:rPr lang="en-US" dirty="0" smtClean="0"/>
-              <a:t>So your</a:t>
+              <a:t>The answer is, as you write controls, </a:t>
+            </a:r>
+            <a:r>
+              <a:rPr lang="en-US" dirty="0" err="1" smtClean="0"/>
+              <a:t>InSpec</a:t>
+            </a:r>
+            <a:r>
+              <a:rPr lang="en-US" dirty="0" smtClean="0"/>
+              <a:t> expects a `test` directory at the same</a:t>
             </a:r>
             <a:r>
               <a:rPr lang="en-US" baseline="0" dirty="0" smtClean="0"/>
-              <a:t> cookbooks will have a </a:t>
-            </a:r>
-            <a:r>
-              <a:rPr lang="en-US" dirty="0" smtClean="0"/>
-              <a:t>metadata.rb.</a:t>
-            </a:r>
-            <a:endParaRPr lang="en-US" dirty="0"/>
+              <a:t> </a:t>
+            </a:r>
+            <a:r>
+              <a:rPr lang="en-US" dirty="0" smtClean="0"/>
+              <a:t>level as the metadata.rb.</a:t>
+            </a:r>
+          </a:p>
+          <a:p>
+            <a:r>
+              <a:rPr lang="en-US" dirty="0" smtClean="0"/>
+              <a:t/>
+            </a:r>
+            <a:br>
+              <a:rPr lang="en-US" dirty="0" smtClean="0"/>
+            </a:br>
+            <a:r>
+              <a:rPr lang="en-US" dirty="0" smtClean="0"/>
+              <a:t>├── README.md</a:t>
+            </a:r>
+            <a:br>
+              <a:rPr lang="en-US" dirty="0" smtClean="0"/>
+            </a:br>
+            <a:r>
+              <a:rPr lang="en-US" dirty="0" smtClean="0"/>
+              <a:t>├── metadata.rb</a:t>
+            </a:r>
+            <a:br>
+              <a:rPr lang="en-US" dirty="0" smtClean="0"/>
+            </a:br>
+            <a:r>
+              <a:rPr lang="en-US" dirty="0" smtClean="0"/>
+              <a:t>└── test</a:t>
+            </a:r>
+            <a:br>
+              <a:rPr lang="en-US" dirty="0" smtClean="0"/>
+            </a:br>
+            <a:r>
+              <a:rPr lang="en-US" dirty="0" smtClean="0"/>
+              <a:t>  ├── </a:t>
+            </a:r>
+            <a:r>
+              <a:rPr lang="en-US" dirty="0" err="1" smtClean="0"/>
+              <a:t>foo_spec.rb</a:t>
+            </a:r>
+            <a:r>
+              <a:rPr lang="en-US" dirty="0" smtClean="0"/>
+              <a:t/>
+            </a:r>
+            <a:br>
+              <a:rPr lang="en-US" dirty="0" smtClean="0"/>
+            </a:br>
+            <a:r>
+              <a:rPr lang="en-US" dirty="0" smtClean="0"/>
+              <a:t>  └── </a:t>
+            </a:r>
+            <a:r>
+              <a:rPr lang="en-US" dirty="0" err="1" smtClean="0"/>
+              <a:t>bar_spec.rb</a:t>
+            </a:r>
+            <a:endParaRPr lang="en-US" dirty="0" smtClean="0"/>
+          </a:p>
+          <a:p>
+            <a:endParaRPr lang="en-US" dirty="0" smtClean="0"/>
+          </a:p>
+          <a:p>
+            <a:endParaRPr lang="en-US" dirty="0" smtClean="0"/>
+          </a:p>
+          <a:p>
+            <a:endParaRPr lang="en-US" dirty="0" smtClean="0"/>
+          </a:p>
+          <a:p>
+            <a:endParaRPr lang="en-US" dirty="0" smtClean="0"/>
+          </a:p>
+          <a:p>
+            <a:r>
+              <a:rPr lang="en-US" dirty="0" smtClean="0"/>
+              <a:t>https://github.com/chef/inspec/blob/7f555b902d6860ffe236ff23e4b52f20bac28adc/lib/inspec/profile.rb#L81-L129</a:t>
+            </a:r>
+          </a:p>
+          <a:p>
+            <a:endParaRPr lang="en-US" dirty="0" smtClean="0"/>
           </a:p>
           <a:p>
             <a:pPr marL="0" marR="0" indent="0" algn="l" defTabSz="1217613" rtl="0" eaLnBrk="1" fontAlgn="base" latinLnBrk="0" hangingPunct="1">
@@ -5281,33 +5579,6 @@
               <a:tabLst/>
               <a:defRPr/>
             </a:pPr>
-            <a:r>
-              <a:rPr lang="en-US" dirty="0" smtClean="0"/>
-              <a:t>An</a:t>
-            </a:r>
-            <a:r>
-              <a:rPr lang="en-US" baseline="0" dirty="0" smtClean="0"/>
-              <a:t>d your </a:t>
-            </a:r>
-          </a:p>
-          <a:p>
-            <a:pPr marL="0" marR="0" indent="0" algn="l" defTabSz="1217613" rtl="0" eaLnBrk="1" fontAlgn="base" latinLnBrk="0" hangingPunct="1">
-              <a:lnSpc>
-                <a:spcPct val="90000"/>
-              </a:lnSpc>
-              <a:spcBef>
-                <a:spcPct val="30000"/>
-              </a:spcBef>
-              <a:spcAft>
-                <a:spcPts val="450"/>
-              </a:spcAft>
-              <a:buClrTx/>
-              <a:buSzTx/>
-              <a:buFontTx/>
-              <a:buNone/>
-              <a:tabLst/>
-              <a:defRPr/>
-            </a:pPr>
             <a:endParaRPr lang="en-US" baseline="0" dirty="0" smtClean="0"/>
           </a:p>
           <a:p>
@@ -5361,7 +5632,7 @@
                 <a:ea typeface="ＭＳ Ｐゴシック" charset="0"/>
                 <a:cs typeface="Arial" panose="020B0604020202020204" pitchFamily="34" charset="0"/>
               </a:rPr>
-              <a:t>avaialble</a:t>
+              <a:t>availalble</a:t>
             </a:r>
             <a:r>
               <a:rPr lang="en-US" sz="1200" b="0" i="0" kern="1200" dirty="0" smtClean="0">
@@ -5495,432 +5766,6 @@
                 <a:defRPr/>
               </a:pPr>
               <a:t>30</a:t>
-            </a:fld>
-            <a:endParaRPr lang="en-US" dirty="0"/>
-          </a:p>
-        </p:txBody>
-      </p:sp>
-      <p:sp>
-        <p:nvSpPr>
-          <p:cNvPr id="5" name="Header Placeholder 4"/>
-          <p:cNvSpPr>
-            <a:spLocks noGrp="1"/>
-          </p:cNvSpPr>
-          <p:nvPr>
-            <p:ph type="hdr" sz="quarter" idx="11"/>
-          </p:nvPr>
-        </p:nvSpPr>
-        <p:spPr/>
-        <p:txBody>
-          <a:bodyPr/>
-          <a:lstStyle/>
-          <a:p>
-            <a:pPr>
-              <a:defRPr/>
-            </a:pPr>
-            <a:endParaRPr lang="en-US"/>
-          </a:p>
-        </p:txBody>
-      </p:sp>
-      <p:sp>
-        <p:nvSpPr>
-          <p:cNvPr id="6" name="Footer Placeholder 5"/>
-          <p:cNvSpPr>
-            <a:spLocks noGrp="1"/>
-          </p:cNvSpPr>
-          <p:nvPr>
-            <p:ph type="ftr" sz="quarter" idx="12"/>
-          </p:nvPr>
-        </p:nvSpPr>
-        <p:spPr/>
-        <p:txBody>
-          <a:bodyPr/>
-          <a:lstStyle/>
-          <a:p>
-            <a:pPr>
-              <a:defRPr/>
-            </a:pPr>
-            <a:endParaRPr lang="en-US"/>
-          </a:p>
-        </p:txBody>
-      </p:sp>
-    </p:spTree>
-    <p:extLst>
-      <p:ext uri="{BB962C8B-B14F-4D97-AF65-F5344CB8AC3E}">
-        <p14:creationId xmlns:p14="http://schemas.microsoft.com/office/powerpoint/2010/main" val="4234763763"/>
-      </p:ext>
-    </p:extLst>
-  </p:cSld>
-  <p:clrMapOvr>
-    <a:masterClrMapping/>
-  </p:clrMapOvr>
-</p:notes>
-</file>
-
-<file path=ppt/notesSlides/notesSlide29.xml><?xml version="1.0" encoding="utf-8"?>
-<p:notes xmlns:a="http://schemas.openxmlformats.org/drawingml/2006/main" xmlns:r="http://schemas.openxmlformats.org/officeDocument/2006/relationships" xmlns:p="http://schemas.openxmlformats.org/presentationml/2006/main">
-  <p:cSld>
-    <p:spTree>
-      <p:nvGrpSpPr>
-        <p:cNvPr id="1" name=""/>
-        <p:cNvGrpSpPr/>
-        <p:nvPr/>
-      </p:nvGrpSpPr>
-      <p:grpSpPr>
-        <a:xfrm>
-          <a:off x="0" y="0"/>
-          <a:ext cx="0" cy="0"/>
-          <a:chOff x="0" y="0"/>
-          <a:chExt cx="0" cy="0"/>
-        </a:xfrm>
-      </p:grpSpPr>
-      <p:sp>
-        <p:nvSpPr>
-          <p:cNvPr id="2" name="Slide Image Placeholder 1"/>
-          <p:cNvSpPr>
-            <a:spLocks noGrp="1" noRot="1" noChangeAspect="1"/>
-          </p:cNvSpPr>
-          <p:nvPr>
-            <p:ph type="sldImg"/>
-          </p:nvPr>
-        </p:nvSpPr>
-        <p:spPr/>
-      </p:sp>
-      <p:sp>
-        <p:nvSpPr>
-          <p:cNvPr id="3" name="Notes Placeholder 2"/>
-          <p:cNvSpPr>
-            <a:spLocks noGrp="1"/>
-          </p:cNvSpPr>
-          <p:nvPr>
-            <p:ph type="body" idx="1"/>
-          </p:nvPr>
-        </p:nvSpPr>
-        <p:spPr/>
-        <p:txBody>
-          <a:bodyPr>
-            <a:normAutofit fontScale="70000" lnSpcReduction="20000"/>
-          </a:bodyPr>
-          <a:lstStyle/>
-          <a:p>
-            <a:pPr marL="0" marR="0" indent="0" algn="l" defTabSz="1217613" rtl="0" eaLnBrk="1" fontAlgn="base" latinLnBrk="0" hangingPunct="1">
-              <a:lnSpc>
-                <a:spcPct val="90000"/>
-              </a:lnSpc>
-              <a:spcBef>
-                <a:spcPct val="30000"/>
-              </a:spcBef>
-              <a:spcAft>
-                <a:spcPts val="450"/>
-              </a:spcAft>
-              <a:buClrTx/>
-              <a:buSzTx/>
-              <a:buFontTx/>
-              <a:buNone/>
-              <a:tabLst/>
-              <a:defRPr/>
-            </a:pPr>
-            <a:r>
-              <a:rPr lang="en-US" dirty="0" smtClean="0"/>
-              <a:t>The answer is, as you write controls, </a:t>
-            </a:r>
-            <a:r>
-              <a:rPr lang="en-US" dirty="0" err="1" smtClean="0"/>
-              <a:t>InSpec</a:t>
-            </a:r>
-            <a:r>
-              <a:rPr lang="en-US" dirty="0" smtClean="0"/>
-              <a:t> expects a `test` directory at the same</a:t>
-            </a:r>
-            <a:r>
-              <a:rPr lang="en-US" baseline="0" dirty="0" smtClean="0"/>
-              <a:t> </a:t>
-            </a:r>
-            <a:r>
-              <a:rPr lang="en-US" dirty="0" smtClean="0"/>
-              <a:t>level as the metadata.rb.</a:t>
-            </a:r>
-          </a:p>
-          <a:p>
-            <a:r>
-              <a:rPr lang="en-US" dirty="0" smtClean="0"/>
-              <a:t/>
-            </a:r>
-            <a:br>
-              <a:rPr lang="en-US" dirty="0" smtClean="0"/>
-            </a:br>
-            <a:r>
-              <a:rPr lang="en-US" dirty="0" smtClean="0"/>
-              <a:t>├── README.md</a:t>
-            </a:r>
-            <a:br>
-              <a:rPr lang="en-US" dirty="0" smtClean="0"/>
-            </a:br>
-            <a:r>
-              <a:rPr lang="en-US" dirty="0" smtClean="0"/>
-              <a:t>├── metadata.rb</a:t>
-            </a:r>
-            <a:br>
-              <a:rPr lang="en-US" dirty="0" smtClean="0"/>
-            </a:br>
-            <a:r>
-              <a:rPr lang="en-US" dirty="0" smtClean="0"/>
-              <a:t>└── test</a:t>
-            </a:r>
-            <a:br>
-              <a:rPr lang="en-US" dirty="0" smtClean="0"/>
-            </a:br>
-            <a:r>
-              <a:rPr lang="en-US" dirty="0" smtClean="0"/>
-              <a:t>  ├── </a:t>
-            </a:r>
-            <a:r>
-              <a:rPr lang="en-US" dirty="0" err="1" smtClean="0"/>
-              <a:t>foo_spec.rb</a:t>
-            </a:r>
-            <a:r>
-              <a:rPr lang="en-US" dirty="0" smtClean="0"/>
-              <a:t/>
-            </a:r>
-            <a:br>
-              <a:rPr lang="en-US" dirty="0" smtClean="0"/>
-            </a:br>
-            <a:r>
-              <a:rPr lang="en-US" dirty="0" smtClean="0"/>
-              <a:t>  └── </a:t>
-            </a:r>
-            <a:r>
-              <a:rPr lang="en-US" dirty="0" err="1" smtClean="0"/>
-              <a:t>bar_spec.rb</a:t>
-            </a:r>
-            <a:endParaRPr lang="en-US" dirty="0" smtClean="0"/>
-          </a:p>
-          <a:p>
-            <a:endParaRPr lang="en-US" dirty="0" smtClean="0"/>
-          </a:p>
-          <a:p>
-            <a:endParaRPr lang="en-US" dirty="0" smtClean="0"/>
-          </a:p>
-          <a:p>
-            <a:endParaRPr lang="en-US" dirty="0" smtClean="0"/>
-          </a:p>
-          <a:p>
-            <a:endParaRPr lang="en-US" dirty="0" smtClean="0"/>
-          </a:p>
-          <a:p>
-            <a:r>
-              <a:rPr lang="en-US" dirty="0" smtClean="0"/>
-              <a:t>https://github.com/chef/inspec/blob/7f555b902d6860ffe236ff23e4b52f20bac28adc/lib/inspec/profile.rb#L81-L129</a:t>
-            </a:r>
-          </a:p>
-          <a:p>
-            <a:endParaRPr lang="en-US" dirty="0" smtClean="0"/>
-          </a:p>
-          <a:p>
-            <a:pPr marL="0" marR="0" indent="0" algn="l" defTabSz="1217613" rtl="0" eaLnBrk="1" fontAlgn="base" latinLnBrk="0" hangingPunct="1">
-              <a:lnSpc>
-                <a:spcPct val="90000"/>
-              </a:lnSpc>
-              <a:spcBef>
-                <a:spcPct val="30000"/>
-              </a:spcBef>
-              <a:spcAft>
-                <a:spcPts val="450"/>
-              </a:spcAft>
-              <a:buClrTx/>
-              <a:buSzTx/>
-              <a:buFontTx/>
-              <a:buNone/>
-              <a:tabLst/>
-              <a:defRPr/>
-            </a:pPr>
-            <a:endParaRPr lang="en-US" baseline="0" dirty="0" smtClean="0"/>
-          </a:p>
-          <a:p>
-            <a:r>
-              <a:rPr lang="en-US" sz="1200" b="1" i="0" kern="1200" dirty="0" smtClean="0">
-                <a:solidFill>
-                  <a:schemeClr val="tx1"/>
-                </a:solidFill>
-                <a:effectLst/>
-                <a:latin typeface="Arial" panose="020B0604020202020204" pitchFamily="34" charset="0"/>
-                <a:ea typeface="ＭＳ Ｐゴシック" charset="0"/>
-                <a:cs typeface="Arial" panose="020B0604020202020204" pitchFamily="34" charset="0"/>
-              </a:rPr>
-              <a:t>Adding profiles</a:t>
-            </a:r>
-          </a:p>
-          <a:p>
-            <a:r>
-              <a:rPr lang="en-US" sz="1200" b="0" i="0" kern="1200" dirty="0" smtClean="0">
-                <a:solidFill>
-                  <a:schemeClr val="tx1"/>
-                </a:solidFill>
-                <a:effectLst/>
-                <a:latin typeface="Arial" panose="020B0604020202020204" pitchFamily="34" charset="0"/>
-                <a:ea typeface="ＭＳ Ｐゴシック" charset="0"/>
-                <a:cs typeface="Arial" panose="020B0604020202020204" pitchFamily="34" charset="0"/>
-              </a:rPr>
-              <a:t>Compliance profiles must be packaged in to a .tar.gz or .zip file to be uploaded to the Compliance Server. </a:t>
-            </a:r>
-          </a:p>
-          <a:p>
-            <a:r>
-              <a:rPr lang="en-US" sz="1200" b="0" i="0" kern="1200" dirty="0" smtClean="0">
-                <a:solidFill>
-                  <a:schemeClr val="tx1"/>
-                </a:solidFill>
-                <a:effectLst/>
-                <a:latin typeface="Arial" panose="020B0604020202020204" pitchFamily="34" charset="0"/>
-                <a:ea typeface="ＭＳ Ｐゴシック" charset="0"/>
-                <a:cs typeface="Arial" panose="020B0604020202020204" pitchFamily="34" charset="0"/>
-              </a:rPr>
-              <a:t>The directory structure is as follows (note, this is subject to change.  TODO: link to official docs when </a:t>
-            </a:r>
-            <a:r>
-              <a:rPr lang="en-US" sz="1200" b="0" i="0" kern="1200" dirty="0" err="1" smtClean="0">
-                <a:solidFill>
-                  <a:schemeClr val="tx1"/>
-                </a:solidFill>
-                <a:effectLst/>
-                <a:latin typeface="Arial" panose="020B0604020202020204" pitchFamily="34" charset="0"/>
-                <a:ea typeface="ＭＳ Ｐゴシック" charset="0"/>
-                <a:cs typeface="Arial" panose="020B0604020202020204" pitchFamily="34" charset="0"/>
-              </a:rPr>
-              <a:t>availalble</a:t>
-            </a:r>
-            <a:r>
-              <a:rPr lang="en-US" sz="1200" b="0" i="0" kern="1200" dirty="0" smtClean="0">
-                <a:solidFill>
-                  <a:schemeClr val="tx1"/>
-                </a:solidFill>
-                <a:effectLst/>
-                <a:latin typeface="Arial" panose="020B0604020202020204" pitchFamily="34" charset="0"/>
-                <a:ea typeface="ＭＳ Ｐゴシック" charset="0"/>
-                <a:cs typeface="Arial" panose="020B0604020202020204" pitchFamily="34" charset="0"/>
-              </a:rPr>
-              <a:t>):</a:t>
-            </a:r>
-          </a:p>
-          <a:p>
-            <a:r>
-              <a:rPr lang="en-US" sz="1200" b="0" i="0" kern="1200" dirty="0" smtClean="0">
-                <a:solidFill>
-                  <a:schemeClr val="tx1"/>
-                </a:solidFill>
-                <a:effectLst/>
-                <a:latin typeface="Arial" panose="020B0604020202020204" pitchFamily="34" charset="0"/>
-                <a:ea typeface="ＭＳ Ｐゴシック" charset="0"/>
-                <a:cs typeface="Arial" panose="020B0604020202020204" pitchFamily="34" charset="0"/>
-              </a:rPr>
-              <a:t>xyz.zip:</a:t>
-            </a:r>
-          </a:p>
-          <a:p>
-            <a:r>
-              <a:rPr lang="en-US" dirty="0" smtClean="0"/>
-              <a:t>.</a:t>
-            </a:r>
-            <a:br>
-              <a:rPr lang="en-US" dirty="0" smtClean="0"/>
-            </a:br>
-            <a:r>
-              <a:rPr lang="en-US" dirty="0" smtClean="0"/>
-              <a:t>├── README.md</a:t>
-            </a:r>
-            <a:br>
-              <a:rPr lang="en-US" dirty="0" smtClean="0"/>
-            </a:br>
-            <a:r>
-              <a:rPr lang="en-US" dirty="0" smtClean="0"/>
-              <a:t>├── metadata.rb</a:t>
-            </a:r>
-            <a:br>
-              <a:rPr lang="en-US" dirty="0" smtClean="0"/>
-            </a:br>
-            <a:r>
-              <a:rPr lang="en-US" dirty="0" smtClean="0"/>
-              <a:t>└── test</a:t>
-            </a:r>
-            <a:br>
-              <a:rPr lang="en-US" dirty="0" smtClean="0"/>
-            </a:br>
-            <a:r>
-              <a:rPr lang="en-US" dirty="0" smtClean="0"/>
-              <a:t>  ├── </a:t>
-            </a:r>
-            <a:r>
-              <a:rPr lang="en-US" dirty="0" err="1" smtClean="0"/>
-              <a:t>foo_spec.rb</a:t>
-            </a:r>
-            <a:r>
-              <a:rPr lang="en-US" dirty="0" smtClean="0"/>
-              <a:t/>
-            </a:r>
-            <a:br>
-              <a:rPr lang="en-US" dirty="0" smtClean="0"/>
-            </a:br>
-            <a:r>
-              <a:rPr lang="en-US" dirty="0" smtClean="0"/>
-              <a:t>  └── </a:t>
-            </a:r>
-            <a:r>
-              <a:rPr lang="en-US" dirty="0" err="1" smtClean="0"/>
-              <a:t>bar_spec.rb</a:t>
-            </a:r>
-            <a:endParaRPr lang="en-US" dirty="0" smtClean="0"/>
-          </a:p>
-          <a:p>
-            <a:endParaRPr lang="en-US" dirty="0" smtClean="0"/>
-          </a:p>
-          <a:p>
-            <a:r>
-              <a:rPr lang="en-US" dirty="0" smtClean="0"/>
-              <a:t>As you write controls, </a:t>
-            </a:r>
-            <a:r>
-              <a:rPr lang="en-US" dirty="0" err="1" smtClean="0"/>
-              <a:t>InSpec</a:t>
-            </a:r>
-            <a:r>
-              <a:rPr lang="en-US" dirty="0" smtClean="0"/>
-              <a:t> requires a `test` directory since it </a:t>
-            </a:r>
-            <a:r>
-              <a:rPr lang="en-US" dirty="0" err="1" smtClean="0"/>
-              <a:t>InSpec</a:t>
-            </a:r>
-            <a:r>
-              <a:rPr lang="en-US" dirty="0" smtClean="0"/>
-              <a:t> expect this structure.</a:t>
-            </a:r>
-          </a:p>
-        </p:txBody>
-      </p:sp>
-      <p:sp>
-        <p:nvSpPr>
-          <p:cNvPr id="4" name="Slide Number Placeholder 3"/>
-          <p:cNvSpPr>
-            <a:spLocks noGrp="1"/>
-          </p:cNvSpPr>
-          <p:nvPr>
-            <p:ph type="sldNum" sz="quarter" idx="10"/>
-          </p:nvPr>
-        </p:nvSpPr>
-        <p:spPr/>
-        <p:txBody>
-          <a:bodyPr/>
-          <a:lstStyle/>
-          <a:p>
-            <a:pPr>
-              <a:defRPr/>
-            </a:pPr>
-            <a:fld id="{DC3734AA-3150-D947-AC52-2F5DF48BFCD5}" type="slidenum">
-              <a:rPr lang="en-US" smtClean="0"/>
-              <a:pPr>
-                <a:defRPr/>
-              </a:pPr>
-              <a:t>31</a:t>
             </a:fld>
             <a:endParaRPr lang="en-US" dirty="0"/>
           </a:p>
@@ -6647,11 +6492,7 @@
             </a:r>
             <a:r>
               <a:rPr lang="en-US" dirty="0" smtClean="0"/>
-              <a:t> check' against </a:t>
-            </a:r>
-            <a:r>
-              <a:rPr lang="en-US" dirty="0" smtClean="0"/>
-              <a:t>the new directory.</a:t>
+              <a:t> check' against the new directory.</a:t>
             </a:r>
           </a:p>
           <a:p>
@@ -7513,15 +7354,7 @@
             </a:r>
             <a:r>
               <a:rPr lang="en-US" baseline="0" dirty="0" smtClean="0"/>
-              <a:t> the missing profile name, version, title, </a:t>
-            </a:r>
-            <a:r>
-              <a:rPr lang="en-US" baseline="0" dirty="0" smtClean="0"/>
-              <a:t>and </a:t>
-            </a:r>
-            <a:r>
-              <a:rPr lang="en-US" baseline="0" dirty="0" smtClean="0"/>
-              <a:t>maintainer values that the `</a:t>
+              <a:t> the missing profile name, version, title, and maintainer values that the `</a:t>
             </a:r>
             <a:r>
               <a:rPr lang="en-US" baseline="0" dirty="0" err="1" smtClean="0"/>
@@ -7588,11 +7421,7 @@
             </a:r>
             <a:r>
               <a:rPr lang="en-US" baseline="0" dirty="0" smtClean="0"/>
-              <a:t> by the Compliance Server</a:t>
-            </a:r>
-            <a:r>
-              <a:rPr lang="en-US" baseline="0" dirty="0" smtClean="0"/>
-              <a:t>. </a:t>
+              <a:t> by the Compliance Server. </a:t>
             </a:r>
           </a:p>
           <a:p>
@@ -7637,6 +7466,135 @@
               <a:rPr lang="en-US" baseline="0" dirty="0" smtClean="0"/>
               <a:t>You can use your own name in the `title` line and the `maintainer` line of you like.</a:t>
             </a:r>
+          </a:p>
+          <a:p>
+            <a:pPr marL="0" marR="0" indent="0" algn="l" defTabSz="1217613" rtl="0" eaLnBrk="1" fontAlgn="base" latinLnBrk="0" hangingPunct="1">
+              <a:lnSpc>
+                <a:spcPct val="90000"/>
+              </a:lnSpc>
+              <a:spcBef>
+                <a:spcPct val="30000"/>
+              </a:spcBef>
+              <a:spcAft>
+                <a:spcPts val="450"/>
+              </a:spcAft>
+              <a:buClrTx/>
+              <a:buSzTx/>
+              <a:buFontTx/>
+              <a:buNone/>
+              <a:tabLst/>
+              <a:defRPr/>
+            </a:pPr>
+            <a:endParaRPr lang="en-US" baseline="0" dirty="0" smtClean="0"/>
+          </a:p>
+          <a:p>
+            <a:r>
+              <a:rPr lang="en-US" b="1" baseline="0" dirty="0" smtClean="0"/>
+              <a:t>Note</a:t>
+            </a:r>
+            <a:r>
+              <a:rPr lang="en-US" baseline="0" dirty="0" smtClean="0"/>
+              <a:t>: In the workplace you may want to make the </a:t>
+            </a:r>
+            <a:r>
+              <a:rPr lang="en-US" dirty="0" smtClean="0"/>
+              <a:t>name '</a:t>
+            </a:r>
+            <a:r>
+              <a:rPr lang="en-US" dirty="0" err="1" smtClean="0"/>
+              <a:t>myname</a:t>
+            </a:r>
+            <a:r>
+              <a:rPr lang="en-US" dirty="0" smtClean="0"/>
+              <a:t>/profile' value more descriptive so it will be unique.</a:t>
+            </a:r>
+            <a:r>
+              <a:rPr lang="en-US" baseline="0" dirty="0" smtClean="0"/>
+              <a:t> For example:</a:t>
+            </a:r>
+          </a:p>
+          <a:p>
+            <a:endParaRPr lang="en-US" baseline="0" dirty="0" smtClean="0"/>
+          </a:p>
+          <a:p>
+            <a:r>
+              <a:rPr lang="en-US" dirty="0" smtClean="0"/>
+              <a:t>name '</a:t>
+            </a:r>
+            <a:r>
+              <a:rPr lang="en-US" dirty="0" err="1" smtClean="0"/>
+              <a:t>myname</a:t>
+            </a:r>
+            <a:r>
+              <a:rPr lang="en-US" dirty="0" smtClean="0"/>
+              <a:t>/</a:t>
+            </a:r>
+            <a:r>
+              <a:rPr lang="en-US" dirty="0" err="1" smtClean="0"/>
+              <a:t>XYZprofile</a:t>
+            </a:r>
+            <a:r>
+              <a:rPr lang="en-US" dirty="0" smtClean="0"/>
+              <a:t>'.</a:t>
+            </a:r>
+            <a:r>
+              <a:rPr lang="en-US" baseline="0" dirty="0" smtClean="0"/>
+              <a:t> This is because the </a:t>
+            </a:r>
+            <a:r>
+              <a:rPr lang="en-US" dirty="0" smtClean="0"/>
+              <a:t>'</a:t>
+            </a:r>
+            <a:r>
+              <a:rPr lang="en-US" dirty="0" err="1" smtClean="0"/>
+              <a:t>myname</a:t>
+            </a:r>
+            <a:r>
+              <a:rPr lang="en-US" dirty="0" smtClean="0"/>
+              <a:t>" portion will be substituted by the user name you are using when you upload such</a:t>
+            </a:r>
+            <a:r>
+              <a:rPr lang="en-US" baseline="0" dirty="0" smtClean="0"/>
+              <a:t> a profile to the Compliance Server. For example, if you log into the Compliance Server as `admin`, then all profiles uploaded using the `</a:t>
+            </a:r>
+            <a:r>
+              <a:rPr lang="en-US" baseline="0" dirty="0" err="1" smtClean="0"/>
+              <a:t>myname</a:t>
+            </a:r>
+            <a:r>
+              <a:rPr lang="en-US" baseline="0" dirty="0" smtClean="0"/>
+              <a:t>` namespace will have `admin` in place of '</a:t>
+            </a:r>
+            <a:r>
+              <a:rPr lang="en-US" baseline="0" dirty="0" err="1" smtClean="0"/>
+              <a:t>myname</a:t>
+            </a:r>
+            <a:r>
+              <a:rPr lang="en-US" baseline="0" dirty="0" smtClean="0"/>
+              <a:t>'.</a:t>
+            </a:r>
+          </a:p>
+          <a:p>
+            <a:endParaRPr lang="en-US" dirty="0" smtClean="0"/>
+          </a:p>
+          <a:p>
+            <a:pPr marL="0" marR="0" indent="0" algn="l" defTabSz="1217613" rtl="0" eaLnBrk="1" fontAlgn="base" latinLnBrk="0" hangingPunct="1">
+              <a:lnSpc>
+                <a:spcPct val="90000"/>
+              </a:lnSpc>
+              <a:spcBef>
+                <a:spcPct val="30000"/>
+              </a:spcBef>
+              <a:spcAft>
+                <a:spcPts val="450"/>
+              </a:spcAft>
+              <a:buClrTx/>
+              <a:buSzTx/>
+              <a:buFontTx/>
+              <a:buNone/>
+              <a:tabLst/>
+              <a:defRPr/>
+            </a:pPr>
             <a:endParaRPr lang="en-US" dirty="0" smtClean="0"/>
           </a:p>
           <a:p>
@@ -18075,11 +18033,7 @@
           <a:p>
             <a:r>
               <a:rPr lang="en-US" dirty="0" smtClean="0"/>
-              <a:t>GE: </a:t>
-            </a:r>
-            <a:r>
-              <a:rPr lang="en-US" dirty="0" smtClean="0"/>
-              <a:t>Use `</a:t>
+              <a:t>GE: Use `</a:t>
             </a:r>
             <a:r>
               <a:rPr lang="en-US" dirty="0" err="1" smtClean="0"/>
@@ -18495,11 +18449,7 @@
             </a:r>
             <a:r>
               <a:rPr lang="en-US" dirty="0" smtClean="0"/>
-              <a:t>ompliance </a:t>
-            </a:r>
-            <a:r>
-              <a:rPr lang="en-US" dirty="0" smtClean="0"/>
-              <a:t>profile</a:t>
+              <a:t>ompliance profile</a:t>
             </a:r>
           </a:p>
           <a:p>
@@ -20193,14 +20143,12 @@
         </p:nvSpPr>
         <p:spPr/>
         <p:txBody>
-          <a:bodyPr>
-            <a:normAutofit/>
-          </a:bodyPr>
+          <a:bodyPr/>
           <a:lstStyle/>
           <a:p>
             <a:r>
               <a:rPr lang="en-US" dirty="0" smtClean="0"/>
-              <a:t>GE: Results of the Custom Profile Scan</a:t>
+              <a:t>GE: Save this</a:t>
             </a:r>
             <a:endParaRPr lang="en-US" dirty="0"/>
           </a:p>
@@ -20218,27 +20166,30 @@
         </p:nvSpPr>
         <p:spPr>
           <a:xfrm>
-            <a:off x="297180" y="1856198"/>
-            <a:ext cx="15544800" cy="5345953"/>
+            <a:off x="609599" y="1559018"/>
+            <a:ext cx="14042065" cy="5961922"/>
           </a:xfrm>
         </p:spPr>
         <p:txBody>
           <a:bodyPr/>
           <a:lstStyle/>
-          <a:p>
-            <a:r>
-              <a:rPr lang="en-US" dirty="0" smtClean="0"/>
-              <a:t>You should also be able to see your custom profile from your Compliance page.</a:t>
-            </a:r>
-          </a:p>
           <a:p>
             <a:pPr marL="457200" indent="-457200">
               <a:buFont typeface="Arial" panose="020B0604020202020204" pitchFamily="34" charset="0"/>
               <a:buChar char="•"/>
             </a:pPr>
-            <a:endParaRPr lang="en-US" dirty="0"/>
-          </a:p>
-          <a:p>
+            <a:r>
+              <a:rPr lang="en-US" dirty="0">
+                <a:hlinkClick r:id="rId3"/>
+              </a:rPr>
+              <a:t>https://</a:t>
+            </a:r>
+            <a:r>
+              <a:rPr lang="en-US" dirty="0" smtClean="0">
+                <a:hlinkClick r:id="rId3"/>
+              </a:rPr>
+              <a:t>github.com/chef/inspec/blob/7f555b902d6860ffe236ff23e4b52f20bac28adc/lib/inspec/profile.rb#L81-L129</a:t>
+            </a:r>
             <a:endParaRPr lang="en-US" dirty="0" smtClean="0"/>
           </a:p>
           <a:p>
@@ -20248,12 +20199,99 @@
             </a:pPr>
             <a:endParaRPr lang="en-US" dirty="0"/>
           </a:p>
+          <a:p>
+            <a:pPr marL="457200" indent="-457200">
+              <a:buFont typeface="Arial" panose="020B0604020202020204" pitchFamily="34" charset="0"/>
+              <a:buChar char="•"/>
+            </a:pPr>
+            <a:endParaRPr lang="en-US" dirty="0" smtClean="0"/>
+          </a:p>
+          <a:p>
+            <a:pPr marL="457200" indent="-457200">
+              <a:buFont typeface="Arial" panose="020B0604020202020204" pitchFamily="34" charset="0"/>
+              <a:buChar char="•"/>
+            </a:pPr>
+            <a:r>
+              <a:rPr lang="en-US" dirty="0" smtClean="0"/>
+              <a:t>and Check uses the </a:t>
+            </a:r>
+            <a:r>
+              <a:rPr lang="en-US" dirty="0"/>
+              <a:t>above from here:</a:t>
+            </a:r>
+            <a:br>
+              <a:rPr lang="en-US" dirty="0"/>
+            </a:br>
+            <a:r>
+              <a:rPr lang="en-US" dirty="0">
+                <a:hlinkClick r:id="rId4"/>
+              </a:rPr>
+              <a:t>https://</a:t>
+            </a:r>
+            <a:r>
+              <a:rPr lang="en-US" dirty="0" smtClean="0">
+                <a:hlinkClick r:id="rId4"/>
+              </a:rPr>
+              <a:t>github.com/chef/inspec/blob/b1ec95e343aac75ee1a21e3d1a09a32a5a8c1dd2/bin/inspec#L70-L78</a:t>
+            </a:r>
+            <a:endParaRPr lang="en-US" dirty="0" smtClean="0"/>
+          </a:p>
+          <a:p>
+            <a:pPr marL="457200" indent="-457200">
+              <a:buFont typeface="Arial" panose="020B0604020202020204" pitchFamily="34" charset="0"/>
+              <a:buChar char="•"/>
+            </a:pPr>
+            <a:endParaRPr lang="en-US" dirty="0"/>
+          </a:p>
+          <a:p>
+            <a:pPr marL="457200" indent="-457200">
+              <a:buFont typeface="Arial" panose="020B0604020202020204" pitchFamily="34" charset="0"/>
+              <a:buChar char="•"/>
+            </a:pPr>
+            <a:r>
+              <a:rPr lang="en-US" dirty="0">
+                <a:hlinkClick r:id="rId5"/>
+              </a:rPr>
+              <a:t>https://</a:t>
+            </a:r>
+            <a:r>
+              <a:rPr lang="en-US" dirty="0" smtClean="0">
+                <a:hlinkClick r:id="rId5"/>
+              </a:rPr>
+              <a:t>chefio.atlassian.net/wiki/pages/viewpage.action?spaceKey=SE&amp;title=Week+1#Week1-Addingprofiles</a:t>
+            </a:r>
+            <a:endParaRPr lang="en-US" dirty="0" smtClean="0"/>
+          </a:p>
+          <a:p>
+            <a:pPr marL="457200" indent="-457200">
+              <a:buFont typeface="Arial" panose="020B0604020202020204" pitchFamily="34" charset="0"/>
+              <a:buChar char="•"/>
+            </a:pPr>
+            <a:endParaRPr lang="en-US" dirty="0" smtClean="0"/>
+          </a:p>
+          <a:p>
+            <a:pPr marL="457200" indent="-457200">
+              <a:buFont typeface="Arial" panose="020B0604020202020204" pitchFamily="34" charset="0"/>
+              <a:buChar char="•"/>
+            </a:pPr>
+            <a:endParaRPr lang="en-US" dirty="0"/>
+          </a:p>
+          <a:p>
+            <a:endParaRPr lang="en-US" dirty="0" smtClean="0"/>
+          </a:p>
+          <a:p>
+            <a:pPr marL="457200" indent="-457200">
+              <a:buFont typeface="Arial" panose="020B0604020202020204" pitchFamily="34" charset="0"/>
+              <a:buChar char="•"/>
+            </a:pPr>
+            <a:endParaRPr lang="en-US" dirty="0"/>
+          </a:p>
         </p:txBody>
       </p:sp>
     </p:spTree>
     <p:extLst>
       <p:ext uri="{BB962C8B-B14F-4D97-AF65-F5344CB8AC3E}">
-        <p14:creationId xmlns:p14="http://schemas.microsoft.com/office/powerpoint/2010/main" val="3148571265"/>
+        <p14:creationId xmlns:p14="http://schemas.microsoft.com/office/powerpoint/2010/main" val="420890300"/>
       </p:ext>
     </p:extLst>
   </p:cSld>
@@ -20414,203 +20452,6 @@
         </p:nvSpPr>
         <p:spPr/>
         <p:txBody>
-          <a:bodyPr/>
-          <a:lstStyle/>
-          <a:p>
-            <a:r>
-              <a:rPr lang="en-US" dirty="0" smtClean="0"/>
-              <a:t>GE: Save this</a:t>
-            </a:r>
-            <a:endParaRPr lang="en-US" dirty="0"/>
-          </a:p>
-        </p:txBody>
-      </p:sp>
-      <p:sp>
-        <p:nvSpPr>
-          <p:cNvPr id="6" name="Text Placeholder 2"/>
-          <p:cNvSpPr>
-            <a:spLocks noGrp="1"/>
-          </p:cNvSpPr>
-          <p:nvPr>
-            <p:ph type="body" sz="quarter" idx="12"/>
-          </p:nvPr>
-        </p:nvSpPr>
-        <p:spPr>
-          <a:xfrm>
-            <a:off x="609599" y="1559018"/>
-            <a:ext cx="14042065" cy="5961922"/>
-          </a:xfrm>
-        </p:spPr>
-        <p:txBody>
-          <a:bodyPr/>
-          <a:lstStyle/>
-          <a:p>
-            <a:pPr marL="457200" indent="-457200">
-              <a:buFont typeface="Arial" panose="020B0604020202020204" pitchFamily="34" charset="0"/>
-              <a:buChar char="•"/>
-            </a:pPr>
-            <a:r>
-              <a:rPr lang="en-US" dirty="0">
-                <a:hlinkClick r:id="rId3"/>
-              </a:rPr>
-              <a:t>https://</a:t>
-            </a:r>
-            <a:r>
-              <a:rPr lang="en-US" dirty="0" smtClean="0">
-                <a:hlinkClick r:id="rId3"/>
-              </a:rPr>
-              <a:t>github.com/chef/inspec/blob/7f555b902d6860ffe236ff23e4b52f20bac28adc/lib/inspec/profile.rb#L81-L129</a:t>
-            </a:r>
-            <a:endParaRPr lang="en-US" dirty="0" smtClean="0"/>
-          </a:p>
-          <a:p>
-            <a:pPr marL="457200" indent="-457200">
-              <a:buFont typeface="Arial" panose="020B0604020202020204" pitchFamily="34" charset="0"/>
-              <a:buChar char="•"/>
-            </a:pPr>
-            <a:endParaRPr lang="en-US" dirty="0"/>
-          </a:p>
-          <a:p>
-            <a:pPr marL="457200" indent="-457200">
-              <a:buFont typeface="Arial" panose="020B0604020202020204" pitchFamily="34" charset="0"/>
-              <a:buChar char="•"/>
-            </a:pPr>
-            <a:endParaRPr lang="en-US" dirty="0" smtClean="0"/>
-          </a:p>
-          <a:p>
-            <a:pPr marL="457200" indent="-457200">
-              <a:buFont typeface="Arial" panose="020B0604020202020204" pitchFamily="34" charset="0"/>
-              <a:buChar char="•"/>
-            </a:pPr>
-            <a:r>
-              <a:rPr lang="en-US" dirty="0" smtClean="0"/>
-              <a:t>and Check uses the </a:t>
-            </a:r>
-            <a:r>
-              <a:rPr lang="en-US" dirty="0"/>
-              <a:t>above from here:</a:t>
-            </a:r>
-            <a:br>
-              <a:rPr lang="en-US" dirty="0"/>
-            </a:br>
-            <a:r>
-              <a:rPr lang="en-US" dirty="0">
-                <a:hlinkClick r:id="rId4"/>
-              </a:rPr>
-              <a:t>https://</a:t>
-            </a:r>
-            <a:r>
-              <a:rPr lang="en-US" dirty="0" smtClean="0">
-                <a:hlinkClick r:id="rId4"/>
-              </a:rPr>
-              <a:t>github.com/chef/inspec/blob/b1ec95e343aac75ee1a21e3d1a09a32a5a8c1dd2/bin/inspec#L70-L78</a:t>
-            </a:r>
-            <a:endParaRPr lang="en-US" dirty="0" smtClean="0"/>
-          </a:p>
-          <a:p>
-            <a:pPr marL="457200" indent="-457200">
-              <a:buFont typeface="Arial" panose="020B0604020202020204" pitchFamily="34" charset="0"/>
-              <a:buChar char="•"/>
-            </a:pPr>
-            <a:endParaRPr lang="en-US" dirty="0"/>
-          </a:p>
-          <a:p>
-            <a:pPr marL="457200" indent="-457200">
-              <a:buFont typeface="Arial" panose="020B0604020202020204" pitchFamily="34" charset="0"/>
-              <a:buChar char="•"/>
-            </a:pPr>
-            <a:r>
-              <a:rPr lang="en-US" dirty="0">
-                <a:hlinkClick r:id="rId5"/>
-              </a:rPr>
-              <a:t>https://</a:t>
-            </a:r>
-            <a:r>
-              <a:rPr lang="en-US" dirty="0" smtClean="0">
-                <a:hlinkClick r:id="rId5"/>
-              </a:rPr>
-              <a:t>chefio.atlassian.net/wiki/pages/viewpage.action?spaceKey=SE&amp;title=Week+1#Week1-Addingprofiles</a:t>
-            </a:r>
-            <a:endParaRPr lang="en-US" dirty="0" smtClean="0"/>
-          </a:p>
-          <a:p>
-            <a:pPr marL="457200" indent="-457200">
-              <a:buFont typeface="Arial" panose="020B0604020202020204" pitchFamily="34" charset="0"/>
-              <a:buChar char="•"/>
-            </a:pPr>
-            <a:endParaRPr lang="en-US" dirty="0" smtClean="0"/>
-          </a:p>
-          <a:p>
-            <a:pPr marL="457200" indent="-457200">
-              <a:buFont typeface="Arial" panose="020B0604020202020204" pitchFamily="34" charset="0"/>
-              <a:buChar char="•"/>
-            </a:pPr>
-            <a:endParaRPr lang="en-US" dirty="0"/>
-          </a:p>
-          <a:p>
-            <a:endParaRPr lang="en-US" dirty="0" smtClean="0"/>
-          </a:p>
-          <a:p>
-            <a:pPr marL="457200" indent="-457200">
-              <a:buFont typeface="Arial" panose="020B0604020202020204" pitchFamily="34" charset="0"/>
-              <a:buChar char="•"/>
-            </a:pPr>
-            <a:endParaRPr lang="en-US" dirty="0"/>
-          </a:p>
-        </p:txBody>
-      </p:sp>
-    </p:spTree>
-    <p:extLst>
-      <p:ext uri="{BB962C8B-B14F-4D97-AF65-F5344CB8AC3E}">
-        <p14:creationId xmlns:p14="http://schemas.microsoft.com/office/powerpoint/2010/main" val="420890300"/>
-      </p:ext>
-    </p:extLst>
-  </p:cSld>
-  <p:clrMapOvr>
-    <a:masterClrMapping/>
-  </p:clrMapOvr>
-  <p:transition spd="med">
-    <p:fade/>
-  </p:transition>
-  <p:timing>
-    <p:tnLst>
-      <p:par>
-        <p:cTn id="1" dur="indefinite" restart="never" nodeType="tmRoot"/>
-      </p:par>
-    </p:tnLst>
-  </p:timing>
-</p:sld>
-</file>
-
-<file path=ppt/slides/slide31.xml><?xml version="1.0" encoding="utf-8"?>
-<p:sld xmlns:a="http://schemas.openxmlformats.org/drawingml/2006/main" xmlns:r="http://schemas.openxmlformats.org/officeDocument/2006/relationships" xmlns:p="http://schemas.openxmlformats.org/presentationml/2006/main">
-  <p:cSld>
-    <p:spTree>
-      <p:nvGrpSpPr>
-        <p:cNvPr id="1" name=""/>
-        <p:cNvGrpSpPr/>
-        <p:nvPr/>
-      </p:nvGrpSpPr>
-      <p:grpSpPr>
-        <a:xfrm>
-          <a:off x="0" y="0"/>
-          <a:ext cx="0" cy="0"/>
-          <a:chOff x="0" y="0"/>
-          <a:chExt cx="0" cy="0"/>
-        </a:xfrm>
-      </p:grpSpPr>
-      <p:sp>
-        <p:nvSpPr>
-          <p:cNvPr id="2" name="Title 1"/>
-          <p:cNvSpPr>
-            <a:spLocks noGrp="1"/>
-          </p:cNvSpPr>
-          <p:nvPr>
-            <p:ph type="title"/>
-          </p:nvPr>
-        </p:nvSpPr>
-        <p:spPr/>
-        <p:txBody>
           <a:bodyPr>
             <a:normAutofit/>
           </a:bodyPr>
@@ -20788,7 +20629,7 @@
 </p:sld>
 </file>
 
-<file path=ppt/slides/slide32.xml><?xml version="1.0" encoding="utf-8"?>
+<file path=ppt/slides/slide31.xml><?xml version="1.0" encoding="utf-8"?>
 <p:sld xmlns:a="http://schemas.openxmlformats.org/drawingml/2006/main" xmlns:r="http://schemas.openxmlformats.org/officeDocument/2006/relationships" xmlns:p="http://schemas.openxmlformats.org/presentationml/2006/main">
   <p:cSld>
     <p:bg>
@@ -20968,7 +20809,7 @@
 </p:sld>
 </file>
 
-<file path=ppt/slides/slide33.xml><?xml version="1.0" encoding="utf-8"?>
+<file path=ppt/slides/slide32.xml><?xml version="1.0" encoding="utf-8"?>
 <p:sld xmlns:a="http://schemas.openxmlformats.org/drawingml/2006/main" xmlns:r="http://schemas.openxmlformats.org/officeDocument/2006/relationships" xmlns:p="http://schemas.openxmlformats.org/presentationml/2006/main">
   <p:cSld>
     <p:spTree>
@@ -21230,11 +21071,7 @@
           <a:p>
             <a:r>
               <a:rPr lang="en-US" dirty="0" smtClean="0"/>
-              <a:t>In this section we will </a:t>
-            </a:r>
-            <a:r>
-              <a:rPr lang="en-US" dirty="0" smtClean="0"/>
-              <a:t>use the </a:t>
+              <a:t>In this section we will use the </a:t>
             </a:r>
             <a:r>
               <a:rPr lang="en-US" dirty="0" err="1" smtClean="0"/>
@@ -21242,11 +21079,7 @@
             </a:r>
             <a:r>
               <a:rPr lang="en-US" dirty="0" smtClean="0"/>
-              <a:t> CLI to </a:t>
-            </a:r>
-            <a:r>
-              <a:rPr lang="en-US" dirty="0" smtClean="0"/>
-              <a:t>run </a:t>
+              <a:t> CLI to run </a:t>
             </a:r>
             <a:r>
               <a:rPr lang="en-US" dirty="0"/>
@@ -21511,15 +21344,7 @@
             </a:pPr>
             <a:r>
               <a:rPr lang="en-US" dirty="0" smtClean="0"/>
-              <a:t>Create </a:t>
-            </a:r>
-            <a:r>
-              <a:rPr lang="en-US" dirty="0" smtClean="0"/>
-              <a:t>a custom profile</a:t>
-            </a:r>
-            <a:r>
-              <a:rPr lang="en-US" dirty="0" smtClean="0"/>
-              <a:t>.</a:t>
+              <a:t>Create a custom profile.</a:t>
             </a:r>
           </a:p>
           <a:p>
@@ -21885,11 +21710,7 @@
           <a:p>
             <a:r>
               <a:rPr lang="en-US" dirty="0" smtClean="0"/>
-              <a:t>GE: Run </a:t>
-            </a:r>
-            <a:r>
-              <a:rPr lang="en-US" dirty="0" smtClean="0"/>
-              <a:t>`</a:t>
+              <a:t>GE: Run `</a:t>
             </a:r>
             <a:r>
               <a:rPr lang="en-US" dirty="0" err="1" smtClean="0"/>
@@ -23727,15 +23548,6 @@
 </file>
 
 <file path=customXml/item1.xml><?xml version="1.0" encoding="utf-8"?>
-<?mso-contentType ?>
-<FormTemplates xmlns="http://schemas.microsoft.com/sharepoint/v3/contenttype/forms">
-  <Display>DocumentLibraryForm</Display>
-  <Edit>DocumentLibraryForm</Edit>
-  <New>DocumentLibraryForm</New>
-</FormTemplates>
-</file>
-
-<file path=customXml/item2.xml><?xml version="1.0" encoding="utf-8"?>
 <p:properties xmlns:p="http://schemas.microsoft.com/office/2006/metadata/properties" xmlns:xsi="http://www.w3.org/2001/XMLSchema-instance" xmlns:pc="http://schemas.microsoft.com/office/infopath/2007/PartnerControls">
   <documentManagement>
     <_dlc_DocId xmlns="7bb5d761-a2ea-4873-95f7-7a6658fb3ef0">M4CWTKMW727E-592-73</_dlc_DocId>
@@ -23747,7 +23559,7 @@
 </p:properties>
 </file>
 
-<file path=customXml/item3.xml><?xml version="1.0" encoding="utf-8"?>
+<file path=customXml/item2.xml><?xml version="1.0" encoding="utf-8"?>
 <ct:contentTypeSchema xmlns:ct="http://schemas.microsoft.com/office/2006/metadata/contentType" xmlns:ma="http://schemas.microsoft.com/office/2006/metadata/properties/metaAttributes" ct:_="" ma:_="" ma:contentTypeName="Document" ma:contentTypeID="0x0101000812F700BE7F874999720E88173FE491" ma:contentTypeVersion="0" ma:contentTypeDescription="Create a new document." ma:contentTypeScope="" ma:versionID="3f79f408e2ca720b7aba6e0e32464d0c">
   <xsd:schema xmlns:xsd="http://www.w3.org/2001/XMLSchema" xmlns:xs="http://www.w3.org/2001/XMLSchema" xmlns:p="http://schemas.microsoft.com/office/2006/metadata/properties" xmlns:ns2="7bb5d761-a2ea-4873-95f7-7a6658fb3ef0" targetNamespace="http://schemas.microsoft.com/office/2006/metadata/properties" ma:root="true" ma:fieldsID="1e062cd38ba31e406bfc4340fbc7f87a" ns2:_="">
     <xsd:import namespace="7bb5d761-a2ea-4873-95f7-7a6658fb3ef0"/>
@@ -23892,7 +23704,7 @@
 </ct:contentTypeSchema>
 </file>
 
-<file path=customXml/item4.xml><?xml version="1.0" encoding="utf-8"?>
+<file path=customXml/item3.xml><?xml version="1.0" encoding="utf-8"?>
 <?mso-contentType ?>
 <spe:Receivers xmlns:spe="http://schemas.microsoft.com/sharepoint/events">
   <Receiver>
@@ -23938,15 +23750,16 @@
 </spe:Receivers>
 </file>
 
-<file path=customXml/itemProps1.xml><?xml version="1.0" encoding="utf-8"?>
-<ds:datastoreItem xmlns:ds="http://schemas.openxmlformats.org/officeDocument/2006/customXml" ds:itemID="{5CDEB364-43EC-4510-9881-539C2A3FCE9E}">
-  <ds:schemaRefs>
-    <ds:schemaRef ds:uri="http://schemas.microsoft.com/sharepoint/v3/contenttype/forms"/>
-  </ds:schemaRefs>
-</ds:datastoreItem>
+<file path=customXml/item4.xml><?xml version="1.0" encoding="utf-8"?>
+<?mso-contentType ?>
+<FormTemplates xmlns="http://schemas.microsoft.com/sharepoint/v3/contenttype/forms">
+  <Display>DocumentLibraryForm</Display>
+  <Edit>DocumentLibraryForm</Edit>
+  <New>DocumentLibraryForm</New>
+</FormTemplates>
 </file>
 
-<file path=customXml/itemProps2.xml><?xml version="1.0" encoding="utf-8"?>
+<file path=customXml/itemProps1.xml><?xml version="1.0" encoding="utf-8"?>
 <ds:datastoreItem xmlns:ds="http://schemas.openxmlformats.org/officeDocument/2006/customXml" ds:itemID="{6921749B-AEB7-461B-845F-603CABD25259}">
   <ds:schemaRefs>
     <ds:schemaRef ds:uri="http://schemas.microsoft.com/office/2006/documentManagement/types"/>
@@ -23962,7 +23775,7 @@
 </ds:datastoreItem>
 </file>
 
-<file path=customXml/itemProps3.xml><?xml version="1.0" encoding="utf-8"?>
+<file path=customXml/itemProps2.xml><?xml version="1.0" encoding="utf-8"?>
 <ds:datastoreItem xmlns:ds="http://schemas.openxmlformats.org/officeDocument/2006/customXml" ds:itemID="{164479E5-0B02-49AC-B79E-EC1D6164DDD3}">
   <ds:schemaRefs>
     <ds:schemaRef ds:uri="http://schemas.microsoft.com/office/2006/metadata/contentType"/>
@@ -23980,10 +23793,18 @@
 </ds:datastoreItem>
 </file>
 
-<file path=customXml/itemProps4.xml><?xml version="1.0" encoding="utf-8"?>
+<file path=customXml/itemProps3.xml><?xml version="1.0" encoding="utf-8"?>
 <ds:datastoreItem xmlns:ds="http://schemas.openxmlformats.org/officeDocument/2006/customXml" ds:itemID="{B13EBC30-FE27-4C6A-B723-23FC2188F7DC}">
   <ds:schemaRefs>
     <ds:schemaRef ds:uri="http://schemas.microsoft.com/sharepoint/events"/>
   </ds:schemaRefs>
 </ds:datastoreItem>
+</file>
+
+<file path=customXml/itemProps4.xml><?xml version="1.0" encoding="utf-8"?>
+<ds:datastoreItem xmlns:ds="http://schemas.openxmlformats.org/officeDocument/2006/customXml" ds:itemID="{5CDEB364-43EC-4510-9881-539C2A3FCE9E}">
+  <ds:schemaRefs>
+    <ds:schemaRef ds:uri="http://schemas.microsoft.com/sharepoint/v3/contenttype/forms"/>
+  </ds:schemaRefs>
+</ds:datastoreItem>
 </file>
--- a/04-creating-custom-profiles.pptx
+++ b/04-creating-custom-profiles.pptx
@@ -21,12 +21,12 @@
     <p:sldId id="279" r:id="rId13"/>
     <p:sldId id="293" r:id="rId14"/>
     <p:sldId id="281" r:id="rId15"/>
-    <p:sldId id="294" r:id="rId16"/>
+    <p:sldId id="316" r:id="rId16"/>
     <p:sldId id="295" r:id="rId17"/>
     <p:sldId id="288" r:id="rId18"/>
     <p:sldId id="297" r:id="rId19"/>
     <p:sldId id="298" r:id="rId20"/>
-    <p:sldId id="299" r:id="rId21"/>
+    <p:sldId id="317" r:id="rId21"/>
     <p:sldId id="300" r:id="rId22"/>
     <p:sldId id="303" r:id="rId23"/>
     <p:sldId id="301" r:id="rId24"/>
@@ -2472,6 +2472,9 @@
               <a:cs typeface="Courier New" panose="02070309020205020404" pitchFamily="49" charset="0"/>
             </a:endParaRPr>
           </a:p>
+          <a:p>
+            <a:endParaRPr lang="en-US" dirty="0"/>
+          </a:p>
         </p:txBody>
       </p:sp>
       <p:sp>
@@ -2550,7 +2553,7 @@
     </p:spTree>
     <p:extLst>
       <p:ext uri="{BB962C8B-B14F-4D97-AF65-F5344CB8AC3E}">
-        <p14:creationId xmlns:p14="http://schemas.microsoft.com/office/powerpoint/2010/main" val="924334471"/>
+        <p14:creationId xmlns:p14="http://schemas.microsoft.com/office/powerpoint/2010/main" val="399090686"/>
       </p:ext>
     </p:extLst>
   </p:cSld>
@@ -7617,6 +7620,9 @@
             </a:pPr>
             <a:endParaRPr lang="en-US" dirty="0" smtClean="0"/>
           </a:p>
+          <a:p>
+            <a:endParaRPr lang="en-US" dirty="0"/>
+          </a:p>
         </p:txBody>
       </p:sp>
       <p:sp>
@@ -7695,7 +7701,7 @@
     </p:spTree>
     <p:extLst>
       <p:ext uri="{BB962C8B-B14F-4D97-AF65-F5344CB8AC3E}">
-        <p14:creationId xmlns:p14="http://schemas.microsoft.com/office/powerpoint/2010/main" val="2118776408"/>
+        <p14:creationId xmlns:p14="http://schemas.microsoft.com/office/powerpoint/2010/main" val="88980899"/>
       </p:ext>
     </p:extLst>
   </p:cSld>
@@ -8487,14 +8493,14 @@
           </a:ln>
           <a:extLst>
             <a:ext uri="{909E8E84-426E-40dd-AFC4-6F175D3DCCD1}">
-              <a14:hiddenFill xmlns="" xmlns:a14="http://schemas.microsoft.com/office/drawing/2010/main">
+              <a14:hiddenFill xmlns:a14="http://schemas.microsoft.com/office/drawing/2010/main" xmlns="">
                 <a:solidFill>
                   <a:srgbClr val="FFFFFF"/>
                 </a:solidFill>
               </a14:hiddenFill>
             </a:ext>
             <a:ext uri="{91240B29-F687-4f45-9708-019B960494DF}">
-              <a14:hiddenLine xmlns="" xmlns:a14="http://schemas.microsoft.com/office/drawing/2010/main" w="9525">
+              <a14:hiddenLine xmlns:a14="http://schemas.microsoft.com/office/drawing/2010/main" xmlns="" w="9525">
                 <a:solidFill>
                   <a:srgbClr val="000000"/>
                 </a:solidFill>
@@ -8642,14 +8648,14 @@
           </a:ln>
           <a:extLst>
             <a:ext uri="{909E8E84-426E-40dd-AFC4-6F175D3DCCD1}">
-              <a14:hiddenFill xmlns="" xmlns:a14="http://schemas.microsoft.com/office/drawing/2010/main">
+              <a14:hiddenFill xmlns:a14="http://schemas.microsoft.com/office/drawing/2010/main" xmlns="">
                 <a:solidFill>
                   <a:srgbClr val="FFFFFF"/>
                 </a:solidFill>
               </a14:hiddenFill>
             </a:ext>
             <a:ext uri="{91240B29-F687-4f45-9708-019B960494DF}">
-              <a14:hiddenLine xmlns="" xmlns:a14="http://schemas.microsoft.com/office/drawing/2010/main" w="9525">
+              <a14:hiddenLine xmlns:a14="http://schemas.microsoft.com/office/drawing/2010/main" xmlns="" w="9525">
                 <a:solidFill>
                   <a:srgbClr val="000000"/>
                 </a:solidFill>
@@ -9140,14 +9146,14 @@
           </a:ln>
           <a:extLst>
             <a:ext uri="{909E8E84-426E-40dd-AFC4-6F175D3DCCD1}">
-              <a14:hiddenFill xmlns="" xmlns:a14="http://schemas.microsoft.com/office/drawing/2010/main">
+              <a14:hiddenFill xmlns:a14="http://schemas.microsoft.com/office/drawing/2010/main" xmlns="">
                 <a:solidFill>
                   <a:srgbClr val="FFFFFF"/>
                 </a:solidFill>
               </a14:hiddenFill>
             </a:ext>
             <a:ext uri="{91240B29-F687-4f45-9708-019B960494DF}">
-              <a14:hiddenLine xmlns="" xmlns:a14="http://schemas.microsoft.com/office/drawing/2010/main" w="9525">
+              <a14:hiddenLine xmlns:a14="http://schemas.microsoft.com/office/drawing/2010/main" xmlns="" w="9525">
                 <a:solidFill>
                   <a:srgbClr val="000000"/>
                 </a:solidFill>
@@ -9673,14 +9679,14 @@
           </a:ln>
           <a:extLst>
             <a:ext uri="{909E8E84-426E-40dd-AFC4-6F175D3DCCD1}">
-              <a14:hiddenFill xmlns="" xmlns:a14="http://schemas.microsoft.com/office/drawing/2010/main">
+              <a14:hiddenFill xmlns:a14="http://schemas.microsoft.com/office/drawing/2010/main" xmlns="">
                 <a:solidFill>
                   <a:srgbClr val="FFFFFF"/>
                 </a:solidFill>
               </a14:hiddenFill>
             </a:ext>
             <a:ext uri="{91240B29-F687-4f45-9708-019B960494DF}">
-              <a14:hiddenLine xmlns="" xmlns:a14="http://schemas.microsoft.com/office/drawing/2010/main" w="9525">
+              <a14:hiddenLine xmlns:a14="http://schemas.microsoft.com/office/drawing/2010/main" xmlns="" w="9525">
                 <a:solidFill>
                   <a:srgbClr val="000000"/>
                 </a:solidFill>
@@ -11304,14 +11310,14 @@
           </a:ln>
           <a:extLst>
             <a:ext uri="{909E8E84-426E-40dd-AFC4-6F175D3DCCD1}">
-              <a14:hiddenFill xmlns="" xmlns:a14="http://schemas.microsoft.com/office/drawing/2010/main">
+              <a14:hiddenFill xmlns:a14="http://schemas.microsoft.com/office/drawing/2010/main" xmlns="">
                 <a:solidFill>
                   <a:srgbClr val="FFFFFF"/>
                 </a:solidFill>
               </a14:hiddenFill>
             </a:ext>
             <a:ext uri="{91240B29-F687-4f45-9708-019B960494DF}">
-              <a14:hiddenLine xmlns="" xmlns:a14="http://schemas.microsoft.com/office/drawing/2010/main" w="9525">
+              <a14:hiddenLine xmlns:a14="http://schemas.microsoft.com/office/drawing/2010/main" xmlns="" w="9525">
                 <a:solidFill>
                   <a:srgbClr val="000000"/>
                 </a:solidFill>
@@ -12665,14 +12671,14 @@
           </a:ln>
           <a:extLst>
             <a:ext uri="{909E8E84-426E-40dd-AFC4-6F175D3DCCD1}">
-              <a14:hiddenFill xmlns="" xmlns:a14="http://schemas.microsoft.com/office/drawing/2010/main">
+              <a14:hiddenFill xmlns:a14="http://schemas.microsoft.com/office/drawing/2010/main" xmlns="">
                 <a:solidFill>
                   <a:srgbClr val="FFFFFF"/>
                 </a:solidFill>
               </a14:hiddenFill>
             </a:ext>
             <a:ext uri="{91240B29-F687-4f45-9708-019B960494DF}">
-              <a14:hiddenLine xmlns="" xmlns:a14="http://schemas.microsoft.com/office/drawing/2010/main" w="9525">
+              <a14:hiddenLine xmlns:a14="http://schemas.microsoft.com/office/drawing/2010/main" xmlns="" w="9525">
                 <a:solidFill>
                   <a:srgbClr val="000000"/>
                 </a:solidFill>
@@ -13178,14 +13184,14 @@
           </a:ln>
           <a:extLst>
             <a:ext uri="{909E8E84-426E-40dd-AFC4-6F175D3DCCD1}">
-              <a14:hiddenFill xmlns="" xmlns:a14="http://schemas.microsoft.com/office/drawing/2010/main">
+              <a14:hiddenFill xmlns:a14="http://schemas.microsoft.com/office/drawing/2010/main" xmlns="">
                 <a:solidFill>
                   <a:srgbClr val="FFFFFF"/>
                 </a:solidFill>
               </a14:hiddenFill>
             </a:ext>
             <a:ext uri="{91240B29-F687-4f45-9708-019B960494DF}">
-              <a14:hiddenLine xmlns="" xmlns:a14="http://schemas.microsoft.com/office/drawing/2010/main" w="9525">
+              <a14:hiddenLine xmlns:a14="http://schemas.microsoft.com/office/drawing/2010/main" xmlns="" w="9525">
                 <a:solidFill>
                   <a:srgbClr val="000000"/>
                 </a:solidFill>
@@ -13752,14 +13758,14 @@
           </a:ln>
           <a:extLst>
             <a:ext uri="{909E8E84-426E-40dd-AFC4-6F175D3DCCD1}">
-              <a14:hiddenFill xmlns="" xmlns:a14="http://schemas.microsoft.com/office/drawing/2010/main">
+              <a14:hiddenFill xmlns:a14="http://schemas.microsoft.com/office/drawing/2010/main" xmlns="">
                 <a:solidFill>
                   <a:srgbClr val="FFFFFF"/>
                 </a:solidFill>
               </a14:hiddenFill>
             </a:ext>
             <a:ext uri="{91240B29-F687-4f45-9708-019B960494DF}">
-              <a14:hiddenLine xmlns="" xmlns:a14="http://schemas.microsoft.com/office/drawing/2010/main" w="9525">
+              <a14:hiddenLine xmlns:a14="http://schemas.microsoft.com/office/drawing/2010/main" xmlns="" w="9525">
                 <a:solidFill>
                   <a:srgbClr val="000000"/>
                 </a:solidFill>
@@ -14699,14 +14705,14 @@
           </a:ln>
           <a:extLst>
             <a:ext uri="{909E8E84-426E-40dd-AFC4-6F175D3DCCD1}">
-              <a14:hiddenFill xmlns="" xmlns:a14="http://schemas.microsoft.com/office/drawing/2010/main">
+              <a14:hiddenFill xmlns:a14="http://schemas.microsoft.com/office/drawing/2010/main" xmlns="">
                 <a:solidFill>
                   <a:srgbClr val="FFFFFF"/>
                 </a:solidFill>
               </a14:hiddenFill>
             </a:ext>
             <a:ext uri="{91240B29-F687-4f45-9708-019B960494DF}">
-              <a14:hiddenLine xmlns="" xmlns:a14="http://schemas.microsoft.com/office/drawing/2010/main" w="9525">
+              <a14:hiddenLine xmlns:a14="http://schemas.microsoft.com/office/drawing/2010/main" xmlns="" w="9525">
                 <a:solidFill>
                   <a:srgbClr val="000000"/>
                 </a:solidFill>
@@ -15459,14 +15465,14 @@
           </a:ln>
           <a:extLst>
             <a:ext uri="{909E8E84-426E-40dd-AFC4-6F175D3DCCD1}">
-              <a14:hiddenFill xmlns="" xmlns:a14="http://schemas.microsoft.com/office/drawing/2010/main">
+              <a14:hiddenFill xmlns:a14="http://schemas.microsoft.com/office/drawing/2010/main" xmlns="">
                 <a:solidFill>
                   <a:srgbClr val="FFFFFF"/>
                 </a:solidFill>
               </a14:hiddenFill>
             </a:ext>
             <a:ext uri="{91240B29-F687-4f45-9708-019B960494DF}">
-              <a14:hiddenLine xmlns="" xmlns:a14="http://schemas.microsoft.com/office/drawing/2010/main" w="9525">
+              <a14:hiddenLine xmlns:a14="http://schemas.microsoft.com/office/drawing/2010/main" xmlns="" w="9525">
                 <a:solidFill>
                   <a:srgbClr val="000000"/>
                 </a:solidFill>
@@ -16295,146 +16301,117 @@
       </p:grpSpPr>
       <p:sp>
         <p:nvSpPr>
-          <p:cNvPr id="2" name="Content Placeholder 1"/>
-          <p:cNvSpPr>
-            <a:spLocks noGrp="1"/>
-          </p:cNvSpPr>
-          <p:nvPr>
-            <p:ph sz="quarter" idx="10"/>
-          </p:nvPr>
-        </p:nvSpPr>
-        <p:spPr>
-          <a:xfrm>
-            <a:off x="1121104" y="2472077"/>
-            <a:ext cx="14423693" cy="5580480"/>
-          </a:xfrm>
-        </p:spPr>
+          <p:cNvPr id="2" name="Title 1"/>
+          <p:cNvSpPr>
+            <a:spLocks noGrp="1"/>
+          </p:cNvSpPr>
+          <p:nvPr>
+            <p:ph type="title"/>
+          </p:nvPr>
+        </p:nvSpPr>
+        <p:spPr/>
         <p:txBody>
           <a:bodyPr/>
           <a:lstStyle/>
           <a:p>
             <a:r>
               <a:rPr lang="en-US" dirty="0"/>
-              <a:t>name '</a:t>
-            </a:r>
-            <a:r>
-              <a:rPr lang="en-US" dirty="0" err="1"/>
-              <a:t>myname</a:t>
-            </a:r>
-            <a:r>
-              <a:rPr lang="en-US" dirty="0"/>
-              <a:t>/profile'</a:t>
-            </a:r>
-          </a:p>
-          <a:p>
-            <a:r>
-              <a:rPr lang="en-US" dirty="0"/>
-              <a:t>version '0.1.0'</a:t>
-            </a:r>
-          </a:p>
-          <a:p>
-            <a:r>
-              <a:rPr lang="en-US" dirty="0"/>
-              <a:t>title '</a:t>
-            </a:r>
-            <a:r>
-              <a:rPr lang="en-US" dirty="0" err="1"/>
-              <a:t>MyName</a:t>
-            </a:r>
-            <a:r>
-              <a:rPr lang="en-US" dirty="0"/>
-              <a:t> Profile'</a:t>
-            </a:r>
-          </a:p>
-          <a:p>
-            <a:r>
-              <a:rPr lang="en-US" dirty="0"/>
-              <a:t>maintainer 'My Name'</a:t>
-            </a:r>
-          </a:p>
-          <a:p>
-            <a:r>
-              <a:rPr lang="en-US" dirty="0" smtClean="0"/>
-              <a:t> </a:t>
-            </a:r>
-            <a:endParaRPr lang="en-US" dirty="0"/>
-          </a:p>
-        </p:txBody>
-      </p:sp>
-      <p:sp>
-        <p:nvSpPr>
-          <p:cNvPr id="3" name="Text Placeholder 2"/>
-          <p:cNvSpPr>
-            <a:spLocks noGrp="1"/>
-          </p:cNvSpPr>
-          <p:nvPr>
-            <p:ph type="body" sz="quarter" idx="11"/>
-          </p:nvPr>
-        </p:nvSpPr>
-        <p:spPr>
-          <a:xfrm>
-            <a:off x="1121104" y="1337149"/>
-            <a:ext cx="14422528" cy="978813"/>
-          </a:xfrm>
-        </p:spPr>
+              <a:t>GE: Add Values to the metadata.rb</a:t>
+            </a:r>
+          </a:p>
+        </p:txBody>
+      </p:sp>
+      <p:sp>
+        <p:nvSpPr>
+          <p:cNvPr id="3" name="Content Placeholder 2"/>
+          <p:cNvSpPr>
+            <a:spLocks noGrp="1"/>
+          </p:cNvSpPr>
+          <p:nvPr>
+            <p:ph sz="quarter" idx="10"/>
+          </p:nvPr>
+        </p:nvSpPr>
+        <p:spPr/>
         <p:txBody>
           <a:bodyPr/>
           <a:lstStyle/>
           <a:p>
-            <a:pPr>
-              <a:lnSpc>
-                <a:spcPct val="90000"/>
-              </a:lnSpc>
-              <a:spcBef>
-                <a:spcPct val="30000"/>
-              </a:spcBef>
-              <a:spcAft>
-                <a:spcPts val="450"/>
-              </a:spcAft>
-              <a:buSzTx/>
-              <a:defRPr/>
-            </a:pPr>
+            <a:r>
+              <a:rPr lang="en-US" b="1" dirty="0"/>
+              <a:t>name '</a:t>
+            </a:r>
+            <a:r>
+              <a:rPr lang="en-US" b="1" dirty="0" err="1"/>
+              <a:t>myname</a:t>
+            </a:r>
+            <a:r>
+              <a:rPr lang="en-US" b="1" dirty="0"/>
+              <a:t>/profile'</a:t>
+            </a:r>
+          </a:p>
+          <a:p>
+            <a:r>
+              <a:rPr lang="en-US" b="1" dirty="0"/>
+              <a:t>version '0.1.0'</a:t>
+            </a:r>
+          </a:p>
+          <a:p>
+            <a:r>
+              <a:rPr lang="en-US" b="1" dirty="0"/>
+              <a:t>title '</a:t>
+            </a:r>
+            <a:r>
+              <a:rPr lang="en-US" b="1" dirty="0" err="1"/>
+              <a:t>MyName</a:t>
+            </a:r>
+            <a:r>
+              <a:rPr lang="en-US" b="1" dirty="0"/>
+              <a:t> Profile'</a:t>
+            </a:r>
+          </a:p>
+          <a:p>
+            <a:r>
+              <a:rPr lang="en-US" b="1" dirty="0"/>
+              <a:t>maintainer 'My Name'</a:t>
+            </a:r>
+          </a:p>
+          <a:p>
+            <a:endParaRPr lang="en-US" dirty="0"/>
+          </a:p>
+        </p:txBody>
+      </p:sp>
+      <p:sp>
+        <p:nvSpPr>
+          <p:cNvPr id="4" name="Text Placeholder 3"/>
+          <p:cNvSpPr>
+            <a:spLocks noGrp="1"/>
+          </p:cNvSpPr>
+          <p:nvPr>
+            <p:ph type="body" sz="quarter" idx="11"/>
+          </p:nvPr>
+        </p:nvSpPr>
+        <p:spPr/>
+        <p:txBody>
+          <a:bodyPr/>
+          <a:lstStyle/>
+          <a:p>
+            <a:endParaRPr lang="en-US" dirty="0" smtClean="0"/>
+          </a:p>
+          <a:p>
+            <a:r>
+              <a:rPr lang="en-US" dirty="0" smtClean="0"/>
+              <a:t>~/</a:t>
+            </a:r>
+            <a:r>
+              <a:rPr lang="en-US" dirty="0" err="1"/>
+              <a:t>compliance_profiles</a:t>
+            </a:r>
             <a:r>
               <a:rPr lang="en-US" dirty="0"/>
-              <a:t>$ </a:t>
-            </a:r>
-            <a:r>
-              <a:rPr lang="en-US" dirty="0" smtClean="0"/>
-              <a:t>~/</a:t>
-            </a:r>
-            <a:r>
-              <a:rPr lang="en-US" dirty="0" err="1" smtClean="0"/>
-              <a:t>compliance_profiles</a:t>
-            </a:r>
-            <a:r>
-              <a:rPr lang="en-US" dirty="0" smtClean="0"/>
               <a:t>/profile_01/metadata.rb</a:t>
             </a:r>
-            <a:endParaRPr lang="en-US" dirty="0"/>
-          </a:p>
-        </p:txBody>
-      </p:sp>
-      <p:sp>
-        <p:nvSpPr>
-          <p:cNvPr id="5" name="Title 4"/>
-          <p:cNvSpPr>
-            <a:spLocks noGrp="1"/>
-          </p:cNvSpPr>
-          <p:nvPr>
-            <p:ph type="title"/>
-          </p:nvPr>
-        </p:nvSpPr>
-        <p:spPr/>
-        <p:txBody>
-          <a:bodyPr>
-            <a:normAutofit/>
-          </a:bodyPr>
-          <a:lstStyle/>
-          <a:p>
-            <a:r>
-              <a:rPr lang="en-US" dirty="0" smtClean="0"/>
-              <a:t>GE: Add Values to the metadata.rb</a:t>
-            </a:r>
+          </a:p>
+          <a:p>
             <a:endParaRPr lang="en-US" dirty="0"/>
           </a:p>
         </p:txBody>
@@ -16442,7 +16419,7 @@
     </p:spTree>
     <p:extLst>
       <p:ext uri="{BB962C8B-B14F-4D97-AF65-F5344CB8AC3E}">
-        <p14:creationId xmlns:p14="http://schemas.microsoft.com/office/powerpoint/2010/main" val="4279987203"/>
+        <p14:creationId xmlns:p14="http://schemas.microsoft.com/office/powerpoint/2010/main" val="4238199917"/>
       </p:ext>
     </p:extLst>
   </p:cSld>
@@ -16452,13 +16429,6 @@
   <p:transition spd="med">
     <p:fade/>
   </p:transition>
-  <p:timing>
-    <p:tnLst>
-      <p:par>
-        <p:cTn id="1" dur="indefinite" restart="never" nodeType="tmRoot"/>
-      </p:par>
-    </p:tnLst>
-  </p:timing>
 </p:sld>
 </file>
 
@@ -17359,227 +17329,254 @@
       </p:grpSpPr>
       <p:sp>
         <p:nvSpPr>
-          <p:cNvPr id="2" name="Content Placeholder 1"/>
-          <p:cNvSpPr>
-            <a:spLocks noGrp="1"/>
-          </p:cNvSpPr>
-          <p:nvPr>
-            <p:ph sz="quarter" idx="10"/>
-          </p:nvPr>
-        </p:nvSpPr>
-        <p:spPr>
-          <a:xfrm>
-            <a:off x="1121104" y="2158374"/>
-            <a:ext cx="14423693" cy="5829509"/>
-          </a:xfrm>
-        </p:spPr>
+          <p:cNvPr id="2" name="Title 1"/>
+          <p:cNvSpPr>
+            <a:spLocks noGrp="1"/>
+          </p:cNvSpPr>
+          <p:nvPr>
+            <p:ph type="title"/>
+          </p:nvPr>
+        </p:nvSpPr>
+        <p:spPr/>
         <p:txBody>
           <a:bodyPr/>
           <a:lstStyle/>
           <a:p>
             <a:r>
-              <a:rPr lang="en-US" sz="1200" b="1" dirty="0"/>
+              <a:rPr lang="en-US" dirty="0"/>
+              <a:t>GE: Write the Control Called </a:t>
+            </a:r>
+            <a:r>
+              <a:rPr lang="en-US" dirty="0" err="1"/>
+              <a:t>tmp.rb</a:t>
+            </a:r>
+            <a:endParaRPr lang="en-US" dirty="0"/>
+          </a:p>
+        </p:txBody>
+      </p:sp>
+      <p:sp>
+        <p:nvSpPr>
+          <p:cNvPr id="3" name="Content Placeholder 2"/>
+          <p:cNvSpPr>
+            <a:spLocks noGrp="1"/>
+          </p:cNvSpPr>
+          <p:nvPr>
+            <p:ph sz="quarter" idx="10"/>
+          </p:nvPr>
+        </p:nvSpPr>
+        <p:spPr/>
+        <p:txBody>
+          <a:bodyPr>
+            <a:normAutofit fontScale="55000" lnSpcReduction="20000"/>
+          </a:bodyPr>
+          <a:lstStyle/>
+          <a:p>
+            <a:r>
+              <a:rPr lang="en-US" b="1" dirty="0"/>
               <a:t>title '/</a:t>
             </a:r>
             <a:r>
-              <a:rPr lang="en-US" sz="1200" b="1" dirty="0" err="1"/>
+              <a:rPr lang="en-US" b="1" dirty="0" err="1"/>
               <a:t>tmp</a:t>
             </a:r>
             <a:r>
-              <a:rPr lang="en-US" sz="1200" b="1" dirty="0"/>
+              <a:rPr lang="en-US" b="1" dirty="0"/>
               <a:t> profile'</a:t>
             </a:r>
           </a:p>
           <a:p>
-            <a:endParaRPr lang="en-US" sz="1200" b="1" dirty="0"/>
-          </a:p>
-          <a:p>
-            <a:r>
-              <a:rPr lang="en-US" sz="1200" b="1" dirty="0"/>
+            <a:endParaRPr lang="en-US" b="1" dirty="0"/>
+          </a:p>
+          <a:p>
+            <a:r>
+              <a:rPr lang="en-US" b="1" dirty="0"/>
               <a:t>control "tmp-1.0" do</a:t>
             </a:r>
           </a:p>
           <a:p>
-            <a:endParaRPr lang="en-US" sz="1200" b="1" dirty="0"/>
-          </a:p>
-          <a:p>
-            <a:r>
-              <a:rPr lang="en-US" sz="1200" b="1" dirty="0"/>
+            <a:endParaRPr lang="en-US" b="1" dirty="0"/>
+          </a:p>
+          <a:p>
+            <a:r>
+              <a:rPr lang="en-US" b="1" dirty="0"/>
               <a:t>  impact 0.3</a:t>
             </a:r>
           </a:p>
           <a:p>
             <a:r>
-              <a:rPr lang="en-US" sz="1200" b="1" dirty="0"/>
+              <a:rPr lang="en-US" b="1" dirty="0"/>
               <a:t>  title "Create /</a:t>
             </a:r>
             <a:r>
-              <a:rPr lang="en-US" sz="1200" b="1" dirty="0" err="1"/>
+              <a:rPr lang="en-US" b="1" dirty="0" err="1"/>
               <a:t>tmp</a:t>
             </a:r>
             <a:r>
-              <a:rPr lang="en-US" sz="1200" b="1" dirty="0"/>
+              <a:rPr lang="en-US" b="1" dirty="0"/>
               <a:t> directory"</a:t>
             </a:r>
           </a:p>
           <a:p>
             <a:r>
-              <a:rPr lang="en-US" sz="1200" b="1" dirty="0"/>
+              <a:rPr lang="en-US" b="1" dirty="0"/>
               <a:t>  </a:t>
             </a:r>
             <a:r>
-              <a:rPr lang="en-US" sz="1200" b="1" dirty="0" err="1"/>
+              <a:rPr lang="en-US" b="1" dirty="0" err="1"/>
               <a:t>desc</a:t>
             </a:r>
             <a:r>
-              <a:rPr lang="en-US" sz="1200" b="1" dirty="0"/>
+              <a:rPr lang="en-US" b="1" dirty="0"/>
               <a:t> "A /</a:t>
             </a:r>
             <a:r>
-              <a:rPr lang="en-US" sz="1200" b="1" dirty="0" err="1"/>
+              <a:rPr lang="en-US" b="1" dirty="0" err="1"/>
               <a:t>tmp</a:t>
             </a:r>
             <a:r>
-              <a:rPr lang="en-US" sz="1200" b="1" dirty="0"/>
+              <a:rPr lang="en-US" b="1" dirty="0"/>
               <a:t> directory must exist"</a:t>
             </a:r>
           </a:p>
           <a:p>
             <a:r>
-              <a:rPr lang="en-US" sz="1200" b="1" dirty="0"/>
+              <a:rPr lang="en-US" b="1" dirty="0"/>
               <a:t>  describe file('/</a:t>
             </a:r>
             <a:r>
-              <a:rPr lang="en-US" sz="1200" b="1" dirty="0" err="1"/>
+              <a:rPr lang="en-US" b="1" dirty="0" err="1"/>
               <a:t>tmp</a:t>
             </a:r>
             <a:r>
-              <a:rPr lang="en-US" sz="1200" b="1" dirty="0"/>
+              <a:rPr lang="en-US" b="1" dirty="0"/>
               <a:t>') do</a:t>
             </a:r>
           </a:p>
           <a:p>
             <a:r>
-              <a:rPr lang="en-US" sz="1200" b="1" dirty="0"/>
+              <a:rPr lang="en-US" b="1" dirty="0"/>
               <a:t>    it { should </a:t>
             </a:r>
             <a:r>
-              <a:rPr lang="en-US" sz="1200" b="1" dirty="0" err="1"/>
+              <a:rPr lang="en-US" b="1" dirty="0" err="1"/>
               <a:t>be_directory</a:t>
             </a:r>
             <a:r>
-              <a:rPr lang="en-US" sz="1200" b="1" dirty="0"/>
+              <a:rPr lang="en-US" b="1" dirty="0"/>
               <a:t> }</a:t>
             </a:r>
           </a:p>
           <a:p>
             <a:r>
-              <a:rPr lang="en-US" sz="1200" b="1" dirty="0"/>
+              <a:rPr lang="en-US" b="1" dirty="0"/>
               <a:t>  end</a:t>
             </a:r>
           </a:p>
           <a:p>
             <a:r>
-              <a:rPr lang="en-US" sz="1200" b="1" dirty="0"/>
+              <a:rPr lang="en-US" b="1" dirty="0"/>
               <a:t>end</a:t>
             </a:r>
           </a:p>
           <a:p>
-            <a:endParaRPr lang="en-US" sz="1200" b="1" dirty="0"/>
-          </a:p>
-          <a:p>
-            <a:r>
-              <a:rPr lang="en-US" sz="1200" b="1" dirty="0"/>
+            <a:endParaRPr lang="en-US" b="1" dirty="0"/>
+          </a:p>
+          <a:p>
+            <a:r>
+              <a:rPr lang="en-US" b="1" dirty="0"/>
               <a:t>control "tmp-1.1" do</a:t>
             </a:r>
           </a:p>
           <a:p>
             <a:r>
-              <a:rPr lang="en-US" sz="1200" b="1" dirty="0"/>
+              <a:rPr lang="en-US" b="1" dirty="0"/>
               <a:t>  impact 0.3</a:t>
             </a:r>
           </a:p>
           <a:p>
             <a:r>
-              <a:rPr lang="en-US" sz="1200" b="1" dirty="0"/>
+              <a:rPr lang="en-US" b="1" dirty="0"/>
               <a:t>  title "/</a:t>
             </a:r>
             <a:r>
-              <a:rPr lang="en-US" sz="1200" b="1" dirty="0" err="1"/>
+              <a:rPr lang="en-US" b="1" dirty="0" err="1"/>
               <a:t>tmp</a:t>
             </a:r>
             <a:r>
-              <a:rPr lang="en-US" sz="1200" b="1" dirty="0"/>
+              <a:rPr lang="en-US" b="1" dirty="0"/>
               <a:t> directory is owned by the root user"</a:t>
             </a:r>
           </a:p>
           <a:p>
             <a:r>
-              <a:rPr lang="en-US" sz="1200" b="1" dirty="0"/>
+              <a:rPr lang="en-US" b="1" dirty="0"/>
               <a:t>  </a:t>
             </a:r>
             <a:r>
-              <a:rPr lang="en-US" sz="1200" b="1" dirty="0" err="1"/>
+              <a:rPr lang="en-US" b="1" dirty="0" err="1"/>
               <a:t>desc</a:t>
             </a:r>
             <a:r>
-              <a:rPr lang="en-US" sz="1200" b="1" dirty="0"/>
+              <a:rPr lang="en-US" b="1" dirty="0"/>
               <a:t> "The /</a:t>
             </a:r>
             <a:r>
-              <a:rPr lang="en-US" sz="1200" b="1" dirty="0" err="1"/>
+              <a:rPr lang="en-US" b="1" dirty="0" err="1"/>
               <a:t>tmp</a:t>
             </a:r>
             <a:r>
-              <a:rPr lang="en-US" sz="1200" b="1" dirty="0"/>
+              <a:rPr lang="en-US" b="1" dirty="0"/>
               <a:t> directory must be owned by the root user"</a:t>
             </a:r>
           </a:p>
           <a:p>
             <a:r>
-              <a:rPr lang="en-US" sz="1200" b="1" dirty="0"/>
+              <a:rPr lang="en-US" b="1" dirty="0"/>
               <a:t>  describe file('/</a:t>
             </a:r>
             <a:r>
-              <a:rPr lang="en-US" sz="1200" b="1" dirty="0" err="1"/>
+              <a:rPr lang="en-US" b="1" dirty="0" err="1"/>
               <a:t>tmp</a:t>
             </a:r>
             <a:r>
-              <a:rPr lang="en-US" sz="1200" b="1" dirty="0"/>
+              <a:rPr lang="en-US" b="1" dirty="0"/>
               <a:t>') do</a:t>
             </a:r>
           </a:p>
           <a:p>
             <a:r>
-              <a:rPr lang="en-US" sz="1200" b="1" dirty="0"/>
+              <a:rPr lang="en-US" b="1" dirty="0"/>
               <a:t>  it { should </a:t>
             </a:r>
             <a:r>
-              <a:rPr lang="en-US" sz="1200" b="1" dirty="0" err="1"/>
+              <a:rPr lang="en-US" b="1" dirty="0" err="1"/>
               <a:t>be_owned_by</a:t>
             </a:r>
             <a:r>
-              <a:rPr lang="en-US" sz="1200" b="1" dirty="0"/>
+              <a:rPr lang="en-US" b="1" dirty="0"/>
               <a:t> 'root' }</a:t>
             </a:r>
           </a:p>
           <a:p>
             <a:r>
-              <a:rPr lang="en-US" sz="1200" b="1" dirty="0"/>
+              <a:rPr lang="en-US" b="1" dirty="0"/>
               <a:t>  end</a:t>
             </a:r>
           </a:p>
           <a:p>
             <a:r>
-              <a:rPr lang="en-US" sz="1200" b="1" dirty="0"/>
+              <a:rPr lang="en-US" b="1" dirty="0"/>
               <a:t>end</a:t>
             </a:r>
           </a:p>
-        </p:txBody>
-      </p:sp>
-      <p:sp>
-        <p:nvSpPr>
-          <p:cNvPr id="3" name="Text Placeholder 2"/>
+          <a:p>
+            <a:endParaRPr lang="en-US" dirty="0"/>
+          </a:p>
+        </p:txBody>
+      </p:sp>
+      <p:sp>
+        <p:nvSpPr>
+          <p:cNvPr id="4" name="Text Placeholder 3"/>
           <p:cNvSpPr>
             <a:spLocks noGrp="1"/>
           </p:cNvSpPr>
@@ -17592,63 +17589,28 @@
           <a:bodyPr/>
           <a:lstStyle/>
           <a:p>
+            <a:endParaRPr lang="en-US" dirty="0" smtClean="0"/>
+          </a:p>
+          <a:p>
+            <a:r>
+              <a:rPr lang="en-US" dirty="0" smtClean="0"/>
+              <a:t>~/</a:t>
+            </a:r>
+            <a:r>
+              <a:rPr lang="en-US" dirty="0" err="1"/>
+              <a:t>compliance_profiles</a:t>
+            </a:r>
             <a:r>
               <a:rPr lang="en-US" dirty="0"/>
-              <a:t>$ ~</a:t>
-            </a:r>
-            <a:r>
-              <a:rPr lang="en-US" dirty="0" smtClean="0"/>
-              <a:t>/</a:t>
-            </a:r>
-            <a:r>
-              <a:rPr lang="en-US" dirty="0" err="1" smtClean="0"/>
-              <a:t>compliance_profiles</a:t>
-            </a:r>
-            <a:r>
-              <a:rPr lang="en-US" dirty="0" smtClean="0"/>
               <a:t>/profile_01/test/</a:t>
             </a:r>
             <a:r>
-              <a:rPr lang="en-US" dirty="0" err="1" smtClean="0"/>
-              <a:t>tmp</a:t>
-            </a:r>
-            <a:r>
               <a:rPr lang="en-US" dirty="0" err="1"/>
-              <a:t>.</a:t>
-            </a:r>
-            <a:r>
-              <a:rPr lang="en-US" dirty="0" err="1" smtClean="0"/>
-              <a:t>rb</a:t>
+              <a:t>tmp.rb</a:t>
             </a:r>
             <a:endParaRPr lang="en-US" dirty="0"/>
           </a:p>
-        </p:txBody>
-      </p:sp>
-      <p:sp>
-        <p:nvSpPr>
-          <p:cNvPr id="5" name="Title 4"/>
-          <p:cNvSpPr>
-            <a:spLocks noGrp="1"/>
-          </p:cNvSpPr>
-          <p:nvPr>
-            <p:ph type="title"/>
-          </p:nvPr>
-        </p:nvSpPr>
-        <p:spPr/>
-        <p:txBody>
-          <a:bodyPr>
-            <a:normAutofit/>
-          </a:bodyPr>
-          <a:lstStyle/>
-          <a:p>
-            <a:r>
-              <a:rPr lang="en-US" dirty="0" smtClean="0"/>
-              <a:t>GE: Write the Control Called </a:t>
-            </a:r>
-            <a:r>
-              <a:rPr lang="en-US" dirty="0" err="1" smtClean="0"/>
-              <a:t>tmp.rb</a:t>
-            </a:r>
+          <a:p>
             <a:endParaRPr lang="en-US" dirty="0"/>
           </a:p>
         </p:txBody>
@@ -17656,7 +17618,7 @@
     </p:spTree>
     <p:extLst>
       <p:ext uri="{BB962C8B-B14F-4D97-AF65-F5344CB8AC3E}">
-        <p14:creationId xmlns:p14="http://schemas.microsoft.com/office/powerpoint/2010/main" val="2159001988"/>
+        <p14:creationId xmlns:p14="http://schemas.microsoft.com/office/powerpoint/2010/main" val="3106464271"/>
       </p:ext>
     </p:extLst>
   </p:cSld>
@@ -17666,13 +17628,6 @@
   <p:transition spd="med">
     <p:fade/>
   </p:transition>
-  <p:timing>
-    <p:tnLst>
-      <p:par>
-        <p:cTn id="1" dur="indefinite" restart="never" nodeType="tmRoot"/>
-      </p:par>
-    </p:tnLst>
-  </p:timing>
 </p:sld>
 </file>
 
@@ -23548,15 +23503,49 @@
 </file>
 
 <file path=customXml/item1.xml><?xml version="1.0" encoding="utf-8"?>
-<p:properties xmlns:p="http://schemas.microsoft.com/office/2006/metadata/properties" xmlns:xsi="http://www.w3.org/2001/XMLSchema-instance" xmlns:pc="http://schemas.microsoft.com/office/infopath/2007/PartnerControls">
-  <documentManagement>
-    <_dlc_DocId xmlns="7bb5d761-a2ea-4873-95f7-7a6658fb3ef0">M4CWTKMW727E-592-73</_dlc_DocId>
-    <_dlc_DocIdUrl xmlns="7bb5d761-a2ea-4873-95f7-7a6658fb3ef0">
-      <Url>https://kms.vci.local/marketing/team/_layouts/DocIdRedir.aspx?ID=M4CWTKMW727E-592-73</Url>
-      <Description>M4CWTKMW727E-592-73</Description>
-    </_dlc_DocIdUrl>
-  </documentManagement>
-</p:properties>
+<?mso-contentType ?>
+<spe:Receivers xmlns:spe="http://schemas.microsoft.com/sharepoint/events">
+  <Receiver>
+    <Name>Document ID Generator</Name>
+    <Synchronization>Synchronous</Synchronization>
+    <Type>10001</Type>
+    <SequenceNumber>1000</SequenceNumber>
+    <Assembly>Microsoft.Office.DocumentManagement, Version=14.0.0.0, Culture=neutral, PublicKeyToken=71e9bce111e9429c</Assembly>
+    <Class>Microsoft.Office.DocumentManagement.Internal.DocIdHandler</Class>
+    <Data/>
+    <Filter/>
+  </Receiver>
+  <Receiver>
+    <Name>Document ID Generator</Name>
+    <Synchronization>Synchronous</Synchronization>
+    <Type>10002</Type>
+    <SequenceNumber>1001</SequenceNumber>
+    <Assembly>Microsoft.Office.DocumentManagement, Version=14.0.0.0, Culture=neutral, PublicKeyToken=71e9bce111e9429c</Assembly>
+    <Class>Microsoft.Office.DocumentManagement.Internal.DocIdHandler</Class>
+    <Data/>
+    <Filter/>
+  </Receiver>
+  <Receiver>
+    <Name>Document ID Generator</Name>
+    <Synchronization>Synchronous</Synchronization>
+    <Type>10004</Type>
+    <SequenceNumber>1002</SequenceNumber>
+    <Assembly>Microsoft.Office.DocumentManagement, Version=14.0.0.0, Culture=neutral, PublicKeyToken=71e9bce111e9429c</Assembly>
+    <Class>Microsoft.Office.DocumentManagement.Internal.DocIdHandler</Class>
+    <Data/>
+    <Filter/>
+  </Receiver>
+  <Receiver>
+    <Name>Document ID Generator</Name>
+    <Synchronization>Synchronous</Synchronization>
+    <Type>10006</Type>
+    <SequenceNumber>1003</SequenceNumber>
+    <Assembly>Microsoft.Office.DocumentManagement, Version=14.0.0.0, Culture=neutral, PublicKeyToken=71e9bce111e9429c</Assembly>
+    <Class>Microsoft.Office.DocumentManagement.Internal.DocIdHandler</Class>
+    <Data/>
+    <Filter/>
+  </Receiver>
+</spe:Receivers>
 </file>
 
 <file path=customXml/item2.xml><?xml version="1.0" encoding="utf-8"?>
@@ -23705,49 +23694,15 @@
 </file>
 
 <file path=customXml/item3.xml><?xml version="1.0" encoding="utf-8"?>
-<?mso-contentType ?>
-<spe:Receivers xmlns:spe="http://schemas.microsoft.com/sharepoint/events">
-  <Receiver>
-    <Name>Document ID Generator</Name>
-    <Synchronization>Synchronous</Synchronization>
-    <Type>10001</Type>
-    <SequenceNumber>1000</SequenceNumber>
-    <Assembly>Microsoft.Office.DocumentManagement, Version=14.0.0.0, Culture=neutral, PublicKeyToken=71e9bce111e9429c</Assembly>
-    <Class>Microsoft.Office.DocumentManagement.Internal.DocIdHandler</Class>
-    <Data/>
-    <Filter/>
-  </Receiver>
-  <Receiver>
-    <Name>Document ID Generator</Name>
-    <Synchronization>Synchronous</Synchronization>
-    <Type>10002</Type>
-    <SequenceNumber>1001</SequenceNumber>
-    <Assembly>Microsoft.Office.DocumentManagement, Version=14.0.0.0, Culture=neutral, PublicKeyToken=71e9bce111e9429c</Assembly>
-    <Class>Microsoft.Office.DocumentManagement.Internal.DocIdHandler</Class>
-    <Data/>
-    <Filter/>
-  </Receiver>
-  <Receiver>
-    <Name>Document ID Generator</Name>
-    <Synchronization>Synchronous</Synchronization>
-    <Type>10004</Type>
-    <SequenceNumber>1002</SequenceNumber>
-    <Assembly>Microsoft.Office.DocumentManagement, Version=14.0.0.0, Culture=neutral, PublicKeyToken=71e9bce111e9429c</Assembly>
-    <Class>Microsoft.Office.DocumentManagement.Internal.DocIdHandler</Class>
-    <Data/>
-    <Filter/>
-  </Receiver>
-  <Receiver>
-    <Name>Document ID Generator</Name>
-    <Synchronization>Synchronous</Synchronization>
-    <Type>10006</Type>
-    <SequenceNumber>1003</SequenceNumber>
-    <Assembly>Microsoft.Office.DocumentManagement, Version=14.0.0.0, Culture=neutral, PublicKeyToken=71e9bce111e9429c</Assembly>
-    <Class>Microsoft.Office.DocumentManagement.Internal.DocIdHandler</Class>
-    <Data/>
-    <Filter/>
-  </Receiver>
-</spe:Receivers>
+<p:properties xmlns:p="http://schemas.microsoft.com/office/2006/metadata/properties" xmlns:xsi="http://www.w3.org/2001/XMLSchema-instance" xmlns:pc="http://schemas.microsoft.com/office/infopath/2007/PartnerControls">
+  <documentManagement>
+    <_dlc_DocId xmlns="7bb5d761-a2ea-4873-95f7-7a6658fb3ef0">M4CWTKMW727E-592-73</_dlc_DocId>
+    <_dlc_DocIdUrl xmlns="7bb5d761-a2ea-4873-95f7-7a6658fb3ef0">
+      <Url>https://kms.vci.local/marketing/team/_layouts/DocIdRedir.aspx?ID=M4CWTKMW727E-592-73</Url>
+      <Description>M4CWTKMW727E-592-73</Description>
+    </_dlc_DocIdUrl>
+  </documentManagement>
+</p:properties>
 </file>
 
 <file path=customXml/item4.xml><?xml version="1.0" encoding="utf-8"?>
@@ -23760,17 +23715,9 @@
 </file>
 
 <file path=customXml/itemProps1.xml><?xml version="1.0" encoding="utf-8"?>
-<ds:datastoreItem xmlns:ds="http://schemas.openxmlformats.org/officeDocument/2006/customXml" ds:itemID="{6921749B-AEB7-461B-845F-603CABD25259}">
+<ds:datastoreItem xmlns:ds="http://schemas.openxmlformats.org/officeDocument/2006/customXml" ds:itemID="{B13EBC30-FE27-4C6A-B723-23FC2188F7DC}">
   <ds:schemaRefs>
-    <ds:schemaRef ds:uri="http://schemas.microsoft.com/office/2006/documentManagement/types"/>
-    <ds:schemaRef ds:uri="http://schemas.microsoft.com/office/infopath/2007/PartnerControls"/>
-    <ds:schemaRef ds:uri="http://purl.org/dc/elements/1.1/"/>
-    <ds:schemaRef ds:uri="http://schemas.microsoft.com/office/2006/metadata/properties"/>
-    <ds:schemaRef ds:uri="7bb5d761-a2ea-4873-95f7-7a6658fb3ef0"/>
-    <ds:schemaRef ds:uri="http://purl.org/dc/terms/"/>
-    <ds:schemaRef ds:uri="http://schemas.openxmlformats.org/package/2006/metadata/core-properties"/>
-    <ds:schemaRef ds:uri="http://www.w3.org/XML/1998/namespace"/>
-    <ds:schemaRef ds:uri="http://purl.org/dc/dcmitype/"/>
+    <ds:schemaRef ds:uri="http://schemas.microsoft.com/sharepoint/events"/>
   </ds:schemaRefs>
 </ds:datastoreItem>
 </file>
@@ -23794,9 +23741,17 @@
 </file>
 
 <file path=customXml/itemProps3.xml><?xml version="1.0" encoding="utf-8"?>
-<ds:datastoreItem xmlns:ds="http://schemas.openxmlformats.org/officeDocument/2006/customXml" ds:itemID="{B13EBC30-FE27-4C6A-B723-23FC2188F7DC}">
+<ds:datastoreItem xmlns:ds="http://schemas.openxmlformats.org/officeDocument/2006/customXml" ds:itemID="{6921749B-AEB7-461B-845F-603CABD25259}">
   <ds:schemaRefs>
-    <ds:schemaRef ds:uri="http://schemas.microsoft.com/sharepoint/events"/>
+    <ds:schemaRef ds:uri="http://schemas.microsoft.com/office/2006/documentManagement/types"/>
+    <ds:schemaRef ds:uri="http://schemas.microsoft.com/office/infopath/2007/PartnerControls"/>
+    <ds:schemaRef ds:uri="http://purl.org/dc/elements/1.1/"/>
+    <ds:schemaRef ds:uri="http://schemas.microsoft.com/office/2006/metadata/properties"/>
+    <ds:schemaRef ds:uri="7bb5d761-a2ea-4873-95f7-7a6658fb3ef0"/>
+    <ds:schemaRef ds:uri="http://purl.org/dc/terms/"/>
+    <ds:schemaRef ds:uri="http://schemas.openxmlformats.org/package/2006/metadata/core-properties"/>
+    <ds:schemaRef ds:uri="http://www.w3.org/XML/1998/namespace"/>
+    <ds:schemaRef ds:uri="http://purl.org/dc/dcmitype/"/>
   </ds:schemaRefs>
 </ds:datastoreItem>
 </file>

--- a/04-creating-custom-profiles.pptx
+++ b/04-creating-custom-profiles.pptx
@@ -6,10 +6,10 @@
     <p:sldMasterId id="2147483847" r:id="rId6"/>
   </p:sldMasterIdLst>
   <p:notesMasterIdLst>
-    <p:notesMasterId r:id="rId39"/>
+    <p:notesMasterId r:id="rId41"/>
   </p:notesMasterIdLst>
   <p:handoutMasterIdLst>
-    <p:handoutMasterId r:id="rId40"/>
+    <p:handoutMasterId r:id="rId42"/>
   </p:handoutMasterIdLst>
   <p:sldIdLst>
     <p:sldId id="256" r:id="rId7"/>
@@ -40,10 +40,12 @@
     <p:sldId id="312" r:id="rId32"/>
     <p:sldId id="313" r:id="rId33"/>
     <p:sldId id="314" r:id="rId34"/>
-    <p:sldId id="296" r:id="rId35"/>
-    <p:sldId id="302" r:id="rId36"/>
-    <p:sldId id="276" r:id="rId37"/>
-    <p:sldId id="267" r:id="rId38"/>
+    <p:sldId id="318" r:id="rId35"/>
+    <p:sldId id="319" r:id="rId36"/>
+    <p:sldId id="296" r:id="rId37"/>
+    <p:sldId id="302" r:id="rId38"/>
+    <p:sldId id="276" r:id="rId39"/>
+    <p:sldId id="267" r:id="rId40"/>
   </p:sldIdLst>
   <p:sldSz cx="16256000" cy="9144000"/>
   <p:notesSz cx="6858000" cy="9144000"/>
@@ -305,7 +307,7 @@
               <a:pPr>
                 <a:defRPr/>
               </a:pPr>
-              <a:t>2015-12-18</a:t>
+              <a:t>2015-12-29</a:t>
             </a:fld>
             <a:endParaRPr lang="en-US" dirty="0"/>
           </a:p>
@@ -488,7 +490,7 @@
               <a:pPr>
                 <a:defRPr/>
               </a:pPr>
-              <a:t>2015-12-18</a:t>
+              <a:t>2015-12-29</a:t>
             </a:fld>
             <a:endParaRPr lang="en-US" dirty="0"/>
           </a:p>
@@ -5067,255 +5069,17 @@
         <p:spPr/>
         <p:txBody>
           <a:bodyPr>
-            <a:normAutofit fontScale="92500" lnSpcReduction="20000"/>
+            <a:normAutofit/>
           </a:bodyPr>
           <a:lstStyle/>
           <a:p>
-            <a:r>
-              <a:rPr lang="en-US" dirty="0" smtClean="0"/>
-              <a:t>https://github.com/chef/inspec/blob/7f555b902d6860ffe236ff23e4b52f20bac28adc/lib/inspec/profile.rb#L81-L129</a:t>
-            </a:r>
-          </a:p>
-          <a:p>
             <a:endParaRPr lang="en-US" dirty="0" smtClean="0"/>
           </a:p>
           <a:p>
-            <a:pPr marL="0" marR="0" indent="0" algn="l" defTabSz="1217613" rtl="0" eaLnBrk="1" fontAlgn="base" latinLnBrk="0" hangingPunct="1">
-              <a:lnSpc>
-                <a:spcPct val="90000"/>
-              </a:lnSpc>
-              <a:spcBef>
-                <a:spcPct val="30000"/>
-              </a:spcBef>
-              <a:spcAft>
-                <a:spcPts val="450"/>
-              </a:spcAft>
-              <a:buClrTx/>
-              <a:buSzTx/>
-              <a:buFontTx/>
-              <a:buNone/>
-              <a:tabLst/>
-              <a:defRPr/>
-            </a:pPr>
-            <a:r>
-              <a:rPr lang="en-US" dirty="0" smtClean="0"/>
-              <a:t>So your</a:t>
-            </a:r>
-            <a:r>
-              <a:rPr lang="en-US" baseline="0" dirty="0" smtClean="0"/>
-              <a:t> cookbooks will have a </a:t>
-            </a:r>
-            <a:r>
-              <a:rPr lang="en-US" dirty="0" smtClean="0"/>
-              <a:t>metadata.rb.</a:t>
-            </a:r>
-            <a:endParaRPr lang="en-US" dirty="0"/>
-          </a:p>
-          <a:p>
-            <a:pPr marL="0" marR="0" indent="0" algn="l" defTabSz="1217613" rtl="0" eaLnBrk="1" fontAlgn="base" latinLnBrk="0" hangingPunct="1">
-              <a:lnSpc>
-                <a:spcPct val="90000"/>
-              </a:lnSpc>
-              <a:spcBef>
-                <a:spcPct val="30000"/>
-              </a:spcBef>
-              <a:spcAft>
-                <a:spcPts val="450"/>
-              </a:spcAft>
-              <a:buClrTx/>
-              <a:buSzTx/>
-              <a:buFontTx/>
-              <a:buNone/>
-              <a:tabLst/>
-              <a:defRPr/>
-            </a:pPr>
-            <a:r>
-              <a:rPr lang="en-US" dirty="0" smtClean="0"/>
-              <a:t>An</a:t>
-            </a:r>
-            <a:r>
-              <a:rPr lang="en-US" baseline="0" dirty="0" smtClean="0"/>
-              <a:t>d your </a:t>
-            </a:r>
-          </a:p>
-          <a:p>
-            <a:pPr marL="0" marR="0" indent="0" algn="l" defTabSz="1217613" rtl="0" eaLnBrk="1" fontAlgn="base" latinLnBrk="0" hangingPunct="1">
-              <a:lnSpc>
-                <a:spcPct val="90000"/>
-              </a:lnSpc>
-              <a:spcBef>
-                <a:spcPct val="30000"/>
-              </a:spcBef>
-              <a:spcAft>
-                <a:spcPts val="450"/>
-              </a:spcAft>
-              <a:buClrTx/>
-              <a:buSzTx/>
-              <a:buFontTx/>
-              <a:buNone/>
-              <a:tabLst/>
-              <a:defRPr/>
-            </a:pPr>
-            <a:endParaRPr lang="en-US" baseline="0" dirty="0" smtClean="0"/>
-          </a:p>
-          <a:p>
-            <a:r>
-              <a:rPr lang="en-US" sz="1200" b="1" i="0" kern="1200" dirty="0" smtClean="0">
-                <a:solidFill>
-                  <a:schemeClr val="tx1"/>
-                </a:solidFill>
-                <a:effectLst/>
-                <a:latin typeface="Arial" panose="020B0604020202020204" pitchFamily="34" charset="0"/>
-                <a:ea typeface="ＭＳ Ｐゴシック" charset="0"/>
-                <a:cs typeface="Arial" panose="020B0604020202020204" pitchFamily="34" charset="0"/>
-              </a:rPr>
-              <a:t>Adding profiles</a:t>
-            </a:r>
-          </a:p>
-          <a:p>
-            <a:r>
-              <a:rPr lang="en-US" sz="1200" b="0" i="0" kern="1200" dirty="0" smtClean="0">
-                <a:solidFill>
-                  <a:schemeClr val="tx1"/>
-                </a:solidFill>
-                <a:effectLst/>
-                <a:latin typeface="Arial" panose="020B0604020202020204" pitchFamily="34" charset="0"/>
-                <a:ea typeface="ＭＳ Ｐゴシック" charset="0"/>
-                <a:cs typeface="Arial" panose="020B0604020202020204" pitchFamily="34" charset="0"/>
-              </a:rPr>
-              <a:t>Compliance profiles must be packaged in to a .tar.gz or .zip file to be uploaded to the Compliance Server. </a:t>
-            </a:r>
-          </a:p>
-          <a:p>
-            <a:r>
-              <a:rPr lang="en-US" sz="1200" b="0" i="0" kern="1200" dirty="0" smtClean="0">
-                <a:solidFill>
-                  <a:schemeClr val="tx1"/>
-                </a:solidFill>
-                <a:effectLst/>
-                <a:latin typeface="Arial" panose="020B0604020202020204" pitchFamily="34" charset="0"/>
-                <a:ea typeface="ＭＳ Ｐゴシック" charset="0"/>
-                <a:cs typeface="Arial" panose="020B0604020202020204" pitchFamily="34" charset="0"/>
-              </a:rPr>
-              <a:t>The directory structure is as follows (note, this is subject to change.  TODO: link to official docs when </a:t>
-            </a:r>
-            <a:r>
-              <a:rPr lang="en-US" sz="1200" b="0" i="0" kern="1200" dirty="0" err="1" smtClean="0">
-                <a:solidFill>
-                  <a:schemeClr val="tx1"/>
-                </a:solidFill>
-                <a:effectLst/>
-                <a:latin typeface="Arial" panose="020B0604020202020204" pitchFamily="34" charset="0"/>
-                <a:ea typeface="ＭＳ Ｐゴシック" charset="0"/>
-                <a:cs typeface="Arial" panose="020B0604020202020204" pitchFamily="34" charset="0"/>
-              </a:rPr>
-              <a:t>avaialble</a:t>
-            </a:r>
-            <a:r>
-              <a:rPr lang="en-US" sz="1200" b="0" i="0" kern="1200" dirty="0" smtClean="0">
-                <a:solidFill>
-                  <a:schemeClr val="tx1"/>
-                </a:solidFill>
-                <a:effectLst/>
-                <a:latin typeface="Arial" panose="020B0604020202020204" pitchFamily="34" charset="0"/>
-                <a:ea typeface="ＭＳ Ｐゴシック" charset="0"/>
-                <a:cs typeface="Arial" panose="020B0604020202020204" pitchFamily="34" charset="0"/>
-              </a:rPr>
-              <a:t>):</a:t>
-            </a:r>
-          </a:p>
-          <a:p>
-            <a:r>
-              <a:rPr lang="en-US" sz="1200" b="0" i="0" kern="1200" dirty="0" smtClean="0">
-                <a:solidFill>
-                  <a:schemeClr val="tx1"/>
-                </a:solidFill>
-                <a:effectLst/>
-                <a:latin typeface="Arial" panose="020B0604020202020204" pitchFamily="34" charset="0"/>
-                <a:ea typeface="ＭＳ Ｐゴシック" charset="0"/>
-                <a:cs typeface="Arial" panose="020B0604020202020204" pitchFamily="34" charset="0"/>
-              </a:rPr>
-              <a:t>xyz.zip:</a:t>
-            </a:r>
-          </a:p>
-          <a:p>
-            <a:r>
-              <a:rPr lang="en-US" dirty="0" smtClean="0"/>
-              <a:t>.</a:t>
-            </a:r>
-            <a:br>
-              <a:rPr lang="en-US" dirty="0" smtClean="0"/>
-            </a:br>
-            <a:r>
-              <a:rPr lang="en-US" dirty="0" smtClean="0"/>
-              <a:t>├── README.md</a:t>
-            </a:r>
-            <a:br>
-              <a:rPr lang="en-US" dirty="0" smtClean="0"/>
-            </a:br>
-            <a:r>
-              <a:rPr lang="en-US" dirty="0" smtClean="0"/>
-              <a:t>├── metadata.rb</a:t>
-            </a:r>
-            <a:br>
-              <a:rPr lang="en-US" dirty="0" smtClean="0"/>
-            </a:br>
-            <a:r>
-              <a:rPr lang="en-US" dirty="0" smtClean="0"/>
-              <a:t>└── test</a:t>
-            </a:r>
-            <a:br>
-              <a:rPr lang="en-US" dirty="0" smtClean="0"/>
-            </a:br>
-            <a:r>
-              <a:rPr lang="en-US" dirty="0" smtClean="0"/>
-              <a:t>  ├── </a:t>
-            </a:r>
-            <a:r>
-              <a:rPr lang="en-US" dirty="0" err="1" smtClean="0"/>
-              <a:t>foo_spec.rb</a:t>
-            </a:r>
-            <a:r>
-              <a:rPr lang="en-US" dirty="0" smtClean="0"/>
-              <a:t/>
-            </a:r>
-            <a:br>
-              <a:rPr lang="en-US" dirty="0" smtClean="0"/>
-            </a:br>
-            <a:r>
-              <a:rPr lang="en-US" dirty="0" smtClean="0"/>
-              <a:t>  └── </a:t>
-            </a:r>
-            <a:r>
-              <a:rPr lang="en-US" dirty="0" err="1" smtClean="0"/>
-              <a:t>bar_spec.rb</a:t>
-            </a:r>
             <a:endParaRPr lang="en-US" dirty="0" smtClean="0"/>
           </a:p>
           <a:p>
             <a:endParaRPr lang="en-US" dirty="0" smtClean="0"/>
-          </a:p>
-          <a:p>
-            <a:r>
-              <a:rPr lang="en-US" dirty="0" smtClean="0"/>
-              <a:t>As you write controls, </a:t>
-            </a:r>
-            <a:r>
-              <a:rPr lang="en-US" dirty="0" err="1" smtClean="0"/>
-              <a:t>InSpec</a:t>
-            </a:r>
-            <a:r>
-              <a:rPr lang="en-US" dirty="0" smtClean="0"/>
-              <a:t> requires a `test` directory since it </a:t>
-            </a:r>
-            <a:r>
-              <a:rPr lang="en-US" dirty="0" err="1" smtClean="0"/>
-              <a:t>InSpec</a:t>
-            </a:r>
-            <a:r>
-              <a:rPr lang="en-US" dirty="0" smtClean="0"/>
-              <a:t> expect this structure.</a:t>
-            </a:r>
           </a:p>
         </p:txBody>
       </p:sp>
@@ -5395,7 +5159,7 @@
     </p:spTree>
     <p:extLst>
       <p:ext uri="{BB962C8B-B14F-4D97-AF65-F5344CB8AC3E}">
-        <p14:creationId xmlns:p14="http://schemas.microsoft.com/office/powerpoint/2010/main" val="4234763763"/>
+        <p14:creationId xmlns:p14="http://schemas.microsoft.com/office/powerpoint/2010/main" val="4089888830"/>
       </p:ext>
     </p:extLst>
   </p:cSld>
@@ -5447,9 +5211,18 @@
         <p:spPr/>
         <p:txBody>
           <a:bodyPr>
-            <a:normAutofit fontScale="70000" lnSpcReduction="20000"/>
+            <a:normAutofit fontScale="92500" lnSpcReduction="20000"/>
           </a:bodyPr>
           <a:lstStyle/>
+          <a:p>
+            <a:r>
+              <a:rPr lang="en-US" dirty="0" smtClean="0"/>
+              <a:t>https://github.com/chef/inspec/blob/7f555b902d6860ffe236ff23e4b52f20bac28adc/lib/inspec/profile.rb#L81-L129</a:t>
+            </a:r>
+          </a:p>
+          <a:p>
+            <a:endParaRPr lang="en-US" dirty="0" smtClean="0"/>
+          </a:p>
           <a:p>
             <a:pPr marL="0" marR="0" indent="0" algn="l" defTabSz="1217613" rtl="0" eaLnBrk="1" fontAlgn="base" latinLnBrk="0" hangingPunct="1">
               <a:lnSpc>
@@ -5470,99 +5243,17 @@
             </a:pPr>
             <a:r>
               <a:rPr lang="en-US" dirty="0" smtClean="0"/>
-              <a:t>The answer is, as you write controls, </a:t>
-            </a:r>
-            <a:r>
-              <a:rPr lang="en-US" dirty="0" err="1" smtClean="0"/>
-              <a:t>InSpec</a:t>
-            </a:r>
-            <a:r>
-              <a:rPr lang="en-US" dirty="0" smtClean="0"/>
-              <a:t> expects a `test` directory at the same</a:t>
+              <a:t>So your</a:t>
             </a:r>
             <a:r>
               <a:rPr lang="en-US" baseline="0" dirty="0" smtClean="0"/>
-              <a:t> </a:t>
-            </a:r>
-            <a:r>
-              <a:rPr lang="en-US" dirty="0" smtClean="0"/>
-              <a:t>level as the metadata.rb.</a:t>
-            </a:r>
-          </a:p>
-          <a:p>
-            <a:r>
-              <a:rPr lang="en-US" dirty="0" smtClean="0"/>
-              <a:t/>
-            </a:r>
-            <a:br>
-              <a:rPr lang="en-US" dirty="0" smtClean="0"/>
-            </a:br>
-            <a:r>
-              <a:rPr lang="en-US" dirty="0" smtClean="0"/>
-              <a:t>├── README.md</a:t>
-            </a:r>
-            <a:br>
-              <a:rPr lang="en-US" dirty="0" smtClean="0"/>
-            </a:br>
-            <a:r>
-              <a:rPr lang="en-US" dirty="0" smtClean="0"/>
-              <a:t>├── metadata.rb</a:t>
-            </a:r>
-            <a:br>
-              <a:rPr lang="en-US" dirty="0" smtClean="0"/>
-            </a:br>
-            <a:r>
-              <a:rPr lang="en-US" dirty="0" smtClean="0"/>
-              <a:t>└── test</a:t>
-            </a:r>
-            <a:br>
-              <a:rPr lang="en-US" dirty="0" smtClean="0"/>
-            </a:br>
-            <a:r>
-              <a:rPr lang="en-US" dirty="0" smtClean="0"/>
-              <a:t>  ├── </a:t>
-            </a:r>
-            <a:r>
-              <a:rPr lang="en-US" dirty="0" err="1" smtClean="0"/>
-              <a:t>foo_spec.rb</a:t>
-            </a:r>
-            <a:r>
-              <a:rPr lang="en-US" dirty="0" smtClean="0"/>
-              <a:t/>
-            </a:r>
-            <a:br>
-              <a:rPr lang="en-US" dirty="0" smtClean="0"/>
-            </a:br>
-            <a:r>
-              <a:rPr lang="en-US" dirty="0" smtClean="0"/>
-              <a:t>  └── </a:t>
-            </a:r>
-            <a:r>
-              <a:rPr lang="en-US" dirty="0" err="1" smtClean="0"/>
-              <a:t>bar_spec.rb</a:t>
-            </a:r>
-            <a:endParaRPr lang="en-US" dirty="0" smtClean="0"/>
-          </a:p>
-          <a:p>
-            <a:endParaRPr lang="en-US" dirty="0" smtClean="0"/>
-          </a:p>
-          <a:p>
-            <a:endParaRPr lang="en-US" dirty="0" smtClean="0"/>
-          </a:p>
-          <a:p>
-            <a:endParaRPr lang="en-US" dirty="0" smtClean="0"/>
-          </a:p>
-          <a:p>
-            <a:endParaRPr lang="en-US" dirty="0" smtClean="0"/>
-          </a:p>
-          <a:p>
-            <a:r>
-              <a:rPr lang="en-US" dirty="0" smtClean="0"/>
-              <a:t>https://github.com/chef/inspec/blob/7f555b902d6860ffe236ff23e4b52f20bac28adc/lib/inspec/profile.rb#L81-L129</a:t>
-            </a:r>
-          </a:p>
-          <a:p>
-            <a:endParaRPr lang="en-US" dirty="0" smtClean="0"/>
+              <a:t> cookbooks will have a </a:t>
+            </a:r>
+            <a:r>
+              <a:rPr lang="en-US" dirty="0" smtClean="0"/>
+              <a:t>metadata.rb.</a:t>
+            </a:r>
+            <a:endParaRPr lang="en-US" dirty="0"/>
           </a:p>
           <a:p>
             <a:pPr marL="0" marR="0" indent="0" algn="l" defTabSz="1217613" rtl="0" eaLnBrk="1" fontAlgn="base" latinLnBrk="0" hangingPunct="1">
@@ -5582,6 +5273,33 @@
               <a:tabLst/>
               <a:defRPr/>
             </a:pPr>
+            <a:r>
+              <a:rPr lang="en-US" dirty="0" smtClean="0"/>
+              <a:t>An</a:t>
+            </a:r>
+            <a:r>
+              <a:rPr lang="en-US" baseline="0" dirty="0" smtClean="0"/>
+              <a:t>d your </a:t>
+            </a:r>
+          </a:p>
+          <a:p>
+            <a:pPr marL="0" marR="0" indent="0" algn="l" defTabSz="1217613" rtl="0" eaLnBrk="1" fontAlgn="base" latinLnBrk="0" hangingPunct="1">
+              <a:lnSpc>
+                <a:spcPct val="90000"/>
+              </a:lnSpc>
+              <a:spcBef>
+                <a:spcPct val="30000"/>
+              </a:spcBef>
+              <a:spcAft>
+                <a:spcPts val="450"/>
+              </a:spcAft>
+              <a:buClrTx/>
+              <a:buSzTx/>
+              <a:buFontTx/>
+              <a:buNone/>
+              <a:tabLst/>
+              <a:defRPr/>
+            </a:pPr>
             <a:endParaRPr lang="en-US" baseline="0" dirty="0" smtClean="0"/>
           </a:p>
           <a:p>
@@ -5635,7 +5353,7 @@
                 <a:ea typeface="ＭＳ Ｐゴシック" charset="0"/>
                 <a:cs typeface="Arial" panose="020B0604020202020204" pitchFamily="34" charset="0"/>
               </a:rPr>
-              <a:t>availalble</a:t>
+              <a:t>avaialble</a:t>
             </a:r>
             <a:r>
               <a:rPr lang="en-US" sz="1200" b="0" i="0" kern="1200" dirty="0" smtClean="0">
@@ -5768,7 +5486,433 @@
               <a:pPr>
                 <a:defRPr/>
               </a:pPr>
-              <a:t>30</a:t>
+              <a:t>31</a:t>
+            </a:fld>
+            <a:endParaRPr lang="en-US" dirty="0"/>
+          </a:p>
+        </p:txBody>
+      </p:sp>
+      <p:sp>
+        <p:nvSpPr>
+          <p:cNvPr id="5" name="Header Placeholder 4"/>
+          <p:cNvSpPr>
+            <a:spLocks noGrp="1"/>
+          </p:cNvSpPr>
+          <p:nvPr>
+            <p:ph type="hdr" sz="quarter" idx="11"/>
+          </p:nvPr>
+        </p:nvSpPr>
+        <p:spPr/>
+        <p:txBody>
+          <a:bodyPr/>
+          <a:lstStyle/>
+          <a:p>
+            <a:pPr>
+              <a:defRPr/>
+            </a:pPr>
+            <a:endParaRPr lang="en-US"/>
+          </a:p>
+        </p:txBody>
+      </p:sp>
+      <p:sp>
+        <p:nvSpPr>
+          <p:cNvPr id="6" name="Footer Placeholder 5"/>
+          <p:cNvSpPr>
+            <a:spLocks noGrp="1"/>
+          </p:cNvSpPr>
+          <p:nvPr>
+            <p:ph type="ftr" sz="quarter" idx="12"/>
+          </p:nvPr>
+        </p:nvSpPr>
+        <p:spPr/>
+        <p:txBody>
+          <a:bodyPr/>
+          <a:lstStyle/>
+          <a:p>
+            <a:pPr>
+              <a:defRPr/>
+            </a:pPr>
+            <a:endParaRPr lang="en-US"/>
+          </a:p>
+        </p:txBody>
+      </p:sp>
+    </p:spTree>
+    <p:extLst>
+      <p:ext uri="{BB962C8B-B14F-4D97-AF65-F5344CB8AC3E}">
+        <p14:creationId xmlns:p14="http://schemas.microsoft.com/office/powerpoint/2010/main" val="4234763763"/>
+      </p:ext>
+    </p:extLst>
+  </p:cSld>
+  <p:clrMapOvr>
+    <a:masterClrMapping/>
+  </p:clrMapOvr>
+</p:notes>
+</file>
+
+<file path=ppt/notesSlides/notesSlide29.xml><?xml version="1.0" encoding="utf-8"?>
+<p:notes xmlns:a="http://schemas.openxmlformats.org/drawingml/2006/main" xmlns:r="http://schemas.openxmlformats.org/officeDocument/2006/relationships" xmlns:p="http://schemas.openxmlformats.org/presentationml/2006/main">
+  <p:cSld>
+    <p:spTree>
+      <p:nvGrpSpPr>
+        <p:cNvPr id="1" name=""/>
+        <p:cNvGrpSpPr/>
+        <p:nvPr/>
+      </p:nvGrpSpPr>
+      <p:grpSpPr>
+        <a:xfrm>
+          <a:off x="0" y="0"/>
+          <a:ext cx="0" cy="0"/>
+          <a:chOff x="0" y="0"/>
+          <a:chExt cx="0" cy="0"/>
+        </a:xfrm>
+      </p:grpSpPr>
+      <p:sp>
+        <p:nvSpPr>
+          <p:cNvPr id="2" name="Slide Image Placeholder 1"/>
+          <p:cNvSpPr>
+            <a:spLocks noGrp="1" noRot="1" noChangeAspect="1"/>
+          </p:cNvSpPr>
+          <p:nvPr>
+            <p:ph type="sldImg"/>
+          </p:nvPr>
+        </p:nvSpPr>
+        <p:spPr/>
+      </p:sp>
+      <p:sp>
+        <p:nvSpPr>
+          <p:cNvPr id="3" name="Notes Placeholder 2"/>
+          <p:cNvSpPr>
+            <a:spLocks noGrp="1"/>
+          </p:cNvSpPr>
+          <p:nvPr>
+            <p:ph type="body" idx="1"/>
+          </p:nvPr>
+        </p:nvSpPr>
+        <p:spPr/>
+        <p:txBody>
+          <a:bodyPr>
+            <a:normAutofit fontScale="70000" lnSpcReduction="20000"/>
+          </a:bodyPr>
+          <a:lstStyle/>
+          <a:p>
+            <a:pPr marL="0" marR="0" indent="0" algn="l" defTabSz="1217613" rtl="0" eaLnBrk="1" fontAlgn="base" latinLnBrk="0" hangingPunct="1">
+              <a:lnSpc>
+                <a:spcPct val="90000"/>
+              </a:lnSpc>
+              <a:spcBef>
+                <a:spcPct val="30000"/>
+              </a:spcBef>
+              <a:spcAft>
+                <a:spcPts val="450"/>
+              </a:spcAft>
+              <a:buClrTx/>
+              <a:buSzTx/>
+              <a:buFontTx/>
+              <a:buNone/>
+              <a:tabLst/>
+              <a:defRPr/>
+            </a:pPr>
+            <a:r>
+              <a:rPr lang="en-US" dirty="0" smtClean="0"/>
+              <a:t>The answer is, as you write controls, </a:t>
+            </a:r>
+            <a:r>
+              <a:rPr lang="en-US" dirty="0" err="1" smtClean="0"/>
+              <a:t>InSpec</a:t>
+            </a:r>
+            <a:r>
+              <a:rPr lang="en-US" dirty="0" smtClean="0"/>
+              <a:t> expects a `test` directory at the same</a:t>
+            </a:r>
+            <a:r>
+              <a:rPr lang="en-US" baseline="0" dirty="0" smtClean="0"/>
+              <a:t> </a:t>
+            </a:r>
+            <a:r>
+              <a:rPr lang="en-US" dirty="0" smtClean="0"/>
+              <a:t>level as the metadata.rb.</a:t>
+            </a:r>
+          </a:p>
+          <a:p>
+            <a:r>
+              <a:rPr lang="en-US" dirty="0" smtClean="0"/>
+              <a:t/>
+            </a:r>
+            <a:br>
+              <a:rPr lang="en-US" dirty="0" smtClean="0"/>
+            </a:br>
+            <a:r>
+              <a:rPr lang="en-US" dirty="0" smtClean="0"/>
+              <a:t>├── README.md</a:t>
+            </a:r>
+            <a:br>
+              <a:rPr lang="en-US" dirty="0" smtClean="0"/>
+            </a:br>
+            <a:r>
+              <a:rPr lang="en-US" dirty="0" smtClean="0"/>
+              <a:t>├── metadata.rb</a:t>
+            </a:r>
+            <a:br>
+              <a:rPr lang="en-US" dirty="0" smtClean="0"/>
+            </a:br>
+            <a:r>
+              <a:rPr lang="en-US" dirty="0" smtClean="0"/>
+              <a:t>└── test</a:t>
+            </a:r>
+            <a:br>
+              <a:rPr lang="en-US" dirty="0" smtClean="0"/>
+            </a:br>
+            <a:r>
+              <a:rPr lang="en-US" dirty="0" smtClean="0"/>
+              <a:t>  ├── </a:t>
+            </a:r>
+            <a:r>
+              <a:rPr lang="en-US" dirty="0" err="1" smtClean="0"/>
+              <a:t>foo_spec.rb</a:t>
+            </a:r>
+            <a:r>
+              <a:rPr lang="en-US" dirty="0" smtClean="0"/>
+              <a:t/>
+            </a:r>
+            <a:br>
+              <a:rPr lang="en-US" dirty="0" smtClean="0"/>
+            </a:br>
+            <a:r>
+              <a:rPr lang="en-US" dirty="0" smtClean="0"/>
+              <a:t>  └── </a:t>
+            </a:r>
+            <a:r>
+              <a:rPr lang="en-US" dirty="0" err="1" smtClean="0"/>
+              <a:t>bar_spec.rb</a:t>
+            </a:r>
+            <a:endParaRPr lang="en-US" dirty="0" smtClean="0"/>
+          </a:p>
+          <a:p>
+            <a:endParaRPr lang="en-US" dirty="0" smtClean="0"/>
+          </a:p>
+          <a:p>
+            <a:endParaRPr lang="en-US" dirty="0" smtClean="0"/>
+          </a:p>
+          <a:p>
+            <a:endParaRPr lang="en-US" dirty="0" smtClean="0"/>
+          </a:p>
+          <a:p>
+            <a:endParaRPr lang="en-US" dirty="0" smtClean="0"/>
+          </a:p>
+          <a:p>
+            <a:r>
+              <a:rPr lang="en-US" dirty="0" smtClean="0"/>
+              <a:t>https://github.com/chef/inspec/blob/7f555b902d6860ffe236ff23e4b52f20bac28adc/lib/inspec/profile.rb#L81-L129</a:t>
+            </a:r>
+          </a:p>
+          <a:p>
+            <a:endParaRPr lang="en-US" dirty="0" smtClean="0"/>
+          </a:p>
+          <a:p>
+            <a:pPr marL="0" marR="0" indent="0" algn="l" defTabSz="1217613" rtl="0" eaLnBrk="1" fontAlgn="base" latinLnBrk="0" hangingPunct="1">
+              <a:lnSpc>
+                <a:spcPct val="90000"/>
+              </a:lnSpc>
+              <a:spcBef>
+                <a:spcPct val="30000"/>
+              </a:spcBef>
+              <a:spcAft>
+                <a:spcPts val="450"/>
+              </a:spcAft>
+              <a:buClrTx/>
+              <a:buSzTx/>
+              <a:buFontTx/>
+              <a:buNone/>
+              <a:tabLst/>
+              <a:defRPr/>
+            </a:pPr>
+            <a:endParaRPr lang="en-US" baseline="0" dirty="0" smtClean="0"/>
+          </a:p>
+          <a:p>
+            <a:r>
+              <a:rPr lang="en-US" sz="1200" b="1" i="0" kern="1200" dirty="0" smtClean="0">
+                <a:solidFill>
+                  <a:schemeClr val="tx1"/>
+                </a:solidFill>
+                <a:effectLst/>
+                <a:latin typeface="Arial" panose="020B0604020202020204" pitchFamily="34" charset="0"/>
+                <a:ea typeface="ＭＳ Ｐゴシック" charset="0"/>
+                <a:cs typeface="Arial" panose="020B0604020202020204" pitchFamily="34" charset="0"/>
+              </a:rPr>
+              <a:t>Adding profiles</a:t>
+            </a:r>
+          </a:p>
+          <a:p>
+            <a:r>
+              <a:rPr lang="en-US" sz="1200" b="0" i="0" kern="1200" dirty="0" smtClean="0">
+                <a:solidFill>
+                  <a:schemeClr val="tx1"/>
+                </a:solidFill>
+                <a:effectLst/>
+                <a:latin typeface="Arial" panose="020B0604020202020204" pitchFamily="34" charset="0"/>
+                <a:ea typeface="ＭＳ Ｐゴシック" charset="0"/>
+                <a:cs typeface="Arial" panose="020B0604020202020204" pitchFamily="34" charset="0"/>
+              </a:rPr>
+              <a:t>Compliance profiles must be packaged in to a .tar.gz or .zip file to be uploaded to the Compliance Server. </a:t>
+            </a:r>
+          </a:p>
+          <a:p>
+            <a:r>
+              <a:rPr lang="en-US" sz="1200" b="0" i="0" kern="1200" dirty="0" smtClean="0">
+                <a:solidFill>
+                  <a:schemeClr val="tx1"/>
+                </a:solidFill>
+                <a:effectLst/>
+                <a:latin typeface="Arial" panose="020B0604020202020204" pitchFamily="34" charset="0"/>
+                <a:ea typeface="ＭＳ Ｐゴシック" charset="0"/>
+                <a:cs typeface="Arial" panose="020B0604020202020204" pitchFamily="34" charset="0"/>
+              </a:rPr>
+              <a:t>The directory structure is as follows (note, this is subject to change.  TODO: link to official docs when </a:t>
+            </a:r>
+            <a:r>
+              <a:rPr lang="en-US" sz="1200" b="0" i="0" kern="1200" dirty="0" err="1" smtClean="0">
+                <a:solidFill>
+                  <a:schemeClr val="tx1"/>
+                </a:solidFill>
+                <a:effectLst/>
+                <a:latin typeface="Arial" panose="020B0604020202020204" pitchFamily="34" charset="0"/>
+                <a:ea typeface="ＭＳ Ｐゴシック" charset="0"/>
+                <a:cs typeface="Arial" panose="020B0604020202020204" pitchFamily="34" charset="0"/>
+              </a:rPr>
+              <a:t>availalble</a:t>
+            </a:r>
+            <a:r>
+              <a:rPr lang="en-US" sz="1200" b="0" i="0" kern="1200" dirty="0" smtClean="0">
+                <a:solidFill>
+                  <a:schemeClr val="tx1"/>
+                </a:solidFill>
+                <a:effectLst/>
+                <a:latin typeface="Arial" panose="020B0604020202020204" pitchFamily="34" charset="0"/>
+                <a:ea typeface="ＭＳ Ｐゴシック" charset="0"/>
+                <a:cs typeface="Arial" panose="020B0604020202020204" pitchFamily="34" charset="0"/>
+              </a:rPr>
+              <a:t>):</a:t>
+            </a:r>
+          </a:p>
+          <a:p>
+            <a:r>
+              <a:rPr lang="en-US" sz="1200" b="0" i="0" kern="1200" dirty="0" smtClean="0">
+                <a:solidFill>
+                  <a:schemeClr val="tx1"/>
+                </a:solidFill>
+                <a:effectLst/>
+                <a:latin typeface="Arial" panose="020B0604020202020204" pitchFamily="34" charset="0"/>
+                <a:ea typeface="ＭＳ Ｐゴシック" charset="0"/>
+                <a:cs typeface="Arial" panose="020B0604020202020204" pitchFamily="34" charset="0"/>
+              </a:rPr>
+              <a:t>xyz.zip:</a:t>
+            </a:r>
+          </a:p>
+          <a:p>
+            <a:r>
+              <a:rPr lang="en-US" dirty="0" smtClean="0"/>
+              <a:t>.</a:t>
+            </a:r>
+            <a:br>
+              <a:rPr lang="en-US" dirty="0" smtClean="0"/>
+            </a:br>
+            <a:r>
+              <a:rPr lang="en-US" dirty="0" smtClean="0"/>
+              <a:t>├── README.md</a:t>
+            </a:r>
+            <a:br>
+              <a:rPr lang="en-US" dirty="0" smtClean="0"/>
+            </a:br>
+            <a:r>
+              <a:rPr lang="en-US" dirty="0" smtClean="0"/>
+              <a:t>├── metadata.rb</a:t>
+            </a:r>
+            <a:br>
+              <a:rPr lang="en-US" dirty="0" smtClean="0"/>
+            </a:br>
+            <a:r>
+              <a:rPr lang="en-US" dirty="0" smtClean="0"/>
+              <a:t>└── test</a:t>
+            </a:r>
+            <a:br>
+              <a:rPr lang="en-US" dirty="0" smtClean="0"/>
+            </a:br>
+            <a:r>
+              <a:rPr lang="en-US" dirty="0" smtClean="0"/>
+              <a:t>  ├── </a:t>
+            </a:r>
+            <a:r>
+              <a:rPr lang="en-US" dirty="0" err="1" smtClean="0"/>
+              <a:t>foo_spec.rb</a:t>
+            </a:r>
+            <a:r>
+              <a:rPr lang="en-US" dirty="0" smtClean="0"/>
+              <a:t/>
+            </a:r>
+            <a:br>
+              <a:rPr lang="en-US" dirty="0" smtClean="0"/>
+            </a:br>
+            <a:r>
+              <a:rPr lang="en-US" dirty="0" smtClean="0"/>
+              <a:t>  └── </a:t>
+            </a:r>
+            <a:r>
+              <a:rPr lang="en-US" dirty="0" err="1" smtClean="0"/>
+              <a:t>bar_spec.rb</a:t>
+            </a:r>
+            <a:endParaRPr lang="en-US" dirty="0" smtClean="0"/>
+          </a:p>
+          <a:p>
+            <a:endParaRPr lang="en-US" dirty="0" smtClean="0"/>
+          </a:p>
+          <a:p>
+            <a:r>
+              <a:rPr lang="en-US" dirty="0" smtClean="0"/>
+              <a:t>As you write controls, </a:t>
+            </a:r>
+            <a:r>
+              <a:rPr lang="en-US" dirty="0" err="1" smtClean="0"/>
+              <a:t>InSpec</a:t>
+            </a:r>
+            <a:r>
+              <a:rPr lang="en-US" dirty="0" smtClean="0"/>
+              <a:t> requires a `test` directory since it </a:t>
+            </a:r>
+            <a:r>
+              <a:rPr lang="en-US" dirty="0" err="1" smtClean="0"/>
+              <a:t>InSpec</a:t>
+            </a:r>
+            <a:r>
+              <a:rPr lang="en-US" dirty="0" smtClean="0"/>
+              <a:t> expect this structure.</a:t>
+            </a:r>
+          </a:p>
+        </p:txBody>
+      </p:sp>
+      <p:sp>
+        <p:nvSpPr>
+          <p:cNvPr id="4" name="Slide Number Placeholder 3"/>
+          <p:cNvSpPr>
+            <a:spLocks noGrp="1"/>
+          </p:cNvSpPr>
+          <p:nvPr>
+            <p:ph type="sldNum" sz="quarter" idx="10"/>
+          </p:nvPr>
+        </p:nvSpPr>
+        <p:spPr/>
+        <p:txBody>
+          <a:bodyPr/>
+          <a:lstStyle/>
+          <a:p>
+            <a:pPr>
+              <a:defRPr/>
+            </a:pPr>
+            <a:fld id="{DC3734AA-3150-D947-AC52-2F5DF48BFCD5}" type="slidenum">
+              <a:rPr lang="en-US" smtClean="0"/>
+              <a:pPr>
+                <a:defRPr/>
+              </a:pPr>
+              <a:t>32</a:t>
             </a:fld>
             <a:endParaRPr lang="en-US" dirty="0"/>
           </a:p>
@@ -8493,14 +8637,14 @@
           </a:ln>
           <a:extLst>
             <a:ext uri="{909E8E84-426E-40dd-AFC4-6F175D3DCCD1}">
-              <a14:hiddenFill xmlns:a14="http://schemas.microsoft.com/office/drawing/2010/main" xmlns="">
+              <a14:hiddenFill xmlns="" xmlns:a14="http://schemas.microsoft.com/office/drawing/2010/main">
                 <a:solidFill>
                   <a:srgbClr val="FFFFFF"/>
                 </a:solidFill>
               </a14:hiddenFill>
             </a:ext>
             <a:ext uri="{91240B29-F687-4f45-9708-019B960494DF}">
-              <a14:hiddenLine xmlns:a14="http://schemas.microsoft.com/office/drawing/2010/main" xmlns="" w="9525">
+              <a14:hiddenLine xmlns="" xmlns:a14="http://schemas.microsoft.com/office/drawing/2010/main" w="9525">
                 <a:solidFill>
                   <a:srgbClr val="000000"/>
                 </a:solidFill>
@@ -8648,14 +8792,14 @@
           </a:ln>
           <a:extLst>
             <a:ext uri="{909E8E84-426E-40dd-AFC4-6F175D3DCCD1}">
-              <a14:hiddenFill xmlns:a14="http://schemas.microsoft.com/office/drawing/2010/main" xmlns="">
+              <a14:hiddenFill xmlns="" xmlns:a14="http://schemas.microsoft.com/office/drawing/2010/main">
                 <a:solidFill>
                   <a:srgbClr val="FFFFFF"/>
                 </a:solidFill>
               </a14:hiddenFill>
             </a:ext>
             <a:ext uri="{91240B29-F687-4f45-9708-019B960494DF}">
-              <a14:hiddenLine xmlns:a14="http://schemas.microsoft.com/office/drawing/2010/main" xmlns="" w="9525">
+              <a14:hiddenLine xmlns="" xmlns:a14="http://schemas.microsoft.com/office/drawing/2010/main" w="9525">
                 <a:solidFill>
                   <a:srgbClr val="000000"/>
                 </a:solidFill>
@@ -9146,14 +9290,14 @@
           </a:ln>
           <a:extLst>
             <a:ext uri="{909E8E84-426E-40dd-AFC4-6F175D3DCCD1}">
-              <a14:hiddenFill xmlns:a14="http://schemas.microsoft.com/office/drawing/2010/main" xmlns="">
+              <a14:hiddenFill xmlns="" xmlns:a14="http://schemas.microsoft.com/office/drawing/2010/main">
                 <a:solidFill>
                   <a:srgbClr val="FFFFFF"/>
                 </a:solidFill>
               </a14:hiddenFill>
             </a:ext>
             <a:ext uri="{91240B29-F687-4f45-9708-019B960494DF}">
-              <a14:hiddenLine xmlns:a14="http://schemas.microsoft.com/office/drawing/2010/main" xmlns="" w="9525">
+              <a14:hiddenLine xmlns="" xmlns:a14="http://schemas.microsoft.com/office/drawing/2010/main" w="9525">
                 <a:solidFill>
                   <a:srgbClr val="000000"/>
                 </a:solidFill>
@@ -9679,14 +9823,14 @@
           </a:ln>
           <a:extLst>
             <a:ext uri="{909E8E84-426E-40dd-AFC4-6F175D3DCCD1}">
-              <a14:hiddenFill xmlns:a14="http://schemas.microsoft.com/office/drawing/2010/main" xmlns="">
+              <a14:hiddenFill xmlns="" xmlns:a14="http://schemas.microsoft.com/office/drawing/2010/main">
                 <a:solidFill>
                   <a:srgbClr val="FFFFFF"/>
                 </a:solidFill>
               </a14:hiddenFill>
             </a:ext>
             <a:ext uri="{91240B29-F687-4f45-9708-019B960494DF}">
-              <a14:hiddenLine xmlns:a14="http://schemas.microsoft.com/office/drawing/2010/main" xmlns="" w="9525">
+              <a14:hiddenLine xmlns="" xmlns:a14="http://schemas.microsoft.com/office/drawing/2010/main" w="9525">
                 <a:solidFill>
                   <a:srgbClr val="000000"/>
                 </a:solidFill>
@@ -11310,14 +11454,14 @@
           </a:ln>
           <a:extLst>
             <a:ext uri="{909E8E84-426E-40dd-AFC4-6F175D3DCCD1}">
-              <a14:hiddenFill xmlns:a14="http://schemas.microsoft.com/office/drawing/2010/main" xmlns="">
+              <a14:hiddenFill xmlns="" xmlns:a14="http://schemas.microsoft.com/office/drawing/2010/main">
                 <a:solidFill>
                   <a:srgbClr val="FFFFFF"/>
                 </a:solidFill>
               </a14:hiddenFill>
             </a:ext>
             <a:ext uri="{91240B29-F687-4f45-9708-019B960494DF}">
-              <a14:hiddenLine xmlns:a14="http://schemas.microsoft.com/office/drawing/2010/main" xmlns="" w="9525">
+              <a14:hiddenLine xmlns="" xmlns:a14="http://schemas.microsoft.com/office/drawing/2010/main" w="9525">
                 <a:solidFill>
                   <a:srgbClr val="000000"/>
                 </a:solidFill>
@@ -12671,14 +12815,14 @@
           </a:ln>
           <a:extLst>
             <a:ext uri="{909E8E84-426E-40dd-AFC4-6F175D3DCCD1}">
-              <a14:hiddenFill xmlns:a14="http://schemas.microsoft.com/office/drawing/2010/main" xmlns="">
+              <a14:hiddenFill xmlns="" xmlns:a14="http://schemas.microsoft.com/office/drawing/2010/main">
                 <a:solidFill>
                   <a:srgbClr val="FFFFFF"/>
                 </a:solidFill>
               </a14:hiddenFill>
             </a:ext>
             <a:ext uri="{91240B29-F687-4f45-9708-019B960494DF}">
-              <a14:hiddenLine xmlns:a14="http://schemas.microsoft.com/office/drawing/2010/main" xmlns="" w="9525">
+              <a14:hiddenLine xmlns="" xmlns:a14="http://schemas.microsoft.com/office/drawing/2010/main" w="9525">
                 <a:solidFill>
                   <a:srgbClr val="000000"/>
                 </a:solidFill>
@@ -13184,14 +13328,14 @@
           </a:ln>
           <a:extLst>
             <a:ext uri="{909E8E84-426E-40dd-AFC4-6F175D3DCCD1}">
-              <a14:hiddenFill xmlns:a14="http://schemas.microsoft.com/office/drawing/2010/main" xmlns="">
+              <a14:hiddenFill xmlns="" xmlns:a14="http://schemas.microsoft.com/office/drawing/2010/main">
                 <a:solidFill>
                   <a:srgbClr val="FFFFFF"/>
                 </a:solidFill>
               </a14:hiddenFill>
             </a:ext>
             <a:ext uri="{91240B29-F687-4f45-9708-019B960494DF}">
-              <a14:hiddenLine xmlns:a14="http://schemas.microsoft.com/office/drawing/2010/main" xmlns="" w="9525">
+              <a14:hiddenLine xmlns="" xmlns:a14="http://schemas.microsoft.com/office/drawing/2010/main" w="9525">
                 <a:solidFill>
                   <a:srgbClr val="000000"/>
                 </a:solidFill>
@@ -13758,14 +13902,14 @@
           </a:ln>
           <a:extLst>
             <a:ext uri="{909E8E84-426E-40dd-AFC4-6F175D3DCCD1}">
-              <a14:hiddenFill xmlns:a14="http://schemas.microsoft.com/office/drawing/2010/main" xmlns="">
+              <a14:hiddenFill xmlns="" xmlns:a14="http://schemas.microsoft.com/office/drawing/2010/main">
                 <a:solidFill>
                   <a:srgbClr val="FFFFFF"/>
                 </a:solidFill>
               </a14:hiddenFill>
             </a:ext>
             <a:ext uri="{91240B29-F687-4f45-9708-019B960494DF}">
-              <a14:hiddenLine xmlns:a14="http://schemas.microsoft.com/office/drawing/2010/main" xmlns="" w="9525">
+              <a14:hiddenLine xmlns="" xmlns:a14="http://schemas.microsoft.com/office/drawing/2010/main" w="9525">
                 <a:solidFill>
                   <a:srgbClr val="000000"/>
                 </a:solidFill>
@@ -14705,14 +14849,14 @@
           </a:ln>
           <a:extLst>
             <a:ext uri="{909E8E84-426E-40dd-AFC4-6F175D3DCCD1}">
-              <a14:hiddenFill xmlns:a14="http://schemas.microsoft.com/office/drawing/2010/main" xmlns="">
+              <a14:hiddenFill xmlns="" xmlns:a14="http://schemas.microsoft.com/office/drawing/2010/main">
                 <a:solidFill>
                   <a:srgbClr val="FFFFFF"/>
                 </a:solidFill>
               </a14:hiddenFill>
             </a:ext>
             <a:ext uri="{91240B29-F687-4f45-9708-019B960494DF}">
-              <a14:hiddenLine xmlns:a14="http://schemas.microsoft.com/office/drawing/2010/main" xmlns="" w="9525">
+              <a14:hiddenLine xmlns="" xmlns:a14="http://schemas.microsoft.com/office/drawing/2010/main" w="9525">
                 <a:solidFill>
                   <a:srgbClr val="000000"/>
                 </a:solidFill>
@@ -15465,14 +15609,14 @@
           </a:ln>
           <a:extLst>
             <a:ext uri="{909E8E84-426E-40dd-AFC4-6F175D3DCCD1}">
-              <a14:hiddenFill xmlns:a14="http://schemas.microsoft.com/office/drawing/2010/main" xmlns="">
+              <a14:hiddenFill xmlns="" xmlns:a14="http://schemas.microsoft.com/office/drawing/2010/main">
                 <a:solidFill>
                   <a:srgbClr val="FFFFFF"/>
                 </a:solidFill>
               </a14:hiddenFill>
             </a:ext>
             <a:ext uri="{91240B29-F687-4f45-9708-019B960494DF}">
-              <a14:hiddenLine xmlns:a14="http://schemas.microsoft.com/office/drawing/2010/main" xmlns="" w="9525">
+              <a14:hiddenLine xmlns="" xmlns:a14="http://schemas.microsoft.com/office/drawing/2010/main" w="9525">
                 <a:solidFill>
                   <a:srgbClr val="000000"/>
                 </a:solidFill>
@@ -20098,53 +20242,82 @@
         </p:nvSpPr>
         <p:spPr/>
         <p:txBody>
+          <a:bodyPr>
+            <a:normAutofit/>
+          </a:bodyPr>
+          <a:lstStyle/>
+          <a:p>
+            <a:r>
+              <a:rPr lang="en-US" dirty="0" smtClean="0"/>
+              <a:t>GE: </a:t>
+            </a:r>
+            <a:r>
+              <a:rPr lang="en-US" dirty="0" smtClean="0"/>
+              <a:t>TBD</a:t>
+            </a:r>
+            <a:endParaRPr lang="en-US" dirty="0"/>
+          </a:p>
+        </p:txBody>
+      </p:sp>
+      <p:sp>
+        <p:nvSpPr>
+          <p:cNvPr id="6" name="Text Placeholder 2"/>
+          <p:cNvSpPr>
+            <a:spLocks noGrp="1"/>
+          </p:cNvSpPr>
+          <p:nvPr>
+            <p:ph type="body" sz="quarter" idx="12"/>
+          </p:nvPr>
+        </p:nvSpPr>
+        <p:spPr>
+          <a:xfrm>
+            <a:off x="448573" y="1354386"/>
+            <a:ext cx="14685690" cy="5345953"/>
+          </a:xfrm>
+        </p:spPr>
+        <p:txBody>
           <a:bodyPr/>
           <a:lstStyle/>
           <a:p>
             <a:r>
               <a:rPr lang="en-US" dirty="0" smtClean="0"/>
-              <a:t>GE: Save this</a:t>
-            </a:r>
+              <a:t>Show how this is populated by /rb file - see next slide</a:t>
+            </a:r>
+          </a:p>
+          <a:p>
             <a:endParaRPr lang="en-US" dirty="0"/>
           </a:p>
-        </p:txBody>
-      </p:sp>
-      <p:sp>
-        <p:nvSpPr>
-          <p:cNvPr id="6" name="Text Placeholder 2"/>
-          <p:cNvSpPr>
-            <a:spLocks noGrp="1"/>
-          </p:cNvSpPr>
-          <p:nvPr>
-            <p:ph type="body" sz="quarter" idx="12"/>
-          </p:nvPr>
-        </p:nvSpPr>
-        <p:spPr>
-          <a:xfrm>
-            <a:off x="609599" y="1559018"/>
-            <a:ext cx="14042065" cy="5961922"/>
-          </a:xfrm>
-        </p:spPr>
-        <p:txBody>
-          <a:bodyPr/>
-          <a:lstStyle/>
+          <a:p>
+            <a:r>
+              <a:rPr lang="en-US" dirty="0" smtClean="0"/>
+              <a:t/>
+            </a:r>
+            <a:br>
+              <a:rPr lang="en-US" dirty="0" smtClean="0"/>
+            </a:br>
+            <a:r>
+              <a:rPr lang="en-US" dirty="0" smtClean="0"/>
+              <a:t/>
+            </a:r>
+            <a:br>
+              <a:rPr lang="en-US" dirty="0" smtClean="0"/>
+            </a:br>
+            <a:r>
+              <a:rPr lang="en-US" dirty="0" smtClean="0"/>
+              <a:t>    </a:t>
+            </a:r>
+          </a:p>
+          <a:p>
+            <a:endParaRPr lang="en-US" dirty="0" smtClean="0"/>
+          </a:p>
           <a:p>
             <a:pPr marL="457200" indent="-457200">
               <a:buFont typeface="Arial" panose="020B0604020202020204" pitchFamily="34" charset="0"/>
               <a:buChar char="•"/>
             </a:pPr>
-            <a:r>
-              <a:rPr lang="en-US" dirty="0">
-                <a:hlinkClick r:id="rId3"/>
-              </a:rPr>
-              <a:t>https://</a:t>
-            </a:r>
-            <a:r>
-              <a:rPr lang="en-US" dirty="0" smtClean="0">
-                <a:hlinkClick r:id="rId3"/>
-              </a:rPr>
-              <a:t>github.com/chef/inspec/blob/7f555b902d6860ffe236ff23e4b52f20bac28adc/lib/inspec/profile.rb#L81-L129</a:t>
-            </a:r>
+            <a:endParaRPr lang="en-US" dirty="0"/>
+          </a:p>
+          <a:p>
             <a:endParaRPr lang="en-US" dirty="0" smtClean="0"/>
           </a:p>
           <a:p>
@@ -20154,99 +20327,41 @@
             </a:pPr>
             <a:endParaRPr lang="en-US" dirty="0"/>
           </a:p>
-          <a:p>
-            <a:pPr marL="457200" indent="-457200">
-              <a:buFont typeface="Arial" panose="020B0604020202020204" pitchFamily="34" charset="0"/>
-              <a:buChar char="•"/>
-            </a:pPr>
-            <a:endParaRPr lang="en-US" dirty="0" smtClean="0"/>
-          </a:p>
-          <a:p>
-            <a:pPr marL="457200" indent="-457200">
-              <a:buFont typeface="Arial" panose="020B0604020202020204" pitchFamily="34" charset="0"/>
-              <a:buChar char="•"/>
-            </a:pPr>
-            <a:r>
-              <a:rPr lang="en-US" dirty="0" smtClean="0"/>
-              <a:t>and Check uses the </a:t>
-            </a:r>
-            <a:r>
-              <a:rPr lang="en-US" dirty="0"/>
-              <a:t>above from here:</a:t>
-            </a:r>
-            <a:br>
-              <a:rPr lang="en-US" dirty="0"/>
-            </a:br>
-            <a:r>
-              <a:rPr lang="en-US" dirty="0">
-                <a:hlinkClick r:id="rId4"/>
-              </a:rPr>
-              <a:t>https://</a:t>
-            </a:r>
-            <a:r>
-              <a:rPr lang="en-US" dirty="0" smtClean="0">
-                <a:hlinkClick r:id="rId4"/>
-              </a:rPr>
-              <a:t>github.com/chef/inspec/blob/b1ec95e343aac75ee1a21e3d1a09a32a5a8c1dd2/bin/inspec#L70-L78</a:t>
-            </a:r>
-            <a:endParaRPr lang="en-US" dirty="0" smtClean="0"/>
-          </a:p>
-          <a:p>
-            <a:pPr marL="457200" indent="-457200">
-              <a:buFont typeface="Arial" panose="020B0604020202020204" pitchFamily="34" charset="0"/>
-              <a:buChar char="•"/>
-            </a:pPr>
-            <a:endParaRPr lang="en-US" dirty="0"/>
-          </a:p>
-          <a:p>
-            <a:pPr marL="457200" indent="-457200">
-              <a:buFont typeface="Arial" panose="020B0604020202020204" pitchFamily="34" charset="0"/>
-              <a:buChar char="•"/>
-            </a:pPr>
-            <a:r>
-              <a:rPr lang="en-US" dirty="0">
-                <a:hlinkClick r:id="rId5"/>
-              </a:rPr>
-              <a:t>https://</a:t>
-            </a:r>
-            <a:r>
-              <a:rPr lang="en-US" dirty="0" smtClean="0">
-                <a:hlinkClick r:id="rId5"/>
-              </a:rPr>
-              <a:t>chefio.atlassian.net/wiki/pages/viewpage.action?spaceKey=SE&amp;title=Week+1#Week1-Addingprofiles</a:t>
-            </a:r>
-            <a:endParaRPr lang="en-US" dirty="0" smtClean="0"/>
-          </a:p>
-          <a:p>
-            <a:pPr marL="457200" indent="-457200">
-              <a:buFont typeface="Arial" panose="020B0604020202020204" pitchFamily="34" charset="0"/>
-              <a:buChar char="•"/>
-            </a:pPr>
-            <a:endParaRPr lang="en-US" dirty="0" smtClean="0"/>
-          </a:p>
-          <a:p>
-            <a:pPr marL="457200" indent="-457200">
-              <a:buFont typeface="Arial" panose="020B0604020202020204" pitchFamily="34" charset="0"/>
-              <a:buChar char="•"/>
-            </a:pPr>
-            <a:endParaRPr lang="en-US" dirty="0"/>
-          </a:p>
-          <a:p>
-            <a:endParaRPr lang="en-US" dirty="0" smtClean="0"/>
-          </a:p>
-          <a:p>
-            <a:pPr marL="457200" indent="-457200">
-              <a:buFont typeface="Arial" panose="020B0604020202020204" pitchFamily="34" charset="0"/>
-              <a:buChar char="•"/>
-            </a:pPr>
-            <a:endParaRPr lang="en-US" dirty="0"/>
-          </a:p>
-        </p:txBody>
-      </p:sp>
+        </p:txBody>
+      </p:sp>
+      <p:pic>
+        <p:nvPicPr>
+          <p:cNvPr id="3" name="Picture 2"/>
+          <p:cNvPicPr>
+            <a:picLocks noChangeAspect="1"/>
+          </p:cNvPicPr>
+          <p:nvPr/>
+        </p:nvPicPr>
+        <p:blipFill>
+          <a:blip r:embed="rId3"/>
+          <a:stretch>
+            <a:fillRect/>
+          </a:stretch>
+        </p:blipFill>
+        <p:spPr>
+          <a:xfrm>
+            <a:off x="9007812" y="5638825"/>
+            <a:ext cx="6126451" cy="2123028"/>
+          </a:xfrm>
+          <a:prstGeom prst="rect">
+            <a:avLst/>
+          </a:prstGeom>
+          <a:ln>
+            <a:solidFill>
+              <a:schemeClr val="accent1"/>
+            </a:solidFill>
+          </a:ln>
+        </p:spPr>
+      </p:pic>
     </p:spTree>
     <p:extLst>
       <p:ext uri="{BB962C8B-B14F-4D97-AF65-F5344CB8AC3E}">
-        <p14:creationId xmlns:p14="http://schemas.microsoft.com/office/powerpoint/2010/main" val="420890300"/>
+        <p14:creationId xmlns:p14="http://schemas.microsoft.com/office/powerpoint/2010/main" val="3774323270"/>
       </p:ext>
     </p:extLst>
   </p:cSld>
@@ -20407,6 +20522,1228 @@
         </p:nvSpPr>
         <p:spPr/>
         <p:txBody>
+          <a:bodyPr/>
+          <a:lstStyle/>
+          <a:p>
+            <a:endParaRPr lang="en-US"/>
+          </a:p>
+        </p:txBody>
+      </p:sp>
+      <p:sp>
+        <p:nvSpPr>
+          <p:cNvPr id="4" name="Text Placeholder 3"/>
+          <p:cNvSpPr>
+            <a:spLocks noGrp="1"/>
+          </p:cNvSpPr>
+          <p:nvPr>
+            <p:ph type="body" sz="quarter" idx="11"/>
+          </p:nvPr>
+        </p:nvSpPr>
+        <p:spPr/>
+        <p:txBody>
+          <a:bodyPr/>
+          <a:lstStyle/>
+          <a:p>
+            <a:endParaRPr lang="en-US"/>
+          </a:p>
+        </p:txBody>
+      </p:sp>
+      <p:sp>
+        <p:nvSpPr>
+          <p:cNvPr id="7" name="Rectangle 1"/>
+          <p:cNvSpPr>
+            <a:spLocks noGrp="1" noChangeArrowheads="1"/>
+          </p:cNvSpPr>
+          <p:nvPr>
+            <p:ph sz="quarter" idx="10"/>
+          </p:nvPr>
+        </p:nvSpPr>
+        <p:spPr bwMode="auto">
+          <a:xfrm>
+            <a:off x="1121104" y="4258556"/>
+            <a:ext cx="10637527" cy="1661993"/>
+          </a:xfrm>
+          <a:prstGeom prst="rect">
+            <a:avLst/>
+          </a:prstGeom>
+          <a:solidFill>
+            <a:srgbClr val="F7F7F7"/>
+          </a:solidFill>
+          <a:ln>
+            <a:noFill/>
+          </a:ln>
+          <a:effectLst/>
+          <a:extLst>
+            <a:ext uri="{91240B29-F687-4F45-9708-019B960494DF}">
+              <a14:hiddenLine xmlns:a14="http://schemas.microsoft.com/office/drawing/2010/main" w="9525">
+                <a:solidFill>
+                  <a:schemeClr val="tx1"/>
+                </a:solidFill>
+                <a:miter lim="800000"/>
+                <a:headEnd/>
+                <a:tailEnd/>
+              </a14:hiddenLine>
+            </a:ext>
+            <a:ext uri="{AF507438-7753-43E0-B8FC-AC1667EBCBE1}">
+              <a14:hiddenEffects xmlns:a14="http://schemas.microsoft.com/office/drawing/2010/main">
+                <a:effectLst>
+                  <a:outerShdw dist="35921" dir="2700000" algn="ctr" rotWithShape="0">
+                    <a:schemeClr val="bg2"/>
+                  </a:outerShdw>
+                </a:effectLst>
+              </a14:hiddenEffects>
+            </a:ext>
+          </a:extLst>
+        </p:spPr>
+        <p:txBody>
+          <a:bodyPr vert="horz" wrap="none" lIns="0" tIns="0" rIns="0" bIns="0" numCol="1" anchor="ctr" anchorCtr="0" compatLnSpc="1">
+            <a:prstTxWarp prst="textNoShape">
+              <a:avLst/>
+            </a:prstTxWarp>
+            <a:spAutoFit/>
+          </a:bodyPr>
+          <a:lstStyle/>
+          <a:p>
+            <a:pPr marL="0" marR="0" lvl="0" indent="0" algn="l" defTabSz="914400" rtl="0" eaLnBrk="0" fontAlgn="base" latinLnBrk="0" hangingPunct="0">
+              <a:lnSpc>
+                <a:spcPct val="100000"/>
+              </a:lnSpc>
+              <a:spcBef>
+                <a:spcPct val="0"/>
+              </a:spcBef>
+              <a:spcAft>
+                <a:spcPct val="0"/>
+              </a:spcAft>
+              <a:buClrTx/>
+              <a:buSzTx/>
+              <a:buFontTx/>
+              <a:buNone/>
+              <a:tabLst/>
+            </a:pPr>
+            <a:r>
+              <a:rPr kumimoji="0" lang="en-US" altLang="en-US" sz="1800" b="0" i="0" u="none" strike="noStrike" cap="none" normalizeH="0" baseline="0" dirty="0" smtClean="0">
+                <a:ln>
+                  <a:noFill/>
+                </a:ln>
+                <a:solidFill>
+                  <a:srgbClr val="222222"/>
+                </a:solidFill>
+                <a:effectLst/>
+                <a:latin typeface="Helvetica" panose="020B0604020202020204" pitchFamily="34" charset="0"/>
+                <a:ea typeface="Calibri" panose="020F0502020204030204" pitchFamily="34" charset="0"/>
+                <a:cs typeface="Arial" panose="020B0604020202020204" pitchFamily="34" charset="0"/>
+              </a:rPr>
+              <a:t>Create /</a:t>
+            </a:r>
+            <a:r>
+              <a:rPr kumimoji="0" lang="en-US" altLang="en-US" sz="1800" b="0" i="0" u="none" strike="noStrike" cap="none" normalizeH="0" baseline="0" dirty="0" err="1" smtClean="0">
+                <a:ln>
+                  <a:noFill/>
+                </a:ln>
+                <a:solidFill>
+                  <a:srgbClr val="222222"/>
+                </a:solidFill>
+                <a:effectLst/>
+                <a:latin typeface="Helvetica" panose="020B0604020202020204" pitchFamily="34" charset="0"/>
+                <a:ea typeface="Calibri" panose="020F0502020204030204" pitchFamily="34" charset="0"/>
+                <a:cs typeface="Arial" panose="020B0604020202020204" pitchFamily="34" charset="0"/>
+              </a:rPr>
+              <a:t>tmp</a:t>
+            </a:r>
+            <a:r>
+              <a:rPr kumimoji="0" lang="en-US" altLang="en-US" sz="1800" b="0" i="0" u="none" strike="noStrike" cap="none" normalizeH="0" baseline="0" dirty="0" smtClean="0">
+                <a:ln>
+                  <a:noFill/>
+                </a:ln>
+                <a:solidFill>
+                  <a:srgbClr val="222222"/>
+                </a:solidFill>
+                <a:effectLst/>
+                <a:latin typeface="Helvetica" panose="020B0604020202020204" pitchFamily="34" charset="0"/>
+                <a:ea typeface="Calibri" panose="020F0502020204030204" pitchFamily="34" charset="0"/>
+                <a:cs typeface="Arial" panose="020B0604020202020204" pitchFamily="34" charset="0"/>
+              </a:rPr>
+              <a:t> </a:t>
+            </a:r>
+            <a:r>
+              <a:rPr kumimoji="0" lang="en-US" altLang="en-US" sz="1800" b="0" i="0" u="none" strike="noStrike" cap="none" normalizeH="0" baseline="0" dirty="0" err="1" smtClean="0">
+                <a:ln>
+                  <a:noFill/>
+                </a:ln>
+                <a:solidFill>
+                  <a:srgbClr val="222222"/>
+                </a:solidFill>
+                <a:effectLst/>
+                <a:latin typeface="Helvetica" panose="020B0604020202020204" pitchFamily="34" charset="0"/>
+                <a:ea typeface="Calibri" panose="020F0502020204030204" pitchFamily="34" charset="0"/>
+                <a:cs typeface="Arial" panose="020B0604020202020204" pitchFamily="34" charset="0"/>
+              </a:rPr>
+              <a:t>directory</a:t>
+            </a:r>
+            <a:r>
+              <a:rPr kumimoji="0" lang="en-US" altLang="en-US" sz="1800" b="0" i="0" u="none" strike="noStrike" cap="none" normalizeH="0" baseline="0" dirty="0" err="1" smtClean="0">
+                <a:ln>
+                  <a:noFill/>
+                </a:ln>
+                <a:solidFill>
+                  <a:srgbClr val="23D0DF"/>
+                </a:solidFill>
+                <a:effectLst/>
+                <a:latin typeface="Helvetica" panose="020B0604020202020204" pitchFamily="34" charset="0"/>
+                <a:ea typeface="Calibri" panose="020F0502020204030204" pitchFamily="34" charset="0"/>
+                <a:cs typeface="Arial" panose="020B0604020202020204" pitchFamily="34" charset="0"/>
+              </a:rPr>
+              <a:t>Minor</a:t>
+            </a:r>
+            <a:r>
+              <a:rPr kumimoji="0" lang="en-US" altLang="en-US" sz="1800" b="0" i="0" u="none" strike="noStrike" cap="none" normalizeH="0" baseline="0" dirty="0" smtClean="0">
+                <a:ln>
+                  <a:noFill/>
+                </a:ln>
+                <a:solidFill>
+                  <a:srgbClr val="23D0DF"/>
+                </a:solidFill>
+                <a:effectLst/>
+                <a:latin typeface="Helvetica" panose="020B0604020202020204" pitchFamily="34" charset="0"/>
+                <a:ea typeface="Calibri" panose="020F0502020204030204" pitchFamily="34" charset="0"/>
+                <a:cs typeface="Arial" panose="020B0604020202020204" pitchFamily="34" charset="0"/>
+              </a:rPr>
+              <a:t> (score: 3.0)</a:t>
+            </a:r>
+            <a:endParaRPr kumimoji="0" lang="en-US" altLang="en-US" sz="1800" b="0" i="0" u="none" strike="noStrike" cap="none" normalizeH="0" baseline="0" dirty="0" smtClean="0">
+              <a:ln>
+                <a:noFill/>
+              </a:ln>
+              <a:solidFill>
+                <a:schemeClr val="tx1"/>
+              </a:solidFill>
+              <a:effectLst/>
+            </a:endParaRPr>
+          </a:p>
+          <a:p>
+            <a:pPr marL="0" marR="0" lvl="0" indent="0" algn="l" defTabSz="914400" rtl="0" eaLnBrk="0" fontAlgn="base" latinLnBrk="0" hangingPunct="0">
+              <a:lnSpc>
+                <a:spcPct val="100000"/>
+              </a:lnSpc>
+              <a:spcBef>
+                <a:spcPct val="0"/>
+              </a:spcBef>
+              <a:spcAft>
+                <a:spcPct val="0"/>
+              </a:spcAft>
+              <a:buClrTx/>
+              <a:buSzTx/>
+              <a:buFontTx/>
+              <a:buNone/>
+              <a:tabLst/>
+            </a:pPr>
+            <a:r>
+              <a:rPr kumimoji="0" lang="en-US" altLang="en-US" sz="1800" b="0" i="0" u="none" strike="noStrike" cap="none" normalizeH="0" baseline="0" dirty="0" smtClean="0">
+                <a:ln>
+                  <a:noFill/>
+                </a:ln>
+                <a:solidFill>
+                  <a:schemeClr val="tx1"/>
+                </a:solidFill>
+                <a:effectLst/>
+                <a:latin typeface="Arial" panose="020B0604020202020204" pitchFamily="34" charset="0"/>
+                <a:ea typeface="Calibri" panose="020F0502020204030204" pitchFamily="34" charset="0"/>
+                <a:cs typeface="Arial" panose="020B0604020202020204" pitchFamily="34" charset="0"/>
+              </a:rPr>
+              <a:t>/</a:t>
+            </a:r>
+            <a:r>
+              <a:rPr kumimoji="0" lang="en-US" altLang="en-US" sz="1800" b="0" i="0" u="none" strike="noStrike" cap="none" normalizeH="0" baseline="0" dirty="0" err="1" smtClean="0">
+                <a:ln>
+                  <a:noFill/>
+                </a:ln>
+                <a:solidFill>
+                  <a:schemeClr val="tx1"/>
+                </a:solidFill>
+                <a:effectLst/>
+                <a:latin typeface="Arial" panose="020B0604020202020204" pitchFamily="34" charset="0"/>
+                <a:ea typeface="Calibri" panose="020F0502020204030204" pitchFamily="34" charset="0"/>
+                <a:cs typeface="Arial" panose="020B0604020202020204" pitchFamily="34" charset="0"/>
+              </a:rPr>
+              <a:t>tmp</a:t>
+            </a:r>
+            <a:r>
+              <a:rPr kumimoji="0" lang="en-US" altLang="en-US" sz="1800" b="0" i="0" u="none" strike="noStrike" cap="none" normalizeH="0" baseline="0" dirty="0" smtClean="0">
+                <a:ln>
+                  <a:noFill/>
+                </a:ln>
+                <a:solidFill>
+                  <a:schemeClr val="tx1"/>
+                </a:solidFill>
+                <a:effectLst/>
+                <a:latin typeface="Arial" panose="020B0604020202020204" pitchFamily="34" charset="0"/>
+                <a:ea typeface="Calibri" panose="020F0502020204030204" pitchFamily="34" charset="0"/>
+                <a:cs typeface="Arial" panose="020B0604020202020204" pitchFamily="34" charset="0"/>
+              </a:rPr>
+              <a:t> directory is owned by the root </a:t>
+            </a:r>
+            <a:r>
+              <a:rPr kumimoji="0" lang="en-US" altLang="en-US" sz="1800" b="0" i="0" u="none" strike="noStrike" cap="none" normalizeH="0" baseline="0" dirty="0" err="1" smtClean="0">
+                <a:ln>
+                  <a:noFill/>
+                </a:ln>
+                <a:solidFill>
+                  <a:schemeClr val="tx1"/>
+                </a:solidFill>
+                <a:effectLst/>
+                <a:latin typeface="Arial" panose="020B0604020202020204" pitchFamily="34" charset="0"/>
+                <a:ea typeface="Calibri" panose="020F0502020204030204" pitchFamily="34" charset="0"/>
+                <a:cs typeface="Arial" panose="020B0604020202020204" pitchFamily="34" charset="0"/>
+              </a:rPr>
+              <a:t>user</a:t>
+            </a:r>
+            <a:r>
+              <a:rPr kumimoji="0" lang="en-US" altLang="en-US" sz="1800" b="0" i="0" u="none" strike="noStrike" cap="none" normalizeH="0" baseline="0" dirty="0" err="1" smtClean="0">
+                <a:ln>
+                  <a:noFill/>
+                </a:ln>
+                <a:solidFill>
+                  <a:srgbClr val="23D0DF"/>
+                </a:solidFill>
+                <a:effectLst/>
+                <a:latin typeface="Helvetica" panose="020B0604020202020204" pitchFamily="34" charset="0"/>
+                <a:ea typeface="Calibri" panose="020F0502020204030204" pitchFamily="34" charset="0"/>
+                <a:cs typeface="Arial" panose="020B0604020202020204" pitchFamily="34" charset="0"/>
+              </a:rPr>
+              <a:t>Minor</a:t>
+            </a:r>
+            <a:r>
+              <a:rPr kumimoji="0" lang="en-US" altLang="en-US" sz="1800" b="0" i="0" u="none" strike="noStrike" cap="none" normalizeH="0" baseline="0" dirty="0" smtClean="0">
+                <a:ln>
+                  <a:noFill/>
+                </a:ln>
+                <a:solidFill>
+                  <a:srgbClr val="23D0DF"/>
+                </a:solidFill>
+                <a:effectLst/>
+                <a:latin typeface="Helvetica" panose="020B0604020202020204" pitchFamily="34" charset="0"/>
+                <a:ea typeface="Calibri" panose="020F0502020204030204" pitchFamily="34" charset="0"/>
+                <a:cs typeface="Arial" panose="020B0604020202020204" pitchFamily="34" charset="0"/>
+              </a:rPr>
+              <a:t> (score: 3.0)</a:t>
+            </a:r>
+            <a:endParaRPr kumimoji="0" lang="en-US" altLang="en-US" sz="1800" b="0" i="0" u="none" strike="noStrike" cap="none" normalizeH="0" baseline="0" dirty="0" smtClean="0">
+              <a:ln>
+                <a:noFill/>
+              </a:ln>
+              <a:solidFill>
+                <a:schemeClr val="tx1"/>
+              </a:solidFill>
+              <a:effectLst/>
+            </a:endParaRPr>
+          </a:p>
+          <a:p>
+            <a:pPr marL="0" marR="0" lvl="0" indent="0" algn="l" defTabSz="914400" rtl="0" eaLnBrk="0" fontAlgn="base" latinLnBrk="0" hangingPunct="0">
+              <a:lnSpc>
+                <a:spcPct val="100000"/>
+              </a:lnSpc>
+              <a:spcBef>
+                <a:spcPct val="0"/>
+              </a:spcBef>
+              <a:spcAft>
+                <a:spcPct val="0"/>
+              </a:spcAft>
+              <a:buClrTx/>
+              <a:buSzTx/>
+              <a:buFontTx/>
+              <a:buNone/>
+              <a:tabLst/>
+            </a:pPr>
+            <a:r>
+              <a:rPr kumimoji="0" lang="en-US" altLang="en-US" sz="1800" b="0" i="0" u="none" strike="noStrike" cap="none" normalizeH="0" baseline="0" dirty="0" smtClean="0">
+                <a:ln>
+                  <a:noFill/>
+                </a:ln>
+                <a:solidFill>
+                  <a:srgbClr val="5B9BD5"/>
+                </a:solidFill>
+                <a:effectLst/>
+                <a:latin typeface="Helvetica" panose="020B0604020202020204" pitchFamily="34" charset="0"/>
+                <a:ea typeface="Calibri" panose="020F0502020204030204" pitchFamily="34" charset="0"/>
+                <a:cs typeface="Arial" panose="020B0604020202020204" pitchFamily="34" charset="0"/>
+              </a:rPr>
+              <a:t>The /</a:t>
+            </a:r>
+            <a:r>
+              <a:rPr kumimoji="0" lang="en-US" altLang="en-US" sz="1800" b="0" i="0" u="none" strike="noStrike" cap="none" normalizeH="0" baseline="0" dirty="0" err="1" smtClean="0">
+                <a:ln>
+                  <a:noFill/>
+                </a:ln>
+                <a:solidFill>
+                  <a:srgbClr val="5B9BD5"/>
+                </a:solidFill>
+                <a:effectLst/>
+                <a:latin typeface="Helvetica" panose="020B0604020202020204" pitchFamily="34" charset="0"/>
+                <a:ea typeface="Calibri" panose="020F0502020204030204" pitchFamily="34" charset="0"/>
+                <a:cs typeface="Arial" panose="020B0604020202020204" pitchFamily="34" charset="0"/>
+              </a:rPr>
+              <a:t>tmp</a:t>
+            </a:r>
+            <a:r>
+              <a:rPr kumimoji="0" lang="en-US" altLang="en-US" sz="1800" b="0" i="0" u="none" strike="noStrike" cap="none" normalizeH="0" baseline="0" dirty="0" smtClean="0">
+                <a:ln>
+                  <a:noFill/>
+                </a:ln>
+                <a:solidFill>
+                  <a:srgbClr val="5B9BD5"/>
+                </a:solidFill>
+                <a:effectLst/>
+                <a:latin typeface="Helvetica" panose="020B0604020202020204" pitchFamily="34" charset="0"/>
+                <a:ea typeface="Calibri" panose="020F0502020204030204" pitchFamily="34" charset="0"/>
+                <a:cs typeface="Arial" panose="020B0604020202020204" pitchFamily="34" charset="0"/>
+              </a:rPr>
+              <a:t> directory must be owned by the root user</a:t>
+            </a:r>
+            <a:endParaRPr kumimoji="0" lang="en-US" altLang="en-US" sz="1800" b="0" i="0" u="none" strike="noStrike" cap="none" normalizeH="0" baseline="0" dirty="0" smtClean="0">
+              <a:ln>
+                <a:noFill/>
+              </a:ln>
+              <a:solidFill>
+                <a:srgbClr val="333333"/>
+              </a:solidFill>
+              <a:effectLst/>
+              <a:latin typeface="Consolas" panose="020B0609020204030204" pitchFamily="49" charset="0"/>
+              <a:ea typeface="Times New Roman" panose="02020603050405020304" pitchFamily="18" charset="0"/>
+              <a:cs typeface="Consolas" panose="020B0609020204030204" pitchFamily="49" charset="0"/>
+            </a:endParaRPr>
+          </a:p>
+          <a:p>
+            <a:pPr marL="0" marR="0" lvl="0" indent="0" algn="l" defTabSz="914400" rtl="0" eaLnBrk="0" fontAlgn="base" latinLnBrk="0" hangingPunct="0">
+              <a:lnSpc>
+                <a:spcPct val="100000"/>
+              </a:lnSpc>
+              <a:spcBef>
+                <a:spcPct val="0"/>
+              </a:spcBef>
+              <a:spcAft>
+                <a:spcPct val="0"/>
+              </a:spcAft>
+              <a:buClrTx/>
+              <a:buSzTx/>
+              <a:buFontTx/>
+              <a:buNone/>
+              <a:tabLst/>
+            </a:pPr>
+            <a:r>
+              <a:rPr kumimoji="0" lang="en-US" altLang="en-US" sz="1800" b="0" i="0" u="none" strike="noStrike" cap="none" normalizeH="0" baseline="0" dirty="0" smtClean="0">
+                <a:ln>
+                  <a:noFill/>
+                </a:ln>
+                <a:solidFill>
+                  <a:srgbClr val="333333"/>
+                </a:solidFill>
+                <a:effectLst/>
+                <a:latin typeface="Consolas" panose="020B0609020204030204" pitchFamily="49" charset="0"/>
+                <a:ea typeface="Times New Roman" panose="02020603050405020304" pitchFamily="18" charset="0"/>
+                <a:cs typeface="Consolas" panose="020B0609020204030204" pitchFamily="49" charset="0"/>
+              </a:rPr>
+              <a:t>control </a:t>
+            </a:r>
+            <a:r>
+              <a:rPr kumimoji="0" lang="en-US" altLang="en-US" sz="1800" b="0" i="0" u="none" strike="noStrike" cap="none" normalizeH="0" baseline="0" dirty="0" smtClean="0">
+                <a:ln>
+                  <a:noFill/>
+                </a:ln>
+                <a:solidFill>
+                  <a:srgbClr val="DD1144"/>
+                </a:solidFill>
+                <a:effectLst/>
+                <a:latin typeface="Consolas" panose="020B0609020204030204" pitchFamily="49" charset="0"/>
+                <a:ea typeface="Times New Roman" panose="02020603050405020304" pitchFamily="18" charset="0"/>
+                <a:cs typeface="Consolas" panose="020B0609020204030204" pitchFamily="49" charset="0"/>
+              </a:rPr>
+              <a:t>"tmp-1.1"</a:t>
+            </a:r>
+            <a:r>
+              <a:rPr kumimoji="0" lang="en-US" altLang="en-US" sz="1800" b="0" i="0" u="none" strike="noStrike" cap="none" normalizeH="0" baseline="0" dirty="0" smtClean="0">
+                <a:ln>
+                  <a:noFill/>
+                </a:ln>
+                <a:solidFill>
+                  <a:srgbClr val="333333"/>
+                </a:solidFill>
+                <a:effectLst/>
+                <a:latin typeface="Consolas" panose="020B0609020204030204" pitchFamily="49" charset="0"/>
+                <a:ea typeface="Times New Roman" panose="02020603050405020304" pitchFamily="18" charset="0"/>
+                <a:cs typeface="Consolas" panose="020B0609020204030204" pitchFamily="49" charset="0"/>
+              </a:rPr>
+              <a:t> </a:t>
+            </a:r>
+            <a:r>
+              <a:rPr kumimoji="0" lang="en-US" altLang="en-US" sz="1800" b="1" i="0" u="none" strike="noStrike" cap="none" normalizeH="0" baseline="0" dirty="0" smtClean="0">
+                <a:ln>
+                  <a:noFill/>
+                </a:ln>
+                <a:solidFill>
+                  <a:srgbClr val="333333"/>
+                </a:solidFill>
+                <a:effectLst/>
+                <a:latin typeface="Consolas" panose="020B0609020204030204" pitchFamily="49" charset="0"/>
+                <a:ea typeface="Times New Roman" panose="02020603050405020304" pitchFamily="18" charset="0"/>
+                <a:cs typeface="Consolas" panose="020B0609020204030204" pitchFamily="49" charset="0"/>
+              </a:rPr>
+              <a:t>do</a:t>
+            </a:r>
+            <a:r>
+              <a:rPr kumimoji="0" lang="en-US" altLang="en-US" sz="1800" b="0" i="0" u="none" strike="noStrike" cap="none" normalizeH="0" baseline="0" dirty="0" smtClean="0">
+                <a:ln>
+                  <a:noFill/>
+                </a:ln>
+                <a:solidFill>
+                  <a:srgbClr val="333333"/>
+                </a:solidFill>
+                <a:effectLst/>
+                <a:latin typeface="Consolas" panose="020B0609020204030204" pitchFamily="49" charset="0"/>
+                <a:ea typeface="Times New Roman" panose="02020603050405020304" pitchFamily="18" charset="0"/>
+                <a:cs typeface="Consolas" panose="020B0609020204030204" pitchFamily="49" charset="0"/>
+              </a:rPr>
+              <a:t>  impact </a:t>
+            </a:r>
+            <a:r>
+              <a:rPr kumimoji="0" lang="en-US" altLang="en-US" sz="1800" b="0" i="0" u="none" strike="noStrike" cap="none" normalizeH="0" baseline="0" dirty="0" smtClean="0">
+                <a:ln>
+                  <a:noFill/>
+                </a:ln>
+                <a:solidFill>
+                  <a:srgbClr val="008080"/>
+                </a:solidFill>
+                <a:effectLst/>
+                <a:latin typeface="Consolas" panose="020B0609020204030204" pitchFamily="49" charset="0"/>
+                <a:ea typeface="Times New Roman" panose="02020603050405020304" pitchFamily="18" charset="0"/>
+                <a:cs typeface="Consolas" panose="020B0609020204030204" pitchFamily="49" charset="0"/>
+              </a:rPr>
+              <a:t>0</a:t>
+            </a:r>
+            <a:r>
+              <a:rPr kumimoji="0" lang="en-US" altLang="en-US" sz="1800" b="0" i="0" u="none" strike="noStrike" cap="none" normalizeH="0" baseline="0" dirty="0" smtClean="0">
+                <a:ln>
+                  <a:noFill/>
+                </a:ln>
+                <a:solidFill>
+                  <a:srgbClr val="333333"/>
+                </a:solidFill>
+                <a:effectLst/>
+                <a:latin typeface="Consolas" panose="020B0609020204030204" pitchFamily="49" charset="0"/>
+                <a:ea typeface="Times New Roman" panose="02020603050405020304" pitchFamily="18" charset="0"/>
+                <a:cs typeface="Consolas" panose="020B0609020204030204" pitchFamily="49" charset="0"/>
+              </a:rPr>
+              <a:t>.</a:t>
+            </a:r>
+            <a:r>
+              <a:rPr kumimoji="0" lang="en-US" altLang="en-US" sz="1800" b="0" i="0" u="none" strike="noStrike" cap="none" normalizeH="0" baseline="0" dirty="0" smtClean="0">
+                <a:ln>
+                  <a:noFill/>
+                </a:ln>
+                <a:solidFill>
+                  <a:srgbClr val="008080"/>
+                </a:solidFill>
+                <a:effectLst/>
+                <a:latin typeface="Consolas" panose="020B0609020204030204" pitchFamily="49" charset="0"/>
+                <a:ea typeface="Times New Roman" panose="02020603050405020304" pitchFamily="18" charset="0"/>
+                <a:cs typeface="Consolas" panose="020B0609020204030204" pitchFamily="49" charset="0"/>
+              </a:rPr>
+              <a:t>3</a:t>
+            </a:r>
+            <a:r>
+              <a:rPr kumimoji="0" lang="en-US" altLang="en-US" sz="1800" b="0" i="0" u="none" strike="noStrike" cap="none" normalizeH="0" baseline="0" dirty="0" smtClean="0">
+                <a:ln>
+                  <a:noFill/>
+                </a:ln>
+                <a:solidFill>
+                  <a:srgbClr val="333333"/>
+                </a:solidFill>
+                <a:effectLst/>
+                <a:latin typeface="Consolas" panose="020B0609020204030204" pitchFamily="49" charset="0"/>
+                <a:ea typeface="Times New Roman" panose="02020603050405020304" pitchFamily="18" charset="0"/>
+                <a:cs typeface="Consolas" panose="020B0609020204030204" pitchFamily="49" charset="0"/>
+              </a:rPr>
+              <a:t>  title </a:t>
+            </a:r>
+            <a:r>
+              <a:rPr kumimoji="0" lang="en-US" altLang="en-US" sz="1800" b="0" i="0" u="none" strike="noStrike" cap="none" normalizeH="0" baseline="0" dirty="0" smtClean="0">
+                <a:ln>
+                  <a:noFill/>
+                </a:ln>
+                <a:solidFill>
+                  <a:srgbClr val="DD1144"/>
+                </a:solidFill>
+                <a:effectLst/>
+                <a:latin typeface="Consolas" panose="020B0609020204030204" pitchFamily="49" charset="0"/>
+                <a:ea typeface="Times New Roman" panose="02020603050405020304" pitchFamily="18" charset="0"/>
+                <a:cs typeface="Consolas" panose="020B0609020204030204" pitchFamily="49" charset="0"/>
+              </a:rPr>
+              <a:t>"</a:t>
+            </a:r>
+            <a:r>
+              <a:rPr kumimoji="0" lang="en-US" altLang="en-US" sz="1800" b="0" i="0" u="none" strike="noStrike" cap="none" normalizeH="0" baseline="0" dirty="0" smtClean="0">
+                <a:ln>
+                  <a:noFill/>
+                </a:ln>
+                <a:solidFill>
+                  <a:srgbClr val="00B050"/>
+                </a:solidFill>
+                <a:effectLst/>
+                <a:latin typeface="Consolas" panose="020B0609020204030204" pitchFamily="49" charset="0"/>
+                <a:ea typeface="Times New Roman" panose="02020603050405020304" pitchFamily="18" charset="0"/>
+                <a:cs typeface="Consolas" panose="020B0609020204030204" pitchFamily="49" charset="0"/>
+              </a:rPr>
+              <a:t>/</a:t>
+            </a:r>
+            <a:r>
+              <a:rPr kumimoji="0" lang="en-US" altLang="en-US" sz="1800" b="0" i="0" u="none" strike="noStrike" cap="none" normalizeH="0" baseline="0" dirty="0" err="1" smtClean="0">
+                <a:ln>
+                  <a:noFill/>
+                </a:ln>
+                <a:solidFill>
+                  <a:srgbClr val="00B050"/>
+                </a:solidFill>
+                <a:effectLst/>
+                <a:latin typeface="Consolas" panose="020B0609020204030204" pitchFamily="49" charset="0"/>
+                <a:ea typeface="Times New Roman" panose="02020603050405020304" pitchFamily="18" charset="0"/>
+                <a:cs typeface="Consolas" panose="020B0609020204030204" pitchFamily="49" charset="0"/>
+              </a:rPr>
+              <a:t>tmp</a:t>
+            </a:r>
+            <a:r>
+              <a:rPr kumimoji="0" lang="en-US" altLang="en-US" sz="1800" b="0" i="0" u="none" strike="noStrike" cap="none" normalizeH="0" baseline="0" dirty="0" smtClean="0">
+                <a:ln>
+                  <a:noFill/>
+                </a:ln>
+                <a:solidFill>
+                  <a:srgbClr val="00B050"/>
+                </a:solidFill>
+                <a:effectLst/>
+                <a:latin typeface="Consolas" panose="020B0609020204030204" pitchFamily="49" charset="0"/>
+                <a:ea typeface="Times New Roman" panose="02020603050405020304" pitchFamily="18" charset="0"/>
+                <a:cs typeface="Consolas" panose="020B0609020204030204" pitchFamily="49" charset="0"/>
+              </a:rPr>
+              <a:t> directory is owned by the root user</a:t>
+            </a:r>
+            <a:r>
+              <a:rPr kumimoji="0" lang="en-US" altLang="en-US" sz="1800" b="0" i="0" u="none" strike="noStrike" cap="none" normalizeH="0" baseline="0" dirty="0" smtClean="0">
+                <a:ln>
+                  <a:noFill/>
+                </a:ln>
+                <a:solidFill>
+                  <a:srgbClr val="DD1144"/>
+                </a:solidFill>
+                <a:effectLst/>
+                <a:latin typeface="Consolas" panose="020B0609020204030204" pitchFamily="49" charset="0"/>
+                <a:ea typeface="Times New Roman" panose="02020603050405020304" pitchFamily="18" charset="0"/>
+                <a:cs typeface="Consolas" panose="020B0609020204030204" pitchFamily="49" charset="0"/>
+              </a:rPr>
+              <a:t>"</a:t>
+            </a:r>
+            <a:r>
+              <a:rPr kumimoji="0" lang="en-US" altLang="en-US" sz="1800" b="0" i="0" u="none" strike="noStrike" cap="none" normalizeH="0" baseline="0" dirty="0" smtClean="0">
+                <a:ln>
+                  <a:noFill/>
+                </a:ln>
+                <a:solidFill>
+                  <a:srgbClr val="333333"/>
+                </a:solidFill>
+                <a:effectLst/>
+                <a:latin typeface="Consolas" panose="020B0609020204030204" pitchFamily="49" charset="0"/>
+                <a:ea typeface="Times New Roman" panose="02020603050405020304" pitchFamily="18" charset="0"/>
+                <a:cs typeface="Consolas" panose="020B0609020204030204" pitchFamily="49" charset="0"/>
+              </a:rPr>
+              <a:t>  </a:t>
+            </a:r>
+          </a:p>
+          <a:p>
+            <a:pPr marL="0" marR="0" lvl="0" indent="0" algn="l" defTabSz="914400" rtl="0" eaLnBrk="0" fontAlgn="base" latinLnBrk="0" hangingPunct="0">
+              <a:lnSpc>
+                <a:spcPct val="100000"/>
+              </a:lnSpc>
+              <a:spcBef>
+                <a:spcPct val="0"/>
+              </a:spcBef>
+              <a:spcAft>
+                <a:spcPct val="0"/>
+              </a:spcAft>
+              <a:buClrTx/>
+              <a:buSzTx/>
+              <a:buFontTx/>
+              <a:buNone/>
+              <a:tabLst/>
+            </a:pPr>
+            <a:r>
+              <a:rPr kumimoji="0" lang="en-US" altLang="en-US" sz="1800" b="0" i="0" u="none" strike="noStrike" cap="none" normalizeH="0" baseline="0" dirty="0" err="1" smtClean="0">
+                <a:ln>
+                  <a:noFill/>
+                </a:ln>
+                <a:solidFill>
+                  <a:srgbClr val="333333"/>
+                </a:solidFill>
+                <a:effectLst/>
+                <a:latin typeface="Consolas" panose="020B0609020204030204" pitchFamily="49" charset="0"/>
+                <a:ea typeface="Times New Roman" panose="02020603050405020304" pitchFamily="18" charset="0"/>
+                <a:cs typeface="Consolas" panose="020B0609020204030204" pitchFamily="49" charset="0"/>
+              </a:rPr>
+              <a:t>desc</a:t>
+            </a:r>
+            <a:r>
+              <a:rPr kumimoji="0" lang="en-US" altLang="en-US" sz="1800" b="0" i="0" u="none" strike="noStrike" cap="none" normalizeH="0" baseline="0" dirty="0" smtClean="0">
+                <a:ln>
+                  <a:noFill/>
+                </a:ln>
+                <a:solidFill>
+                  <a:srgbClr val="333333"/>
+                </a:solidFill>
+                <a:effectLst/>
+                <a:latin typeface="Consolas" panose="020B0609020204030204" pitchFamily="49" charset="0"/>
+                <a:ea typeface="Times New Roman" panose="02020603050405020304" pitchFamily="18" charset="0"/>
+                <a:cs typeface="Consolas" panose="020B0609020204030204" pitchFamily="49" charset="0"/>
+              </a:rPr>
+              <a:t> </a:t>
+            </a:r>
+            <a:r>
+              <a:rPr kumimoji="0" lang="en-US" altLang="en-US" sz="1800" b="0" i="0" u="none" strike="noStrike" cap="none" normalizeH="0" baseline="0" dirty="0" smtClean="0">
+                <a:ln>
+                  <a:noFill/>
+                </a:ln>
+                <a:solidFill>
+                  <a:srgbClr val="DD1144"/>
+                </a:solidFill>
+                <a:effectLst/>
+                <a:latin typeface="Consolas" panose="020B0609020204030204" pitchFamily="49" charset="0"/>
+                <a:ea typeface="Times New Roman" panose="02020603050405020304" pitchFamily="18" charset="0"/>
+                <a:cs typeface="Consolas" panose="020B0609020204030204" pitchFamily="49" charset="0"/>
+              </a:rPr>
+              <a:t>"</a:t>
+            </a:r>
+            <a:r>
+              <a:rPr kumimoji="0" lang="en-US" altLang="en-US" sz="1800" b="0" i="0" u="none" strike="noStrike" cap="none" normalizeH="0" baseline="0" dirty="0" smtClean="0">
+                <a:ln>
+                  <a:noFill/>
+                </a:ln>
+                <a:solidFill>
+                  <a:srgbClr val="5B9BD5"/>
+                </a:solidFill>
+                <a:effectLst/>
+                <a:latin typeface="Consolas" panose="020B0609020204030204" pitchFamily="49" charset="0"/>
+                <a:ea typeface="Times New Roman" panose="02020603050405020304" pitchFamily="18" charset="0"/>
+                <a:cs typeface="Consolas" panose="020B0609020204030204" pitchFamily="49" charset="0"/>
+              </a:rPr>
+              <a:t>The /</a:t>
+            </a:r>
+            <a:r>
+              <a:rPr kumimoji="0" lang="en-US" altLang="en-US" sz="1800" b="0" i="0" u="none" strike="noStrike" cap="none" normalizeH="0" baseline="0" dirty="0" err="1" smtClean="0">
+                <a:ln>
+                  <a:noFill/>
+                </a:ln>
+                <a:solidFill>
+                  <a:srgbClr val="5B9BD5"/>
+                </a:solidFill>
+                <a:effectLst/>
+                <a:latin typeface="Consolas" panose="020B0609020204030204" pitchFamily="49" charset="0"/>
+                <a:ea typeface="Times New Roman" panose="02020603050405020304" pitchFamily="18" charset="0"/>
+                <a:cs typeface="Consolas" panose="020B0609020204030204" pitchFamily="49" charset="0"/>
+              </a:rPr>
+              <a:t>tmp</a:t>
+            </a:r>
+            <a:r>
+              <a:rPr kumimoji="0" lang="en-US" altLang="en-US" sz="1800" b="0" i="0" u="none" strike="noStrike" cap="none" normalizeH="0" baseline="0" dirty="0" smtClean="0">
+                <a:ln>
+                  <a:noFill/>
+                </a:ln>
+                <a:solidFill>
+                  <a:srgbClr val="5B9BD5"/>
+                </a:solidFill>
+                <a:effectLst/>
+                <a:latin typeface="Consolas" panose="020B0609020204030204" pitchFamily="49" charset="0"/>
+                <a:ea typeface="Times New Roman" panose="02020603050405020304" pitchFamily="18" charset="0"/>
+                <a:cs typeface="Consolas" panose="020B0609020204030204" pitchFamily="49" charset="0"/>
+              </a:rPr>
+              <a:t> directory must be owned by the root user</a:t>
+            </a:r>
+            <a:r>
+              <a:rPr kumimoji="0" lang="en-US" altLang="en-US" sz="1800" b="0" i="0" u="none" strike="noStrike" cap="none" normalizeH="0" baseline="0" dirty="0" smtClean="0">
+                <a:ln>
+                  <a:noFill/>
+                </a:ln>
+                <a:solidFill>
+                  <a:srgbClr val="DD1144"/>
+                </a:solidFill>
+                <a:effectLst/>
+                <a:latin typeface="Consolas" panose="020B0609020204030204" pitchFamily="49" charset="0"/>
+                <a:ea typeface="Times New Roman" panose="02020603050405020304" pitchFamily="18" charset="0"/>
+                <a:cs typeface="Consolas" panose="020B0609020204030204" pitchFamily="49" charset="0"/>
+              </a:rPr>
+              <a:t>"</a:t>
+            </a:r>
+            <a:r>
+              <a:rPr kumimoji="0" lang="en-US" altLang="en-US" sz="1800" b="0" i="0" u="none" strike="noStrike" cap="none" normalizeH="0" baseline="0" dirty="0" smtClean="0">
+                <a:ln>
+                  <a:noFill/>
+                </a:ln>
+                <a:solidFill>
+                  <a:srgbClr val="333333"/>
+                </a:solidFill>
+                <a:effectLst/>
+                <a:latin typeface="Consolas" panose="020B0609020204030204" pitchFamily="49" charset="0"/>
+                <a:ea typeface="Times New Roman" panose="02020603050405020304" pitchFamily="18" charset="0"/>
+                <a:cs typeface="Consolas" panose="020B0609020204030204" pitchFamily="49" charset="0"/>
+              </a:rPr>
+              <a:t>  </a:t>
+            </a:r>
+          </a:p>
+          <a:p>
+            <a:pPr marL="0" marR="0" lvl="0" indent="0" algn="l" defTabSz="914400" rtl="0" eaLnBrk="0" fontAlgn="base" latinLnBrk="0" hangingPunct="0">
+              <a:lnSpc>
+                <a:spcPct val="100000"/>
+              </a:lnSpc>
+              <a:spcBef>
+                <a:spcPct val="0"/>
+              </a:spcBef>
+              <a:spcAft>
+                <a:spcPct val="0"/>
+              </a:spcAft>
+              <a:buClrTx/>
+              <a:buSzTx/>
+              <a:buFontTx/>
+              <a:buNone/>
+              <a:tabLst/>
+            </a:pPr>
+            <a:r>
+              <a:rPr kumimoji="0" lang="en-US" altLang="en-US" sz="1800" b="0" i="0" u="none" strike="noStrike" cap="none" normalizeH="0" baseline="0" dirty="0" smtClean="0">
+                <a:ln>
+                  <a:noFill/>
+                </a:ln>
+                <a:solidFill>
+                  <a:srgbClr val="333333"/>
+                </a:solidFill>
+                <a:effectLst/>
+                <a:latin typeface="Consolas" panose="020B0609020204030204" pitchFamily="49" charset="0"/>
+                <a:ea typeface="Times New Roman" panose="02020603050405020304" pitchFamily="18" charset="0"/>
+                <a:cs typeface="Consolas" panose="020B0609020204030204" pitchFamily="49" charset="0"/>
+              </a:rPr>
+              <a:t>describe file(</a:t>
+            </a:r>
+            <a:r>
+              <a:rPr kumimoji="0" lang="en-US" altLang="en-US" sz="1800" b="0" i="0" u="none" strike="noStrike" cap="none" normalizeH="0" baseline="0" dirty="0" smtClean="0">
+                <a:ln>
+                  <a:noFill/>
+                </a:ln>
+                <a:solidFill>
+                  <a:srgbClr val="DD1144"/>
+                </a:solidFill>
+                <a:effectLst/>
+                <a:latin typeface="Consolas" panose="020B0609020204030204" pitchFamily="49" charset="0"/>
+                <a:ea typeface="Times New Roman" panose="02020603050405020304" pitchFamily="18" charset="0"/>
+                <a:cs typeface="Consolas" panose="020B0609020204030204" pitchFamily="49" charset="0"/>
+              </a:rPr>
+              <a:t>'/</a:t>
+            </a:r>
+            <a:r>
+              <a:rPr kumimoji="0" lang="en-US" altLang="en-US" sz="1800" b="0" i="0" u="none" strike="noStrike" cap="none" normalizeH="0" baseline="0" dirty="0" err="1" smtClean="0">
+                <a:ln>
+                  <a:noFill/>
+                </a:ln>
+                <a:solidFill>
+                  <a:srgbClr val="DD1144"/>
+                </a:solidFill>
+                <a:effectLst/>
+                <a:latin typeface="Consolas" panose="020B0609020204030204" pitchFamily="49" charset="0"/>
+                <a:ea typeface="Times New Roman" panose="02020603050405020304" pitchFamily="18" charset="0"/>
+                <a:cs typeface="Consolas" panose="020B0609020204030204" pitchFamily="49" charset="0"/>
+              </a:rPr>
+              <a:t>tmp</a:t>
+            </a:r>
+            <a:r>
+              <a:rPr kumimoji="0" lang="en-US" altLang="en-US" sz="1800" b="0" i="0" u="none" strike="noStrike" cap="none" normalizeH="0" baseline="0" dirty="0" smtClean="0">
+                <a:ln>
+                  <a:noFill/>
+                </a:ln>
+                <a:solidFill>
+                  <a:srgbClr val="DD1144"/>
+                </a:solidFill>
+                <a:effectLst/>
+                <a:latin typeface="Consolas" panose="020B0609020204030204" pitchFamily="49" charset="0"/>
+                <a:ea typeface="Times New Roman" panose="02020603050405020304" pitchFamily="18" charset="0"/>
+                <a:cs typeface="Consolas" panose="020B0609020204030204" pitchFamily="49" charset="0"/>
+              </a:rPr>
+              <a:t>'</a:t>
+            </a:r>
+            <a:r>
+              <a:rPr kumimoji="0" lang="en-US" altLang="en-US" sz="1800" b="0" i="0" u="none" strike="noStrike" cap="none" normalizeH="0" baseline="0" dirty="0" smtClean="0">
+                <a:ln>
+                  <a:noFill/>
+                </a:ln>
+                <a:solidFill>
+                  <a:srgbClr val="333333"/>
+                </a:solidFill>
+                <a:effectLst/>
+                <a:latin typeface="Consolas" panose="020B0609020204030204" pitchFamily="49" charset="0"/>
+                <a:ea typeface="Times New Roman" panose="02020603050405020304" pitchFamily="18" charset="0"/>
+                <a:cs typeface="Consolas" panose="020B0609020204030204" pitchFamily="49" charset="0"/>
+              </a:rPr>
+              <a:t>) </a:t>
+            </a:r>
+            <a:r>
+              <a:rPr kumimoji="0" lang="en-US" altLang="en-US" sz="1800" b="1" i="0" u="none" strike="noStrike" cap="none" normalizeH="0" baseline="0" dirty="0" smtClean="0">
+                <a:ln>
+                  <a:noFill/>
+                </a:ln>
+                <a:solidFill>
+                  <a:srgbClr val="333333"/>
+                </a:solidFill>
+                <a:effectLst/>
+                <a:latin typeface="Consolas" panose="020B0609020204030204" pitchFamily="49" charset="0"/>
+                <a:ea typeface="Times New Roman" panose="02020603050405020304" pitchFamily="18" charset="0"/>
+                <a:cs typeface="Consolas" panose="020B0609020204030204" pitchFamily="49" charset="0"/>
+              </a:rPr>
+              <a:t>do</a:t>
+            </a:r>
+            <a:r>
+              <a:rPr kumimoji="0" lang="en-US" altLang="en-US" sz="1800" b="0" i="0" u="none" strike="noStrike" cap="none" normalizeH="0" baseline="0" dirty="0" smtClean="0">
+                <a:ln>
+                  <a:noFill/>
+                </a:ln>
+                <a:solidFill>
+                  <a:srgbClr val="333333"/>
+                </a:solidFill>
+                <a:effectLst/>
+                <a:latin typeface="Consolas" panose="020B0609020204030204" pitchFamily="49" charset="0"/>
+                <a:ea typeface="Times New Roman" panose="02020603050405020304" pitchFamily="18" charset="0"/>
+                <a:cs typeface="Consolas" panose="020B0609020204030204" pitchFamily="49" charset="0"/>
+              </a:rPr>
+              <a:t>  it { should </a:t>
+            </a:r>
+            <a:r>
+              <a:rPr kumimoji="0" lang="en-US" altLang="en-US" sz="1800" b="0" i="0" u="none" strike="noStrike" cap="none" normalizeH="0" baseline="0" dirty="0" err="1" smtClean="0">
+                <a:ln>
+                  <a:noFill/>
+                </a:ln>
+                <a:solidFill>
+                  <a:srgbClr val="333333"/>
+                </a:solidFill>
+                <a:effectLst/>
+                <a:latin typeface="Consolas" panose="020B0609020204030204" pitchFamily="49" charset="0"/>
+                <a:ea typeface="Times New Roman" panose="02020603050405020304" pitchFamily="18" charset="0"/>
+                <a:cs typeface="Consolas" panose="020B0609020204030204" pitchFamily="49" charset="0"/>
+              </a:rPr>
+              <a:t>be_owned_by</a:t>
+            </a:r>
+            <a:r>
+              <a:rPr kumimoji="0" lang="en-US" altLang="en-US" sz="1800" b="0" i="0" u="none" strike="noStrike" cap="none" normalizeH="0" baseline="0" dirty="0" smtClean="0">
+                <a:ln>
+                  <a:noFill/>
+                </a:ln>
+                <a:solidFill>
+                  <a:srgbClr val="333333"/>
+                </a:solidFill>
+                <a:effectLst/>
+                <a:latin typeface="Consolas" panose="020B0609020204030204" pitchFamily="49" charset="0"/>
+                <a:ea typeface="Times New Roman" panose="02020603050405020304" pitchFamily="18" charset="0"/>
+                <a:cs typeface="Consolas" panose="020B0609020204030204" pitchFamily="49" charset="0"/>
+              </a:rPr>
+              <a:t> </a:t>
+            </a:r>
+            <a:r>
+              <a:rPr kumimoji="0" lang="en-US" altLang="en-US" sz="1800" b="0" i="0" u="none" strike="noStrike" cap="none" normalizeH="0" baseline="0" dirty="0" smtClean="0">
+                <a:ln>
+                  <a:noFill/>
+                </a:ln>
+                <a:solidFill>
+                  <a:srgbClr val="DD1144"/>
+                </a:solidFill>
+                <a:effectLst/>
+                <a:latin typeface="Consolas" panose="020B0609020204030204" pitchFamily="49" charset="0"/>
+                <a:ea typeface="Times New Roman" panose="02020603050405020304" pitchFamily="18" charset="0"/>
+                <a:cs typeface="Consolas" panose="020B0609020204030204" pitchFamily="49" charset="0"/>
+              </a:rPr>
+              <a:t>'root'</a:t>
+            </a:r>
+            <a:r>
+              <a:rPr kumimoji="0" lang="en-US" altLang="en-US" sz="1800" b="0" i="0" u="none" strike="noStrike" cap="none" normalizeH="0" baseline="0" dirty="0" smtClean="0">
+                <a:ln>
+                  <a:noFill/>
+                </a:ln>
+                <a:solidFill>
+                  <a:srgbClr val="333333"/>
+                </a:solidFill>
+                <a:effectLst/>
+                <a:latin typeface="Consolas" panose="020B0609020204030204" pitchFamily="49" charset="0"/>
+                <a:ea typeface="Times New Roman" panose="02020603050405020304" pitchFamily="18" charset="0"/>
+                <a:cs typeface="Consolas" panose="020B0609020204030204" pitchFamily="49" charset="0"/>
+              </a:rPr>
+              <a:t> }</a:t>
+            </a:r>
+            <a:r>
+              <a:rPr kumimoji="0" lang="en-US" altLang="en-US" sz="1800" b="0" i="0" u="none" strike="noStrike" cap="none" normalizeH="0" baseline="0" dirty="0" smtClean="0">
+                <a:ln>
+                  <a:noFill/>
+                </a:ln>
+                <a:solidFill>
+                  <a:schemeClr val="tx1"/>
+                </a:solidFill>
+                <a:effectLst/>
+                <a:latin typeface="Arial Unicode MS" panose="020B0604020202020204" pitchFamily="34" charset="-128"/>
+                <a:ea typeface="Times New Roman" panose="02020603050405020304" pitchFamily="18" charset="0"/>
+              </a:rPr>
+              <a:t> </a:t>
+            </a:r>
+            <a:endParaRPr kumimoji="0" lang="en-US" altLang="en-US" sz="1800" b="0" i="0" u="none" strike="noStrike" cap="none" normalizeH="0" baseline="0" dirty="0" smtClean="0">
+              <a:ln>
+                <a:noFill/>
+              </a:ln>
+              <a:solidFill>
+                <a:schemeClr val="tx1"/>
+              </a:solidFill>
+              <a:effectLst/>
+              <a:latin typeface="Arial" panose="020B0604020202020204" pitchFamily="34" charset="0"/>
+            </a:endParaRPr>
+          </a:p>
+        </p:txBody>
+      </p:sp>
+    </p:spTree>
+    <p:extLst>
+      <p:ext uri="{BB962C8B-B14F-4D97-AF65-F5344CB8AC3E}">
+        <p14:creationId xmlns:p14="http://schemas.microsoft.com/office/powerpoint/2010/main" val="3312136152"/>
+      </p:ext>
+    </p:extLst>
+  </p:cSld>
+  <p:clrMapOvr>
+    <a:masterClrMapping/>
+  </p:clrMapOvr>
+  <p:transition spd="med">
+    <p:fade/>
+  </p:transition>
+</p:sld>
+</file>
+
+<file path=ppt/slides/slide31.xml><?xml version="1.0" encoding="utf-8"?>
+<p:sld xmlns:a="http://schemas.openxmlformats.org/drawingml/2006/main" xmlns:r="http://schemas.openxmlformats.org/officeDocument/2006/relationships" xmlns:p="http://schemas.openxmlformats.org/presentationml/2006/main">
+  <p:cSld>
+    <p:spTree>
+      <p:nvGrpSpPr>
+        <p:cNvPr id="1" name=""/>
+        <p:cNvGrpSpPr/>
+        <p:nvPr/>
+      </p:nvGrpSpPr>
+      <p:grpSpPr>
+        <a:xfrm>
+          <a:off x="0" y="0"/>
+          <a:ext cx="0" cy="0"/>
+          <a:chOff x="0" y="0"/>
+          <a:chExt cx="0" cy="0"/>
+        </a:xfrm>
+      </p:grpSpPr>
+      <p:sp>
+        <p:nvSpPr>
+          <p:cNvPr id="2" name="Title 1"/>
+          <p:cNvSpPr>
+            <a:spLocks noGrp="1"/>
+          </p:cNvSpPr>
+          <p:nvPr>
+            <p:ph type="title"/>
+          </p:nvPr>
+        </p:nvSpPr>
+        <p:spPr/>
+        <p:txBody>
+          <a:bodyPr/>
+          <a:lstStyle/>
+          <a:p>
+            <a:r>
+              <a:rPr lang="en-US" dirty="0" smtClean="0"/>
+              <a:t>GE: Save this</a:t>
+            </a:r>
+            <a:endParaRPr lang="en-US" dirty="0"/>
+          </a:p>
+        </p:txBody>
+      </p:sp>
+      <p:sp>
+        <p:nvSpPr>
+          <p:cNvPr id="6" name="Text Placeholder 2"/>
+          <p:cNvSpPr>
+            <a:spLocks noGrp="1"/>
+          </p:cNvSpPr>
+          <p:nvPr>
+            <p:ph type="body" sz="quarter" idx="12"/>
+          </p:nvPr>
+        </p:nvSpPr>
+        <p:spPr>
+          <a:xfrm>
+            <a:off x="609599" y="1559018"/>
+            <a:ext cx="14042065" cy="5961922"/>
+          </a:xfrm>
+        </p:spPr>
+        <p:txBody>
+          <a:bodyPr/>
+          <a:lstStyle/>
+          <a:p>
+            <a:pPr marL="457200" indent="-457200">
+              <a:buFont typeface="Arial" panose="020B0604020202020204" pitchFamily="34" charset="0"/>
+              <a:buChar char="•"/>
+            </a:pPr>
+            <a:r>
+              <a:rPr lang="en-US" dirty="0">
+                <a:hlinkClick r:id="rId3"/>
+              </a:rPr>
+              <a:t>https://</a:t>
+            </a:r>
+            <a:r>
+              <a:rPr lang="en-US" dirty="0" smtClean="0">
+                <a:hlinkClick r:id="rId3"/>
+              </a:rPr>
+              <a:t>github.com/chef/inspec/blob/7f555b902d6860ffe236ff23e4b52f20bac28adc/lib/inspec/profile.rb#L81-L129</a:t>
+            </a:r>
+            <a:endParaRPr lang="en-US" dirty="0" smtClean="0"/>
+          </a:p>
+          <a:p>
+            <a:pPr marL="457200" indent="-457200">
+              <a:buFont typeface="Arial" panose="020B0604020202020204" pitchFamily="34" charset="0"/>
+              <a:buChar char="•"/>
+            </a:pPr>
+            <a:endParaRPr lang="en-US" dirty="0"/>
+          </a:p>
+          <a:p>
+            <a:pPr marL="457200" indent="-457200">
+              <a:buFont typeface="Arial" panose="020B0604020202020204" pitchFamily="34" charset="0"/>
+              <a:buChar char="•"/>
+            </a:pPr>
+            <a:endParaRPr lang="en-US" dirty="0" smtClean="0"/>
+          </a:p>
+          <a:p>
+            <a:pPr marL="457200" indent="-457200">
+              <a:buFont typeface="Arial" panose="020B0604020202020204" pitchFamily="34" charset="0"/>
+              <a:buChar char="•"/>
+            </a:pPr>
+            <a:r>
+              <a:rPr lang="en-US" dirty="0" smtClean="0"/>
+              <a:t>and Check uses the </a:t>
+            </a:r>
+            <a:r>
+              <a:rPr lang="en-US" dirty="0"/>
+              <a:t>above from here:</a:t>
+            </a:r>
+            <a:br>
+              <a:rPr lang="en-US" dirty="0"/>
+            </a:br>
+            <a:r>
+              <a:rPr lang="en-US" dirty="0">
+                <a:hlinkClick r:id="rId4"/>
+              </a:rPr>
+              <a:t>https://</a:t>
+            </a:r>
+            <a:r>
+              <a:rPr lang="en-US" dirty="0" smtClean="0">
+                <a:hlinkClick r:id="rId4"/>
+              </a:rPr>
+              <a:t>github.com/chef/inspec/blob/b1ec95e343aac75ee1a21e3d1a09a32a5a8c1dd2/bin/inspec#L70-L78</a:t>
+            </a:r>
+            <a:endParaRPr lang="en-US" dirty="0" smtClean="0"/>
+          </a:p>
+          <a:p>
+            <a:pPr marL="457200" indent="-457200">
+              <a:buFont typeface="Arial" panose="020B0604020202020204" pitchFamily="34" charset="0"/>
+              <a:buChar char="•"/>
+            </a:pPr>
+            <a:endParaRPr lang="en-US" dirty="0"/>
+          </a:p>
+          <a:p>
+            <a:pPr marL="457200" indent="-457200">
+              <a:buFont typeface="Arial" panose="020B0604020202020204" pitchFamily="34" charset="0"/>
+              <a:buChar char="•"/>
+            </a:pPr>
+            <a:r>
+              <a:rPr lang="en-US" dirty="0">
+                <a:hlinkClick r:id="rId5"/>
+              </a:rPr>
+              <a:t>https://</a:t>
+            </a:r>
+            <a:r>
+              <a:rPr lang="en-US" dirty="0" smtClean="0">
+                <a:hlinkClick r:id="rId5"/>
+              </a:rPr>
+              <a:t>chefio.atlassian.net/wiki/pages/viewpage.action?spaceKey=SE&amp;title=Week+1#Week1-Addingprofiles</a:t>
+            </a:r>
+            <a:endParaRPr lang="en-US" dirty="0" smtClean="0"/>
+          </a:p>
+          <a:p>
+            <a:pPr marL="457200" indent="-457200">
+              <a:buFont typeface="Arial" panose="020B0604020202020204" pitchFamily="34" charset="0"/>
+              <a:buChar char="•"/>
+            </a:pPr>
+            <a:endParaRPr lang="en-US" dirty="0" smtClean="0"/>
+          </a:p>
+          <a:p>
+            <a:pPr marL="457200" indent="-457200">
+              <a:buFont typeface="Arial" panose="020B0604020202020204" pitchFamily="34" charset="0"/>
+              <a:buChar char="•"/>
+            </a:pPr>
+            <a:endParaRPr lang="en-US" dirty="0"/>
+          </a:p>
+          <a:p>
+            <a:endParaRPr lang="en-US" dirty="0" smtClean="0"/>
+          </a:p>
+          <a:p>
+            <a:pPr marL="457200" indent="-457200">
+              <a:buFont typeface="Arial" panose="020B0604020202020204" pitchFamily="34" charset="0"/>
+              <a:buChar char="•"/>
+            </a:pPr>
+            <a:endParaRPr lang="en-US" dirty="0"/>
+          </a:p>
+        </p:txBody>
+      </p:sp>
+    </p:spTree>
+    <p:extLst>
+      <p:ext uri="{BB962C8B-B14F-4D97-AF65-F5344CB8AC3E}">
+        <p14:creationId xmlns:p14="http://schemas.microsoft.com/office/powerpoint/2010/main" val="420890300"/>
+      </p:ext>
+    </p:extLst>
+  </p:cSld>
+  <p:clrMapOvr>
+    <a:masterClrMapping/>
+  </p:clrMapOvr>
+  <p:transition spd="med">
+    <p:fade/>
+  </p:transition>
+  <p:timing>
+    <p:tnLst>
+      <p:par>
+        <p:cTn id="1" dur="indefinite" restart="never" nodeType="tmRoot"/>
+      </p:par>
+    </p:tnLst>
+  </p:timing>
+</p:sld>
+</file>
+
+<file path=ppt/slides/slide32.xml><?xml version="1.0" encoding="utf-8"?>
+<p:sld xmlns:a="http://schemas.openxmlformats.org/drawingml/2006/main" xmlns:r="http://schemas.openxmlformats.org/officeDocument/2006/relationships" xmlns:p="http://schemas.openxmlformats.org/presentationml/2006/main">
+  <p:cSld>
+    <p:spTree>
+      <p:nvGrpSpPr>
+        <p:cNvPr id="1" name=""/>
+        <p:cNvGrpSpPr/>
+        <p:nvPr/>
+      </p:nvGrpSpPr>
+      <p:grpSpPr>
+        <a:xfrm>
+          <a:off x="0" y="0"/>
+          <a:ext cx="0" cy="0"/>
+          <a:chOff x="0" y="0"/>
+          <a:chExt cx="0" cy="0"/>
+        </a:xfrm>
+      </p:grpSpPr>
+      <p:sp>
+        <p:nvSpPr>
+          <p:cNvPr id="2" name="Title 1"/>
+          <p:cNvSpPr>
+            <a:spLocks noGrp="1"/>
+          </p:cNvSpPr>
+          <p:nvPr>
+            <p:ph type="title"/>
+          </p:nvPr>
+        </p:nvSpPr>
+        <p:spPr/>
+        <p:txBody>
           <a:bodyPr>
             <a:normAutofit/>
           </a:bodyPr>
@@ -20584,7 +21921,7 @@
 </p:sld>
 </file>
 
-<file path=ppt/slides/slide31.xml><?xml version="1.0" encoding="utf-8"?>
+<file path=ppt/slides/slide33.xml><?xml version="1.0" encoding="utf-8"?>
 <p:sld xmlns:a="http://schemas.openxmlformats.org/drawingml/2006/main" xmlns:r="http://schemas.openxmlformats.org/officeDocument/2006/relationships" xmlns:p="http://schemas.openxmlformats.org/presentationml/2006/main">
   <p:cSld>
     <p:bg>
@@ -20764,7 +22101,7 @@
 </p:sld>
 </file>
 
-<file path=ppt/slides/slide32.xml><?xml version="1.0" encoding="utf-8"?>
+<file path=ppt/slides/slide34.xml><?xml version="1.0" encoding="utf-8"?>
 <p:sld xmlns:a="http://schemas.openxmlformats.org/drawingml/2006/main" xmlns:r="http://schemas.openxmlformats.org/officeDocument/2006/relationships" xmlns:p="http://schemas.openxmlformats.org/presentationml/2006/main">
   <p:cSld>
     <p:spTree>
@@ -23503,49 +24840,15 @@
 </file>
 
 <file path=customXml/item1.xml><?xml version="1.0" encoding="utf-8"?>
-<?mso-contentType ?>
-<spe:Receivers xmlns:spe="http://schemas.microsoft.com/sharepoint/events">
-  <Receiver>
-    <Name>Document ID Generator</Name>
-    <Synchronization>Synchronous</Synchronization>
-    <Type>10001</Type>
-    <SequenceNumber>1000</SequenceNumber>
-    <Assembly>Microsoft.Office.DocumentManagement, Version=14.0.0.0, Culture=neutral, PublicKeyToken=71e9bce111e9429c</Assembly>
-    <Class>Microsoft.Office.DocumentManagement.Internal.DocIdHandler</Class>
-    <Data/>
-    <Filter/>
-  </Receiver>
-  <Receiver>
-    <Name>Document ID Generator</Name>
-    <Synchronization>Synchronous</Synchronization>
-    <Type>10002</Type>
-    <SequenceNumber>1001</SequenceNumber>
-    <Assembly>Microsoft.Office.DocumentManagement, Version=14.0.0.0, Culture=neutral, PublicKeyToken=71e9bce111e9429c</Assembly>
-    <Class>Microsoft.Office.DocumentManagement.Internal.DocIdHandler</Class>
-    <Data/>
-    <Filter/>
-  </Receiver>
-  <Receiver>
-    <Name>Document ID Generator</Name>
-    <Synchronization>Synchronous</Synchronization>
-    <Type>10004</Type>
-    <SequenceNumber>1002</SequenceNumber>
-    <Assembly>Microsoft.Office.DocumentManagement, Version=14.0.0.0, Culture=neutral, PublicKeyToken=71e9bce111e9429c</Assembly>
-    <Class>Microsoft.Office.DocumentManagement.Internal.DocIdHandler</Class>
-    <Data/>
-    <Filter/>
-  </Receiver>
-  <Receiver>
-    <Name>Document ID Generator</Name>
-    <Synchronization>Synchronous</Synchronization>
-    <Type>10006</Type>
-    <SequenceNumber>1003</SequenceNumber>
-    <Assembly>Microsoft.Office.DocumentManagement, Version=14.0.0.0, Culture=neutral, PublicKeyToken=71e9bce111e9429c</Assembly>
-    <Class>Microsoft.Office.DocumentManagement.Internal.DocIdHandler</Class>
-    <Data/>
-    <Filter/>
-  </Receiver>
-</spe:Receivers>
+<p:properties xmlns:p="http://schemas.microsoft.com/office/2006/metadata/properties" xmlns:xsi="http://www.w3.org/2001/XMLSchema-instance" xmlns:pc="http://schemas.microsoft.com/office/infopath/2007/PartnerControls">
+  <documentManagement>
+    <_dlc_DocId xmlns="7bb5d761-a2ea-4873-95f7-7a6658fb3ef0">M4CWTKMW727E-592-73</_dlc_DocId>
+    <_dlc_DocIdUrl xmlns="7bb5d761-a2ea-4873-95f7-7a6658fb3ef0">
+      <Url>https://kms.vci.local/marketing/team/_layouts/DocIdRedir.aspx?ID=M4CWTKMW727E-592-73</Url>
+      <Description>M4CWTKMW727E-592-73</Description>
+    </_dlc_DocIdUrl>
+  </documentManagement>
+</p:properties>
 </file>
 
 <file path=customXml/item2.xml><?xml version="1.0" encoding="utf-8"?>
@@ -23694,15 +24997,49 @@
 </file>
 
 <file path=customXml/item3.xml><?xml version="1.0" encoding="utf-8"?>
-<p:properties xmlns:p="http://schemas.microsoft.com/office/2006/metadata/properties" xmlns:xsi="http://www.w3.org/2001/XMLSchema-instance" xmlns:pc="http://schemas.microsoft.com/office/infopath/2007/PartnerControls">
-  <documentManagement>
-    <_dlc_DocId xmlns="7bb5d761-a2ea-4873-95f7-7a6658fb3ef0">M4CWTKMW727E-592-73</_dlc_DocId>
-    <_dlc_DocIdUrl xmlns="7bb5d761-a2ea-4873-95f7-7a6658fb3ef0">
-      <Url>https://kms.vci.local/marketing/team/_layouts/DocIdRedir.aspx?ID=M4CWTKMW727E-592-73</Url>
-      <Description>M4CWTKMW727E-592-73</Description>
-    </_dlc_DocIdUrl>
-  </documentManagement>
-</p:properties>
+<?mso-contentType ?>
+<spe:Receivers xmlns:spe="http://schemas.microsoft.com/sharepoint/events">
+  <Receiver>
+    <Name>Document ID Generator</Name>
+    <Synchronization>Synchronous</Synchronization>
+    <Type>10001</Type>
+    <SequenceNumber>1000</SequenceNumber>
+    <Assembly>Microsoft.Office.DocumentManagement, Version=14.0.0.0, Culture=neutral, PublicKeyToken=71e9bce111e9429c</Assembly>
+    <Class>Microsoft.Office.DocumentManagement.Internal.DocIdHandler</Class>
+    <Data/>
+    <Filter/>
+  </Receiver>
+  <Receiver>
+    <Name>Document ID Generator</Name>
+    <Synchronization>Synchronous</Synchronization>
+    <Type>10002</Type>
+    <SequenceNumber>1001</SequenceNumber>
+    <Assembly>Microsoft.Office.DocumentManagement, Version=14.0.0.0, Culture=neutral, PublicKeyToken=71e9bce111e9429c</Assembly>
+    <Class>Microsoft.Office.DocumentManagement.Internal.DocIdHandler</Class>
+    <Data/>
+    <Filter/>
+  </Receiver>
+  <Receiver>
+    <Name>Document ID Generator</Name>
+    <Synchronization>Synchronous</Synchronization>
+    <Type>10004</Type>
+    <SequenceNumber>1002</SequenceNumber>
+    <Assembly>Microsoft.Office.DocumentManagement, Version=14.0.0.0, Culture=neutral, PublicKeyToken=71e9bce111e9429c</Assembly>
+    <Class>Microsoft.Office.DocumentManagement.Internal.DocIdHandler</Class>
+    <Data/>
+    <Filter/>
+  </Receiver>
+  <Receiver>
+    <Name>Document ID Generator</Name>
+    <Synchronization>Synchronous</Synchronization>
+    <Type>10006</Type>
+    <SequenceNumber>1003</SequenceNumber>
+    <Assembly>Microsoft.Office.DocumentManagement, Version=14.0.0.0, Culture=neutral, PublicKeyToken=71e9bce111e9429c</Assembly>
+    <Class>Microsoft.Office.DocumentManagement.Internal.DocIdHandler</Class>
+    <Data/>
+    <Filter/>
+  </Receiver>
+</spe:Receivers>
 </file>
 
 <file path=customXml/item4.xml><?xml version="1.0" encoding="utf-8"?>
@@ -23715,9 +25052,17 @@
 </file>
 
 <file path=customXml/itemProps1.xml><?xml version="1.0" encoding="utf-8"?>
-<ds:datastoreItem xmlns:ds="http://schemas.openxmlformats.org/officeDocument/2006/customXml" ds:itemID="{B13EBC30-FE27-4C6A-B723-23FC2188F7DC}">
+<ds:datastoreItem xmlns:ds="http://schemas.openxmlformats.org/officeDocument/2006/customXml" ds:itemID="{6921749B-AEB7-461B-845F-603CABD25259}">
   <ds:schemaRefs>
-    <ds:schemaRef ds:uri="http://schemas.microsoft.com/sharepoint/events"/>
+    <ds:schemaRef ds:uri="http://schemas.microsoft.com/office/2006/documentManagement/types"/>
+    <ds:schemaRef ds:uri="http://schemas.microsoft.com/office/infopath/2007/PartnerControls"/>
+    <ds:schemaRef ds:uri="http://purl.org/dc/elements/1.1/"/>
+    <ds:schemaRef ds:uri="http://schemas.microsoft.com/office/2006/metadata/properties"/>
+    <ds:schemaRef ds:uri="7bb5d761-a2ea-4873-95f7-7a6658fb3ef0"/>
+    <ds:schemaRef ds:uri="http://purl.org/dc/terms/"/>
+    <ds:schemaRef ds:uri="http://schemas.openxmlformats.org/package/2006/metadata/core-properties"/>
+    <ds:schemaRef ds:uri="http://www.w3.org/XML/1998/namespace"/>
+    <ds:schemaRef ds:uri="http://purl.org/dc/dcmitype/"/>
   </ds:schemaRefs>
 </ds:datastoreItem>
 </file>
@@ -23741,17 +25086,9 @@
 </file>
 
 <file path=customXml/itemProps3.xml><?xml version="1.0" encoding="utf-8"?>
-<ds:datastoreItem xmlns:ds="http://schemas.openxmlformats.org/officeDocument/2006/customXml" ds:itemID="{6921749B-AEB7-461B-845F-603CABD25259}">
+<ds:datastoreItem xmlns:ds="http://schemas.openxmlformats.org/officeDocument/2006/customXml" ds:itemID="{B13EBC30-FE27-4C6A-B723-23FC2188F7DC}">
   <ds:schemaRefs>
-    <ds:schemaRef ds:uri="http://schemas.microsoft.com/office/2006/documentManagement/types"/>
-    <ds:schemaRef ds:uri="http://schemas.microsoft.com/office/infopath/2007/PartnerControls"/>
-    <ds:schemaRef ds:uri="http://purl.org/dc/elements/1.1/"/>
-    <ds:schemaRef ds:uri="http://schemas.microsoft.com/office/2006/metadata/properties"/>
-    <ds:schemaRef ds:uri="7bb5d761-a2ea-4873-95f7-7a6658fb3ef0"/>
-    <ds:schemaRef ds:uri="http://purl.org/dc/terms/"/>
-    <ds:schemaRef ds:uri="http://schemas.openxmlformats.org/package/2006/metadata/core-properties"/>
-    <ds:schemaRef ds:uri="http://www.w3.org/XML/1998/namespace"/>
-    <ds:schemaRef ds:uri="http://purl.org/dc/dcmitype/"/>
+    <ds:schemaRef ds:uri="http://schemas.microsoft.com/sharepoint/events"/>
   </ds:schemaRefs>
 </ds:datastoreItem>
 </file>
